--- a/presentation/Team-25.pptx
+++ b/presentation/Team-25.pptx
@@ -4,6 +4,9 @@
   <p:sldMasterIdLst>
     <p:sldMasterId id="2147483950" r:id="rId1"/>
   </p:sldMasterIdLst>
+  <p:notesMasterIdLst>
+    <p:notesMasterId r:id="rId29"/>
+  </p:notesMasterIdLst>
   <p:sldIdLst>
     <p:sldId id="257" r:id="rId2"/>
     <p:sldId id="270" r:id="rId3"/>
@@ -12,14 +15,26 @@
     <p:sldId id="259" r:id="rId6"/>
     <p:sldId id="271" r:id="rId7"/>
     <p:sldId id="274" r:id="rId8"/>
-    <p:sldId id="272" r:id="rId9"/>
-    <p:sldId id="273" r:id="rId10"/>
-    <p:sldId id="275" r:id="rId11"/>
-    <p:sldId id="276" r:id="rId12"/>
-    <p:sldId id="277" r:id="rId13"/>
-    <p:sldId id="279" r:id="rId14"/>
-    <p:sldId id="278" r:id="rId15"/>
-    <p:sldId id="281" r:id="rId16"/>
+    <p:sldId id="286" r:id="rId9"/>
+    <p:sldId id="287" r:id="rId10"/>
+    <p:sldId id="288" r:id="rId11"/>
+    <p:sldId id="289" r:id="rId12"/>
+    <p:sldId id="290" r:id="rId13"/>
+    <p:sldId id="285" r:id="rId14"/>
+    <p:sldId id="291" r:id="rId15"/>
+    <p:sldId id="292" r:id="rId16"/>
+    <p:sldId id="293" r:id="rId17"/>
+    <p:sldId id="294" r:id="rId18"/>
+    <p:sldId id="284" r:id="rId19"/>
+    <p:sldId id="272" r:id="rId20"/>
+    <p:sldId id="273" r:id="rId21"/>
+    <p:sldId id="275" r:id="rId22"/>
+    <p:sldId id="276" r:id="rId23"/>
+    <p:sldId id="282" r:id="rId24"/>
+    <p:sldId id="277" r:id="rId25"/>
+    <p:sldId id="279" r:id="rId26"/>
+    <p:sldId id="278" r:id="rId27"/>
+    <p:sldId id="281" r:id="rId28"/>
   </p:sldIdLst>
   <p:sldSz cx="12192000" cy="6858000"/>
   <p:notesSz cx="6858000" cy="9144000"/>
@@ -126,6 +141,792 @@
 </p:presentation>
 </file>
 
+<file path=ppt/notesMasters/notesMaster1.xml><?xml version="1.0" encoding="utf-8"?>
+<p:notesMaster xmlns:a="http://schemas.openxmlformats.org/drawingml/2006/main" xmlns:r="http://schemas.openxmlformats.org/officeDocument/2006/relationships" xmlns:p="http://schemas.openxmlformats.org/presentationml/2006/main">
+  <p:cSld>
+    <p:bg>
+      <p:bgRef idx="1001">
+        <a:schemeClr val="bg1"/>
+      </p:bgRef>
+    </p:bg>
+    <p:spTree>
+      <p:nvGrpSpPr>
+        <p:cNvPr id="1" name=""/>
+        <p:cNvGrpSpPr/>
+        <p:nvPr/>
+      </p:nvGrpSpPr>
+      <p:grpSpPr>
+        <a:xfrm>
+          <a:off x="0" y="0"/>
+          <a:ext cx="0" cy="0"/>
+          <a:chOff x="0" y="0"/>
+          <a:chExt cx="0" cy="0"/>
+        </a:xfrm>
+      </p:grpSpPr>
+      <p:sp>
+        <p:nvSpPr>
+          <p:cNvPr id="2" name="Header Placeholder 1"/>
+          <p:cNvSpPr>
+            <a:spLocks noGrp="1"/>
+          </p:cNvSpPr>
+          <p:nvPr>
+            <p:ph type="hdr" sz="quarter"/>
+          </p:nvPr>
+        </p:nvSpPr>
+        <p:spPr>
+          <a:xfrm>
+            <a:off x="0" y="0"/>
+            <a:ext cx="2971800" cy="458788"/>
+          </a:xfrm>
+          <a:prstGeom prst="rect">
+            <a:avLst/>
+          </a:prstGeom>
+        </p:spPr>
+        <p:txBody>
+          <a:bodyPr vert="horz" lIns="91440" tIns="45720" rIns="91440" bIns="45720" rtlCol="0"/>
+          <a:lstStyle>
+            <a:lvl1pPr algn="l">
+              <a:defRPr sz="1200"/>
+            </a:lvl1pPr>
+          </a:lstStyle>
+          <a:p>
+            <a:endParaRPr lang="en-US"/>
+          </a:p>
+        </p:txBody>
+      </p:sp>
+      <p:sp>
+        <p:nvSpPr>
+          <p:cNvPr id="3" name="Date Placeholder 2"/>
+          <p:cNvSpPr>
+            <a:spLocks noGrp="1"/>
+          </p:cNvSpPr>
+          <p:nvPr>
+            <p:ph type="dt" idx="1"/>
+          </p:nvPr>
+        </p:nvSpPr>
+        <p:spPr>
+          <a:xfrm>
+            <a:off x="3884613" y="0"/>
+            <a:ext cx="2971800" cy="458788"/>
+          </a:xfrm>
+          <a:prstGeom prst="rect">
+            <a:avLst/>
+          </a:prstGeom>
+        </p:spPr>
+        <p:txBody>
+          <a:bodyPr vert="horz" lIns="91440" tIns="45720" rIns="91440" bIns="45720" rtlCol="0"/>
+          <a:lstStyle>
+            <a:lvl1pPr algn="r">
+              <a:defRPr sz="1200"/>
+            </a:lvl1pPr>
+          </a:lstStyle>
+          <a:p>
+            <a:fld id="{5D44D6BF-B9BD-4338-90A3-91B6768E1A15}" type="datetimeFigureOut">
+              <a:rPr lang="en-US" smtClean="0"/>
+              <a:t>4/4/2020</a:t>
+            </a:fld>
+            <a:endParaRPr lang="en-US"/>
+          </a:p>
+        </p:txBody>
+      </p:sp>
+      <p:sp>
+        <p:nvSpPr>
+          <p:cNvPr id="4" name="Slide Image Placeholder 3"/>
+          <p:cNvSpPr>
+            <a:spLocks noGrp="1" noRot="1" noChangeAspect="1"/>
+          </p:cNvSpPr>
+          <p:nvPr>
+            <p:ph type="sldImg" idx="2"/>
+          </p:nvPr>
+        </p:nvSpPr>
+        <p:spPr>
+          <a:xfrm>
+            <a:off x="685800" y="1143000"/>
+            <a:ext cx="5486400" cy="3086100"/>
+          </a:xfrm>
+          <a:prstGeom prst="rect">
+            <a:avLst/>
+          </a:prstGeom>
+          <a:noFill/>
+          <a:ln w="12700">
+            <a:solidFill>
+              <a:prstClr val="black"/>
+            </a:solidFill>
+          </a:ln>
+        </p:spPr>
+        <p:txBody>
+          <a:bodyPr vert="horz" lIns="91440" tIns="45720" rIns="91440" bIns="45720" rtlCol="0" anchor="ctr"/>
+          <a:lstStyle/>
+          <a:p>
+            <a:endParaRPr lang="en-US"/>
+          </a:p>
+        </p:txBody>
+      </p:sp>
+      <p:sp>
+        <p:nvSpPr>
+          <p:cNvPr id="5" name="Notes Placeholder 4"/>
+          <p:cNvSpPr>
+            <a:spLocks noGrp="1"/>
+          </p:cNvSpPr>
+          <p:nvPr>
+            <p:ph type="body" sz="quarter" idx="3"/>
+          </p:nvPr>
+        </p:nvSpPr>
+        <p:spPr>
+          <a:xfrm>
+            <a:off x="685800" y="4400550"/>
+            <a:ext cx="5486400" cy="3600450"/>
+          </a:xfrm>
+          <a:prstGeom prst="rect">
+            <a:avLst/>
+          </a:prstGeom>
+        </p:spPr>
+        <p:txBody>
+          <a:bodyPr vert="horz" lIns="91440" tIns="45720" rIns="91440" bIns="45720" rtlCol="0"/>
+          <a:lstStyle/>
+          <a:p>
+            <a:pPr lvl="0"/>
+            <a:r>
+              <a:rPr lang="en-US"/>
+              <a:t>Click to edit Master text styles</a:t>
+            </a:r>
+          </a:p>
+          <a:p>
+            <a:pPr lvl="1"/>
+            <a:r>
+              <a:rPr lang="en-US"/>
+              <a:t>Second level</a:t>
+            </a:r>
+          </a:p>
+          <a:p>
+            <a:pPr lvl="2"/>
+            <a:r>
+              <a:rPr lang="en-US"/>
+              <a:t>Third level</a:t>
+            </a:r>
+          </a:p>
+          <a:p>
+            <a:pPr lvl="3"/>
+            <a:r>
+              <a:rPr lang="en-US"/>
+              <a:t>Fourth level</a:t>
+            </a:r>
+          </a:p>
+          <a:p>
+            <a:pPr lvl="4"/>
+            <a:r>
+              <a:rPr lang="en-US"/>
+              <a:t>Fifth level</a:t>
+            </a:r>
+          </a:p>
+        </p:txBody>
+      </p:sp>
+      <p:sp>
+        <p:nvSpPr>
+          <p:cNvPr id="6" name="Footer Placeholder 5"/>
+          <p:cNvSpPr>
+            <a:spLocks noGrp="1"/>
+          </p:cNvSpPr>
+          <p:nvPr>
+            <p:ph type="ftr" sz="quarter" idx="4"/>
+          </p:nvPr>
+        </p:nvSpPr>
+        <p:spPr>
+          <a:xfrm>
+            <a:off x="0" y="8685213"/>
+            <a:ext cx="2971800" cy="458787"/>
+          </a:xfrm>
+          <a:prstGeom prst="rect">
+            <a:avLst/>
+          </a:prstGeom>
+        </p:spPr>
+        <p:txBody>
+          <a:bodyPr vert="horz" lIns="91440" tIns="45720" rIns="91440" bIns="45720" rtlCol="0" anchor="b"/>
+          <a:lstStyle>
+            <a:lvl1pPr algn="l">
+              <a:defRPr sz="1200"/>
+            </a:lvl1pPr>
+          </a:lstStyle>
+          <a:p>
+            <a:endParaRPr lang="en-US"/>
+          </a:p>
+        </p:txBody>
+      </p:sp>
+      <p:sp>
+        <p:nvSpPr>
+          <p:cNvPr id="7" name="Slide Number Placeholder 6"/>
+          <p:cNvSpPr>
+            <a:spLocks noGrp="1"/>
+          </p:cNvSpPr>
+          <p:nvPr>
+            <p:ph type="sldNum" sz="quarter" idx="5"/>
+          </p:nvPr>
+        </p:nvSpPr>
+        <p:spPr>
+          <a:xfrm>
+            <a:off x="3884613" y="8685213"/>
+            <a:ext cx="2971800" cy="458787"/>
+          </a:xfrm>
+          <a:prstGeom prst="rect">
+            <a:avLst/>
+          </a:prstGeom>
+        </p:spPr>
+        <p:txBody>
+          <a:bodyPr vert="horz" lIns="91440" tIns="45720" rIns="91440" bIns="45720" rtlCol="0" anchor="b"/>
+          <a:lstStyle>
+            <a:lvl1pPr algn="r">
+              <a:defRPr sz="1200"/>
+            </a:lvl1pPr>
+          </a:lstStyle>
+          <a:p>
+            <a:fld id="{56B17D78-F1C7-4592-8843-493934A58F74}" type="slidenum">
+              <a:rPr lang="en-US" smtClean="0"/>
+              <a:t>‹#›</a:t>
+            </a:fld>
+            <a:endParaRPr lang="en-US"/>
+          </a:p>
+        </p:txBody>
+      </p:sp>
+    </p:spTree>
+    <p:extLst>
+      <p:ext uri="{BB962C8B-B14F-4D97-AF65-F5344CB8AC3E}">
+        <p14:creationId xmlns:p14="http://schemas.microsoft.com/office/powerpoint/2010/main" val="3478623757"/>
+      </p:ext>
+    </p:extLst>
+  </p:cSld>
+  <p:clrMap bg1="lt1" tx1="dk1" bg2="lt2" tx2="dk2" accent1="accent1" accent2="accent2" accent3="accent3" accent4="accent4" accent5="accent5" accent6="accent6" hlink="hlink" folHlink="folHlink"/>
+  <p:notesStyle>
+    <a:lvl1pPr marL="0" algn="l" defTabSz="914400" rtl="0" eaLnBrk="1" latinLnBrk="0" hangingPunct="1">
+      <a:defRPr sz="1200" kern="1200">
+        <a:solidFill>
+          <a:schemeClr val="tx1"/>
+        </a:solidFill>
+        <a:latin typeface="+mn-lt"/>
+        <a:ea typeface="+mn-ea"/>
+        <a:cs typeface="+mn-cs"/>
+      </a:defRPr>
+    </a:lvl1pPr>
+    <a:lvl2pPr marL="457200" algn="l" defTabSz="914400" rtl="0" eaLnBrk="1" latinLnBrk="0" hangingPunct="1">
+      <a:defRPr sz="1200" kern="1200">
+        <a:solidFill>
+          <a:schemeClr val="tx1"/>
+        </a:solidFill>
+        <a:latin typeface="+mn-lt"/>
+        <a:ea typeface="+mn-ea"/>
+        <a:cs typeface="+mn-cs"/>
+      </a:defRPr>
+    </a:lvl2pPr>
+    <a:lvl3pPr marL="914400" algn="l" defTabSz="914400" rtl="0" eaLnBrk="1" latinLnBrk="0" hangingPunct="1">
+      <a:defRPr sz="1200" kern="1200">
+        <a:solidFill>
+          <a:schemeClr val="tx1"/>
+        </a:solidFill>
+        <a:latin typeface="+mn-lt"/>
+        <a:ea typeface="+mn-ea"/>
+        <a:cs typeface="+mn-cs"/>
+      </a:defRPr>
+    </a:lvl3pPr>
+    <a:lvl4pPr marL="1371600" algn="l" defTabSz="914400" rtl="0" eaLnBrk="1" latinLnBrk="0" hangingPunct="1">
+      <a:defRPr sz="1200" kern="1200">
+        <a:solidFill>
+          <a:schemeClr val="tx1"/>
+        </a:solidFill>
+        <a:latin typeface="+mn-lt"/>
+        <a:ea typeface="+mn-ea"/>
+        <a:cs typeface="+mn-cs"/>
+      </a:defRPr>
+    </a:lvl4pPr>
+    <a:lvl5pPr marL="1828800" algn="l" defTabSz="914400" rtl="0" eaLnBrk="1" latinLnBrk="0" hangingPunct="1">
+      <a:defRPr sz="1200" kern="1200">
+        <a:solidFill>
+          <a:schemeClr val="tx1"/>
+        </a:solidFill>
+        <a:latin typeface="+mn-lt"/>
+        <a:ea typeface="+mn-ea"/>
+        <a:cs typeface="+mn-cs"/>
+      </a:defRPr>
+    </a:lvl5pPr>
+    <a:lvl6pPr marL="2286000" algn="l" defTabSz="914400" rtl="0" eaLnBrk="1" latinLnBrk="0" hangingPunct="1">
+      <a:defRPr sz="1200" kern="1200">
+        <a:solidFill>
+          <a:schemeClr val="tx1"/>
+        </a:solidFill>
+        <a:latin typeface="+mn-lt"/>
+        <a:ea typeface="+mn-ea"/>
+        <a:cs typeface="+mn-cs"/>
+      </a:defRPr>
+    </a:lvl6pPr>
+    <a:lvl7pPr marL="2743200" algn="l" defTabSz="914400" rtl="0" eaLnBrk="1" latinLnBrk="0" hangingPunct="1">
+      <a:defRPr sz="1200" kern="1200">
+        <a:solidFill>
+          <a:schemeClr val="tx1"/>
+        </a:solidFill>
+        <a:latin typeface="+mn-lt"/>
+        <a:ea typeface="+mn-ea"/>
+        <a:cs typeface="+mn-cs"/>
+      </a:defRPr>
+    </a:lvl7pPr>
+    <a:lvl8pPr marL="3200400" algn="l" defTabSz="914400" rtl="0" eaLnBrk="1" latinLnBrk="0" hangingPunct="1">
+      <a:defRPr sz="1200" kern="1200">
+        <a:solidFill>
+          <a:schemeClr val="tx1"/>
+        </a:solidFill>
+        <a:latin typeface="+mn-lt"/>
+        <a:ea typeface="+mn-ea"/>
+        <a:cs typeface="+mn-cs"/>
+      </a:defRPr>
+    </a:lvl8pPr>
+    <a:lvl9pPr marL="3657600" algn="l" defTabSz="914400" rtl="0" eaLnBrk="1" latinLnBrk="0" hangingPunct="1">
+      <a:defRPr sz="1200" kern="1200">
+        <a:solidFill>
+          <a:schemeClr val="tx1"/>
+        </a:solidFill>
+        <a:latin typeface="+mn-lt"/>
+        <a:ea typeface="+mn-ea"/>
+        <a:cs typeface="+mn-cs"/>
+      </a:defRPr>
+    </a:lvl9pPr>
+  </p:notesStyle>
+</p:notesMaster>
+</file>
+
+<file path=ppt/notesSlides/notesSlide1.xml><?xml version="1.0" encoding="utf-8"?>
+<p:notes xmlns:a="http://schemas.openxmlformats.org/drawingml/2006/main" xmlns:r="http://schemas.openxmlformats.org/officeDocument/2006/relationships" xmlns:p="http://schemas.openxmlformats.org/presentationml/2006/main">
+  <p:cSld>
+    <p:spTree>
+      <p:nvGrpSpPr>
+        <p:cNvPr id="1" name=""/>
+        <p:cNvGrpSpPr/>
+        <p:nvPr/>
+      </p:nvGrpSpPr>
+      <p:grpSpPr>
+        <a:xfrm>
+          <a:off x="0" y="0"/>
+          <a:ext cx="0" cy="0"/>
+          <a:chOff x="0" y="0"/>
+          <a:chExt cx="0" cy="0"/>
+        </a:xfrm>
+      </p:grpSpPr>
+      <p:sp>
+        <p:nvSpPr>
+          <p:cNvPr id="2" name="Slide Image Placeholder 1"/>
+          <p:cNvSpPr>
+            <a:spLocks noGrp="1" noRot="1" noChangeAspect="1"/>
+          </p:cNvSpPr>
+          <p:nvPr>
+            <p:ph type="sldImg"/>
+          </p:nvPr>
+        </p:nvSpPr>
+        <p:spPr/>
+      </p:sp>
+      <p:sp>
+        <p:nvSpPr>
+          <p:cNvPr id="3" name="Notes Placeholder 2"/>
+          <p:cNvSpPr>
+            <a:spLocks noGrp="1"/>
+          </p:cNvSpPr>
+          <p:nvPr>
+            <p:ph type="body" idx="1"/>
+          </p:nvPr>
+        </p:nvSpPr>
+        <p:spPr/>
+        <p:txBody>
+          <a:bodyPr/>
+          <a:lstStyle/>
+          <a:p>
+            <a:pPr marL="0" marR="0" lvl="0" indent="0" algn="l" defTabSz="914400" rtl="0" eaLnBrk="1" fontAlgn="auto" latinLnBrk="0" hangingPunct="1">
+              <a:lnSpc>
+                <a:spcPct val="100000"/>
+              </a:lnSpc>
+              <a:spcBef>
+                <a:spcPts val="0"/>
+              </a:spcBef>
+              <a:spcAft>
+                <a:spcPts val="0"/>
+              </a:spcAft>
+              <a:buClrTx/>
+              <a:buSzTx/>
+              <a:buFontTx/>
+              <a:buNone/>
+              <a:tabLst/>
+              <a:defRPr/>
+            </a:pPr>
+            <a:r>
+              <a:rPr lang="en-US" dirty="0"/>
+              <a:t>[x1]</a:t>
+            </a:r>
+            <a:r>
+              <a:rPr lang="en-US" sz="1200" kern="1200" dirty="0">
+                <a:solidFill>
+                  <a:schemeClr val="tx1"/>
+                </a:solidFill>
+                <a:effectLst/>
+                <a:latin typeface="+mn-lt"/>
+                <a:ea typeface="+mn-ea"/>
+                <a:cs typeface="+mn-cs"/>
+                <a:hlinkClick r:id="rId3"/>
+              </a:rPr>
+              <a:t> https://www.who.int/health_financing/topics/resource-tracking/ghed-update/en/</a:t>
+            </a:r>
+            <a:endParaRPr lang="en-US" sz="1200" kern="1200" dirty="0">
+              <a:solidFill>
+                <a:schemeClr val="tx1"/>
+              </a:solidFill>
+              <a:effectLst/>
+              <a:latin typeface="+mn-lt"/>
+              <a:ea typeface="+mn-ea"/>
+              <a:cs typeface="+mn-cs"/>
+            </a:endParaRPr>
+          </a:p>
+          <a:p>
+            <a:endParaRPr lang="en-US" dirty="0"/>
+          </a:p>
+          <a:p>
+            <a:r>
+              <a:rPr lang="en-US" dirty="0"/>
+              <a:t>[x6]</a:t>
+            </a:r>
+            <a:r>
+              <a:rPr lang="en-US" sz="1200" u="sng" kern="1200" dirty="0">
+                <a:solidFill>
+                  <a:schemeClr val="tx1"/>
+                </a:solidFill>
+                <a:effectLst/>
+                <a:latin typeface="+mn-lt"/>
+                <a:ea typeface="+mn-ea"/>
+                <a:cs typeface="+mn-cs"/>
+                <a:hlinkClick r:id="rId4"/>
+              </a:rPr>
+              <a:t> https://www.who.int/gho/mental_health/human_resources/psychiatrists_nurses/en/</a:t>
+            </a:r>
+            <a:endParaRPr lang="en-US" dirty="0"/>
+          </a:p>
+        </p:txBody>
+      </p:sp>
+      <p:sp>
+        <p:nvSpPr>
+          <p:cNvPr id="4" name="Slide Number Placeholder 3"/>
+          <p:cNvSpPr>
+            <a:spLocks noGrp="1"/>
+          </p:cNvSpPr>
+          <p:nvPr>
+            <p:ph type="sldNum" sz="quarter" idx="5"/>
+          </p:nvPr>
+        </p:nvSpPr>
+        <p:spPr/>
+        <p:txBody>
+          <a:bodyPr/>
+          <a:lstStyle/>
+          <a:p>
+            <a:fld id="{56B17D78-F1C7-4592-8843-493934A58F74}" type="slidenum">
+              <a:rPr lang="en-US" smtClean="0"/>
+              <a:t>8</a:t>
+            </a:fld>
+            <a:endParaRPr lang="en-US"/>
+          </a:p>
+        </p:txBody>
+      </p:sp>
+    </p:spTree>
+    <p:extLst>
+      <p:ext uri="{BB962C8B-B14F-4D97-AF65-F5344CB8AC3E}">
+        <p14:creationId xmlns:p14="http://schemas.microsoft.com/office/powerpoint/2010/main" val="3624115932"/>
+      </p:ext>
+    </p:extLst>
+  </p:cSld>
+  <p:clrMapOvr>
+    <a:masterClrMapping/>
+  </p:clrMapOvr>
+</p:notes>
+</file>
+
+<file path=ppt/notesSlides/notesSlide2.xml><?xml version="1.0" encoding="utf-8"?>
+<p:notes xmlns:a="http://schemas.openxmlformats.org/drawingml/2006/main" xmlns:r="http://schemas.openxmlformats.org/officeDocument/2006/relationships" xmlns:p="http://schemas.openxmlformats.org/presentationml/2006/main">
+  <p:cSld>
+    <p:spTree>
+      <p:nvGrpSpPr>
+        <p:cNvPr id="1" name=""/>
+        <p:cNvGrpSpPr/>
+        <p:nvPr/>
+      </p:nvGrpSpPr>
+      <p:grpSpPr>
+        <a:xfrm>
+          <a:off x="0" y="0"/>
+          <a:ext cx="0" cy="0"/>
+          <a:chOff x="0" y="0"/>
+          <a:chExt cx="0" cy="0"/>
+        </a:xfrm>
+      </p:grpSpPr>
+      <p:sp>
+        <p:nvSpPr>
+          <p:cNvPr id="2" name="Slide Image Placeholder 1"/>
+          <p:cNvSpPr>
+            <a:spLocks noGrp="1" noRot="1" noChangeAspect="1"/>
+          </p:cNvSpPr>
+          <p:nvPr>
+            <p:ph type="sldImg"/>
+          </p:nvPr>
+        </p:nvSpPr>
+        <p:spPr/>
+      </p:sp>
+      <p:sp>
+        <p:nvSpPr>
+          <p:cNvPr id="3" name="Notes Placeholder 2"/>
+          <p:cNvSpPr>
+            <a:spLocks noGrp="1"/>
+          </p:cNvSpPr>
+          <p:nvPr>
+            <p:ph type="body" idx="1"/>
+          </p:nvPr>
+        </p:nvSpPr>
+        <p:spPr/>
+        <p:txBody>
+          <a:bodyPr/>
+          <a:lstStyle/>
+          <a:p>
+            <a:pPr marL="0" marR="0" lvl="0" indent="0" algn="l" defTabSz="914400" rtl="0" eaLnBrk="1" fontAlgn="auto" latinLnBrk="0" hangingPunct="1">
+              <a:lnSpc>
+                <a:spcPct val="100000"/>
+              </a:lnSpc>
+              <a:spcBef>
+                <a:spcPts val="0"/>
+              </a:spcBef>
+              <a:spcAft>
+                <a:spcPts val="0"/>
+              </a:spcAft>
+              <a:buClrTx/>
+              <a:buSzTx/>
+              <a:buFontTx/>
+              <a:buNone/>
+              <a:tabLst/>
+              <a:defRPr/>
+            </a:pPr>
+            <a:r>
+              <a:rPr lang="en-US" sz="1200" kern="1200" dirty="0">
+                <a:solidFill>
+                  <a:schemeClr val="tx1"/>
+                </a:solidFill>
+                <a:effectLst/>
+                <a:latin typeface="+mn-lt"/>
+                <a:ea typeface="+mn-ea"/>
+                <a:cs typeface="+mn-cs"/>
+              </a:rPr>
+              <a:t>[1] </a:t>
+            </a:r>
+            <a:r>
+              <a:rPr lang="en-US" sz="1200" u="sng" kern="1200" dirty="0">
+                <a:solidFill>
+                  <a:schemeClr val="tx1"/>
+                </a:solidFill>
+                <a:effectLst/>
+                <a:latin typeface="+mn-lt"/>
+                <a:ea typeface="+mn-ea"/>
+                <a:cs typeface="+mn-cs"/>
+                <a:hlinkClick r:id="rId3"/>
+              </a:rPr>
+              <a:t>https://www.who.int/health_financing/topics/resource-tracking/ghed-update/en/</a:t>
+            </a:r>
+            <a:endParaRPr lang="en-US" sz="1200" kern="1200" dirty="0">
+              <a:solidFill>
+                <a:schemeClr val="tx1"/>
+              </a:solidFill>
+              <a:effectLst/>
+              <a:latin typeface="+mn-lt"/>
+              <a:ea typeface="+mn-ea"/>
+              <a:cs typeface="+mn-cs"/>
+            </a:endParaRPr>
+          </a:p>
+          <a:p>
+            <a:pPr marL="0" marR="0" lvl="0" indent="0" algn="l" defTabSz="914400" rtl="0" eaLnBrk="1" fontAlgn="auto" latinLnBrk="0" hangingPunct="1">
+              <a:lnSpc>
+                <a:spcPct val="100000"/>
+              </a:lnSpc>
+              <a:spcBef>
+                <a:spcPts val="0"/>
+              </a:spcBef>
+              <a:spcAft>
+                <a:spcPts val="0"/>
+              </a:spcAft>
+              <a:buClrTx/>
+              <a:buSzTx/>
+              <a:buFontTx/>
+              <a:buNone/>
+              <a:tabLst/>
+              <a:defRPr/>
+            </a:pPr>
+            <a:r>
+              <a:rPr lang="en-US" sz="1200" kern="1200" dirty="0">
+                <a:solidFill>
+                  <a:schemeClr val="tx1"/>
+                </a:solidFill>
+                <a:effectLst/>
+                <a:latin typeface="+mn-lt"/>
+                <a:ea typeface="+mn-ea"/>
+                <a:cs typeface="+mn-cs"/>
+              </a:rPr>
+              <a:t>[2] </a:t>
+            </a:r>
+            <a:r>
+              <a:rPr lang="en-US" sz="1200" u="sng" kern="1200" dirty="0">
+                <a:solidFill>
+                  <a:schemeClr val="tx1"/>
+                </a:solidFill>
+                <a:effectLst/>
+                <a:latin typeface="+mn-lt"/>
+                <a:ea typeface="+mn-ea"/>
+                <a:cs typeface="+mn-cs"/>
+                <a:hlinkClick r:id="rId4"/>
+              </a:rPr>
+              <a:t>https://datacatalog.worldbank.org/current-health-expenditure-gdp</a:t>
+            </a:r>
+            <a:endParaRPr lang="en-US" sz="1200" kern="1200" dirty="0">
+              <a:solidFill>
+                <a:schemeClr val="tx1"/>
+              </a:solidFill>
+              <a:effectLst/>
+              <a:latin typeface="+mn-lt"/>
+              <a:ea typeface="+mn-ea"/>
+              <a:cs typeface="+mn-cs"/>
+            </a:endParaRPr>
+          </a:p>
+          <a:p>
+            <a:pPr marL="0" marR="0" lvl="0" indent="0" algn="l" defTabSz="914400" rtl="0" eaLnBrk="1" fontAlgn="auto" latinLnBrk="0" hangingPunct="1">
+              <a:lnSpc>
+                <a:spcPct val="100000"/>
+              </a:lnSpc>
+              <a:spcBef>
+                <a:spcPts val="0"/>
+              </a:spcBef>
+              <a:spcAft>
+                <a:spcPts val="0"/>
+              </a:spcAft>
+              <a:buClrTx/>
+              <a:buSzTx/>
+              <a:buFontTx/>
+              <a:buNone/>
+              <a:tabLst/>
+              <a:defRPr/>
+            </a:pPr>
+            <a:r>
+              <a:rPr lang="en-US" sz="1200" kern="1200" dirty="0">
+                <a:solidFill>
+                  <a:schemeClr val="tx1"/>
+                </a:solidFill>
+                <a:effectLst/>
+                <a:latin typeface="+mn-lt"/>
+                <a:ea typeface="+mn-ea"/>
+                <a:cs typeface="+mn-cs"/>
+              </a:rPr>
+              <a:t>[3] </a:t>
+            </a:r>
+            <a:r>
+              <a:rPr lang="en-US" sz="1200" kern="1200" dirty="0">
+                <a:solidFill>
+                  <a:schemeClr val="tx1"/>
+                </a:solidFill>
+                <a:effectLst/>
+                <a:latin typeface="+mn-lt"/>
+                <a:ea typeface="+mn-ea"/>
+                <a:cs typeface="+mn-cs"/>
+                <a:hlinkClick r:id="rId5"/>
+              </a:rPr>
+              <a:t>https://www.who.int/gho/health_financing/health_expenditure/en/</a:t>
+            </a:r>
+            <a:endParaRPr lang="en-US" sz="1200" kern="1200" dirty="0">
+              <a:solidFill>
+                <a:schemeClr val="tx1"/>
+              </a:solidFill>
+              <a:effectLst/>
+              <a:latin typeface="+mn-lt"/>
+              <a:ea typeface="+mn-ea"/>
+              <a:cs typeface="+mn-cs"/>
+            </a:endParaRPr>
+          </a:p>
+          <a:p>
+            <a:pPr marL="0" marR="0" lvl="0" indent="0" algn="l" defTabSz="914400" rtl="0" eaLnBrk="1" fontAlgn="auto" latinLnBrk="0" hangingPunct="1">
+              <a:lnSpc>
+                <a:spcPct val="100000"/>
+              </a:lnSpc>
+              <a:spcBef>
+                <a:spcPts val="0"/>
+              </a:spcBef>
+              <a:spcAft>
+                <a:spcPts val="0"/>
+              </a:spcAft>
+              <a:buClrTx/>
+              <a:buSzTx/>
+              <a:buFontTx/>
+              <a:buNone/>
+              <a:tabLst/>
+              <a:defRPr/>
+            </a:pPr>
+            <a:r>
+              <a:rPr lang="en-US" dirty="0"/>
+              <a:t>[4]</a:t>
+            </a:r>
+            <a:r>
+              <a:rPr lang="en-US" sz="1200" kern="1200" dirty="0">
+                <a:solidFill>
+                  <a:schemeClr val="tx1"/>
+                </a:solidFill>
+                <a:effectLst/>
+                <a:latin typeface="+mn-lt"/>
+                <a:ea typeface="+mn-ea"/>
+                <a:cs typeface="+mn-cs"/>
+                <a:hlinkClick r:id="rId6"/>
+              </a:rPr>
+              <a:t> https://journals.sagepub.com/doi/pdf/10.1177/070674371005500406</a:t>
+            </a:r>
+            <a:endParaRPr lang="en-US" sz="1200" kern="1200" dirty="0">
+              <a:solidFill>
+                <a:schemeClr val="tx1"/>
+              </a:solidFill>
+              <a:effectLst/>
+              <a:latin typeface="+mn-lt"/>
+              <a:ea typeface="+mn-ea"/>
+              <a:cs typeface="+mn-cs"/>
+            </a:endParaRPr>
+          </a:p>
+          <a:p>
+            <a:endParaRPr lang="en-US" dirty="0"/>
+          </a:p>
+        </p:txBody>
+      </p:sp>
+      <p:sp>
+        <p:nvSpPr>
+          <p:cNvPr id="4" name="Slide Number Placeholder 3"/>
+          <p:cNvSpPr>
+            <a:spLocks noGrp="1"/>
+          </p:cNvSpPr>
+          <p:nvPr>
+            <p:ph type="sldNum" sz="quarter" idx="5"/>
+          </p:nvPr>
+        </p:nvSpPr>
+        <p:spPr/>
+        <p:txBody>
+          <a:bodyPr/>
+          <a:lstStyle/>
+          <a:p>
+            <a:fld id="{56B17D78-F1C7-4592-8843-493934A58F74}" type="slidenum">
+              <a:rPr lang="en-US" smtClean="0"/>
+              <a:t>10</a:t>
+            </a:fld>
+            <a:endParaRPr lang="en-US"/>
+          </a:p>
+        </p:txBody>
+      </p:sp>
+    </p:spTree>
+    <p:extLst>
+      <p:ext uri="{BB962C8B-B14F-4D97-AF65-F5344CB8AC3E}">
+        <p14:creationId xmlns:p14="http://schemas.microsoft.com/office/powerpoint/2010/main" val="3448824412"/>
+      </p:ext>
+    </p:extLst>
+  </p:cSld>
+  <p:clrMapOvr>
+    <a:masterClrMapping/>
+  </p:clrMapOvr>
+</p:notes>
+</file>
+
 <file path=ppt/slideLayouts/slideLayout1.xml><?xml version="1.0" encoding="utf-8"?>
 <p:sldLayout xmlns:a="http://schemas.openxmlformats.org/drawingml/2006/main" xmlns:r="http://schemas.openxmlformats.org/officeDocument/2006/relationships" xmlns:p="http://schemas.openxmlformats.org/presentationml/2006/main" type="title" preserve="1">
   <p:cSld name="Title Slide">
@@ -301,7 +1102,7 @@
             <a:fld id="{8AECDF24-0F62-6442-A2C0-578570B09936}" type="datetimeFigureOut">
               <a:rPr lang="en-US" smtClean="0"/>
               <a:pPr/>
-              <a:t>4/4/20</a:t>
+              <a:t>4/4/2020</a:t>
             </a:fld>
             <a:endParaRPr lang="en-US"/>
           </a:p>
@@ -518,7 +1319,7 @@
           <a:p>
             <a:fld id="{8AECDF24-0F62-6442-A2C0-578570B09936}" type="datetimeFigureOut">
               <a:rPr lang="en-US" smtClean="0"/>
-              <a:t>4/4/20</a:t>
+              <a:t>4/4/2020</a:t>
             </a:fld>
             <a:endParaRPr lang="en-US"/>
           </a:p>
@@ -726,7 +1527,7 @@
           <a:p>
             <a:fld id="{8AECDF24-0F62-6442-A2C0-578570B09936}" type="datetimeFigureOut">
               <a:rPr lang="en-US" smtClean="0"/>
-              <a:t>4/4/20</a:t>
+              <a:t>4/4/2020</a:t>
             </a:fld>
             <a:endParaRPr lang="en-US"/>
           </a:p>
@@ -963,7 +1764,7 @@
             <a:fld id="{8AECDF24-0F62-6442-A2C0-578570B09936}" type="datetimeFigureOut">
               <a:rPr lang="en-US" smtClean="0"/>
               <a:pPr/>
-              <a:t>4/4/20</a:t>
+              <a:t>4/4/2020</a:t>
             </a:fld>
             <a:endParaRPr lang="en-US"/>
           </a:p>
@@ -1363,7 +2164,7 @@
             <a:fld id="{8AECDF24-0F62-6442-A2C0-578570B09936}" type="datetimeFigureOut">
               <a:rPr lang="en-US" smtClean="0"/>
               <a:pPr/>
-              <a:t>4/4/20</a:t>
+              <a:t>4/4/2020</a:t>
             </a:fld>
             <a:endParaRPr lang="en-US"/>
           </a:p>
@@ -1641,7 +2442,7 @@
           <a:p>
             <a:fld id="{8AECDF24-0F62-6442-A2C0-578570B09936}" type="datetimeFigureOut">
               <a:rPr lang="en-US" smtClean="0"/>
-              <a:t>4/4/20</a:t>
+              <a:t>4/4/2020</a:t>
             </a:fld>
             <a:endParaRPr lang="en-US"/>
           </a:p>
@@ -2155,7 +2956,7 @@
           <a:p>
             <a:fld id="{8AECDF24-0F62-6442-A2C0-578570B09936}" type="datetimeFigureOut">
               <a:rPr lang="en-US" smtClean="0"/>
-              <a:t>4/4/20</a:t>
+              <a:t>4/4/2020</a:t>
             </a:fld>
             <a:endParaRPr lang="en-US"/>
           </a:p>
@@ -2296,7 +3097,7 @@
           <a:p>
             <a:fld id="{8AECDF24-0F62-6442-A2C0-578570B09936}" type="datetimeFigureOut">
               <a:rPr lang="en-US" smtClean="0"/>
-              <a:t>4/4/20</a:t>
+              <a:t>4/4/2020</a:t>
             </a:fld>
             <a:endParaRPr lang="en-US"/>
           </a:p>
@@ -2409,7 +3210,7 @@
           <a:p>
             <a:fld id="{8AECDF24-0F62-6442-A2C0-578570B09936}" type="datetimeFigureOut">
               <a:rPr lang="en-US" smtClean="0"/>
-              <a:t>4/4/20</a:t>
+              <a:t>4/4/2020</a:t>
             </a:fld>
             <a:endParaRPr lang="en-US"/>
           </a:p>
@@ -2720,7 +3521,7 @@
           <a:p>
             <a:fld id="{8AECDF24-0F62-6442-A2C0-578570B09936}" type="datetimeFigureOut">
               <a:rPr lang="en-US" smtClean="0"/>
-              <a:t>4/4/20</a:t>
+              <a:t>4/4/2020</a:t>
             </a:fld>
             <a:endParaRPr lang="en-US"/>
           </a:p>
@@ -3008,7 +3809,7 @@
           <a:p>
             <a:fld id="{8AECDF24-0F62-6442-A2C0-578570B09936}" type="datetimeFigureOut">
               <a:rPr lang="en-US" smtClean="0"/>
-              <a:t>4/4/20</a:t>
+              <a:t>4/4/2020</a:t>
             </a:fld>
             <a:endParaRPr lang="en-US"/>
           </a:p>
@@ -3249,7 +4050,7 @@
           <a:p>
             <a:fld id="{8AECDF24-0F62-6442-A2C0-578570B09936}" type="datetimeFigureOut">
               <a:rPr lang="en-US" smtClean="0"/>
-              <a:t>4/4/20</a:t>
+              <a:t>4/4/2020</a:t>
             </a:fld>
             <a:endParaRPr lang="en-US"/>
           </a:p>
@@ -3784,12 +4585,59 @@
           <a:chExt cx="0" cy="0"/>
         </a:xfrm>
       </p:grpSpPr>
+      <p:pic>
+        <p:nvPicPr>
+          <p:cNvPr id="1026" name="Picture 2" descr="WHO Ranks Healthcare Around the World - BORGEN">
+            <a:extLst>
+              <a:ext uri="{FF2B5EF4-FFF2-40B4-BE49-F238E27FC236}">
+                <a16:creationId xmlns:a16="http://schemas.microsoft.com/office/drawing/2014/main" id="{CB56F8EE-5934-4BE1-9950-FBA655323DAA}"/>
+              </a:ext>
+            </a:extLst>
+          </p:cNvPr>
+          <p:cNvPicPr>
+            <a:picLocks noChangeAspect="1" noChangeArrowheads="1"/>
+          </p:cNvPicPr>
+          <p:nvPr/>
+        </p:nvPicPr>
+        <p:blipFill>
+          <a:blip r:embed="rId3">
+            <a:extLst>
+              <a:ext uri="{28A0092B-C50C-407E-A947-70E740481C1C}">
+                <a14:useLocalDpi xmlns:a14="http://schemas.microsoft.com/office/drawing/2010/main" val="0"/>
+              </a:ext>
+            </a:extLst>
+          </a:blip>
+          <a:srcRect/>
+          <a:stretch>
+            <a:fillRect/>
+          </a:stretch>
+        </p:blipFill>
+        <p:spPr bwMode="auto">
+          <a:xfrm>
+            <a:off x="8848436" y="5550350"/>
+            <a:ext cx="2769862" cy="1325834"/>
+          </a:xfrm>
+          <a:prstGeom prst="rect">
+            <a:avLst/>
+          </a:prstGeom>
+          <a:noFill/>
+          <a:extLst>
+            <a:ext uri="{909E8E84-426E-40DD-AFC4-6F175D3DCCD1}">
+              <a14:hiddenFill xmlns:a14="http://schemas.microsoft.com/office/drawing/2010/main">
+                <a:solidFill>
+                  <a:srgbClr val="FFFFFF"/>
+                </a:solidFill>
+              </a14:hiddenFill>
+            </a:ext>
+          </a:extLst>
+        </p:spPr>
+      </p:pic>
       <p:sp>
         <p:nvSpPr>
           <p:cNvPr id="2" name="Title 1">
             <a:extLst>
               <a:ext uri="{FF2B5EF4-FFF2-40B4-BE49-F238E27FC236}">
-                <a16:creationId xmlns:a16="http://schemas.microsoft.com/office/drawing/2014/main" id="{624DC2CB-8BD0-C849-B52E-0F91A40C741E}"/>
+                <a16:creationId xmlns:a16="http://schemas.microsoft.com/office/drawing/2014/main" id="{5046D7FF-1F52-4ACD-BCEB-9816F9F94274}"/>
               </a:ext>
             </a:extLst>
           </p:cNvPr>
@@ -3807,7 +4655,7 @@
           <a:p>
             <a:r>
               <a:rPr lang="en-US" dirty="0"/>
-              <a:t>Impact Alcohol Abuse</a:t>
+              <a:t>Remaining Inputs: Health Expenditure</a:t>
             </a:r>
           </a:p>
         </p:txBody>
@@ -3817,7 +4665,7 @@
           <p:cNvPr id="3" name="Content Placeholder 2">
             <a:extLst>
               <a:ext uri="{FF2B5EF4-FFF2-40B4-BE49-F238E27FC236}">
-                <a16:creationId xmlns:a16="http://schemas.microsoft.com/office/drawing/2014/main" id="{399E939B-CD29-D445-B69B-5A724813DF0B}"/>
+                <a16:creationId xmlns:a16="http://schemas.microsoft.com/office/drawing/2014/main" id="{AA9E6257-DED2-4591-958B-CB13AFD34262}"/>
               </a:ext>
             </a:extLst>
           </p:cNvPr>
@@ -3830,60 +4678,46 @@
         </p:nvSpPr>
         <p:spPr/>
         <p:txBody>
-          <a:bodyPr/>
+          <a:bodyPr>
+            <a:normAutofit fontScale="92500"/>
+          </a:bodyPr>
           <a:lstStyle/>
           <a:p>
             <a:r>
               <a:rPr lang="en-US" dirty="0"/>
-              <a:t>Exploratory Analysis - Visual</a:t>
-            </a:r>
-          </a:p>
-          <a:p>
-            <a:endParaRPr lang="en-US" dirty="0"/>
+              <a:t>Current Health Expenditure as % of GDP</a:t>
+            </a:r>
           </a:p>
           <a:p>
             <a:r>
               <a:rPr lang="en-US" dirty="0"/>
-              <a:t>Testing (Hypothesis etc.)</a:t>
-            </a:r>
-          </a:p>
-          <a:p>
-            <a:endParaRPr lang="en-US" dirty="0"/>
-          </a:p>
-          <a:p>
-            <a:r>
-              <a:rPr lang="en-US" dirty="0" err="1"/>
-              <a:t>Elasiticity</a:t>
-            </a:r>
+              <a:t>Data retrieved from the WHO gathered from Civil Registration records [1]</a:t>
+            </a:r>
+          </a:p>
+          <a:p>
             <a:r>
               <a:rPr lang="en-US" dirty="0"/>
-              <a:t>/impact on our outcome</a:t>
-            </a:r>
-          </a:p>
-          <a:p>
-            <a:endParaRPr lang="en-US" dirty="0"/>
+              <a:t>CHE is based on expenditures “including healthcare goods and services consumed during each year. This indicator does not include capital health expenditures such as buildings, machinery, IT and stocks of vaccines for emergency or outbreaks.” [2]. </a:t>
+            </a:r>
           </a:p>
           <a:p>
             <a:r>
               <a:rPr lang="en-US" dirty="0"/>
-              <a:t>What policy makers should know and do</a:t>
-            </a:r>
-          </a:p>
-          <a:p>
-            <a:endParaRPr lang="en-US" dirty="0"/>
-          </a:p>
-          <a:p>
-            <a:endParaRPr lang="en-US" dirty="0"/>
-          </a:p>
-          <a:p>
-            <a:endParaRPr lang="en-US" dirty="0"/>
+              <a:t>In 2015 CHE was 10% globally [3], and is typically higher for devolved countries</a:t>
+            </a:r>
+          </a:p>
+          <a:p>
+            <a:r>
+              <a:rPr lang="en-US" dirty="0"/>
+              <a:t>Studies in the past have seen a negative correlation between CHE and suicide rates [4]</a:t>
+            </a:r>
           </a:p>
         </p:txBody>
       </p:sp>
     </p:spTree>
     <p:extLst>
       <p:ext uri="{BB962C8B-B14F-4D97-AF65-F5344CB8AC3E}">
-        <p14:creationId xmlns:p14="http://schemas.microsoft.com/office/powerpoint/2010/main" val="2733299390"/>
+        <p14:creationId xmlns:p14="http://schemas.microsoft.com/office/powerpoint/2010/main" val="4046060750"/>
       </p:ext>
     </p:extLst>
   </p:cSld>
@@ -3915,7 +4749,7 @@
           <p:cNvPr id="2" name="Title 1">
             <a:extLst>
               <a:ext uri="{FF2B5EF4-FFF2-40B4-BE49-F238E27FC236}">
-                <a16:creationId xmlns:a16="http://schemas.microsoft.com/office/drawing/2014/main" id="{624DC2CB-8BD0-C849-B52E-0F91A40C741E}"/>
+                <a16:creationId xmlns:a16="http://schemas.microsoft.com/office/drawing/2014/main" id="{1BBC7610-A6B3-47B5-A0CE-732CABDE8453}"/>
               </a:ext>
             </a:extLst>
           </p:cNvPr>
@@ -3933,7 +4767,7 @@
           <a:p>
             <a:r>
               <a:rPr lang="en-US" dirty="0"/>
-              <a:t>Impact of Availability of Mental Health Resources</a:t>
+              <a:t>Remaining Inputs: Psychiatrists</a:t>
             </a:r>
           </a:p>
         </p:txBody>
@@ -3943,7 +4777,7 @@
           <p:cNvPr id="3" name="Content Placeholder 2">
             <a:extLst>
               <a:ext uri="{FF2B5EF4-FFF2-40B4-BE49-F238E27FC236}">
-                <a16:creationId xmlns:a16="http://schemas.microsoft.com/office/drawing/2014/main" id="{399E939B-CD29-D445-B69B-5A724813DF0B}"/>
+                <a16:creationId xmlns:a16="http://schemas.microsoft.com/office/drawing/2014/main" id="{10C2490A-36F5-460F-9E2D-1075A24D58B1}"/>
               </a:ext>
             </a:extLst>
           </p:cNvPr>
@@ -3954,62 +4788,116 @@
             <p:ph idx="1"/>
           </p:nvPr>
         </p:nvSpPr>
-        <p:spPr/>
-        <p:txBody>
-          <a:bodyPr/>
+        <p:spPr>
+          <a:xfrm>
+            <a:off x="838200" y="1825625"/>
+            <a:ext cx="8050823" cy="4351338"/>
+          </a:xfrm>
+        </p:spPr>
+        <p:txBody>
+          <a:bodyPr>
+            <a:normAutofit/>
+          </a:bodyPr>
           <a:lstStyle/>
           <a:p>
             <a:r>
               <a:rPr lang="en-US" dirty="0"/>
-              <a:t>Exploratory Analysis - Visual</a:t>
-            </a:r>
-          </a:p>
-          <a:p>
-            <a:endParaRPr lang="en-US" dirty="0"/>
+              <a:t>Psychiatrists Working in Mental Health Sector (per 1000000 population)</a:t>
+            </a:r>
           </a:p>
           <a:p>
             <a:r>
               <a:rPr lang="en-US" dirty="0"/>
-              <a:t>Testing (Hypothesis etc.)</a:t>
-            </a:r>
-          </a:p>
-          <a:p>
-            <a:endParaRPr lang="en-US" dirty="0"/>
-          </a:p>
-          <a:p>
-            <a:r>
-              <a:rPr lang="en-US" dirty="0" err="1"/>
-              <a:t>Elasiticity</a:t>
+              <a:t>A Psychiatrist is a practitioner of </a:t>
+            </a:r>
+            <a:r>
+              <a:rPr lang="en-US" u="sng" dirty="0">
+                <a:hlinkClick r:id="rId2" tooltip="Psychiatry"/>
+              </a:rPr>
+              <a:t>psychiatry</a:t>
             </a:r>
             <a:r>
               <a:rPr lang="en-US" dirty="0"/>
-              <a:t>/impact on our outcome</a:t>
-            </a:r>
-          </a:p>
-          <a:p>
-            <a:endParaRPr lang="en-US" dirty="0"/>
-          </a:p>
-          <a:p>
+              <a:t>, the branch of medicine devoted to the diagnosis, prevention, study, and treatment of </a:t>
+            </a:r>
+            <a:r>
+              <a:rPr lang="en-US" u="sng" dirty="0">
+                <a:hlinkClick r:id="rId3" tooltip="Mental disorder"/>
+              </a:rPr>
+              <a:t>mental disorders</a:t>
+            </a:r>
             <a:r>
               <a:rPr lang="en-US" dirty="0"/>
-              <a:t>What policy makers should know</a:t>
-            </a:r>
-          </a:p>
-          <a:p>
-            <a:endParaRPr lang="en-US" dirty="0"/>
-          </a:p>
-          <a:p>
-            <a:endParaRPr lang="en-US" dirty="0"/>
-          </a:p>
-          <a:p>
-            <a:endParaRPr lang="en-US" dirty="0"/>
-          </a:p>
-        </p:txBody>
-      </p:sp>
+              <a:t> [1]. </a:t>
+            </a:r>
+          </a:p>
+          <a:p>
+            <a:r>
+              <a:rPr lang="en-US" dirty="0"/>
+              <a:t>Low-income countries have 0.1 psychiatrists and the rate of psychiatrists in high income countries is 120 times greater [1]</a:t>
+            </a:r>
+          </a:p>
+        </p:txBody>
+      </p:sp>
+      <p:pic>
+        <p:nvPicPr>
+          <p:cNvPr id="4" name="Picture 3" descr="A screenshot of a cell phone&#10;&#10;Description automatically generated">
+            <a:extLst>
+              <a:ext uri="{FF2B5EF4-FFF2-40B4-BE49-F238E27FC236}">
+                <a16:creationId xmlns:a16="http://schemas.microsoft.com/office/drawing/2014/main" id="{665BDC86-894D-4805-8A6B-961CBDC53542}"/>
+              </a:ext>
+            </a:extLst>
+          </p:cNvPr>
+          <p:cNvPicPr/>
+          <p:nvPr/>
+        </p:nvPicPr>
+        <p:blipFill>
+          <a:blip r:embed="rId4"/>
+          <a:stretch>
+            <a:fillRect/>
+          </a:stretch>
+        </p:blipFill>
+        <p:spPr>
+          <a:xfrm>
+            <a:off x="8968740" y="3694430"/>
+            <a:ext cx="3223260" cy="3163570"/>
+          </a:xfrm>
+          <a:prstGeom prst="rect">
+            <a:avLst/>
+          </a:prstGeom>
+        </p:spPr>
+      </p:pic>
+      <p:pic>
+        <p:nvPicPr>
+          <p:cNvPr id="5" name="Picture 4" descr="A screenshot of a cell phone&#10;&#10;Description automatically generated">
+            <a:extLst>
+              <a:ext uri="{FF2B5EF4-FFF2-40B4-BE49-F238E27FC236}">
+                <a16:creationId xmlns:a16="http://schemas.microsoft.com/office/drawing/2014/main" id="{E17AC1C8-64DE-40E9-AEDA-BD09D71D18A9}"/>
+              </a:ext>
+            </a:extLst>
+          </p:cNvPr>
+          <p:cNvPicPr/>
+          <p:nvPr/>
+        </p:nvPicPr>
+        <p:blipFill rotWithShape="1">
+          <a:blip r:embed="rId5"/>
+          <a:srcRect r="44319" b="27183"/>
+          <a:stretch/>
+        </p:blipFill>
+        <p:spPr>
+          <a:xfrm>
+            <a:off x="10256505" y="1373216"/>
+            <a:ext cx="1358064" cy="2321214"/>
+          </a:xfrm>
+          <a:prstGeom prst="rect">
+            <a:avLst/>
+          </a:prstGeom>
+        </p:spPr>
+      </p:pic>
     </p:spTree>
     <p:extLst>
       <p:ext uri="{BB962C8B-B14F-4D97-AF65-F5344CB8AC3E}">
-        <p14:creationId xmlns:p14="http://schemas.microsoft.com/office/powerpoint/2010/main" val="3553279853"/>
+        <p14:creationId xmlns:p14="http://schemas.microsoft.com/office/powerpoint/2010/main" val="3134789970"/>
       </p:ext>
     </p:extLst>
   </p:cSld>
@@ -4038,44 +4926,71 @@
       </p:grpSpPr>
       <p:sp>
         <p:nvSpPr>
-          <p:cNvPr id="4" name="Title 3">
-            <a:extLst>
-              <a:ext uri="{FF2B5EF4-FFF2-40B4-BE49-F238E27FC236}">
-                <a16:creationId xmlns:a16="http://schemas.microsoft.com/office/drawing/2014/main" id="{B9E80BC2-4589-4F4D-8C68-24FFC67D1426}"/>
-              </a:ext>
-            </a:extLst>
-          </p:cNvPr>
-          <p:cNvSpPr>
-            <a:spLocks noGrp="1"/>
-          </p:cNvSpPr>
-          <p:nvPr>
-            <p:ph type="ctrTitle"/>
-          </p:nvPr>
-        </p:nvSpPr>
-        <p:spPr>
-          <a:xfrm>
-            <a:off x="416859" y="1122363"/>
-            <a:ext cx="10838329" cy="2387600"/>
-          </a:xfrm>
-        </p:spPr>
-        <p:txBody>
-          <a:bodyPr>
-            <a:normAutofit/>
-          </a:bodyPr>
-          <a:lstStyle/>
-          <a:p>
-            <a:pPr algn="l"/>
-            <a:r>
-              <a:rPr lang="en-US" sz="3600" dirty="0"/>
-              <a:t>Recommendations &amp; Decision Making Support for Policy Makers (Prescriptive)</a:t>
-            </a:r>
+          <p:cNvPr id="2" name="Title 1">
+            <a:extLst>
+              <a:ext uri="{FF2B5EF4-FFF2-40B4-BE49-F238E27FC236}">
+                <a16:creationId xmlns:a16="http://schemas.microsoft.com/office/drawing/2014/main" id="{0848DD38-4D9D-443C-BF58-6B4598FDA215}"/>
+              </a:ext>
+            </a:extLst>
+          </p:cNvPr>
+          <p:cNvSpPr>
+            <a:spLocks noGrp="1"/>
+          </p:cNvSpPr>
+          <p:nvPr>
+            <p:ph type="title"/>
+          </p:nvPr>
+        </p:nvSpPr>
+        <p:spPr/>
+        <p:txBody>
+          <a:bodyPr/>
+          <a:lstStyle/>
+          <a:p>
+            <a:r>
+              <a:rPr lang="en-US" dirty="0"/>
+              <a:t>Remaining Input: Alcohol Consumption</a:t>
+            </a:r>
+          </a:p>
+        </p:txBody>
+      </p:sp>
+      <p:sp>
+        <p:nvSpPr>
+          <p:cNvPr id="3" name="Content Placeholder 2">
+            <a:extLst>
+              <a:ext uri="{FF2B5EF4-FFF2-40B4-BE49-F238E27FC236}">
+                <a16:creationId xmlns:a16="http://schemas.microsoft.com/office/drawing/2014/main" id="{AF813B53-FB4E-4AEF-8405-EAC60F9441FA}"/>
+              </a:ext>
+            </a:extLst>
+          </p:cNvPr>
+          <p:cNvSpPr>
+            <a:spLocks noGrp="1"/>
+          </p:cNvSpPr>
+          <p:nvPr>
+            <p:ph idx="1"/>
+          </p:nvPr>
+        </p:nvSpPr>
+        <p:spPr/>
+        <p:txBody>
+          <a:bodyPr/>
+          <a:lstStyle/>
+          <a:p>
+            <a:r>
+              <a:rPr lang="en-US" dirty="0"/>
+              <a:t>Liters Alcohol per Capita</a:t>
+            </a:r>
+          </a:p>
+          <a:p>
+            <a:r>
+              <a:rPr lang="en-US" dirty="0" err="1"/>
+              <a:t>qqSam</a:t>
+            </a:r>
+            <a:endParaRPr lang="en-US" dirty="0"/>
           </a:p>
         </p:txBody>
       </p:sp>
     </p:spTree>
     <p:extLst>
       <p:ext uri="{BB962C8B-B14F-4D97-AF65-F5344CB8AC3E}">
-        <p14:creationId xmlns:p14="http://schemas.microsoft.com/office/powerpoint/2010/main" val="3276250105"/>
+        <p14:creationId xmlns:p14="http://schemas.microsoft.com/office/powerpoint/2010/main" val="3850477479"/>
       </p:ext>
     </p:extLst>
   </p:cSld>
@@ -4104,100 +5019,44 @@
       </p:grpSpPr>
       <p:sp>
         <p:nvSpPr>
-          <p:cNvPr id="2" name="Title 1">
-            <a:extLst>
-              <a:ext uri="{FF2B5EF4-FFF2-40B4-BE49-F238E27FC236}">
-                <a16:creationId xmlns:a16="http://schemas.microsoft.com/office/drawing/2014/main" id="{624DC2CB-8BD0-C849-B52E-0F91A40C741E}"/>
-              </a:ext>
-            </a:extLst>
-          </p:cNvPr>
-          <p:cNvSpPr>
-            <a:spLocks noGrp="1"/>
-          </p:cNvSpPr>
-          <p:nvPr>
-            <p:ph type="title"/>
-          </p:nvPr>
-        </p:nvSpPr>
-        <p:spPr/>
-        <p:txBody>
-          <a:bodyPr/>
-          <a:lstStyle/>
-          <a:p>
-            <a:r>
-              <a:rPr lang="en-US" dirty="0"/>
-              <a:t>What kind of Country Level Decision Making Support This Analysis Provides</a:t>
-            </a:r>
-          </a:p>
-        </p:txBody>
-      </p:sp>
-      <p:sp>
-        <p:nvSpPr>
-          <p:cNvPr id="3" name="Content Placeholder 2">
-            <a:extLst>
-              <a:ext uri="{FF2B5EF4-FFF2-40B4-BE49-F238E27FC236}">
-                <a16:creationId xmlns:a16="http://schemas.microsoft.com/office/drawing/2014/main" id="{399E939B-CD29-D445-B69B-5A724813DF0B}"/>
-              </a:ext>
-            </a:extLst>
-          </p:cNvPr>
-          <p:cNvSpPr>
-            <a:spLocks noGrp="1"/>
-          </p:cNvSpPr>
-          <p:nvPr>
-            <p:ph idx="1"/>
-          </p:nvPr>
-        </p:nvSpPr>
-        <p:spPr/>
-        <p:txBody>
-          <a:bodyPr/>
-          <a:lstStyle/>
-          <a:p>
-            <a:r>
-              <a:rPr lang="en-US" dirty="0"/>
-              <a:t>Justify investment and potential impact of decision making</a:t>
-            </a:r>
-          </a:p>
-          <a:p>
-            <a:endParaRPr lang="en-US" dirty="0"/>
-          </a:p>
-          <a:p>
-            <a:r>
-              <a:rPr lang="en-US" dirty="0"/>
-              <a:t>Bringing up statistics that would motivate decision makers</a:t>
-            </a:r>
-          </a:p>
-          <a:p>
-            <a:endParaRPr lang="en-US" dirty="0"/>
-          </a:p>
-          <a:p>
-            <a:r>
-              <a:rPr lang="en-US" dirty="0"/>
-              <a:t>Outlining a high-level strategy a country could take</a:t>
-            </a:r>
-          </a:p>
-          <a:p>
-            <a:endParaRPr lang="en-US" dirty="0"/>
-          </a:p>
-          <a:p>
-            <a:r>
-              <a:rPr lang="en-US" dirty="0"/>
-              <a:t>Highlighting where policy makers could invest in additional research to better understand the problem</a:t>
-            </a:r>
-          </a:p>
-          <a:p>
-            <a:endParaRPr lang="en-US" dirty="0"/>
-          </a:p>
-          <a:p>
-            <a:endParaRPr lang="en-US" dirty="0"/>
-          </a:p>
-          <a:p>
-            <a:endParaRPr lang="en-US" dirty="0"/>
+          <p:cNvPr id="4" name="Title 3">
+            <a:extLst>
+              <a:ext uri="{FF2B5EF4-FFF2-40B4-BE49-F238E27FC236}">
+                <a16:creationId xmlns:a16="http://schemas.microsoft.com/office/drawing/2014/main" id="{B9E80BC2-4589-4F4D-8C68-24FFC67D1426}"/>
+              </a:ext>
+            </a:extLst>
+          </p:cNvPr>
+          <p:cNvSpPr>
+            <a:spLocks noGrp="1"/>
+          </p:cNvSpPr>
+          <p:nvPr>
+            <p:ph type="ctrTitle"/>
+          </p:nvPr>
+        </p:nvSpPr>
+        <p:spPr>
+          <a:xfrm>
+            <a:off x="416859" y="1122363"/>
+            <a:ext cx="10838329" cy="2387600"/>
+          </a:xfrm>
+        </p:spPr>
+        <p:txBody>
+          <a:bodyPr>
+            <a:normAutofit/>
+          </a:bodyPr>
+          <a:lstStyle/>
+          <a:p>
+            <a:pPr algn="l"/>
+            <a:r>
+              <a:rPr lang="en-US" sz="3600" dirty="0"/>
+              <a:t>Regression Model</a:t>
+            </a:r>
           </a:p>
         </p:txBody>
       </p:sp>
     </p:spTree>
     <p:extLst>
       <p:ext uri="{BB962C8B-B14F-4D97-AF65-F5344CB8AC3E}">
-        <p14:creationId xmlns:p14="http://schemas.microsoft.com/office/powerpoint/2010/main" val="19698530"/>
+        <p14:creationId xmlns:p14="http://schemas.microsoft.com/office/powerpoint/2010/main" val="2366447657"/>
       </p:ext>
     </p:extLst>
   </p:cSld>
@@ -4226,44 +5085,69 @@
       </p:grpSpPr>
       <p:sp>
         <p:nvSpPr>
-          <p:cNvPr id="4" name="Title 3">
-            <a:extLst>
-              <a:ext uri="{FF2B5EF4-FFF2-40B4-BE49-F238E27FC236}">
-                <a16:creationId xmlns:a16="http://schemas.microsoft.com/office/drawing/2014/main" id="{B9E80BC2-4589-4F4D-8C68-24FFC67D1426}"/>
-              </a:ext>
-            </a:extLst>
-          </p:cNvPr>
-          <p:cNvSpPr>
-            <a:spLocks noGrp="1"/>
-          </p:cNvSpPr>
-          <p:nvPr>
-            <p:ph type="ctrTitle"/>
-          </p:nvPr>
-        </p:nvSpPr>
-        <p:spPr>
-          <a:xfrm>
-            <a:off x="416859" y="1122363"/>
-            <a:ext cx="10838329" cy="2387600"/>
-          </a:xfrm>
-        </p:spPr>
-        <p:txBody>
-          <a:bodyPr>
-            <a:normAutofit/>
-          </a:bodyPr>
-          <a:lstStyle/>
-          <a:p>
-            <a:pPr algn="l"/>
-            <a:r>
-              <a:rPr lang="en-US" sz="3600" dirty="0"/>
-              <a:t>Supporting Future Researchers on This Topic</a:t>
-            </a:r>
+          <p:cNvPr id="2" name="Title 1">
+            <a:extLst>
+              <a:ext uri="{FF2B5EF4-FFF2-40B4-BE49-F238E27FC236}">
+                <a16:creationId xmlns:a16="http://schemas.microsoft.com/office/drawing/2014/main" id="{E3D71C4E-63CB-4FE7-B972-B803D7679B03}"/>
+              </a:ext>
+            </a:extLst>
+          </p:cNvPr>
+          <p:cNvSpPr>
+            <a:spLocks noGrp="1"/>
+          </p:cNvSpPr>
+          <p:nvPr>
+            <p:ph type="title"/>
+          </p:nvPr>
+        </p:nvSpPr>
+        <p:spPr/>
+        <p:txBody>
+          <a:bodyPr/>
+          <a:lstStyle/>
+          <a:p>
+            <a:r>
+              <a:rPr lang="en-US" dirty="0"/>
+              <a:t>Model Creation</a:t>
+            </a:r>
+          </a:p>
+        </p:txBody>
+      </p:sp>
+      <p:sp>
+        <p:nvSpPr>
+          <p:cNvPr id="3" name="Content Placeholder 2">
+            <a:extLst>
+              <a:ext uri="{FF2B5EF4-FFF2-40B4-BE49-F238E27FC236}">
+                <a16:creationId xmlns:a16="http://schemas.microsoft.com/office/drawing/2014/main" id="{0E62FB0E-6CF7-48F8-8A90-0CDCAE26F087}"/>
+              </a:ext>
+            </a:extLst>
+          </p:cNvPr>
+          <p:cNvSpPr>
+            <a:spLocks noGrp="1"/>
+          </p:cNvSpPr>
+          <p:nvPr>
+            <p:ph idx="1"/>
+          </p:nvPr>
+        </p:nvSpPr>
+        <p:spPr/>
+        <p:txBody>
+          <a:bodyPr/>
+          <a:lstStyle/>
+          <a:p>
+            <a:pPr fontAlgn="base"/>
+            <a:r>
+              <a:rPr lang="en-US" dirty="0" err="1"/>
+              <a:t>qqOsman</a:t>
+            </a:r>
+            <a:endParaRPr lang="en-US" dirty="0"/>
+          </a:p>
+          <a:p>
+            <a:endParaRPr lang="en-US" dirty="0"/>
           </a:p>
         </p:txBody>
       </p:sp>
     </p:spTree>
     <p:extLst>
       <p:ext uri="{BB962C8B-B14F-4D97-AF65-F5344CB8AC3E}">
-        <p14:creationId xmlns:p14="http://schemas.microsoft.com/office/powerpoint/2010/main" val="2993728044"/>
+        <p14:creationId xmlns:p14="http://schemas.microsoft.com/office/powerpoint/2010/main" val="1998129388"/>
       </p:ext>
     </p:extLst>
   </p:cSld>
@@ -4292,6 +5176,267 @@
       </p:grpSpPr>
       <p:sp>
         <p:nvSpPr>
+          <p:cNvPr id="2" name="Title 1">
+            <a:extLst>
+              <a:ext uri="{FF2B5EF4-FFF2-40B4-BE49-F238E27FC236}">
+                <a16:creationId xmlns:a16="http://schemas.microsoft.com/office/drawing/2014/main" id="{797AEA03-72AA-4A62-9C5E-93A1D60018B1}"/>
+              </a:ext>
+            </a:extLst>
+          </p:cNvPr>
+          <p:cNvSpPr>
+            <a:spLocks noGrp="1"/>
+          </p:cNvSpPr>
+          <p:nvPr>
+            <p:ph type="title"/>
+          </p:nvPr>
+        </p:nvSpPr>
+        <p:spPr/>
+        <p:txBody>
+          <a:bodyPr/>
+          <a:lstStyle/>
+          <a:p>
+            <a:r>
+              <a:rPr lang="en-US" dirty="0"/>
+              <a:t>Model Refinement</a:t>
+            </a:r>
+          </a:p>
+        </p:txBody>
+      </p:sp>
+      <p:sp>
+        <p:nvSpPr>
+          <p:cNvPr id="3" name="Content Placeholder 2">
+            <a:extLst>
+              <a:ext uri="{FF2B5EF4-FFF2-40B4-BE49-F238E27FC236}">
+                <a16:creationId xmlns:a16="http://schemas.microsoft.com/office/drawing/2014/main" id="{0872993A-5D50-4F30-BA62-56A008497EB7}"/>
+              </a:ext>
+            </a:extLst>
+          </p:cNvPr>
+          <p:cNvSpPr>
+            <a:spLocks noGrp="1"/>
+          </p:cNvSpPr>
+          <p:nvPr>
+            <p:ph idx="1"/>
+          </p:nvPr>
+        </p:nvSpPr>
+        <p:spPr/>
+        <p:txBody>
+          <a:bodyPr/>
+          <a:lstStyle/>
+          <a:p>
+            <a:r>
+              <a:rPr lang="en-US" dirty="0" err="1"/>
+              <a:t>qqOsman</a:t>
+            </a:r>
+            <a:endParaRPr lang="en-US" dirty="0"/>
+          </a:p>
+        </p:txBody>
+      </p:sp>
+    </p:spTree>
+    <p:extLst>
+      <p:ext uri="{BB962C8B-B14F-4D97-AF65-F5344CB8AC3E}">
+        <p14:creationId xmlns:p14="http://schemas.microsoft.com/office/powerpoint/2010/main" val="3407115648"/>
+      </p:ext>
+    </p:extLst>
+  </p:cSld>
+  <p:clrMapOvr>
+    <a:masterClrMapping/>
+  </p:clrMapOvr>
+</p:sld>
+</file>
+
+<file path=ppt/slides/slide16.xml><?xml version="1.0" encoding="utf-8"?>
+<p:sld xmlns:a="http://schemas.openxmlformats.org/drawingml/2006/main" xmlns:r="http://schemas.openxmlformats.org/officeDocument/2006/relationships" xmlns:p="http://schemas.openxmlformats.org/presentationml/2006/main">
+  <p:cSld>
+    <p:spTree>
+      <p:nvGrpSpPr>
+        <p:cNvPr id="1" name=""/>
+        <p:cNvGrpSpPr/>
+        <p:nvPr/>
+      </p:nvGrpSpPr>
+      <p:grpSpPr>
+        <a:xfrm>
+          <a:off x="0" y="0"/>
+          <a:ext cx="0" cy="0"/>
+          <a:chOff x="0" y="0"/>
+          <a:chExt cx="0" cy="0"/>
+        </a:xfrm>
+      </p:grpSpPr>
+      <p:sp>
+        <p:nvSpPr>
+          <p:cNvPr id="2" name="Title 1">
+            <a:extLst>
+              <a:ext uri="{FF2B5EF4-FFF2-40B4-BE49-F238E27FC236}">
+                <a16:creationId xmlns:a16="http://schemas.microsoft.com/office/drawing/2014/main" id="{1180966A-6DCE-45CB-B2B4-A4CB78B27016}"/>
+              </a:ext>
+            </a:extLst>
+          </p:cNvPr>
+          <p:cNvSpPr>
+            <a:spLocks noGrp="1"/>
+          </p:cNvSpPr>
+          <p:nvPr>
+            <p:ph type="title"/>
+          </p:nvPr>
+        </p:nvSpPr>
+        <p:spPr/>
+        <p:txBody>
+          <a:bodyPr/>
+          <a:lstStyle/>
+          <a:p>
+            <a:r>
+              <a:rPr lang="en-US" dirty="0"/>
+              <a:t>Model Limitations</a:t>
+            </a:r>
+          </a:p>
+        </p:txBody>
+      </p:sp>
+      <p:sp>
+        <p:nvSpPr>
+          <p:cNvPr id="3" name="Content Placeholder 2">
+            <a:extLst>
+              <a:ext uri="{FF2B5EF4-FFF2-40B4-BE49-F238E27FC236}">
+                <a16:creationId xmlns:a16="http://schemas.microsoft.com/office/drawing/2014/main" id="{57574260-73D6-4C2F-B05F-DA8EA9C8CA88}"/>
+              </a:ext>
+            </a:extLst>
+          </p:cNvPr>
+          <p:cNvSpPr>
+            <a:spLocks noGrp="1"/>
+          </p:cNvSpPr>
+          <p:nvPr>
+            <p:ph idx="1"/>
+          </p:nvPr>
+        </p:nvSpPr>
+        <p:spPr/>
+        <p:txBody>
+          <a:bodyPr/>
+          <a:lstStyle/>
+          <a:p>
+            <a:r>
+              <a:rPr lang="en-US" dirty="0" err="1"/>
+              <a:t>qqOsman</a:t>
+            </a:r>
+            <a:endParaRPr lang="en-US" dirty="0"/>
+          </a:p>
+        </p:txBody>
+      </p:sp>
+    </p:spTree>
+    <p:extLst>
+      <p:ext uri="{BB962C8B-B14F-4D97-AF65-F5344CB8AC3E}">
+        <p14:creationId xmlns:p14="http://schemas.microsoft.com/office/powerpoint/2010/main" val="1698259041"/>
+      </p:ext>
+    </p:extLst>
+  </p:cSld>
+  <p:clrMapOvr>
+    <a:masterClrMapping/>
+  </p:clrMapOvr>
+</p:sld>
+</file>
+
+<file path=ppt/slides/slide17.xml><?xml version="1.0" encoding="utf-8"?>
+<p:sld xmlns:a="http://schemas.openxmlformats.org/drawingml/2006/main" xmlns:r="http://schemas.openxmlformats.org/officeDocument/2006/relationships" xmlns:p="http://schemas.openxmlformats.org/presentationml/2006/main">
+  <p:cSld>
+    <p:spTree>
+      <p:nvGrpSpPr>
+        <p:cNvPr id="1" name=""/>
+        <p:cNvGrpSpPr/>
+        <p:nvPr/>
+      </p:nvGrpSpPr>
+      <p:grpSpPr>
+        <a:xfrm>
+          <a:off x="0" y="0"/>
+          <a:ext cx="0" cy="0"/>
+          <a:chOff x="0" y="0"/>
+          <a:chExt cx="0" cy="0"/>
+        </a:xfrm>
+      </p:grpSpPr>
+      <p:sp>
+        <p:nvSpPr>
+          <p:cNvPr id="2" name="Title 1">
+            <a:extLst>
+              <a:ext uri="{FF2B5EF4-FFF2-40B4-BE49-F238E27FC236}">
+                <a16:creationId xmlns:a16="http://schemas.microsoft.com/office/drawing/2014/main" id="{A58B4A80-B4DD-4EFB-80F6-CE4AED5F00B1}"/>
+              </a:ext>
+            </a:extLst>
+          </p:cNvPr>
+          <p:cNvSpPr>
+            <a:spLocks noGrp="1"/>
+          </p:cNvSpPr>
+          <p:nvPr>
+            <p:ph type="title"/>
+          </p:nvPr>
+        </p:nvSpPr>
+        <p:spPr/>
+        <p:txBody>
+          <a:bodyPr/>
+          <a:lstStyle/>
+          <a:p>
+            <a:r>
+              <a:rPr lang="en-US" dirty="0"/>
+              <a:t>Model Outcomes</a:t>
+            </a:r>
+          </a:p>
+        </p:txBody>
+      </p:sp>
+      <p:sp>
+        <p:nvSpPr>
+          <p:cNvPr id="3" name="Content Placeholder 2">
+            <a:extLst>
+              <a:ext uri="{FF2B5EF4-FFF2-40B4-BE49-F238E27FC236}">
+                <a16:creationId xmlns:a16="http://schemas.microsoft.com/office/drawing/2014/main" id="{43DD36A2-8495-431F-83BA-B5F0C4C38CFB}"/>
+              </a:ext>
+            </a:extLst>
+          </p:cNvPr>
+          <p:cNvSpPr>
+            <a:spLocks noGrp="1"/>
+          </p:cNvSpPr>
+          <p:nvPr>
+            <p:ph idx="1"/>
+          </p:nvPr>
+        </p:nvSpPr>
+        <p:spPr/>
+        <p:txBody>
+          <a:bodyPr/>
+          <a:lstStyle/>
+          <a:p>
+            <a:r>
+              <a:rPr lang="en-US" dirty="0" err="1"/>
+              <a:t>qqOsman</a:t>
+            </a:r>
+            <a:endParaRPr lang="en-US" dirty="0"/>
+          </a:p>
+        </p:txBody>
+      </p:sp>
+    </p:spTree>
+    <p:extLst>
+      <p:ext uri="{BB962C8B-B14F-4D97-AF65-F5344CB8AC3E}">
+        <p14:creationId xmlns:p14="http://schemas.microsoft.com/office/powerpoint/2010/main" val="202907545"/>
+      </p:ext>
+    </p:extLst>
+  </p:cSld>
+  <p:clrMapOvr>
+    <a:masterClrMapping/>
+  </p:clrMapOvr>
+</p:sld>
+</file>
+
+<file path=ppt/slides/slide18.xml><?xml version="1.0" encoding="utf-8"?>
+<p:sld xmlns:a="http://schemas.openxmlformats.org/drawingml/2006/main" xmlns:r="http://schemas.openxmlformats.org/officeDocument/2006/relationships" xmlns:p="http://schemas.openxmlformats.org/presentationml/2006/main">
+  <p:cSld>
+    <p:spTree>
+      <p:nvGrpSpPr>
+        <p:cNvPr id="1" name=""/>
+        <p:cNvGrpSpPr/>
+        <p:nvPr/>
+      </p:nvGrpSpPr>
+      <p:grpSpPr>
+        <a:xfrm>
+          <a:off x="0" y="0"/>
+          <a:ext cx="0" cy="0"/>
+          <a:chOff x="0" y="0"/>
+          <a:chExt cx="0" cy="0"/>
+        </a:xfrm>
+      </p:grpSpPr>
+      <p:sp>
+        <p:nvSpPr>
           <p:cNvPr id="4" name="Title 3">
             <a:extLst>
               <a:ext uri="{FF2B5EF4-FFF2-40B4-BE49-F238E27FC236}">
@@ -4321,7 +5466,7 @@
             <a:pPr algn="l"/>
             <a:r>
               <a:rPr lang="en-US" sz="3600" dirty="0"/>
-              <a:t>Conclusions &amp; Appendix</a:t>
+              <a:t>Research &amp; Data Analysis </a:t>
             </a:r>
           </a:p>
         </p:txBody>
@@ -4329,7 +5474,125 @@
     </p:spTree>
     <p:extLst>
       <p:ext uri="{BB962C8B-B14F-4D97-AF65-F5344CB8AC3E}">
-        <p14:creationId xmlns:p14="http://schemas.microsoft.com/office/powerpoint/2010/main" val="1047738926"/>
+        <p14:creationId xmlns:p14="http://schemas.microsoft.com/office/powerpoint/2010/main" val="2442058615"/>
+      </p:ext>
+    </p:extLst>
+  </p:cSld>
+  <p:clrMapOvr>
+    <a:masterClrMapping/>
+  </p:clrMapOvr>
+</p:sld>
+</file>
+
+<file path=ppt/slides/slide19.xml><?xml version="1.0" encoding="utf-8"?>
+<p:sld xmlns:a="http://schemas.openxmlformats.org/drawingml/2006/main" xmlns:r="http://schemas.openxmlformats.org/officeDocument/2006/relationships" xmlns:p="http://schemas.openxmlformats.org/presentationml/2006/main">
+  <p:cSld>
+    <p:spTree>
+      <p:nvGrpSpPr>
+        <p:cNvPr id="1" name=""/>
+        <p:cNvGrpSpPr/>
+        <p:nvPr/>
+      </p:nvGrpSpPr>
+      <p:grpSpPr>
+        <a:xfrm>
+          <a:off x="0" y="0"/>
+          <a:ext cx="0" cy="0"/>
+          <a:chOff x="0" y="0"/>
+          <a:chExt cx="0" cy="0"/>
+        </a:xfrm>
+      </p:grpSpPr>
+      <p:sp>
+        <p:nvSpPr>
+          <p:cNvPr id="2" name="Title 1">
+            <a:extLst>
+              <a:ext uri="{FF2B5EF4-FFF2-40B4-BE49-F238E27FC236}">
+                <a16:creationId xmlns:a16="http://schemas.microsoft.com/office/drawing/2014/main" id="{624DC2CB-8BD0-C849-B52E-0F91A40C741E}"/>
+              </a:ext>
+            </a:extLst>
+          </p:cNvPr>
+          <p:cNvSpPr>
+            <a:spLocks noGrp="1"/>
+          </p:cNvSpPr>
+          <p:nvPr>
+            <p:ph type="title"/>
+          </p:nvPr>
+        </p:nvSpPr>
+        <p:spPr/>
+        <p:txBody>
+          <a:bodyPr/>
+          <a:lstStyle/>
+          <a:p>
+            <a:r>
+              <a:rPr lang="en-US" dirty="0"/>
+              <a:t>What Does the Data Tell Us?</a:t>
+            </a:r>
+          </a:p>
+        </p:txBody>
+      </p:sp>
+      <p:sp>
+        <p:nvSpPr>
+          <p:cNvPr id="3" name="Content Placeholder 2">
+            <a:extLst>
+              <a:ext uri="{FF2B5EF4-FFF2-40B4-BE49-F238E27FC236}">
+                <a16:creationId xmlns:a16="http://schemas.microsoft.com/office/drawing/2014/main" id="{399E939B-CD29-D445-B69B-5A724813DF0B}"/>
+              </a:ext>
+            </a:extLst>
+          </p:cNvPr>
+          <p:cNvSpPr>
+            <a:spLocks noGrp="1"/>
+          </p:cNvSpPr>
+          <p:nvPr>
+            <p:ph idx="1"/>
+          </p:nvPr>
+        </p:nvSpPr>
+        <p:spPr/>
+        <p:txBody>
+          <a:bodyPr/>
+          <a:lstStyle/>
+          <a:p>
+            <a:r>
+              <a:rPr lang="en-US" dirty="0"/>
+              <a:t>Sections:</a:t>
+            </a:r>
+          </a:p>
+          <a:p>
+            <a:endParaRPr lang="en-US" dirty="0"/>
+          </a:p>
+          <a:p>
+            <a:pPr lvl="1"/>
+            <a:r>
+              <a:rPr lang="en-US" dirty="0"/>
+              <a:t>Impact of Economic Indicators (GDP)</a:t>
+            </a:r>
+          </a:p>
+          <a:p>
+            <a:pPr lvl="1"/>
+            <a:endParaRPr lang="en-US" dirty="0"/>
+          </a:p>
+          <a:p>
+            <a:pPr lvl="1"/>
+            <a:r>
+              <a:rPr lang="en-US" dirty="0"/>
+              <a:t>Impact of Substance Abuse Indications (Alcohol Abuse)</a:t>
+            </a:r>
+          </a:p>
+          <a:p>
+            <a:pPr lvl="1"/>
+            <a:endParaRPr lang="en-US" dirty="0"/>
+          </a:p>
+          <a:p>
+            <a:pPr lvl="1"/>
+            <a:r>
+              <a:rPr lang="en-US" dirty="0"/>
+              <a:t>Impact of Mental Health Resources</a:t>
+            </a:r>
+          </a:p>
+        </p:txBody>
+      </p:sp>
+    </p:spTree>
+    <p:extLst>
+      <p:ext uri="{BB962C8B-B14F-4D97-AF65-F5344CB8AC3E}">
+        <p14:creationId xmlns:p14="http://schemas.microsoft.com/office/powerpoint/2010/main" val="182351577"/>
       </p:ext>
     </p:extLst>
   </p:cSld>
@@ -4565,10 +5828,1268 @@
           </a:p>
         </p:txBody>
       </p:sp>
+      <p:pic>
+        <p:nvPicPr>
+          <p:cNvPr id="7" name="Picture 6">
+            <a:extLst>
+              <a:ext uri="{FF2B5EF4-FFF2-40B4-BE49-F238E27FC236}">
+                <a16:creationId xmlns:a16="http://schemas.microsoft.com/office/drawing/2014/main" id="{6665AF92-76FE-4AE4-9326-51E5D21937C7}"/>
+              </a:ext>
+            </a:extLst>
+          </p:cNvPr>
+          <p:cNvPicPr>
+            <a:picLocks noChangeAspect="1"/>
+          </p:cNvPicPr>
+          <p:nvPr/>
+        </p:nvPicPr>
+        <p:blipFill>
+          <a:blip r:embed="rId3"/>
+          <a:srcRect/>
+          <a:stretch/>
+        </p:blipFill>
+        <p:spPr>
+          <a:xfrm>
+            <a:off x="6802145" y="3196789"/>
+            <a:ext cx="1153909" cy="1587500"/>
+          </a:xfrm>
+          <a:prstGeom prst="rect">
+            <a:avLst/>
+          </a:prstGeom>
+        </p:spPr>
+      </p:pic>
+      <p:sp>
+        <p:nvSpPr>
+          <p:cNvPr id="8" name="TextBox 7">
+            <a:extLst>
+              <a:ext uri="{FF2B5EF4-FFF2-40B4-BE49-F238E27FC236}">
+                <a16:creationId xmlns:a16="http://schemas.microsoft.com/office/drawing/2014/main" id="{C19FF405-2491-4C12-B03F-8FE1D47C52B6}"/>
+              </a:ext>
+            </a:extLst>
+          </p:cNvPr>
+          <p:cNvSpPr txBox="1"/>
+          <p:nvPr/>
+        </p:nvSpPr>
+        <p:spPr>
+          <a:xfrm>
+            <a:off x="6320144" y="4982383"/>
+            <a:ext cx="2345392" cy="1200329"/>
+          </a:xfrm>
+          <a:prstGeom prst="rect">
+            <a:avLst/>
+          </a:prstGeom>
+          <a:noFill/>
+        </p:spPr>
+        <p:txBody>
+          <a:bodyPr wrap="square" rtlCol="0">
+            <a:spAutoFit/>
+          </a:bodyPr>
+          <a:lstStyle/>
+          <a:p>
+            <a:r>
+              <a:rPr lang="en-US" sz="1200" b="1" dirty="0"/>
+              <a:t>Michael Szostak</a:t>
+            </a:r>
+          </a:p>
+          <a:p>
+            <a:r>
+              <a:rPr lang="en-US" sz="1200" dirty="0"/>
+              <a:t>MS in Aerospace </a:t>
+            </a:r>
+          </a:p>
+          <a:p>
+            <a:r>
+              <a:rPr lang="en-US" sz="1200" dirty="0"/>
+              <a:t>Aerospace Systems Design Lab</a:t>
+            </a:r>
+            <a:br>
+              <a:rPr lang="en-US" sz="1200" dirty="0"/>
+            </a:br>
+            <a:endParaRPr lang="en-US" sz="1200" dirty="0"/>
+          </a:p>
+          <a:p>
+            <a:r>
+              <a:rPr lang="en-US" sz="1200" dirty="0"/>
+              <a:t>From Austin, TX</a:t>
+            </a:r>
+          </a:p>
+          <a:p>
+            <a:r>
+              <a:rPr lang="en-US" sz="1200" dirty="0"/>
+              <a:t>Hobbies: Running &amp; Mtn Biking</a:t>
+            </a:r>
+          </a:p>
+        </p:txBody>
+      </p:sp>
+      <p:sp>
+        <p:nvSpPr>
+          <p:cNvPr id="10" name="Rectangle 9">
+            <a:extLst>
+              <a:ext uri="{FF2B5EF4-FFF2-40B4-BE49-F238E27FC236}">
+                <a16:creationId xmlns:a16="http://schemas.microsoft.com/office/drawing/2014/main" id="{698B3D34-688A-4C11-9566-40CFADF0765C}"/>
+              </a:ext>
+            </a:extLst>
+          </p:cNvPr>
+          <p:cNvSpPr/>
+          <p:nvPr/>
+        </p:nvSpPr>
+        <p:spPr>
+          <a:xfrm>
+            <a:off x="6092665" y="2998694"/>
+            <a:ext cx="2572871" cy="3469341"/>
+          </a:xfrm>
+          <a:prstGeom prst="rect">
+            <a:avLst/>
+          </a:prstGeom>
+          <a:noFill/>
+        </p:spPr>
+        <p:style>
+          <a:lnRef idx="2">
+            <a:schemeClr val="accent1">
+              <a:shade val="50000"/>
+            </a:schemeClr>
+          </a:lnRef>
+          <a:fillRef idx="1">
+            <a:schemeClr val="accent1"/>
+          </a:fillRef>
+          <a:effectRef idx="0">
+            <a:schemeClr val="accent1"/>
+          </a:effectRef>
+          <a:fontRef idx="minor">
+            <a:schemeClr val="lt1"/>
+          </a:fontRef>
+        </p:style>
+        <p:txBody>
+          <a:bodyPr rtlCol="0" anchor="ctr"/>
+          <a:lstStyle/>
+          <a:p>
+            <a:pPr algn="ctr"/>
+            <a:endParaRPr lang="en-US"/>
+          </a:p>
+        </p:txBody>
+      </p:sp>
+      <p:pic>
+        <p:nvPicPr>
+          <p:cNvPr id="11" name="Picture 10" descr="Brain">
+            <a:extLst>
+              <a:ext uri="{FF2B5EF4-FFF2-40B4-BE49-F238E27FC236}">
+                <a16:creationId xmlns:a16="http://schemas.microsoft.com/office/drawing/2014/main" id="{7ECA00DA-D15C-43EF-AD38-FD199B51ADE4}"/>
+              </a:ext>
+            </a:extLst>
+          </p:cNvPr>
+          <p:cNvPicPr>
+            <a:picLocks noChangeAspect="1"/>
+          </p:cNvPicPr>
+          <p:nvPr/>
+        </p:nvPicPr>
+        <p:blipFill>
+          <a:blip r:embed="rId4">
+            <a:extLst>
+              <a:ext uri="{96DAC541-7B7A-43D3-8B79-37D633B846F1}">
+                <asvg:svgBlip xmlns:asvg="http://schemas.microsoft.com/office/drawing/2016/SVG/main" r:embed="rId5"/>
+              </a:ext>
+            </a:extLst>
+          </a:blip>
+          <a:srcRect/>
+          <a:stretch/>
+        </p:blipFill>
+        <p:spPr>
+          <a:xfrm>
+            <a:off x="3936668" y="3295882"/>
+            <a:ext cx="1409700" cy="1409700"/>
+          </a:xfrm>
+          <a:prstGeom prst="rect">
+            <a:avLst/>
+          </a:prstGeom>
+        </p:spPr>
+      </p:pic>
+      <p:sp>
+        <p:nvSpPr>
+          <p:cNvPr id="12" name="TextBox 11">
+            <a:extLst>
+              <a:ext uri="{FF2B5EF4-FFF2-40B4-BE49-F238E27FC236}">
+                <a16:creationId xmlns:a16="http://schemas.microsoft.com/office/drawing/2014/main" id="{A266B7F0-CF8D-44F0-BCD9-A94605737217}"/>
+              </a:ext>
+            </a:extLst>
+          </p:cNvPr>
+          <p:cNvSpPr txBox="1"/>
+          <p:nvPr/>
+        </p:nvSpPr>
+        <p:spPr>
+          <a:xfrm>
+            <a:off x="3582562" y="4992576"/>
+            <a:ext cx="2345392" cy="1200329"/>
+          </a:xfrm>
+          <a:prstGeom prst="rect">
+            <a:avLst/>
+          </a:prstGeom>
+          <a:noFill/>
+        </p:spPr>
+        <p:txBody>
+          <a:bodyPr wrap="square" rtlCol="0">
+            <a:spAutoFit/>
+          </a:bodyPr>
+          <a:lstStyle/>
+          <a:p>
+            <a:r>
+              <a:rPr lang="en-US" sz="1200" b="1" dirty="0"/>
+              <a:t>Sam LASTNAME </a:t>
+            </a:r>
+          </a:p>
+          <a:p>
+            <a:r>
+              <a:rPr lang="en-US" sz="1200" dirty="0"/>
+              <a:t>MS in Statistics </a:t>
+            </a:r>
+          </a:p>
+          <a:p>
+            <a:r>
+              <a:rPr lang="en-US" sz="1200" dirty="0"/>
+              <a:t>(Part-time - School of Math)</a:t>
+            </a:r>
+            <a:br>
+              <a:rPr lang="en-US" sz="1200" dirty="0"/>
+            </a:br>
+            <a:endParaRPr lang="en-US" sz="1200" dirty="0"/>
+          </a:p>
+          <a:p>
+            <a:r>
+              <a:rPr lang="en-US" sz="1200" dirty="0"/>
+              <a:t>From Atlanta, GA</a:t>
+            </a:r>
+          </a:p>
+          <a:p>
+            <a:r>
+              <a:rPr lang="en-US" sz="1200" dirty="0"/>
+              <a:t>Hobbies: Running &amp; Board Games</a:t>
+            </a:r>
+          </a:p>
+        </p:txBody>
+      </p:sp>
+      <p:sp>
+        <p:nvSpPr>
+          <p:cNvPr id="13" name="Rectangle 12">
+            <a:extLst>
+              <a:ext uri="{FF2B5EF4-FFF2-40B4-BE49-F238E27FC236}">
+                <a16:creationId xmlns:a16="http://schemas.microsoft.com/office/drawing/2014/main" id="{80CB21F0-F9E0-49E6-A558-ABA3434C4C3C}"/>
+              </a:ext>
+            </a:extLst>
+          </p:cNvPr>
+          <p:cNvSpPr/>
+          <p:nvPr/>
+        </p:nvSpPr>
+        <p:spPr>
+          <a:xfrm>
+            <a:off x="3355083" y="3008887"/>
+            <a:ext cx="2572871" cy="3469341"/>
+          </a:xfrm>
+          <a:prstGeom prst="rect">
+            <a:avLst/>
+          </a:prstGeom>
+          <a:noFill/>
+        </p:spPr>
+        <p:style>
+          <a:lnRef idx="2">
+            <a:schemeClr val="accent1">
+              <a:shade val="50000"/>
+            </a:schemeClr>
+          </a:lnRef>
+          <a:fillRef idx="1">
+            <a:schemeClr val="accent1"/>
+          </a:fillRef>
+          <a:effectRef idx="0">
+            <a:schemeClr val="accent1"/>
+          </a:effectRef>
+          <a:fontRef idx="minor">
+            <a:schemeClr val="lt1"/>
+          </a:fontRef>
+        </p:style>
+        <p:txBody>
+          <a:bodyPr rtlCol="0" anchor="ctr"/>
+          <a:lstStyle/>
+          <a:p>
+            <a:pPr algn="ctr"/>
+            <a:endParaRPr lang="en-US"/>
+          </a:p>
+        </p:txBody>
+      </p:sp>
+      <p:pic>
+        <p:nvPicPr>
+          <p:cNvPr id="14" name="Picture 13" descr="Brain in head">
+            <a:extLst>
+              <a:ext uri="{FF2B5EF4-FFF2-40B4-BE49-F238E27FC236}">
+                <a16:creationId xmlns:a16="http://schemas.microsoft.com/office/drawing/2014/main" id="{1388A2FC-2450-418A-8B08-01D44704D539}"/>
+              </a:ext>
+            </a:extLst>
+          </p:cNvPr>
+          <p:cNvPicPr>
+            <a:picLocks noChangeAspect="1"/>
+          </p:cNvPicPr>
+          <p:nvPr/>
+        </p:nvPicPr>
+        <p:blipFill>
+          <a:blip r:embed="rId6">
+            <a:extLst>
+              <a:ext uri="{96DAC541-7B7A-43D3-8B79-37D633B846F1}">
+                <asvg:svgBlip xmlns:asvg="http://schemas.microsoft.com/office/drawing/2016/SVG/main" r:embed="rId7"/>
+              </a:ext>
+            </a:extLst>
+          </a:blip>
+          <a:srcRect/>
+          <a:stretch/>
+        </p:blipFill>
+        <p:spPr>
+          <a:xfrm>
+            <a:off x="1199086" y="3295403"/>
+            <a:ext cx="1409700" cy="1409700"/>
+          </a:xfrm>
+          <a:prstGeom prst="rect">
+            <a:avLst/>
+          </a:prstGeom>
+        </p:spPr>
+      </p:pic>
+      <p:sp>
+        <p:nvSpPr>
+          <p:cNvPr id="15" name="TextBox 14">
+            <a:extLst>
+              <a:ext uri="{FF2B5EF4-FFF2-40B4-BE49-F238E27FC236}">
+                <a16:creationId xmlns:a16="http://schemas.microsoft.com/office/drawing/2014/main" id="{56834E23-4695-4DFF-8096-B02F26D04D4C}"/>
+              </a:ext>
+            </a:extLst>
+          </p:cNvPr>
+          <p:cNvSpPr txBox="1"/>
+          <p:nvPr/>
+        </p:nvSpPr>
+        <p:spPr>
+          <a:xfrm>
+            <a:off x="844980" y="4992097"/>
+            <a:ext cx="2345392" cy="1200329"/>
+          </a:xfrm>
+          <a:prstGeom prst="rect">
+            <a:avLst/>
+          </a:prstGeom>
+          <a:noFill/>
+        </p:spPr>
+        <p:txBody>
+          <a:bodyPr wrap="square" rtlCol="0">
+            <a:spAutoFit/>
+          </a:bodyPr>
+          <a:lstStyle/>
+          <a:p>
+            <a:r>
+              <a:rPr lang="en-US" sz="1200" b="1" dirty="0"/>
+              <a:t>Osman </a:t>
+            </a:r>
+            <a:r>
+              <a:rPr lang="en-US" sz="1200" b="1" dirty="0" err="1"/>
+              <a:t>Ghandour</a:t>
+            </a:r>
+            <a:endParaRPr lang="en-US" sz="1200" b="1" dirty="0"/>
+          </a:p>
+          <a:p>
+            <a:r>
+              <a:rPr lang="en-US" sz="1200" dirty="0"/>
+              <a:t>MS in __ </a:t>
+            </a:r>
+          </a:p>
+          <a:p>
+            <a:r>
+              <a:rPr lang="en-US" sz="1200" dirty="0"/>
+              <a:t>Aerospace Systems Design Lab</a:t>
+            </a:r>
+            <a:br>
+              <a:rPr lang="en-US" sz="1200" dirty="0"/>
+            </a:br>
+            <a:endParaRPr lang="en-US" sz="1200" dirty="0"/>
+          </a:p>
+          <a:p>
+            <a:r>
+              <a:rPr lang="en-US" sz="1200" dirty="0"/>
+              <a:t>From Austin, TX</a:t>
+            </a:r>
+          </a:p>
+          <a:p>
+            <a:r>
+              <a:rPr lang="en-US" sz="1200" dirty="0"/>
+              <a:t>Hobbies: Running &amp; Mtn Biking</a:t>
+            </a:r>
+          </a:p>
+        </p:txBody>
+      </p:sp>
+      <p:sp>
+        <p:nvSpPr>
+          <p:cNvPr id="16" name="Rectangle 15">
+            <a:extLst>
+              <a:ext uri="{FF2B5EF4-FFF2-40B4-BE49-F238E27FC236}">
+                <a16:creationId xmlns:a16="http://schemas.microsoft.com/office/drawing/2014/main" id="{DB21DE29-8431-481C-8888-60E5EFA6FF8A}"/>
+              </a:ext>
+            </a:extLst>
+          </p:cNvPr>
+          <p:cNvSpPr/>
+          <p:nvPr/>
+        </p:nvSpPr>
+        <p:spPr>
+          <a:xfrm>
+            <a:off x="617501" y="3008408"/>
+            <a:ext cx="2572871" cy="3469341"/>
+          </a:xfrm>
+          <a:prstGeom prst="rect">
+            <a:avLst/>
+          </a:prstGeom>
+          <a:noFill/>
+        </p:spPr>
+        <p:style>
+          <a:lnRef idx="2">
+            <a:schemeClr val="accent1">
+              <a:shade val="50000"/>
+            </a:schemeClr>
+          </a:lnRef>
+          <a:fillRef idx="1">
+            <a:schemeClr val="accent1"/>
+          </a:fillRef>
+          <a:effectRef idx="0">
+            <a:schemeClr val="accent1"/>
+          </a:effectRef>
+          <a:fontRef idx="minor">
+            <a:schemeClr val="lt1"/>
+          </a:fontRef>
+        </p:style>
+        <p:txBody>
+          <a:bodyPr rtlCol="0" anchor="ctr"/>
+          <a:lstStyle/>
+          <a:p>
+            <a:pPr algn="ctr"/>
+            <a:endParaRPr lang="en-US"/>
+          </a:p>
+        </p:txBody>
+      </p:sp>
     </p:spTree>
     <p:extLst>
       <p:ext uri="{BB962C8B-B14F-4D97-AF65-F5344CB8AC3E}">
         <p14:creationId xmlns:p14="http://schemas.microsoft.com/office/powerpoint/2010/main" val="3945561248"/>
+      </p:ext>
+    </p:extLst>
+  </p:cSld>
+  <p:clrMapOvr>
+    <a:masterClrMapping/>
+  </p:clrMapOvr>
+</p:sld>
+</file>
+
+<file path=ppt/slides/slide20.xml><?xml version="1.0" encoding="utf-8"?>
+<p:sld xmlns:a="http://schemas.openxmlformats.org/drawingml/2006/main" xmlns:r="http://schemas.openxmlformats.org/officeDocument/2006/relationships" xmlns:p="http://schemas.openxmlformats.org/presentationml/2006/main">
+  <p:cSld>
+    <p:spTree>
+      <p:nvGrpSpPr>
+        <p:cNvPr id="1" name=""/>
+        <p:cNvGrpSpPr/>
+        <p:nvPr/>
+      </p:nvGrpSpPr>
+      <p:grpSpPr>
+        <a:xfrm>
+          <a:off x="0" y="0"/>
+          <a:ext cx="0" cy="0"/>
+          <a:chOff x="0" y="0"/>
+          <a:chExt cx="0" cy="0"/>
+        </a:xfrm>
+      </p:grpSpPr>
+      <p:sp>
+        <p:nvSpPr>
+          <p:cNvPr id="2" name="Title 1">
+            <a:extLst>
+              <a:ext uri="{FF2B5EF4-FFF2-40B4-BE49-F238E27FC236}">
+                <a16:creationId xmlns:a16="http://schemas.microsoft.com/office/drawing/2014/main" id="{624DC2CB-8BD0-C849-B52E-0F91A40C741E}"/>
+              </a:ext>
+            </a:extLst>
+          </p:cNvPr>
+          <p:cNvSpPr>
+            <a:spLocks noGrp="1"/>
+          </p:cNvSpPr>
+          <p:nvPr>
+            <p:ph type="title"/>
+          </p:nvPr>
+        </p:nvSpPr>
+        <p:spPr/>
+        <p:txBody>
+          <a:bodyPr/>
+          <a:lstStyle/>
+          <a:p>
+            <a:r>
+              <a:rPr lang="en-US" dirty="0"/>
+              <a:t>Impact of Wealth, Country Level Economic Indicators</a:t>
+            </a:r>
+          </a:p>
+        </p:txBody>
+      </p:sp>
+      <p:sp>
+        <p:nvSpPr>
+          <p:cNvPr id="3" name="Content Placeholder 2">
+            <a:extLst>
+              <a:ext uri="{FF2B5EF4-FFF2-40B4-BE49-F238E27FC236}">
+                <a16:creationId xmlns:a16="http://schemas.microsoft.com/office/drawing/2014/main" id="{399E939B-CD29-D445-B69B-5A724813DF0B}"/>
+              </a:ext>
+            </a:extLst>
+          </p:cNvPr>
+          <p:cNvSpPr>
+            <a:spLocks noGrp="1"/>
+          </p:cNvSpPr>
+          <p:nvPr>
+            <p:ph idx="1"/>
+          </p:nvPr>
+        </p:nvSpPr>
+        <p:spPr/>
+        <p:txBody>
+          <a:bodyPr/>
+          <a:lstStyle/>
+          <a:p>
+            <a:r>
+              <a:rPr lang="en-US" dirty="0"/>
+              <a:t>Exploratory Analysis - Visual</a:t>
+            </a:r>
+          </a:p>
+          <a:p>
+            <a:endParaRPr lang="en-US" dirty="0"/>
+          </a:p>
+          <a:p>
+            <a:r>
+              <a:rPr lang="en-US" dirty="0"/>
+              <a:t>Testing (Hypothesis etc.)</a:t>
+            </a:r>
+          </a:p>
+          <a:p>
+            <a:endParaRPr lang="en-US" dirty="0"/>
+          </a:p>
+          <a:p>
+            <a:r>
+              <a:rPr lang="en-US" dirty="0" err="1"/>
+              <a:t>Elasiticity</a:t>
+            </a:r>
+            <a:r>
+              <a:rPr lang="en-US" dirty="0"/>
+              <a:t>/impact on our outcome</a:t>
+            </a:r>
+          </a:p>
+          <a:p>
+            <a:endParaRPr lang="en-US" dirty="0"/>
+          </a:p>
+          <a:p>
+            <a:r>
+              <a:rPr lang="en-US" dirty="0"/>
+              <a:t>What policy makers should know</a:t>
+            </a:r>
+          </a:p>
+          <a:p>
+            <a:endParaRPr lang="en-US" dirty="0"/>
+          </a:p>
+          <a:p>
+            <a:endParaRPr lang="en-US" dirty="0"/>
+          </a:p>
+          <a:p>
+            <a:endParaRPr lang="en-US" dirty="0"/>
+          </a:p>
+        </p:txBody>
+      </p:sp>
+    </p:spTree>
+    <p:extLst>
+      <p:ext uri="{BB962C8B-B14F-4D97-AF65-F5344CB8AC3E}">
+        <p14:creationId xmlns:p14="http://schemas.microsoft.com/office/powerpoint/2010/main" val="1808011340"/>
+      </p:ext>
+    </p:extLst>
+  </p:cSld>
+  <p:clrMapOvr>
+    <a:masterClrMapping/>
+  </p:clrMapOvr>
+</p:sld>
+</file>
+
+<file path=ppt/slides/slide21.xml><?xml version="1.0" encoding="utf-8"?>
+<p:sld xmlns:a="http://schemas.openxmlformats.org/drawingml/2006/main" xmlns:r="http://schemas.openxmlformats.org/officeDocument/2006/relationships" xmlns:p="http://schemas.openxmlformats.org/presentationml/2006/main">
+  <p:cSld>
+    <p:spTree>
+      <p:nvGrpSpPr>
+        <p:cNvPr id="1" name=""/>
+        <p:cNvGrpSpPr/>
+        <p:nvPr/>
+      </p:nvGrpSpPr>
+      <p:grpSpPr>
+        <a:xfrm>
+          <a:off x="0" y="0"/>
+          <a:ext cx="0" cy="0"/>
+          <a:chOff x="0" y="0"/>
+          <a:chExt cx="0" cy="0"/>
+        </a:xfrm>
+      </p:grpSpPr>
+      <p:sp>
+        <p:nvSpPr>
+          <p:cNvPr id="2" name="Title 1">
+            <a:extLst>
+              <a:ext uri="{FF2B5EF4-FFF2-40B4-BE49-F238E27FC236}">
+                <a16:creationId xmlns:a16="http://schemas.microsoft.com/office/drawing/2014/main" id="{624DC2CB-8BD0-C849-B52E-0F91A40C741E}"/>
+              </a:ext>
+            </a:extLst>
+          </p:cNvPr>
+          <p:cNvSpPr>
+            <a:spLocks noGrp="1"/>
+          </p:cNvSpPr>
+          <p:nvPr>
+            <p:ph type="title"/>
+          </p:nvPr>
+        </p:nvSpPr>
+        <p:spPr/>
+        <p:txBody>
+          <a:bodyPr/>
+          <a:lstStyle/>
+          <a:p>
+            <a:r>
+              <a:rPr lang="en-US" dirty="0"/>
+              <a:t>Impact Alcohol Abuse</a:t>
+            </a:r>
+          </a:p>
+        </p:txBody>
+      </p:sp>
+      <p:sp>
+        <p:nvSpPr>
+          <p:cNvPr id="3" name="Content Placeholder 2">
+            <a:extLst>
+              <a:ext uri="{FF2B5EF4-FFF2-40B4-BE49-F238E27FC236}">
+                <a16:creationId xmlns:a16="http://schemas.microsoft.com/office/drawing/2014/main" id="{399E939B-CD29-D445-B69B-5A724813DF0B}"/>
+              </a:ext>
+            </a:extLst>
+          </p:cNvPr>
+          <p:cNvSpPr>
+            <a:spLocks noGrp="1"/>
+          </p:cNvSpPr>
+          <p:nvPr>
+            <p:ph idx="1"/>
+          </p:nvPr>
+        </p:nvSpPr>
+        <p:spPr/>
+        <p:txBody>
+          <a:bodyPr/>
+          <a:lstStyle/>
+          <a:p>
+            <a:r>
+              <a:rPr lang="en-US" dirty="0"/>
+              <a:t>Exploratory Analysis - Visual</a:t>
+            </a:r>
+          </a:p>
+          <a:p>
+            <a:endParaRPr lang="en-US" dirty="0"/>
+          </a:p>
+          <a:p>
+            <a:r>
+              <a:rPr lang="en-US" dirty="0"/>
+              <a:t>Testing (Hypothesis etc.)</a:t>
+            </a:r>
+          </a:p>
+          <a:p>
+            <a:endParaRPr lang="en-US" dirty="0"/>
+          </a:p>
+          <a:p>
+            <a:r>
+              <a:rPr lang="en-US" dirty="0" err="1"/>
+              <a:t>Elasiticity</a:t>
+            </a:r>
+            <a:r>
+              <a:rPr lang="en-US" dirty="0"/>
+              <a:t>/impact on our outcome</a:t>
+            </a:r>
+          </a:p>
+          <a:p>
+            <a:endParaRPr lang="en-US" dirty="0"/>
+          </a:p>
+          <a:p>
+            <a:r>
+              <a:rPr lang="en-US" dirty="0"/>
+              <a:t>What policy makers should know and do</a:t>
+            </a:r>
+          </a:p>
+          <a:p>
+            <a:endParaRPr lang="en-US" dirty="0"/>
+          </a:p>
+          <a:p>
+            <a:endParaRPr lang="en-US" dirty="0"/>
+          </a:p>
+          <a:p>
+            <a:endParaRPr lang="en-US" dirty="0"/>
+          </a:p>
+        </p:txBody>
+      </p:sp>
+    </p:spTree>
+    <p:extLst>
+      <p:ext uri="{BB962C8B-B14F-4D97-AF65-F5344CB8AC3E}">
+        <p14:creationId xmlns:p14="http://schemas.microsoft.com/office/powerpoint/2010/main" val="2733299390"/>
+      </p:ext>
+    </p:extLst>
+  </p:cSld>
+  <p:clrMapOvr>
+    <a:masterClrMapping/>
+  </p:clrMapOvr>
+</p:sld>
+</file>
+
+<file path=ppt/slides/slide22.xml><?xml version="1.0" encoding="utf-8"?>
+<p:sld xmlns:a="http://schemas.openxmlformats.org/drawingml/2006/main" xmlns:r="http://schemas.openxmlformats.org/officeDocument/2006/relationships" xmlns:p="http://schemas.openxmlformats.org/presentationml/2006/main">
+  <p:cSld>
+    <p:spTree>
+      <p:nvGrpSpPr>
+        <p:cNvPr id="1" name=""/>
+        <p:cNvGrpSpPr/>
+        <p:nvPr/>
+      </p:nvGrpSpPr>
+      <p:grpSpPr>
+        <a:xfrm>
+          <a:off x="0" y="0"/>
+          <a:ext cx="0" cy="0"/>
+          <a:chOff x="0" y="0"/>
+          <a:chExt cx="0" cy="0"/>
+        </a:xfrm>
+      </p:grpSpPr>
+      <p:sp>
+        <p:nvSpPr>
+          <p:cNvPr id="2" name="Title 1">
+            <a:extLst>
+              <a:ext uri="{FF2B5EF4-FFF2-40B4-BE49-F238E27FC236}">
+                <a16:creationId xmlns:a16="http://schemas.microsoft.com/office/drawing/2014/main" id="{624DC2CB-8BD0-C849-B52E-0F91A40C741E}"/>
+              </a:ext>
+            </a:extLst>
+          </p:cNvPr>
+          <p:cNvSpPr>
+            <a:spLocks noGrp="1"/>
+          </p:cNvSpPr>
+          <p:nvPr>
+            <p:ph type="title"/>
+          </p:nvPr>
+        </p:nvSpPr>
+        <p:spPr/>
+        <p:txBody>
+          <a:bodyPr/>
+          <a:lstStyle/>
+          <a:p>
+            <a:r>
+              <a:rPr lang="en-US" dirty="0"/>
+              <a:t>Impact of Availability of Mental Health Resources</a:t>
+            </a:r>
+          </a:p>
+        </p:txBody>
+      </p:sp>
+      <p:sp>
+        <p:nvSpPr>
+          <p:cNvPr id="3" name="Content Placeholder 2">
+            <a:extLst>
+              <a:ext uri="{FF2B5EF4-FFF2-40B4-BE49-F238E27FC236}">
+                <a16:creationId xmlns:a16="http://schemas.microsoft.com/office/drawing/2014/main" id="{399E939B-CD29-D445-B69B-5A724813DF0B}"/>
+              </a:ext>
+            </a:extLst>
+          </p:cNvPr>
+          <p:cNvSpPr>
+            <a:spLocks noGrp="1"/>
+          </p:cNvSpPr>
+          <p:nvPr>
+            <p:ph idx="1"/>
+          </p:nvPr>
+        </p:nvSpPr>
+        <p:spPr/>
+        <p:txBody>
+          <a:bodyPr/>
+          <a:lstStyle/>
+          <a:p>
+            <a:r>
+              <a:rPr lang="en-US" dirty="0"/>
+              <a:t>Exploratory Analysis - Visual</a:t>
+            </a:r>
+          </a:p>
+          <a:p>
+            <a:endParaRPr lang="en-US" dirty="0"/>
+          </a:p>
+          <a:p>
+            <a:r>
+              <a:rPr lang="en-US" dirty="0"/>
+              <a:t>Testing (Hypothesis etc.)</a:t>
+            </a:r>
+          </a:p>
+          <a:p>
+            <a:endParaRPr lang="en-US" dirty="0"/>
+          </a:p>
+          <a:p>
+            <a:r>
+              <a:rPr lang="en-US" dirty="0" err="1"/>
+              <a:t>Elasiticity</a:t>
+            </a:r>
+            <a:r>
+              <a:rPr lang="en-US" dirty="0"/>
+              <a:t>/impact on our outcome</a:t>
+            </a:r>
+          </a:p>
+          <a:p>
+            <a:endParaRPr lang="en-US" dirty="0"/>
+          </a:p>
+          <a:p>
+            <a:r>
+              <a:rPr lang="en-US" dirty="0"/>
+              <a:t>What policy makers should know</a:t>
+            </a:r>
+          </a:p>
+          <a:p>
+            <a:endParaRPr lang="en-US" dirty="0"/>
+          </a:p>
+          <a:p>
+            <a:endParaRPr lang="en-US" dirty="0"/>
+          </a:p>
+          <a:p>
+            <a:endParaRPr lang="en-US" dirty="0"/>
+          </a:p>
+        </p:txBody>
+      </p:sp>
+    </p:spTree>
+    <p:extLst>
+      <p:ext uri="{BB962C8B-B14F-4D97-AF65-F5344CB8AC3E}">
+        <p14:creationId xmlns:p14="http://schemas.microsoft.com/office/powerpoint/2010/main" val="3553279853"/>
+      </p:ext>
+    </p:extLst>
+  </p:cSld>
+  <p:clrMapOvr>
+    <a:masterClrMapping/>
+  </p:clrMapOvr>
+</p:sld>
+</file>
+
+<file path=ppt/slides/slide23.xml><?xml version="1.0" encoding="utf-8"?>
+<p:sld xmlns:a="http://schemas.openxmlformats.org/drawingml/2006/main" xmlns:r="http://schemas.openxmlformats.org/officeDocument/2006/relationships" xmlns:p="http://schemas.openxmlformats.org/presentationml/2006/main">
+  <p:cSld>
+    <p:spTree>
+      <p:nvGrpSpPr>
+        <p:cNvPr id="1" name=""/>
+        <p:cNvGrpSpPr/>
+        <p:nvPr/>
+      </p:nvGrpSpPr>
+      <p:grpSpPr>
+        <a:xfrm>
+          <a:off x="0" y="0"/>
+          <a:ext cx="0" cy="0"/>
+          <a:chOff x="0" y="0"/>
+          <a:chExt cx="0" cy="0"/>
+        </a:xfrm>
+      </p:grpSpPr>
+      <p:sp>
+        <p:nvSpPr>
+          <p:cNvPr id="2" name="Title 1">
+            <a:extLst>
+              <a:ext uri="{FF2B5EF4-FFF2-40B4-BE49-F238E27FC236}">
+                <a16:creationId xmlns:a16="http://schemas.microsoft.com/office/drawing/2014/main" id="{624DC2CB-8BD0-C849-B52E-0F91A40C741E}"/>
+              </a:ext>
+            </a:extLst>
+          </p:cNvPr>
+          <p:cNvSpPr>
+            <a:spLocks noGrp="1"/>
+          </p:cNvSpPr>
+          <p:nvPr>
+            <p:ph type="title"/>
+          </p:nvPr>
+        </p:nvSpPr>
+        <p:spPr/>
+        <p:txBody>
+          <a:bodyPr/>
+          <a:lstStyle/>
+          <a:p>
+            <a:r>
+              <a:rPr lang="en-US" dirty="0"/>
+              <a:t>Impact of Availability of Mental Health Resources</a:t>
+            </a:r>
+          </a:p>
+        </p:txBody>
+      </p:sp>
+      <p:sp>
+        <p:nvSpPr>
+          <p:cNvPr id="3" name="Content Placeholder 2">
+            <a:extLst>
+              <a:ext uri="{FF2B5EF4-FFF2-40B4-BE49-F238E27FC236}">
+                <a16:creationId xmlns:a16="http://schemas.microsoft.com/office/drawing/2014/main" id="{399E939B-CD29-D445-B69B-5A724813DF0B}"/>
+              </a:ext>
+            </a:extLst>
+          </p:cNvPr>
+          <p:cNvSpPr>
+            <a:spLocks noGrp="1"/>
+          </p:cNvSpPr>
+          <p:nvPr>
+            <p:ph idx="1"/>
+          </p:nvPr>
+        </p:nvSpPr>
+        <p:spPr/>
+        <p:txBody>
+          <a:bodyPr/>
+          <a:lstStyle/>
+          <a:p>
+            <a:r>
+              <a:rPr lang="en-US" dirty="0"/>
+              <a:t>Exploratory Analysis - Visual</a:t>
+            </a:r>
+          </a:p>
+          <a:p>
+            <a:endParaRPr lang="en-US" dirty="0"/>
+          </a:p>
+          <a:p>
+            <a:r>
+              <a:rPr lang="en-US" dirty="0"/>
+              <a:t>Testing (Hypothesis etc.)</a:t>
+            </a:r>
+          </a:p>
+          <a:p>
+            <a:endParaRPr lang="en-US" dirty="0"/>
+          </a:p>
+          <a:p>
+            <a:r>
+              <a:rPr lang="en-US" dirty="0" err="1"/>
+              <a:t>Elasiticity</a:t>
+            </a:r>
+            <a:r>
+              <a:rPr lang="en-US" dirty="0"/>
+              <a:t>/impact on our outcome</a:t>
+            </a:r>
+          </a:p>
+          <a:p>
+            <a:endParaRPr lang="en-US" dirty="0"/>
+          </a:p>
+          <a:p>
+            <a:r>
+              <a:rPr lang="en-US" dirty="0"/>
+              <a:t>What policy makers should know</a:t>
+            </a:r>
+          </a:p>
+          <a:p>
+            <a:endParaRPr lang="en-US" dirty="0"/>
+          </a:p>
+          <a:p>
+            <a:endParaRPr lang="en-US" dirty="0"/>
+          </a:p>
+          <a:p>
+            <a:endParaRPr lang="en-US" dirty="0"/>
+          </a:p>
+        </p:txBody>
+      </p:sp>
+    </p:spTree>
+    <p:extLst>
+      <p:ext uri="{BB962C8B-B14F-4D97-AF65-F5344CB8AC3E}">
+        <p14:creationId xmlns:p14="http://schemas.microsoft.com/office/powerpoint/2010/main" val="2745908012"/>
+      </p:ext>
+    </p:extLst>
+  </p:cSld>
+  <p:clrMapOvr>
+    <a:masterClrMapping/>
+  </p:clrMapOvr>
+</p:sld>
+</file>
+
+<file path=ppt/slides/slide24.xml><?xml version="1.0" encoding="utf-8"?>
+<p:sld xmlns:a="http://schemas.openxmlformats.org/drawingml/2006/main" xmlns:r="http://schemas.openxmlformats.org/officeDocument/2006/relationships" xmlns:p="http://schemas.openxmlformats.org/presentationml/2006/main">
+  <p:cSld>
+    <p:spTree>
+      <p:nvGrpSpPr>
+        <p:cNvPr id="1" name=""/>
+        <p:cNvGrpSpPr/>
+        <p:nvPr/>
+      </p:nvGrpSpPr>
+      <p:grpSpPr>
+        <a:xfrm>
+          <a:off x="0" y="0"/>
+          <a:ext cx="0" cy="0"/>
+          <a:chOff x="0" y="0"/>
+          <a:chExt cx="0" cy="0"/>
+        </a:xfrm>
+      </p:grpSpPr>
+      <p:sp>
+        <p:nvSpPr>
+          <p:cNvPr id="4" name="Title 3">
+            <a:extLst>
+              <a:ext uri="{FF2B5EF4-FFF2-40B4-BE49-F238E27FC236}">
+                <a16:creationId xmlns:a16="http://schemas.microsoft.com/office/drawing/2014/main" id="{B9E80BC2-4589-4F4D-8C68-24FFC67D1426}"/>
+              </a:ext>
+            </a:extLst>
+          </p:cNvPr>
+          <p:cNvSpPr>
+            <a:spLocks noGrp="1"/>
+          </p:cNvSpPr>
+          <p:nvPr>
+            <p:ph type="ctrTitle"/>
+          </p:nvPr>
+        </p:nvSpPr>
+        <p:spPr>
+          <a:xfrm>
+            <a:off x="416859" y="1122363"/>
+            <a:ext cx="10838329" cy="2387600"/>
+          </a:xfrm>
+        </p:spPr>
+        <p:txBody>
+          <a:bodyPr>
+            <a:normAutofit/>
+          </a:bodyPr>
+          <a:lstStyle/>
+          <a:p>
+            <a:pPr algn="l"/>
+            <a:r>
+              <a:rPr lang="en-US" sz="3600" dirty="0"/>
+              <a:t>Recommendations &amp; Decision Making Support for Policy Makers (Prescriptive)</a:t>
+            </a:r>
+          </a:p>
+        </p:txBody>
+      </p:sp>
+    </p:spTree>
+    <p:extLst>
+      <p:ext uri="{BB962C8B-B14F-4D97-AF65-F5344CB8AC3E}">
+        <p14:creationId xmlns:p14="http://schemas.microsoft.com/office/powerpoint/2010/main" val="3276250105"/>
+      </p:ext>
+    </p:extLst>
+  </p:cSld>
+  <p:clrMapOvr>
+    <a:masterClrMapping/>
+  </p:clrMapOvr>
+</p:sld>
+</file>
+
+<file path=ppt/slides/slide25.xml><?xml version="1.0" encoding="utf-8"?>
+<p:sld xmlns:a="http://schemas.openxmlformats.org/drawingml/2006/main" xmlns:r="http://schemas.openxmlformats.org/officeDocument/2006/relationships" xmlns:p="http://schemas.openxmlformats.org/presentationml/2006/main">
+  <p:cSld>
+    <p:spTree>
+      <p:nvGrpSpPr>
+        <p:cNvPr id="1" name=""/>
+        <p:cNvGrpSpPr/>
+        <p:nvPr/>
+      </p:nvGrpSpPr>
+      <p:grpSpPr>
+        <a:xfrm>
+          <a:off x="0" y="0"/>
+          <a:ext cx="0" cy="0"/>
+          <a:chOff x="0" y="0"/>
+          <a:chExt cx="0" cy="0"/>
+        </a:xfrm>
+      </p:grpSpPr>
+      <p:sp>
+        <p:nvSpPr>
+          <p:cNvPr id="2" name="Title 1">
+            <a:extLst>
+              <a:ext uri="{FF2B5EF4-FFF2-40B4-BE49-F238E27FC236}">
+                <a16:creationId xmlns:a16="http://schemas.microsoft.com/office/drawing/2014/main" id="{624DC2CB-8BD0-C849-B52E-0F91A40C741E}"/>
+              </a:ext>
+            </a:extLst>
+          </p:cNvPr>
+          <p:cNvSpPr>
+            <a:spLocks noGrp="1"/>
+          </p:cNvSpPr>
+          <p:nvPr>
+            <p:ph type="title"/>
+          </p:nvPr>
+        </p:nvSpPr>
+        <p:spPr/>
+        <p:txBody>
+          <a:bodyPr/>
+          <a:lstStyle/>
+          <a:p>
+            <a:r>
+              <a:rPr lang="en-US" dirty="0"/>
+              <a:t>What kind of Country Level Decision Making Support This Analysis Provides</a:t>
+            </a:r>
+          </a:p>
+        </p:txBody>
+      </p:sp>
+      <p:sp>
+        <p:nvSpPr>
+          <p:cNvPr id="3" name="Content Placeholder 2">
+            <a:extLst>
+              <a:ext uri="{FF2B5EF4-FFF2-40B4-BE49-F238E27FC236}">
+                <a16:creationId xmlns:a16="http://schemas.microsoft.com/office/drawing/2014/main" id="{399E939B-CD29-D445-B69B-5A724813DF0B}"/>
+              </a:ext>
+            </a:extLst>
+          </p:cNvPr>
+          <p:cNvSpPr>
+            <a:spLocks noGrp="1"/>
+          </p:cNvSpPr>
+          <p:nvPr>
+            <p:ph idx="1"/>
+          </p:nvPr>
+        </p:nvSpPr>
+        <p:spPr/>
+        <p:txBody>
+          <a:bodyPr/>
+          <a:lstStyle/>
+          <a:p>
+            <a:r>
+              <a:rPr lang="en-US" dirty="0"/>
+              <a:t>Justify investment and potential impact of decision making</a:t>
+            </a:r>
+          </a:p>
+          <a:p>
+            <a:endParaRPr lang="en-US" dirty="0"/>
+          </a:p>
+          <a:p>
+            <a:r>
+              <a:rPr lang="en-US" dirty="0"/>
+              <a:t>Bringing up statistics that would motivate decision makers</a:t>
+            </a:r>
+          </a:p>
+          <a:p>
+            <a:endParaRPr lang="en-US" dirty="0"/>
+          </a:p>
+          <a:p>
+            <a:r>
+              <a:rPr lang="en-US" dirty="0"/>
+              <a:t>Outlining a high-level strategy a country could take</a:t>
+            </a:r>
+          </a:p>
+          <a:p>
+            <a:endParaRPr lang="en-US" dirty="0"/>
+          </a:p>
+          <a:p>
+            <a:r>
+              <a:rPr lang="en-US" dirty="0"/>
+              <a:t>Highlighting where policy makers could invest in additional research to better understand the problem</a:t>
+            </a:r>
+          </a:p>
+          <a:p>
+            <a:endParaRPr lang="en-US" dirty="0"/>
+          </a:p>
+          <a:p>
+            <a:endParaRPr lang="en-US" dirty="0"/>
+          </a:p>
+          <a:p>
+            <a:endParaRPr lang="en-US" dirty="0"/>
+          </a:p>
+        </p:txBody>
+      </p:sp>
+    </p:spTree>
+    <p:extLst>
+      <p:ext uri="{BB962C8B-B14F-4D97-AF65-F5344CB8AC3E}">
+        <p14:creationId xmlns:p14="http://schemas.microsoft.com/office/powerpoint/2010/main" val="19698530"/>
+      </p:ext>
+    </p:extLst>
+  </p:cSld>
+  <p:clrMapOvr>
+    <a:masterClrMapping/>
+  </p:clrMapOvr>
+</p:sld>
+</file>
+
+<file path=ppt/slides/slide26.xml><?xml version="1.0" encoding="utf-8"?>
+<p:sld xmlns:a="http://schemas.openxmlformats.org/drawingml/2006/main" xmlns:r="http://schemas.openxmlformats.org/officeDocument/2006/relationships" xmlns:p="http://schemas.openxmlformats.org/presentationml/2006/main">
+  <p:cSld>
+    <p:spTree>
+      <p:nvGrpSpPr>
+        <p:cNvPr id="1" name=""/>
+        <p:cNvGrpSpPr/>
+        <p:nvPr/>
+      </p:nvGrpSpPr>
+      <p:grpSpPr>
+        <a:xfrm>
+          <a:off x="0" y="0"/>
+          <a:ext cx="0" cy="0"/>
+          <a:chOff x="0" y="0"/>
+          <a:chExt cx="0" cy="0"/>
+        </a:xfrm>
+      </p:grpSpPr>
+      <p:sp>
+        <p:nvSpPr>
+          <p:cNvPr id="4" name="Title 3">
+            <a:extLst>
+              <a:ext uri="{FF2B5EF4-FFF2-40B4-BE49-F238E27FC236}">
+                <a16:creationId xmlns:a16="http://schemas.microsoft.com/office/drawing/2014/main" id="{B9E80BC2-4589-4F4D-8C68-24FFC67D1426}"/>
+              </a:ext>
+            </a:extLst>
+          </p:cNvPr>
+          <p:cNvSpPr>
+            <a:spLocks noGrp="1"/>
+          </p:cNvSpPr>
+          <p:nvPr>
+            <p:ph type="ctrTitle"/>
+          </p:nvPr>
+        </p:nvSpPr>
+        <p:spPr>
+          <a:xfrm>
+            <a:off x="416859" y="1122363"/>
+            <a:ext cx="10838329" cy="2387600"/>
+          </a:xfrm>
+        </p:spPr>
+        <p:txBody>
+          <a:bodyPr>
+            <a:normAutofit/>
+          </a:bodyPr>
+          <a:lstStyle/>
+          <a:p>
+            <a:pPr algn="l"/>
+            <a:r>
+              <a:rPr lang="en-US" sz="3600" dirty="0"/>
+              <a:t>Supporting Future Researchers on This Topic</a:t>
+            </a:r>
+          </a:p>
+        </p:txBody>
+      </p:sp>
+    </p:spTree>
+    <p:extLst>
+      <p:ext uri="{BB962C8B-B14F-4D97-AF65-F5344CB8AC3E}">
+        <p14:creationId xmlns:p14="http://schemas.microsoft.com/office/powerpoint/2010/main" val="2993728044"/>
+      </p:ext>
+    </p:extLst>
+  </p:cSld>
+  <p:clrMapOvr>
+    <a:masterClrMapping/>
+  </p:clrMapOvr>
+</p:sld>
+</file>
+
+<file path=ppt/slides/slide27.xml><?xml version="1.0" encoding="utf-8"?>
+<p:sld xmlns:a="http://schemas.openxmlformats.org/drawingml/2006/main" xmlns:r="http://schemas.openxmlformats.org/officeDocument/2006/relationships" xmlns:p="http://schemas.openxmlformats.org/presentationml/2006/main">
+  <p:cSld>
+    <p:spTree>
+      <p:nvGrpSpPr>
+        <p:cNvPr id="1" name=""/>
+        <p:cNvGrpSpPr/>
+        <p:nvPr/>
+      </p:nvGrpSpPr>
+      <p:grpSpPr>
+        <a:xfrm>
+          <a:off x="0" y="0"/>
+          <a:ext cx="0" cy="0"/>
+          <a:chOff x="0" y="0"/>
+          <a:chExt cx="0" cy="0"/>
+        </a:xfrm>
+      </p:grpSpPr>
+      <p:sp>
+        <p:nvSpPr>
+          <p:cNvPr id="4" name="Title 3">
+            <a:extLst>
+              <a:ext uri="{FF2B5EF4-FFF2-40B4-BE49-F238E27FC236}">
+                <a16:creationId xmlns:a16="http://schemas.microsoft.com/office/drawing/2014/main" id="{B9E80BC2-4589-4F4D-8C68-24FFC67D1426}"/>
+              </a:ext>
+            </a:extLst>
+          </p:cNvPr>
+          <p:cNvSpPr>
+            <a:spLocks noGrp="1"/>
+          </p:cNvSpPr>
+          <p:nvPr>
+            <p:ph type="ctrTitle"/>
+          </p:nvPr>
+        </p:nvSpPr>
+        <p:spPr>
+          <a:xfrm>
+            <a:off x="416859" y="1122363"/>
+            <a:ext cx="10838329" cy="2387600"/>
+          </a:xfrm>
+        </p:spPr>
+        <p:txBody>
+          <a:bodyPr>
+            <a:normAutofit/>
+          </a:bodyPr>
+          <a:lstStyle/>
+          <a:p>
+            <a:pPr algn="l"/>
+            <a:r>
+              <a:rPr lang="en-US" sz="3600" dirty="0"/>
+              <a:t>Conclusions &amp; Appendix</a:t>
+            </a:r>
+          </a:p>
+        </p:txBody>
+      </p:sp>
+    </p:spTree>
+    <p:extLst>
+      <p:ext uri="{BB962C8B-B14F-4D97-AF65-F5344CB8AC3E}">
+        <p14:creationId xmlns:p14="http://schemas.microsoft.com/office/powerpoint/2010/main" val="1047738926"/>
       </p:ext>
     </p:extLst>
   </p:cSld>
@@ -4642,7 +7163,7 @@
         <p:spPr/>
         <p:txBody>
           <a:bodyPr>
-            <a:normAutofit lnSpcReduction="10000"/>
+            <a:normAutofit/>
           </a:bodyPr>
           <a:lstStyle/>
           <a:p>
@@ -5026,7 +7547,7 @@
             <a:pPr algn="l"/>
             <a:r>
               <a:rPr lang="en-US" sz="3600" dirty="0"/>
-              <a:t>Research &amp; Data Analysis </a:t>
+              <a:t>Considered Data Sources</a:t>
             </a:r>
           </a:p>
         </p:txBody>
@@ -5066,7 +7587,7 @@
           <p:cNvPr id="2" name="Title 1">
             <a:extLst>
               <a:ext uri="{FF2B5EF4-FFF2-40B4-BE49-F238E27FC236}">
-                <a16:creationId xmlns:a16="http://schemas.microsoft.com/office/drawing/2014/main" id="{624DC2CB-8BD0-C849-B52E-0F91A40C741E}"/>
+                <a16:creationId xmlns:a16="http://schemas.microsoft.com/office/drawing/2014/main" id="{61E2A503-F400-4A1A-93F8-5931FAC2D9A7}"/>
               </a:ext>
             </a:extLst>
           </p:cNvPr>
@@ -5084,75 +7605,507 @@
           <a:p>
             <a:r>
               <a:rPr lang="en-US" dirty="0"/>
-              <a:t>What Does the Data Tell Us?</a:t>
-            </a:r>
-          </a:p>
-        </p:txBody>
-      </p:sp>
-      <p:sp>
-        <p:nvSpPr>
-          <p:cNvPr id="3" name="Content Placeholder 2">
-            <a:extLst>
-              <a:ext uri="{FF2B5EF4-FFF2-40B4-BE49-F238E27FC236}">
-                <a16:creationId xmlns:a16="http://schemas.microsoft.com/office/drawing/2014/main" id="{399E939B-CD29-D445-B69B-5A724813DF0B}"/>
-              </a:ext>
-            </a:extLst>
-          </p:cNvPr>
-          <p:cNvSpPr>
-            <a:spLocks noGrp="1"/>
-          </p:cNvSpPr>
-          <p:nvPr>
-            <p:ph idx="1"/>
-          </p:nvPr>
-        </p:nvSpPr>
-        <p:spPr/>
-        <p:txBody>
-          <a:bodyPr/>
-          <a:lstStyle/>
-          <a:p>
-            <a:r>
-              <a:rPr lang="en-US" dirty="0"/>
-              <a:t>Sections:</a:t>
-            </a:r>
-          </a:p>
-          <a:p>
-            <a:endParaRPr lang="en-US" dirty="0"/>
-          </a:p>
-          <a:p>
-            <a:pPr lvl="1"/>
-            <a:r>
-              <a:rPr lang="en-US" dirty="0"/>
-              <a:t>Impact of Economic Indicators (GDP)</a:t>
-            </a:r>
-          </a:p>
-          <a:p>
-            <a:pPr lvl="1"/>
-            <a:endParaRPr lang="en-US" dirty="0"/>
-          </a:p>
-          <a:p>
-            <a:pPr lvl="1"/>
-            <a:r>
-              <a:rPr lang="en-US" dirty="0"/>
-              <a:t>Impact of Substance Abuse Indications (Alcohol Abuse)</a:t>
-            </a:r>
-          </a:p>
-          <a:p>
-            <a:pPr lvl="1"/>
-            <a:endParaRPr lang="en-US" dirty="0"/>
-          </a:p>
-          <a:p>
-            <a:pPr lvl="1"/>
-            <a:r>
-              <a:rPr lang="en-US" dirty="0"/>
-              <a:t>Impact of Mental Health Resources</a:t>
-            </a:r>
-          </a:p>
-        </p:txBody>
-      </p:sp>
+              <a:t>Initially considered data sources</a:t>
+            </a:r>
+          </a:p>
+        </p:txBody>
+      </p:sp>
+      <p:graphicFrame>
+        <p:nvGraphicFramePr>
+          <p:cNvPr id="4" name="Table 4">
+            <a:extLst>
+              <a:ext uri="{FF2B5EF4-FFF2-40B4-BE49-F238E27FC236}">
+                <a16:creationId xmlns:a16="http://schemas.microsoft.com/office/drawing/2014/main" id="{69788B7A-01AB-47FD-B02D-48D8C181747F}"/>
+              </a:ext>
+            </a:extLst>
+          </p:cNvPr>
+          <p:cNvGraphicFramePr>
+            <a:graphicFrameLocks noGrp="1"/>
+          </p:cNvGraphicFramePr>
+          <p:nvPr>
+            <p:extLst>
+              <p:ext uri="{D42A27DB-BD31-4B8C-83A1-F6EECF244321}">
+                <p14:modId xmlns:p14="http://schemas.microsoft.com/office/powerpoint/2010/main" val="673239336"/>
+              </p:ext>
+            </p:extLst>
+          </p:nvPr>
+        </p:nvGraphicFramePr>
+        <p:xfrm>
+          <a:off x="828336" y="1429879"/>
+          <a:ext cx="10525463" cy="4997555"/>
+        </p:xfrm>
+        <a:graphic>
+          <a:graphicData uri="http://schemas.openxmlformats.org/drawingml/2006/table">
+            <a:tbl>
+              <a:tblPr firstRow="1" bandRow="1">
+                <a:tableStyleId>{073A0DAA-6AF3-43AB-8588-CEC1D06C72B9}</a:tableStyleId>
+              </a:tblPr>
+              <a:tblGrid>
+                <a:gridCol w="3473148">
+                  <a:extLst>
+                    <a:ext uri="{9D8B030D-6E8A-4147-A177-3AD203B41FA5}">
+                      <a16:colId xmlns:a16="http://schemas.microsoft.com/office/drawing/2014/main" val="337383516"/>
+                    </a:ext>
+                  </a:extLst>
+                </a:gridCol>
+                <a:gridCol w="5540828">
+                  <a:extLst>
+                    <a:ext uri="{9D8B030D-6E8A-4147-A177-3AD203B41FA5}">
+                      <a16:colId xmlns:a16="http://schemas.microsoft.com/office/drawing/2014/main" val="2531797783"/>
+                    </a:ext>
+                  </a:extLst>
+                </a:gridCol>
+                <a:gridCol w="1511487">
+                  <a:extLst>
+                    <a:ext uri="{9D8B030D-6E8A-4147-A177-3AD203B41FA5}">
+                      <a16:colId xmlns:a16="http://schemas.microsoft.com/office/drawing/2014/main" val="2405823740"/>
+                    </a:ext>
+                  </a:extLst>
+                </a:gridCol>
+              </a:tblGrid>
+              <a:tr h="381214">
+                <a:tc>
+                  <a:txBody>
+                    <a:bodyPr/>
+                    <a:lstStyle/>
+                    <a:p>
+                      <a:r>
+                        <a:rPr lang="en-US" dirty="0"/>
+                        <a:t>Input</a:t>
+                      </a:r>
+                    </a:p>
+                  </a:txBody>
+                  <a:tcPr/>
+                </a:tc>
+                <a:tc>
+                  <a:txBody>
+                    <a:bodyPr/>
+                    <a:lstStyle/>
+                    <a:p>
+                      <a:r>
+                        <a:rPr lang="en-US" dirty="0"/>
+                        <a:t>Description, Hypothesis of suicide relationship</a:t>
+                      </a:r>
+                    </a:p>
+                  </a:txBody>
+                  <a:tcPr/>
+                </a:tc>
+                <a:tc>
+                  <a:txBody>
+                    <a:bodyPr/>
+                    <a:lstStyle/>
+                    <a:p>
+                      <a:r>
+                        <a:rPr lang="en-US" dirty="0"/>
+                        <a:t>Source</a:t>
+                      </a:r>
+                    </a:p>
+                  </a:txBody>
+                  <a:tcPr/>
+                </a:tc>
+                <a:extLst>
+                  <a:ext uri="{0D108BD9-81ED-4DB2-BD59-A6C34878D82A}">
+                    <a16:rowId xmlns:a16="http://schemas.microsoft.com/office/drawing/2014/main" val="1378150262"/>
+                  </a:ext>
+                </a:extLst>
+              </a:tr>
+              <a:tr h="939979">
+                <a:tc>
+                  <a:txBody>
+                    <a:bodyPr/>
+                    <a:lstStyle/>
+                    <a:p>
+                      <a:r>
+                        <a:rPr lang="en-US" dirty="0"/>
+                        <a:t>#X1 = </a:t>
+                      </a:r>
+                      <a:r>
+                        <a:rPr lang="en-US" dirty="0" err="1"/>
+                        <a:t>Current_health_expenditure_percentage_of_GDP</a:t>
+                      </a:r>
+                      <a:endParaRPr lang="en-US" dirty="0"/>
+                    </a:p>
+                  </a:txBody>
+                  <a:tcPr/>
+                </a:tc>
+                <a:tc>
+                  <a:txBody>
+                    <a:bodyPr/>
+                    <a:lstStyle/>
+                    <a:p>
+                      <a:r>
+                        <a:rPr lang="en-US" sz="1400" dirty="0"/>
+                        <a:t>Money spent per country on Health care. Good health care may represent healthier and longer life for citizens. Assumption is healthy life would decrease suicide</a:t>
+                      </a:r>
+                    </a:p>
+                  </a:txBody>
+                  <a:tcPr/>
+                </a:tc>
+                <a:tc>
+                  <a:txBody>
+                    <a:bodyPr/>
+                    <a:lstStyle/>
+                    <a:p>
+                      <a:r>
+                        <a:rPr lang="en-US" sz="1800" kern="1200" dirty="0">
+                          <a:solidFill>
+                            <a:schemeClr val="dk1"/>
+                          </a:solidFill>
+                          <a:effectLst/>
+                          <a:latin typeface="+mn-lt"/>
+                          <a:ea typeface="+mn-ea"/>
+                          <a:cs typeface="+mn-cs"/>
+                        </a:rPr>
+                        <a:t>WHO [1] </a:t>
+                      </a:r>
+                      <a:endParaRPr lang="en-US" dirty="0"/>
+                    </a:p>
+                  </a:txBody>
+                  <a:tcPr/>
+                </a:tc>
+                <a:extLst>
+                  <a:ext uri="{0D108BD9-81ED-4DB2-BD59-A6C34878D82A}">
+                    <a16:rowId xmlns:a16="http://schemas.microsoft.com/office/drawing/2014/main" val="1319181595"/>
+                  </a:ext>
+                </a:extLst>
+              </a:tr>
+              <a:tr h="657985">
+                <a:tc>
+                  <a:txBody>
+                    <a:bodyPr/>
+                    <a:lstStyle/>
+                    <a:p>
+                      <a:r>
+                        <a:rPr lang="en-US" dirty="0"/>
+                        <a:t>#X2 = </a:t>
+                      </a:r>
+                      <a:r>
+                        <a:rPr lang="en-US" dirty="0" err="1"/>
+                        <a:t>female_male_labor_participation</a:t>
+                      </a:r>
+                      <a:endParaRPr lang="en-US" dirty="0"/>
+                    </a:p>
+                  </a:txBody>
+                  <a:tcPr/>
+                </a:tc>
+                <a:tc>
+                  <a:txBody>
+                    <a:bodyPr/>
+                    <a:lstStyle/>
+                    <a:p>
+                      <a:r>
+                        <a:rPr lang="en-US" sz="1400" dirty="0" err="1"/>
+                        <a:t>qqPeter</a:t>
+                      </a:r>
+                      <a:endParaRPr lang="en-US" sz="1400" dirty="0"/>
+                    </a:p>
+                  </a:txBody>
+                  <a:tcPr/>
+                </a:tc>
+                <a:tc>
+                  <a:txBody>
+                    <a:bodyPr/>
+                    <a:lstStyle/>
+                    <a:p>
+                      <a:endParaRPr lang="en-US"/>
+                    </a:p>
+                  </a:txBody>
+                  <a:tcPr/>
+                </a:tc>
+                <a:extLst>
+                  <a:ext uri="{0D108BD9-81ED-4DB2-BD59-A6C34878D82A}">
+                    <a16:rowId xmlns:a16="http://schemas.microsoft.com/office/drawing/2014/main" val="3105293379"/>
+                  </a:ext>
+                </a:extLst>
+              </a:tr>
+              <a:tr h="381214">
+                <a:tc>
+                  <a:txBody>
+                    <a:bodyPr/>
+                    <a:lstStyle/>
+                    <a:p>
+                      <a:r>
+                        <a:rPr lang="en-US" dirty="0"/>
+                        <a:t>#X3 = </a:t>
+                      </a:r>
+                      <a:r>
+                        <a:rPr lang="en-US" dirty="0" err="1"/>
+                        <a:t>gdp</a:t>
+                      </a:r>
+                      <a:r>
+                        <a:rPr lang="en-US" dirty="0"/>
+                        <a:t>/capita </a:t>
+                      </a:r>
+                      <a:r>
+                        <a:rPr lang="en-US" dirty="0" err="1"/>
+                        <a:t>ppp</a:t>
+                      </a:r>
+                      <a:endParaRPr lang="en-US" dirty="0"/>
+                    </a:p>
+                  </a:txBody>
+                  <a:tcPr/>
+                </a:tc>
+                <a:tc>
+                  <a:txBody>
+                    <a:bodyPr/>
+                    <a:lstStyle/>
+                    <a:p>
+                      <a:r>
+                        <a:rPr lang="en-US" sz="1400" dirty="0" err="1"/>
+                        <a:t>qqPeter</a:t>
+                      </a:r>
+                      <a:endParaRPr lang="en-US" sz="1400" dirty="0"/>
+                    </a:p>
+                  </a:txBody>
+                  <a:tcPr/>
+                </a:tc>
+                <a:tc>
+                  <a:txBody>
+                    <a:bodyPr/>
+                    <a:lstStyle/>
+                    <a:p>
+                      <a:endParaRPr lang="en-US"/>
+                    </a:p>
+                  </a:txBody>
+                  <a:tcPr/>
+                </a:tc>
+                <a:extLst>
+                  <a:ext uri="{0D108BD9-81ED-4DB2-BD59-A6C34878D82A}">
+                    <a16:rowId xmlns:a16="http://schemas.microsoft.com/office/drawing/2014/main" val="994003380"/>
+                  </a:ext>
+                </a:extLst>
+              </a:tr>
+              <a:tr h="381214">
+                <a:tc>
+                  <a:txBody>
+                    <a:bodyPr/>
+                    <a:lstStyle/>
+                    <a:p>
+                      <a:r>
+                        <a:rPr lang="en-US" dirty="0"/>
+                        <a:t>#X4 = </a:t>
+                      </a:r>
+                      <a:r>
+                        <a:rPr lang="en-US" dirty="0" err="1"/>
+                        <a:t>litres_alcohol_per_capita</a:t>
+                      </a:r>
+                      <a:endParaRPr lang="en-US" dirty="0"/>
+                    </a:p>
+                  </a:txBody>
+                  <a:tcPr/>
+                </a:tc>
+                <a:tc>
+                  <a:txBody>
+                    <a:bodyPr/>
+                    <a:lstStyle/>
+                    <a:p>
+                      <a:r>
+                        <a:rPr lang="en-US" sz="1400" dirty="0" err="1"/>
+                        <a:t>qqSam</a:t>
+                      </a:r>
+                      <a:endParaRPr lang="en-US" sz="1400" dirty="0"/>
+                    </a:p>
+                  </a:txBody>
+                  <a:tcPr/>
+                </a:tc>
+                <a:tc>
+                  <a:txBody>
+                    <a:bodyPr/>
+                    <a:lstStyle/>
+                    <a:p>
+                      <a:endParaRPr lang="en-US"/>
+                    </a:p>
+                  </a:txBody>
+                  <a:tcPr/>
+                </a:tc>
+                <a:extLst>
+                  <a:ext uri="{0D108BD9-81ED-4DB2-BD59-A6C34878D82A}">
+                    <a16:rowId xmlns:a16="http://schemas.microsoft.com/office/drawing/2014/main" val="3877105991"/>
+                  </a:ext>
+                </a:extLst>
+              </a:tr>
+              <a:tr h="657985">
+                <a:tc>
+                  <a:txBody>
+                    <a:bodyPr/>
+                    <a:lstStyle/>
+                    <a:p>
+                      <a:r>
+                        <a:rPr lang="en-US" dirty="0"/>
+                        <a:t>#X5 = </a:t>
+                      </a:r>
+                      <a:r>
+                        <a:rPr lang="en-US" dirty="0" err="1"/>
+                        <a:t>Suicide_prevention_strategy</a:t>
+                      </a:r>
+                      <a:endParaRPr lang="en-US" dirty="0"/>
+                    </a:p>
+                  </a:txBody>
+                  <a:tcPr/>
+                </a:tc>
+                <a:tc>
+                  <a:txBody>
+                    <a:bodyPr/>
+                    <a:lstStyle/>
+                    <a:p>
+                      <a:r>
+                        <a:rPr lang="en-US" sz="1400" dirty="0" err="1"/>
+                        <a:t>qqPeter</a:t>
+                      </a:r>
+                      <a:endParaRPr lang="en-US" sz="1400" dirty="0"/>
+                    </a:p>
+                  </a:txBody>
+                  <a:tcPr/>
+                </a:tc>
+                <a:tc>
+                  <a:txBody>
+                    <a:bodyPr/>
+                    <a:lstStyle/>
+                    <a:p>
+                      <a:endParaRPr lang="en-US"/>
+                    </a:p>
+                  </a:txBody>
+                  <a:tcPr/>
+                </a:tc>
+                <a:extLst>
+                  <a:ext uri="{0D108BD9-81ED-4DB2-BD59-A6C34878D82A}">
+                    <a16:rowId xmlns:a16="http://schemas.microsoft.com/office/drawing/2014/main" val="1139278270"/>
+                  </a:ext>
+                </a:extLst>
+              </a:tr>
+              <a:tr h="939979">
+                <a:tc>
+                  <a:txBody>
+                    <a:bodyPr/>
+                    <a:lstStyle/>
+                    <a:p>
+                      <a:r>
+                        <a:rPr lang="en-US" dirty="0"/>
+                        <a:t>#X6 = Psychiatrists working in mental health sector (per 100 000 population)</a:t>
+                      </a:r>
+                    </a:p>
+                  </a:txBody>
+                  <a:tcPr/>
+                </a:tc>
+                <a:tc>
+                  <a:txBody>
+                    <a:bodyPr/>
+                    <a:lstStyle/>
+                    <a:p>
+                      <a:r>
+                        <a:rPr lang="en-US" sz="1400" kern="1200" dirty="0">
+                          <a:solidFill>
+                            <a:schemeClr val="dk1"/>
+                          </a:solidFill>
+                          <a:effectLst/>
+                          <a:latin typeface="+mn-lt"/>
+                          <a:ea typeface="+mn-ea"/>
+                          <a:cs typeface="+mn-cs"/>
+                        </a:rPr>
+                        <a:t># of Practitioners of psychiatry per capita, as they are Mental health care personnel and can help identify mental health disorders which are linked to suicide</a:t>
+                      </a:r>
+                      <a:endParaRPr lang="en-US" sz="1400" dirty="0"/>
+                    </a:p>
+                  </a:txBody>
+                  <a:tcPr/>
+                </a:tc>
+                <a:tc>
+                  <a:txBody>
+                    <a:bodyPr/>
+                    <a:lstStyle/>
+                    <a:p>
+                      <a:r>
+                        <a:rPr lang="en-US" sz="1800" kern="1200" dirty="0">
+                          <a:solidFill>
+                            <a:schemeClr val="dk1"/>
+                          </a:solidFill>
+                          <a:effectLst/>
+                          <a:latin typeface="+mn-lt"/>
+                          <a:ea typeface="+mn-ea"/>
+                          <a:cs typeface="+mn-cs"/>
+                        </a:rPr>
+                        <a:t>WHO [6] </a:t>
+                      </a:r>
+                      <a:endParaRPr lang="en-US" dirty="0"/>
+                    </a:p>
+                  </a:txBody>
+                  <a:tcPr/>
+                </a:tc>
+                <a:extLst>
+                  <a:ext uri="{0D108BD9-81ED-4DB2-BD59-A6C34878D82A}">
+                    <a16:rowId xmlns:a16="http://schemas.microsoft.com/office/drawing/2014/main" val="2844546980"/>
+                  </a:ext>
+                </a:extLst>
+              </a:tr>
+              <a:tr h="657985">
+                <a:tc>
+                  <a:txBody>
+                    <a:bodyPr/>
+                    <a:lstStyle/>
+                    <a:p>
+                      <a:pPr marL="0" marR="0" lvl="0" indent="0" algn="l" defTabSz="914400" rtl="0" eaLnBrk="1" fontAlgn="auto" latinLnBrk="0" hangingPunct="1">
+                        <a:lnSpc>
+                          <a:spcPct val="100000"/>
+                        </a:lnSpc>
+                        <a:spcBef>
+                          <a:spcPts val="0"/>
+                        </a:spcBef>
+                        <a:spcAft>
+                          <a:spcPts val="0"/>
+                        </a:spcAft>
+                        <a:buClrTx/>
+                        <a:buSzTx/>
+                        <a:buFontTx/>
+                        <a:buNone/>
+                        <a:tabLst/>
+                        <a:defRPr/>
+                      </a:pPr>
+                      <a:r>
+                        <a:rPr lang="en-US" dirty="0"/>
+                        <a:t>#X7 = Mental hospitals (per 100 000 population)</a:t>
+                      </a:r>
+                    </a:p>
+                  </a:txBody>
+                  <a:tcPr/>
+                </a:tc>
+                <a:tc>
+                  <a:txBody>
+                    <a:bodyPr/>
+                    <a:lstStyle/>
+                    <a:p>
+                      <a:r>
+                        <a:rPr lang="en-US" sz="1400" dirty="0" err="1"/>
+                        <a:t>qqPeter</a:t>
+                      </a:r>
+                      <a:endParaRPr lang="en-US" sz="1400" dirty="0"/>
+                    </a:p>
+                  </a:txBody>
+                  <a:tcPr/>
+                </a:tc>
+                <a:tc>
+                  <a:txBody>
+                    <a:bodyPr/>
+                    <a:lstStyle/>
+                    <a:p>
+                      <a:endParaRPr lang="en-US" dirty="0"/>
+                    </a:p>
+                  </a:txBody>
+                  <a:tcPr/>
+                </a:tc>
+                <a:extLst>
+                  <a:ext uri="{0D108BD9-81ED-4DB2-BD59-A6C34878D82A}">
+                    <a16:rowId xmlns:a16="http://schemas.microsoft.com/office/drawing/2014/main" val="578237239"/>
+                  </a:ext>
+                </a:extLst>
+              </a:tr>
+            </a:tbl>
+          </a:graphicData>
+        </a:graphic>
+      </p:graphicFrame>
     </p:spTree>
     <p:extLst>
       <p:ext uri="{BB962C8B-B14F-4D97-AF65-F5344CB8AC3E}">
-        <p14:creationId xmlns:p14="http://schemas.microsoft.com/office/powerpoint/2010/main" val="182351577"/>
+        <p14:creationId xmlns:p14="http://schemas.microsoft.com/office/powerpoint/2010/main" val="3877960304"/>
       </p:ext>
     </p:extLst>
   </p:cSld>
@@ -5184,7 +8137,7 @@
           <p:cNvPr id="2" name="Title 1">
             <a:extLst>
               <a:ext uri="{FF2B5EF4-FFF2-40B4-BE49-F238E27FC236}">
-                <a16:creationId xmlns:a16="http://schemas.microsoft.com/office/drawing/2014/main" id="{624DC2CB-8BD0-C849-B52E-0F91A40C741E}"/>
+                <a16:creationId xmlns:a16="http://schemas.microsoft.com/office/drawing/2014/main" id="{FE65C610-98C4-4732-81F8-489E110900B8}"/>
               </a:ext>
             </a:extLst>
           </p:cNvPr>
@@ -5202,7 +8155,7 @@
           <a:p>
             <a:r>
               <a:rPr lang="en-US" dirty="0"/>
-              <a:t>Impact of Wealth, Country Level Economic Indicators</a:t>
+              <a:t>Chosen Model</a:t>
             </a:r>
           </a:p>
         </p:txBody>
@@ -5212,7 +8165,7 @@
           <p:cNvPr id="3" name="Content Placeholder 2">
             <a:extLst>
               <a:ext uri="{FF2B5EF4-FFF2-40B4-BE49-F238E27FC236}">
-                <a16:creationId xmlns:a16="http://schemas.microsoft.com/office/drawing/2014/main" id="{399E939B-CD29-D445-B69B-5A724813DF0B}"/>
+                <a16:creationId xmlns:a16="http://schemas.microsoft.com/office/drawing/2014/main" id="{D0032FB9-CD46-4003-B3D0-BA96497A9FF6}"/>
               </a:ext>
             </a:extLst>
           </p:cNvPr>
@@ -5229,56 +8182,49 @@
           <a:lstStyle/>
           <a:p>
             <a:r>
+              <a:rPr lang="en-US" dirty="0" err="1"/>
+              <a:t>qqOsman</a:t>
+            </a:r>
+            <a:endParaRPr lang="en-US" dirty="0"/>
+          </a:p>
+          <a:p>
+            <a:r>
               <a:rPr lang="en-US" dirty="0"/>
-              <a:t>Exploratory Analysis - Visual</a:t>
-            </a:r>
-          </a:p>
-          <a:p>
-            <a:endParaRPr lang="en-US" dirty="0"/>
-          </a:p>
-          <a:p>
+              <a:t>Show the model</a:t>
+            </a:r>
+          </a:p>
+          <a:p>
+            <a:pPr lvl="1"/>
             <a:r>
               <a:rPr lang="en-US" dirty="0"/>
-              <a:t>Testing (Hypothesis etc.)</a:t>
-            </a:r>
-          </a:p>
-          <a:p>
-            <a:endParaRPr lang="en-US" dirty="0"/>
-          </a:p>
-          <a:p>
-            <a:r>
-              <a:rPr lang="en-US" dirty="0" err="1"/>
-              <a:t>Elasiticity</a:t>
-            </a:r>
+              <a:t>Very brief</a:t>
+            </a:r>
+          </a:p>
+          <a:p>
+            <a:pPr lvl="1"/>
             <a:r>
               <a:rPr lang="en-US" dirty="0"/>
-              <a:t>/impact on our outcome</a:t>
-            </a:r>
-          </a:p>
-          <a:p>
-            <a:endParaRPr lang="en-US" dirty="0"/>
+              <a:t>Show data transformations</a:t>
+            </a:r>
           </a:p>
           <a:p>
             <a:r>
               <a:rPr lang="en-US" dirty="0"/>
-              <a:t>What policy makers should know</a:t>
-            </a:r>
-          </a:p>
-          <a:p>
-            <a:endParaRPr lang="en-US" dirty="0"/>
-          </a:p>
-          <a:p>
-            <a:endParaRPr lang="en-US" dirty="0"/>
-          </a:p>
-          <a:p>
-            <a:endParaRPr lang="en-US" dirty="0"/>
+              <a:t>Which Inputs were dropped</a:t>
+            </a:r>
+          </a:p>
+          <a:p>
+            <a:r>
+              <a:rPr lang="en-US" dirty="0"/>
+              <a:t>Model Explanation in later sections</a:t>
+            </a:r>
           </a:p>
         </p:txBody>
       </p:sp>
     </p:spTree>
     <p:extLst>
       <p:ext uri="{BB962C8B-B14F-4D97-AF65-F5344CB8AC3E}">
-        <p14:creationId xmlns:p14="http://schemas.microsoft.com/office/powerpoint/2010/main" val="1808011340"/>
+        <p14:creationId xmlns:p14="http://schemas.microsoft.com/office/powerpoint/2010/main" val="248237869"/>
       </p:ext>
     </p:extLst>
   </p:cSld>
@@ -5581,4 +8527,299 @@
     </a:ext>
   </a:extLst>
 </a:theme>
+</file>
+
+<file path=ppt/theme/theme2.xml><?xml version="1.0" encoding="utf-8"?>
+<a:theme xmlns:a="http://schemas.openxmlformats.org/drawingml/2006/main" name="Office Theme">
+  <a:themeElements>
+    <a:clrScheme name="Office">
+      <a:dk1>
+        <a:sysClr val="windowText" lastClr="000000"/>
+      </a:dk1>
+      <a:lt1>
+        <a:sysClr val="window" lastClr="FFFFFF"/>
+      </a:lt1>
+      <a:dk2>
+        <a:srgbClr val="44546A"/>
+      </a:dk2>
+      <a:lt2>
+        <a:srgbClr val="E7E6E6"/>
+      </a:lt2>
+      <a:accent1>
+        <a:srgbClr val="4472C4"/>
+      </a:accent1>
+      <a:accent2>
+        <a:srgbClr val="ED7D31"/>
+      </a:accent2>
+      <a:accent3>
+        <a:srgbClr val="A5A5A5"/>
+      </a:accent3>
+      <a:accent4>
+        <a:srgbClr val="FFC000"/>
+      </a:accent4>
+      <a:accent5>
+        <a:srgbClr val="5B9BD5"/>
+      </a:accent5>
+      <a:accent6>
+        <a:srgbClr val="70AD47"/>
+      </a:accent6>
+      <a:hlink>
+        <a:srgbClr val="0563C1"/>
+      </a:hlink>
+      <a:folHlink>
+        <a:srgbClr val="954F72"/>
+      </a:folHlink>
+    </a:clrScheme>
+    <a:fontScheme name="Office">
+      <a:majorFont>
+        <a:latin typeface="Calibri Light" panose="020F0302020204030204"/>
+        <a:ea typeface=""/>
+        <a:cs typeface=""/>
+        <a:font script="Jpan" typeface="游ゴシック Light"/>
+        <a:font script="Hang" typeface="맑은 고딕"/>
+        <a:font script="Hans" typeface="等线 Light"/>
+        <a:font script="Hant" typeface="新細明體"/>
+        <a:font script="Arab" typeface="Times New Roman"/>
+        <a:font script="Hebr" typeface="Times New Roman"/>
+        <a:font script="Thai" typeface="Angsana New"/>
+        <a:font script="Ethi" typeface="Nyala"/>
+        <a:font script="Beng" typeface="Vrinda"/>
+        <a:font script="Gujr" typeface="Shruti"/>
+        <a:font script="Khmr" typeface="MoolBoran"/>
+        <a:font script="Knda" typeface="Tunga"/>
+        <a:font script="Guru" typeface="Raavi"/>
+        <a:font script="Cans" typeface="Euphemia"/>
+        <a:font script="Cher" typeface="Plantagenet Cherokee"/>
+        <a:font script="Yiii" typeface="Microsoft Yi Baiti"/>
+        <a:font script="Tibt" typeface="Microsoft Himalaya"/>
+        <a:font script="Thaa" typeface="MV Boli"/>
+        <a:font script="Deva" typeface="Mangal"/>
+        <a:font script="Telu" typeface="Gautami"/>
+        <a:font script="Taml" typeface="Latha"/>
+        <a:font script="Syrc" typeface="Estrangelo Edessa"/>
+        <a:font script="Orya" typeface="Kalinga"/>
+        <a:font script="Mlym" typeface="Kartika"/>
+        <a:font script="Laoo" typeface="DokChampa"/>
+        <a:font script="Sinh" typeface="Iskoola Pota"/>
+        <a:font script="Mong" typeface="Mongolian Baiti"/>
+        <a:font script="Viet" typeface="Times New Roman"/>
+        <a:font script="Uigh" typeface="Microsoft Uighur"/>
+        <a:font script="Geor" typeface="Sylfaen"/>
+        <a:font script="Armn" typeface="Arial"/>
+        <a:font script="Bugi" typeface="Leelawadee UI"/>
+        <a:font script="Bopo" typeface="Microsoft JhengHei"/>
+        <a:font script="Java" typeface="Javanese Text"/>
+        <a:font script="Lisu" typeface="Segoe UI"/>
+        <a:font script="Mymr" typeface="Myanmar Text"/>
+        <a:font script="Nkoo" typeface="Ebrima"/>
+        <a:font script="Olck" typeface="Nirmala UI"/>
+        <a:font script="Osma" typeface="Ebrima"/>
+        <a:font script="Phag" typeface="Phagspa"/>
+        <a:font script="Syrn" typeface="Estrangelo Edessa"/>
+        <a:font script="Syrj" typeface="Estrangelo Edessa"/>
+        <a:font script="Syre" typeface="Estrangelo Edessa"/>
+        <a:font script="Sora" typeface="Nirmala UI"/>
+        <a:font script="Tale" typeface="Microsoft Tai Le"/>
+        <a:font script="Talu" typeface="Microsoft New Tai Lue"/>
+        <a:font script="Tfng" typeface="Ebrima"/>
+      </a:majorFont>
+      <a:minorFont>
+        <a:latin typeface="Calibri" panose="020F0502020204030204"/>
+        <a:ea typeface=""/>
+        <a:cs typeface=""/>
+        <a:font script="Jpan" typeface="游ゴシック"/>
+        <a:font script="Hang" typeface="맑은 고딕"/>
+        <a:font script="Hans" typeface="等线"/>
+        <a:font script="Hant" typeface="新細明體"/>
+        <a:font script="Arab" typeface="Arial"/>
+        <a:font script="Hebr" typeface="Arial"/>
+        <a:font script="Thai" typeface="Cordia New"/>
+        <a:font script="Ethi" typeface="Nyala"/>
+        <a:font script="Beng" typeface="Vrinda"/>
+        <a:font script="Gujr" typeface="Shruti"/>
+        <a:font script="Khmr" typeface="DaunPenh"/>
+        <a:font script="Knda" typeface="Tunga"/>
+        <a:font script="Guru" typeface="Raavi"/>
+        <a:font script="Cans" typeface="Euphemia"/>
+        <a:font script="Cher" typeface="Plantagenet Cherokee"/>
+        <a:font script="Yiii" typeface="Microsoft Yi Baiti"/>
+        <a:font script="Tibt" typeface="Microsoft Himalaya"/>
+        <a:font script="Thaa" typeface="MV Boli"/>
+        <a:font script="Deva" typeface="Mangal"/>
+        <a:font script="Telu" typeface="Gautami"/>
+        <a:font script="Taml" typeface="Latha"/>
+        <a:font script="Syrc" typeface="Estrangelo Edessa"/>
+        <a:font script="Orya" typeface="Kalinga"/>
+        <a:font script="Mlym" typeface="Kartika"/>
+        <a:font script="Laoo" typeface="DokChampa"/>
+        <a:font script="Sinh" typeface="Iskoola Pota"/>
+        <a:font script="Mong" typeface="Mongolian Baiti"/>
+        <a:font script="Viet" typeface="Arial"/>
+        <a:font script="Uigh" typeface="Microsoft Uighur"/>
+        <a:font script="Geor" typeface="Sylfaen"/>
+        <a:font script="Armn" typeface="Arial"/>
+        <a:font script="Bugi" typeface="Leelawadee UI"/>
+        <a:font script="Bopo" typeface="Microsoft JhengHei"/>
+        <a:font script="Java" typeface="Javanese Text"/>
+        <a:font script="Lisu" typeface="Segoe UI"/>
+        <a:font script="Mymr" typeface="Myanmar Text"/>
+        <a:font script="Nkoo" typeface="Ebrima"/>
+        <a:font script="Olck" typeface="Nirmala UI"/>
+        <a:font script="Osma" typeface="Ebrima"/>
+        <a:font script="Phag" typeface="Phagspa"/>
+        <a:font script="Syrn" typeface="Estrangelo Edessa"/>
+        <a:font script="Syrj" typeface="Estrangelo Edessa"/>
+        <a:font script="Syre" typeface="Estrangelo Edessa"/>
+        <a:font script="Sora" typeface="Nirmala UI"/>
+        <a:font script="Tale" typeface="Microsoft Tai Le"/>
+        <a:font script="Talu" typeface="Microsoft New Tai Lue"/>
+        <a:font script="Tfng" typeface="Ebrima"/>
+      </a:minorFont>
+    </a:fontScheme>
+    <a:fmtScheme name="Office">
+      <a:fillStyleLst>
+        <a:solidFill>
+          <a:schemeClr val="phClr"/>
+        </a:solidFill>
+        <a:gradFill rotWithShape="1">
+          <a:gsLst>
+            <a:gs pos="0">
+              <a:schemeClr val="phClr">
+                <a:lumMod val="110000"/>
+                <a:satMod val="105000"/>
+                <a:tint val="67000"/>
+              </a:schemeClr>
+            </a:gs>
+            <a:gs pos="50000">
+              <a:schemeClr val="phClr">
+                <a:lumMod val="105000"/>
+                <a:satMod val="103000"/>
+                <a:tint val="73000"/>
+              </a:schemeClr>
+            </a:gs>
+            <a:gs pos="100000">
+              <a:schemeClr val="phClr">
+                <a:lumMod val="105000"/>
+                <a:satMod val="109000"/>
+                <a:tint val="81000"/>
+              </a:schemeClr>
+            </a:gs>
+          </a:gsLst>
+          <a:lin ang="5400000" scaled="0"/>
+        </a:gradFill>
+        <a:gradFill rotWithShape="1">
+          <a:gsLst>
+            <a:gs pos="0">
+              <a:schemeClr val="phClr">
+                <a:satMod val="103000"/>
+                <a:lumMod val="102000"/>
+                <a:tint val="94000"/>
+              </a:schemeClr>
+            </a:gs>
+            <a:gs pos="50000">
+              <a:schemeClr val="phClr">
+                <a:satMod val="110000"/>
+                <a:lumMod val="100000"/>
+                <a:shade val="100000"/>
+              </a:schemeClr>
+            </a:gs>
+            <a:gs pos="100000">
+              <a:schemeClr val="phClr">
+                <a:lumMod val="99000"/>
+                <a:satMod val="120000"/>
+                <a:shade val="78000"/>
+              </a:schemeClr>
+            </a:gs>
+          </a:gsLst>
+          <a:lin ang="5400000" scaled="0"/>
+        </a:gradFill>
+      </a:fillStyleLst>
+      <a:lnStyleLst>
+        <a:ln w="6350" cap="flat" cmpd="sng" algn="ctr">
+          <a:solidFill>
+            <a:schemeClr val="phClr"/>
+          </a:solidFill>
+          <a:prstDash val="solid"/>
+          <a:miter lim="800000"/>
+        </a:ln>
+        <a:ln w="12700" cap="flat" cmpd="sng" algn="ctr">
+          <a:solidFill>
+            <a:schemeClr val="phClr"/>
+          </a:solidFill>
+          <a:prstDash val="solid"/>
+          <a:miter lim="800000"/>
+        </a:ln>
+        <a:ln w="19050" cap="flat" cmpd="sng" algn="ctr">
+          <a:solidFill>
+            <a:schemeClr val="phClr"/>
+          </a:solidFill>
+          <a:prstDash val="solid"/>
+          <a:miter lim="800000"/>
+        </a:ln>
+      </a:lnStyleLst>
+      <a:effectStyleLst>
+        <a:effectStyle>
+          <a:effectLst/>
+        </a:effectStyle>
+        <a:effectStyle>
+          <a:effectLst/>
+        </a:effectStyle>
+        <a:effectStyle>
+          <a:effectLst>
+            <a:outerShdw blurRad="57150" dist="19050" dir="5400000" algn="ctr" rotWithShape="0">
+              <a:srgbClr val="000000">
+                <a:alpha val="63000"/>
+              </a:srgbClr>
+            </a:outerShdw>
+          </a:effectLst>
+        </a:effectStyle>
+      </a:effectStyleLst>
+      <a:bgFillStyleLst>
+        <a:solidFill>
+          <a:schemeClr val="phClr"/>
+        </a:solidFill>
+        <a:solidFill>
+          <a:schemeClr val="phClr">
+            <a:tint val="95000"/>
+            <a:satMod val="170000"/>
+          </a:schemeClr>
+        </a:solidFill>
+        <a:gradFill rotWithShape="1">
+          <a:gsLst>
+            <a:gs pos="0">
+              <a:schemeClr val="phClr">
+                <a:tint val="93000"/>
+                <a:satMod val="150000"/>
+                <a:shade val="98000"/>
+                <a:lumMod val="102000"/>
+              </a:schemeClr>
+            </a:gs>
+            <a:gs pos="50000">
+              <a:schemeClr val="phClr">
+                <a:tint val="98000"/>
+                <a:satMod val="130000"/>
+                <a:shade val="90000"/>
+                <a:lumMod val="103000"/>
+              </a:schemeClr>
+            </a:gs>
+            <a:gs pos="100000">
+              <a:schemeClr val="phClr">
+                <a:shade val="63000"/>
+                <a:satMod val="120000"/>
+              </a:schemeClr>
+            </a:gs>
+          </a:gsLst>
+          <a:lin ang="5400000" scaled="0"/>
+        </a:gradFill>
+      </a:bgFillStyleLst>
+    </a:fmtScheme>
+  </a:themeElements>
+  <a:objectDefaults/>
+  <a:extraClrSchemeLst/>
+  <a:extLst>
+    <a:ext uri="{05A4C25C-085E-4340-85A3-A5531E510DB2}">
+      <thm15:themeFamily xmlns:thm15="http://schemas.microsoft.com/office/thememl/2012/main" name="Office Theme" id="{62F939B6-93AF-4DB8-9C6B-D6C7DFDC589F}" vid="{4A3C46E8-61CC-4603-A589-7422A47A8E4A}"/>
+    </a:ext>
+  </a:extLst>
+</a:theme>
 </file>
--- a/presentation/Team-25.pptx
+++ b/presentation/Team-25.pptx
@@ -5,7 +5,7 @@
     <p:sldMasterId id="2147483950" r:id="rId1"/>
   </p:sldMasterIdLst>
   <p:notesMasterIdLst>
-    <p:notesMasterId r:id="rId29"/>
+    <p:notesMasterId r:id="rId30"/>
   </p:notesMasterIdLst>
   <p:sldIdLst>
     <p:sldId id="257" r:id="rId2"/>
@@ -20,21 +20,22 @@
     <p:sldId id="288" r:id="rId11"/>
     <p:sldId id="289" r:id="rId12"/>
     <p:sldId id="290" r:id="rId13"/>
-    <p:sldId id="285" r:id="rId14"/>
-    <p:sldId id="291" r:id="rId15"/>
-    <p:sldId id="292" r:id="rId16"/>
-    <p:sldId id="293" r:id="rId17"/>
-    <p:sldId id="294" r:id="rId18"/>
-    <p:sldId id="284" r:id="rId19"/>
-    <p:sldId id="272" r:id="rId20"/>
-    <p:sldId id="273" r:id="rId21"/>
-    <p:sldId id="275" r:id="rId22"/>
-    <p:sldId id="276" r:id="rId23"/>
-    <p:sldId id="282" r:id="rId24"/>
-    <p:sldId id="277" r:id="rId25"/>
-    <p:sldId id="279" r:id="rId26"/>
-    <p:sldId id="278" r:id="rId27"/>
-    <p:sldId id="281" r:id="rId28"/>
+    <p:sldId id="295" r:id="rId14"/>
+    <p:sldId id="285" r:id="rId15"/>
+    <p:sldId id="291" r:id="rId16"/>
+    <p:sldId id="292" r:id="rId17"/>
+    <p:sldId id="293" r:id="rId18"/>
+    <p:sldId id="294" r:id="rId19"/>
+    <p:sldId id="284" r:id="rId20"/>
+    <p:sldId id="272" r:id="rId21"/>
+    <p:sldId id="273" r:id="rId22"/>
+    <p:sldId id="275" r:id="rId23"/>
+    <p:sldId id="276" r:id="rId24"/>
+    <p:sldId id="282" r:id="rId25"/>
+    <p:sldId id="277" r:id="rId26"/>
+    <p:sldId id="279" r:id="rId27"/>
+    <p:sldId id="278" r:id="rId28"/>
+    <p:sldId id="281" r:id="rId29"/>
   </p:sldIdLst>
   <p:sldSz cx="12192000" cy="6858000"/>
   <p:notesSz cx="6858000" cy="9144000"/>
@@ -223,7 +224,7 @@
           <a:p>
             <a:fld id="{5D44D6BF-B9BD-4338-90A3-91B6768E1A15}" type="datetimeFigureOut">
               <a:rPr lang="en-US" smtClean="0"/>
-              <a:t>4/4/2020</a:t>
+              <a:t>4/7/2020</a:t>
             </a:fld>
             <a:endParaRPr lang="en-US"/>
           </a:p>
@@ -1102,7 +1103,7 @@
             <a:fld id="{8AECDF24-0F62-6442-A2C0-578570B09936}" type="datetimeFigureOut">
               <a:rPr lang="en-US" smtClean="0"/>
               <a:pPr/>
-              <a:t>4/4/2020</a:t>
+              <a:t>4/7/2020</a:t>
             </a:fld>
             <a:endParaRPr lang="en-US"/>
           </a:p>
@@ -1319,7 +1320,7 @@
           <a:p>
             <a:fld id="{8AECDF24-0F62-6442-A2C0-578570B09936}" type="datetimeFigureOut">
               <a:rPr lang="en-US" smtClean="0"/>
-              <a:t>4/4/2020</a:t>
+              <a:t>4/7/2020</a:t>
             </a:fld>
             <a:endParaRPr lang="en-US"/>
           </a:p>
@@ -1527,7 +1528,7 @@
           <a:p>
             <a:fld id="{8AECDF24-0F62-6442-A2C0-578570B09936}" type="datetimeFigureOut">
               <a:rPr lang="en-US" smtClean="0"/>
-              <a:t>4/4/2020</a:t>
+              <a:t>4/7/2020</a:t>
             </a:fld>
             <a:endParaRPr lang="en-US"/>
           </a:p>
@@ -1764,7 +1765,7 @@
             <a:fld id="{8AECDF24-0F62-6442-A2C0-578570B09936}" type="datetimeFigureOut">
               <a:rPr lang="en-US" smtClean="0"/>
               <a:pPr/>
-              <a:t>4/4/2020</a:t>
+              <a:t>4/7/2020</a:t>
             </a:fld>
             <a:endParaRPr lang="en-US"/>
           </a:p>
@@ -2164,7 +2165,7 @@
             <a:fld id="{8AECDF24-0F62-6442-A2C0-578570B09936}" type="datetimeFigureOut">
               <a:rPr lang="en-US" smtClean="0"/>
               <a:pPr/>
-              <a:t>4/4/2020</a:t>
+              <a:t>4/7/2020</a:t>
             </a:fld>
             <a:endParaRPr lang="en-US"/>
           </a:p>
@@ -2442,7 +2443,7 @@
           <a:p>
             <a:fld id="{8AECDF24-0F62-6442-A2C0-578570B09936}" type="datetimeFigureOut">
               <a:rPr lang="en-US" smtClean="0"/>
-              <a:t>4/4/2020</a:t>
+              <a:t>4/7/2020</a:t>
             </a:fld>
             <a:endParaRPr lang="en-US"/>
           </a:p>
@@ -2956,7 +2957,7 @@
           <a:p>
             <a:fld id="{8AECDF24-0F62-6442-A2C0-578570B09936}" type="datetimeFigureOut">
               <a:rPr lang="en-US" smtClean="0"/>
-              <a:t>4/4/2020</a:t>
+              <a:t>4/7/2020</a:t>
             </a:fld>
             <a:endParaRPr lang="en-US"/>
           </a:p>
@@ -3097,7 +3098,7 @@
           <a:p>
             <a:fld id="{8AECDF24-0F62-6442-A2C0-578570B09936}" type="datetimeFigureOut">
               <a:rPr lang="en-US" smtClean="0"/>
-              <a:t>4/4/2020</a:t>
+              <a:t>4/7/2020</a:t>
             </a:fld>
             <a:endParaRPr lang="en-US"/>
           </a:p>
@@ -3210,7 +3211,7 @@
           <a:p>
             <a:fld id="{8AECDF24-0F62-6442-A2C0-578570B09936}" type="datetimeFigureOut">
               <a:rPr lang="en-US" smtClean="0"/>
-              <a:t>4/4/2020</a:t>
+              <a:t>4/7/2020</a:t>
             </a:fld>
             <a:endParaRPr lang="en-US"/>
           </a:p>
@@ -3521,7 +3522,7 @@
           <a:p>
             <a:fld id="{8AECDF24-0F62-6442-A2C0-578570B09936}" type="datetimeFigureOut">
               <a:rPr lang="en-US" smtClean="0"/>
-              <a:t>4/4/2020</a:t>
+              <a:t>4/7/2020</a:t>
             </a:fld>
             <a:endParaRPr lang="en-US"/>
           </a:p>
@@ -3809,7 +3810,7 @@
           <a:p>
             <a:fld id="{8AECDF24-0F62-6442-A2C0-578570B09936}" type="datetimeFigureOut">
               <a:rPr lang="en-US" smtClean="0"/>
-              <a:t>4/4/2020</a:t>
+              <a:t>4/7/2020</a:t>
             </a:fld>
             <a:endParaRPr lang="en-US"/>
           </a:p>
@@ -4050,7 +4051,7 @@
           <a:p>
             <a:fld id="{8AECDF24-0F62-6442-A2C0-578570B09936}" type="datetimeFigureOut">
               <a:rPr lang="en-US" smtClean="0"/>
-              <a:t>4/4/2020</a:t>
+              <a:t>4/7/2020</a:t>
             </a:fld>
             <a:endParaRPr lang="en-US"/>
           </a:p>
@@ -4970,20 +4971,47 @@
         </p:nvSpPr>
         <p:spPr/>
         <p:txBody>
-          <a:bodyPr/>
+          <a:bodyPr>
+            <a:normAutofit lnSpcReduction="10000"/>
+          </a:bodyPr>
           <a:lstStyle/>
           <a:p>
             <a:r>
               <a:rPr lang="en-US" dirty="0"/>
-              <a:t>Liters Alcohol per Capita</a:t>
-            </a:r>
-          </a:p>
-          <a:p>
-            <a:r>
-              <a:rPr lang="en-US" dirty="0" err="1"/>
-              <a:t>qqSam</a:t>
-            </a:r>
-            <a:endParaRPr lang="en-US" dirty="0"/>
+              <a:t>Liters of Pure Alcohol Consumed per Capita per Year</a:t>
+            </a:r>
+          </a:p>
+          <a:p>
+            <a:r>
+              <a:rPr lang="en-US" dirty="0"/>
+              <a:t>Data gathered from World Health Organization’s (WHO) Substance Abuse Country Profiles</a:t>
+            </a:r>
+          </a:p>
+          <a:p>
+            <a:r>
+              <a:rPr lang="en-US" dirty="0"/>
+              <a:t>Harmful use of alcohol is among the major risk factors for suicide</a:t>
+            </a:r>
+          </a:p>
+          <a:p>
+            <a:r>
+              <a:rPr lang="en-US" dirty="0"/>
+              <a:t>Risk of suicidal ideation, suicidal attempts and completed suicide are each increased by 2–3 times among those with Alcohol Use Disorders (AUD) </a:t>
+            </a:r>
+          </a:p>
+          <a:p>
+            <a:r>
+              <a:rPr lang="en-US" dirty="0"/>
+              <a:t>A study published in </a:t>
+            </a:r>
+            <a:r>
+              <a:rPr lang="en-US" b="1" dirty="0"/>
+              <a:t>The Lancet</a:t>
+            </a:r>
+            <a:r>
+              <a:rPr lang="en-US" dirty="0"/>
+              <a:t> found that global alcohol consumption saw an increase of about 70% from 1990 to 2017, going from about 21 billion liters of pure alcohol to 35.7 billion liters of pure alcohol</a:t>
+            </a:r>
           </a:p>
         </p:txBody>
       </p:sp>
@@ -5019,44 +5047,70 @@
       </p:grpSpPr>
       <p:sp>
         <p:nvSpPr>
-          <p:cNvPr id="4" name="Title 3">
-            <a:extLst>
-              <a:ext uri="{FF2B5EF4-FFF2-40B4-BE49-F238E27FC236}">
-                <a16:creationId xmlns:a16="http://schemas.microsoft.com/office/drawing/2014/main" id="{B9E80BC2-4589-4F4D-8C68-24FFC67D1426}"/>
-              </a:ext>
-            </a:extLst>
-          </p:cNvPr>
-          <p:cNvSpPr>
-            <a:spLocks noGrp="1"/>
-          </p:cNvSpPr>
-          <p:nvPr>
-            <p:ph type="ctrTitle"/>
+          <p:cNvPr id="2" name="Title 1">
+            <a:extLst>
+              <a:ext uri="{FF2B5EF4-FFF2-40B4-BE49-F238E27FC236}">
+                <a16:creationId xmlns:a16="http://schemas.microsoft.com/office/drawing/2014/main" id="{F9B986DE-63B1-413F-BFDD-A742A84AECE9}"/>
+              </a:ext>
+            </a:extLst>
+          </p:cNvPr>
+          <p:cNvSpPr>
+            <a:spLocks noGrp="1"/>
+          </p:cNvSpPr>
+          <p:nvPr>
+            <p:ph type="title"/>
           </p:nvPr>
         </p:nvSpPr>
         <p:spPr>
           <a:xfrm>
-            <a:off x="416859" y="1122363"/>
-            <a:ext cx="10838329" cy="2387600"/>
+            <a:off x="838200" y="365125"/>
+            <a:ext cx="10515600" cy="1325563"/>
           </a:xfrm>
         </p:spPr>
         <p:txBody>
-          <a:bodyPr>
-            <a:normAutofit/>
-          </a:bodyPr>
-          <a:lstStyle/>
-          <a:p>
-            <a:pPr algn="l"/>
-            <a:r>
-              <a:rPr lang="en-US" sz="3600" dirty="0"/>
-              <a:t>Regression Model</a:t>
-            </a:r>
-          </a:p>
-        </p:txBody>
-      </p:sp>
+          <a:bodyPr/>
+          <a:lstStyle/>
+          <a:p>
+            <a:r>
+              <a:rPr lang="en-US" dirty="0"/>
+              <a:t>Alcohol Consumption: continued</a:t>
+            </a:r>
+          </a:p>
+        </p:txBody>
+      </p:sp>
+      <p:pic>
+        <p:nvPicPr>
+          <p:cNvPr id="5" name="Content Placeholder 4" descr="A close up of a map&#10;&#10;Description automatically generated">
+            <a:extLst>
+              <a:ext uri="{FF2B5EF4-FFF2-40B4-BE49-F238E27FC236}">
+                <a16:creationId xmlns:a16="http://schemas.microsoft.com/office/drawing/2014/main" id="{9E69C644-BC05-4CB9-B6C2-BA9CD47A2C3F}"/>
+              </a:ext>
+            </a:extLst>
+          </p:cNvPr>
+          <p:cNvPicPr>
+            <a:picLocks noGrp="1" noChangeAspect="1"/>
+          </p:cNvPicPr>
+          <p:nvPr>
+            <p:ph idx="1"/>
+          </p:nvPr>
+        </p:nvPicPr>
+        <p:blipFill>
+          <a:blip r:embed="rId2"/>
+          <a:stretch>
+            <a:fillRect/>
+          </a:stretch>
+        </p:blipFill>
+        <p:spPr>
+          <a:xfrm>
+            <a:off x="1293081" y="1406769"/>
+            <a:ext cx="9605837" cy="5451231"/>
+          </a:xfrm>
+        </p:spPr>
+      </p:pic>
     </p:spTree>
     <p:extLst>
       <p:ext uri="{BB962C8B-B14F-4D97-AF65-F5344CB8AC3E}">
-        <p14:creationId xmlns:p14="http://schemas.microsoft.com/office/powerpoint/2010/main" val="2366447657"/>
+        <p14:creationId xmlns:p14="http://schemas.microsoft.com/office/powerpoint/2010/main" val="2893686387"/>
       </p:ext>
     </p:extLst>
   </p:cSld>
@@ -5085,69 +5139,44 @@
       </p:grpSpPr>
       <p:sp>
         <p:nvSpPr>
-          <p:cNvPr id="2" name="Title 1">
-            <a:extLst>
-              <a:ext uri="{FF2B5EF4-FFF2-40B4-BE49-F238E27FC236}">
-                <a16:creationId xmlns:a16="http://schemas.microsoft.com/office/drawing/2014/main" id="{E3D71C4E-63CB-4FE7-B972-B803D7679B03}"/>
-              </a:ext>
-            </a:extLst>
-          </p:cNvPr>
-          <p:cNvSpPr>
-            <a:spLocks noGrp="1"/>
-          </p:cNvSpPr>
-          <p:nvPr>
-            <p:ph type="title"/>
-          </p:nvPr>
-        </p:nvSpPr>
-        <p:spPr/>
-        <p:txBody>
-          <a:bodyPr/>
-          <a:lstStyle/>
-          <a:p>
-            <a:r>
-              <a:rPr lang="en-US" dirty="0"/>
-              <a:t>Model Creation</a:t>
-            </a:r>
-          </a:p>
-        </p:txBody>
-      </p:sp>
-      <p:sp>
-        <p:nvSpPr>
-          <p:cNvPr id="3" name="Content Placeholder 2">
-            <a:extLst>
-              <a:ext uri="{FF2B5EF4-FFF2-40B4-BE49-F238E27FC236}">
-                <a16:creationId xmlns:a16="http://schemas.microsoft.com/office/drawing/2014/main" id="{0E62FB0E-6CF7-48F8-8A90-0CDCAE26F087}"/>
-              </a:ext>
-            </a:extLst>
-          </p:cNvPr>
-          <p:cNvSpPr>
-            <a:spLocks noGrp="1"/>
-          </p:cNvSpPr>
-          <p:nvPr>
-            <p:ph idx="1"/>
-          </p:nvPr>
-        </p:nvSpPr>
-        <p:spPr/>
-        <p:txBody>
-          <a:bodyPr/>
-          <a:lstStyle/>
-          <a:p>
-            <a:pPr fontAlgn="base"/>
-            <a:r>
-              <a:rPr lang="en-US" dirty="0" err="1"/>
-              <a:t>qqOsman</a:t>
-            </a:r>
-            <a:endParaRPr lang="en-US" dirty="0"/>
-          </a:p>
-          <a:p>
-            <a:endParaRPr lang="en-US" dirty="0"/>
+          <p:cNvPr id="4" name="Title 3">
+            <a:extLst>
+              <a:ext uri="{FF2B5EF4-FFF2-40B4-BE49-F238E27FC236}">
+                <a16:creationId xmlns:a16="http://schemas.microsoft.com/office/drawing/2014/main" id="{B9E80BC2-4589-4F4D-8C68-24FFC67D1426}"/>
+              </a:ext>
+            </a:extLst>
+          </p:cNvPr>
+          <p:cNvSpPr>
+            <a:spLocks noGrp="1"/>
+          </p:cNvSpPr>
+          <p:nvPr>
+            <p:ph type="ctrTitle"/>
+          </p:nvPr>
+        </p:nvSpPr>
+        <p:spPr>
+          <a:xfrm>
+            <a:off x="416859" y="1122363"/>
+            <a:ext cx="10838329" cy="2387600"/>
+          </a:xfrm>
+        </p:spPr>
+        <p:txBody>
+          <a:bodyPr>
+            <a:normAutofit/>
+          </a:bodyPr>
+          <a:lstStyle/>
+          <a:p>
+            <a:pPr algn="l"/>
+            <a:r>
+              <a:rPr lang="en-US" sz="3600" dirty="0"/>
+              <a:t>Regression Model</a:t>
+            </a:r>
           </a:p>
         </p:txBody>
       </p:sp>
     </p:spTree>
     <p:extLst>
       <p:ext uri="{BB962C8B-B14F-4D97-AF65-F5344CB8AC3E}">
-        <p14:creationId xmlns:p14="http://schemas.microsoft.com/office/powerpoint/2010/main" val="1998129388"/>
+        <p14:creationId xmlns:p14="http://schemas.microsoft.com/office/powerpoint/2010/main" val="2366447657"/>
       </p:ext>
     </p:extLst>
   </p:cSld>
@@ -5179,7 +5208,7 @@
           <p:cNvPr id="2" name="Title 1">
             <a:extLst>
               <a:ext uri="{FF2B5EF4-FFF2-40B4-BE49-F238E27FC236}">
-                <a16:creationId xmlns:a16="http://schemas.microsoft.com/office/drawing/2014/main" id="{797AEA03-72AA-4A62-9C5E-93A1D60018B1}"/>
+                <a16:creationId xmlns:a16="http://schemas.microsoft.com/office/drawing/2014/main" id="{E3D71C4E-63CB-4FE7-B972-B803D7679B03}"/>
               </a:ext>
             </a:extLst>
           </p:cNvPr>
@@ -5197,7 +5226,7 @@
           <a:p>
             <a:r>
               <a:rPr lang="en-US" dirty="0"/>
-              <a:t>Model Refinement</a:t>
+              <a:t>Model Creation</a:t>
             </a:r>
           </a:p>
         </p:txBody>
@@ -5207,7 +5236,7 @@
           <p:cNvPr id="3" name="Content Placeholder 2">
             <a:extLst>
               <a:ext uri="{FF2B5EF4-FFF2-40B4-BE49-F238E27FC236}">
-                <a16:creationId xmlns:a16="http://schemas.microsoft.com/office/drawing/2014/main" id="{0872993A-5D50-4F30-BA62-56A008497EB7}"/>
+                <a16:creationId xmlns:a16="http://schemas.microsoft.com/office/drawing/2014/main" id="{0E62FB0E-6CF7-48F8-8A90-0CDCAE26F087}"/>
               </a:ext>
             </a:extLst>
           </p:cNvPr>
@@ -5223,10 +5252,14 @@
           <a:bodyPr/>
           <a:lstStyle/>
           <a:p>
+            <a:pPr fontAlgn="base"/>
             <a:r>
               <a:rPr lang="en-US" dirty="0" err="1"/>
               <a:t>qqOsman</a:t>
             </a:r>
+            <a:endParaRPr lang="en-US" dirty="0"/>
+          </a:p>
+          <a:p>
             <a:endParaRPr lang="en-US" dirty="0"/>
           </a:p>
         </p:txBody>
@@ -5234,7 +5267,7 @@
     </p:spTree>
     <p:extLst>
       <p:ext uri="{BB962C8B-B14F-4D97-AF65-F5344CB8AC3E}">
-        <p14:creationId xmlns:p14="http://schemas.microsoft.com/office/powerpoint/2010/main" val="3407115648"/>
+        <p14:creationId xmlns:p14="http://schemas.microsoft.com/office/powerpoint/2010/main" val="1998129388"/>
       </p:ext>
     </p:extLst>
   </p:cSld>
@@ -5266,7 +5299,7 @@
           <p:cNvPr id="2" name="Title 1">
             <a:extLst>
               <a:ext uri="{FF2B5EF4-FFF2-40B4-BE49-F238E27FC236}">
-                <a16:creationId xmlns:a16="http://schemas.microsoft.com/office/drawing/2014/main" id="{1180966A-6DCE-45CB-B2B4-A4CB78B27016}"/>
+                <a16:creationId xmlns:a16="http://schemas.microsoft.com/office/drawing/2014/main" id="{797AEA03-72AA-4A62-9C5E-93A1D60018B1}"/>
               </a:ext>
             </a:extLst>
           </p:cNvPr>
@@ -5284,7 +5317,7 @@
           <a:p>
             <a:r>
               <a:rPr lang="en-US" dirty="0"/>
-              <a:t>Model Limitations</a:t>
+              <a:t>Model Refinement</a:t>
             </a:r>
           </a:p>
         </p:txBody>
@@ -5294,7 +5327,7 @@
           <p:cNvPr id="3" name="Content Placeholder 2">
             <a:extLst>
               <a:ext uri="{FF2B5EF4-FFF2-40B4-BE49-F238E27FC236}">
-                <a16:creationId xmlns:a16="http://schemas.microsoft.com/office/drawing/2014/main" id="{57574260-73D6-4C2F-B05F-DA8EA9C8CA88}"/>
+                <a16:creationId xmlns:a16="http://schemas.microsoft.com/office/drawing/2014/main" id="{0872993A-5D50-4F30-BA62-56A008497EB7}"/>
               </a:ext>
             </a:extLst>
           </p:cNvPr>
@@ -5321,7 +5354,7 @@
     </p:spTree>
     <p:extLst>
       <p:ext uri="{BB962C8B-B14F-4D97-AF65-F5344CB8AC3E}">
-        <p14:creationId xmlns:p14="http://schemas.microsoft.com/office/powerpoint/2010/main" val="1698259041"/>
+        <p14:creationId xmlns:p14="http://schemas.microsoft.com/office/powerpoint/2010/main" val="3407115648"/>
       </p:ext>
     </p:extLst>
   </p:cSld>
@@ -5353,7 +5386,7 @@
           <p:cNvPr id="2" name="Title 1">
             <a:extLst>
               <a:ext uri="{FF2B5EF4-FFF2-40B4-BE49-F238E27FC236}">
-                <a16:creationId xmlns:a16="http://schemas.microsoft.com/office/drawing/2014/main" id="{A58B4A80-B4DD-4EFB-80F6-CE4AED5F00B1}"/>
+                <a16:creationId xmlns:a16="http://schemas.microsoft.com/office/drawing/2014/main" id="{1180966A-6DCE-45CB-B2B4-A4CB78B27016}"/>
               </a:ext>
             </a:extLst>
           </p:cNvPr>
@@ -5371,7 +5404,7 @@
           <a:p>
             <a:r>
               <a:rPr lang="en-US" dirty="0"/>
-              <a:t>Model Outcomes</a:t>
+              <a:t>Model Limitations</a:t>
             </a:r>
           </a:p>
         </p:txBody>
@@ -5381,7 +5414,7 @@
           <p:cNvPr id="3" name="Content Placeholder 2">
             <a:extLst>
               <a:ext uri="{FF2B5EF4-FFF2-40B4-BE49-F238E27FC236}">
-                <a16:creationId xmlns:a16="http://schemas.microsoft.com/office/drawing/2014/main" id="{43DD36A2-8495-431F-83BA-B5F0C4C38CFB}"/>
+                <a16:creationId xmlns:a16="http://schemas.microsoft.com/office/drawing/2014/main" id="{57574260-73D6-4C2F-B05F-DA8EA9C8CA88}"/>
               </a:ext>
             </a:extLst>
           </p:cNvPr>
@@ -5408,7 +5441,7 @@
     </p:spTree>
     <p:extLst>
       <p:ext uri="{BB962C8B-B14F-4D97-AF65-F5344CB8AC3E}">
-        <p14:creationId xmlns:p14="http://schemas.microsoft.com/office/powerpoint/2010/main" val="202907545"/>
+        <p14:creationId xmlns:p14="http://schemas.microsoft.com/office/powerpoint/2010/main" val="1698259041"/>
       </p:ext>
     </p:extLst>
   </p:cSld>
@@ -5437,44 +5470,65 @@
       </p:grpSpPr>
       <p:sp>
         <p:nvSpPr>
-          <p:cNvPr id="4" name="Title 3">
-            <a:extLst>
-              <a:ext uri="{FF2B5EF4-FFF2-40B4-BE49-F238E27FC236}">
-                <a16:creationId xmlns:a16="http://schemas.microsoft.com/office/drawing/2014/main" id="{B9E80BC2-4589-4F4D-8C68-24FFC67D1426}"/>
-              </a:ext>
-            </a:extLst>
-          </p:cNvPr>
-          <p:cNvSpPr>
-            <a:spLocks noGrp="1"/>
-          </p:cNvSpPr>
-          <p:nvPr>
-            <p:ph type="ctrTitle"/>
-          </p:nvPr>
-        </p:nvSpPr>
-        <p:spPr>
-          <a:xfrm>
-            <a:off x="416859" y="1122363"/>
-            <a:ext cx="10838329" cy="2387600"/>
-          </a:xfrm>
-        </p:spPr>
-        <p:txBody>
-          <a:bodyPr>
-            <a:normAutofit/>
-          </a:bodyPr>
-          <a:lstStyle/>
-          <a:p>
-            <a:pPr algn="l"/>
-            <a:r>
-              <a:rPr lang="en-US" sz="3600" dirty="0"/>
-              <a:t>Research &amp; Data Analysis </a:t>
-            </a:r>
+          <p:cNvPr id="2" name="Title 1">
+            <a:extLst>
+              <a:ext uri="{FF2B5EF4-FFF2-40B4-BE49-F238E27FC236}">
+                <a16:creationId xmlns:a16="http://schemas.microsoft.com/office/drawing/2014/main" id="{A58B4A80-B4DD-4EFB-80F6-CE4AED5F00B1}"/>
+              </a:ext>
+            </a:extLst>
+          </p:cNvPr>
+          <p:cNvSpPr>
+            <a:spLocks noGrp="1"/>
+          </p:cNvSpPr>
+          <p:nvPr>
+            <p:ph type="title"/>
+          </p:nvPr>
+        </p:nvSpPr>
+        <p:spPr/>
+        <p:txBody>
+          <a:bodyPr/>
+          <a:lstStyle/>
+          <a:p>
+            <a:r>
+              <a:rPr lang="en-US" dirty="0"/>
+              <a:t>Model Outcomes</a:t>
+            </a:r>
+          </a:p>
+        </p:txBody>
+      </p:sp>
+      <p:sp>
+        <p:nvSpPr>
+          <p:cNvPr id="3" name="Content Placeholder 2">
+            <a:extLst>
+              <a:ext uri="{FF2B5EF4-FFF2-40B4-BE49-F238E27FC236}">
+                <a16:creationId xmlns:a16="http://schemas.microsoft.com/office/drawing/2014/main" id="{43DD36A2-8495-431F-83BA-B5F0C4C38CFB}"/>
+              </a:ext>
+            </a:extLst>
+          </p:cNvPr>
+          <p:cNvSpPr>
+            <a:spLocks noGrp="1"/>
+          </p:cNvSpPr>
+          <p:nvPr>
+            <p:ph idx="1"/>
+          </p:nvPr>
+        </p:nvSpPr>
+        <p:spPr/>
+        <p:txBody>
+          <a:bodyPr/>
+          <a:lstStyle/>
+          <a:p>
+            <a:r>
+              <a:rPr lang="en-US" dirty="0" err="1"/>
+              <a:t>qqOsman</a:t>
+            </a:r>
+            <a:endParaRPr lang="en-US" dirty="0"/>
           </a:p>
         </p:txBody>
       </p:sp>
     </p:spTree>
     <p:extLst>
       <p:ext uri="{BB962C8B-B14F-4D97-AF65-F5344CB8AC3E}">
-        <p14:creationId xmlns:p14="http://schemas.microsoft.com/office/powerpoint/2010/main" val="2442058615"/>
+        <p14:creationId xmlns:p14="http://schemas.microsoft.com/office/powerpoint/2010/main" val="202907545"/>
       </p:ext>
     </p:extLst>
   </p:cSld>
@@ -5503,88 +5557,36 @@
       </p:grpSpPr>
       <p:sp>
         <p:nvSpPr>
-          <p:cNvPr id="2" name="Title 1">
-            <a:extLst>
-              <a:ext uri="{FF2B5EF4-FFF2-40B4-BE49-F238E27FC236}">
-                <a16:creationId xmlns:a16="http://schemas.microsoft.com/office/drawing/2014/main" id="{624DC2CB-8BD0-C849-B52E-0F91A40C741E}"/>
-              </a:ext>
-            </a:extLst>
-          </p:cNvPr>
-          <p:cNvSpPr>
-            <a:spLocks noGrp="1"/>
-          </p:cNvSpPr>
-          <p:nvPr>
-            <p:ph type="title"/>
-          </p:nvPr>
-        </p:nvSpPr>
-        <p:spPr/>
-        <p:txBody>
-          <a:bodyPr/>
-          <a:lstStyle/>
-          <a:p>
-            <a:r>
-              <a:rPr lang="en-US" dirty="0"/>
-              <a:t>What Does the Data Tell Us?</a:t>
-            </a:r>
-          </a:p>
-        </p:txBody>
-      </p:sp>
-      <p:sp>
-        <p:nvSpPr>
-          <p:cNvPr id="3" name="Content Placeholder 2">
-            <a:extLst>
-              <a:ext uri="{FF2B5EF4-FFF2-40B4-BE49-F238E27FC236}">
-                <a16:creationId xmlns:a16="http://schemas.microsoft.com/office/drawing/2014/main" id="{399E939B-CD29-D445-B69B-5A724813DF0B}"/>
-              </a:ext>
-            </a:extLst>
-          </p:cNvPr>
-          <p:cNvSpPr>
-            <a:spLocks noGrp="1"/>
-          </p:cNvSpPr>
-          <p:nvPr>
-            <p:ph idx="1"/>
-          </p:nvPr>
-        </p:nvSpPr>
-        <p:spPr/>
-        <p:txBody>
-          <a:bodyPr/>
-          <a:lstStyle/>
-          <a:p>
-            <a:r>
-              <a:rPr lang="en-US" dirty="0"/>
-              <a:t>Sections:</a:t>
-            </a:r>
-          </a:p>
-          <a:p>
-            <a:endParaRPr lang="en-US" dirty="0"/>
-          </a:p>
-          <a:p>
-            <a:pPr lvl="1"/>
-            <a:r>
-              <a:rPr lang="en-US" dirty="0"/>
-              <a:t>Impact of Economic Indicators (GDP)</a:t>
-            </a:r>
-          </a:p>
-          <a:p>
-            <a:pPr lvl="1"/>
-            <a:endParaRPr lang="en-US" dirty="0"/>
-          </a:p>
-          <a:p>
-            <a:pPr lvl="1"/>
-            <a:r>
-              <a:rPr lang="en-US" dirty="0"/>
-              <a:t>Impact of Substance Abuse Indications (Alcohol Abuse)</a:t>
-            </a:r>
-          </a:p>
-          <a:p>
-            <a:pPr lvl="1"/>
-            <a:endParaRPr lang="en-US" dirty="0"/>
-          </a:p>
-          <a:p>
-            <a:pPr lvl="1"/>
-            <a:r>
-              <a:rPr lang="en-US" dirty="0"/>
-              <a:t>Impact of Mental Health Resources</a:t>
+          <p:cNvPr id="4" name="Title 3">
+            <a:extLst>
+              <a:ext uri="{FF2B5EF4-FFF2-40B4-BE49-F238E27FC236}">
+                <a16:creationId xmlns:a16="http://schemas.microsoft.com/office/drawing/2014/main" id="{B9E80BC2-4589-4F4D-8C68-24FFC67D1426}"/>
+              </a:ext>
+            </a:extLst>
+          </p:cNvPr>
+          <p:cNvSpPr>
+            <a:spLocks noGrp="1"/>
+          </p:cNvSpPr>
+          <p:nvPr>
+            <p:ph type="ctrTitle"/>
+          </p:nvPr>
+        </p:nvSpPr>
+        <p:spPr>
+          <a:xfrm>
+            <a:off x="416859" y="1122363"/>
+            <a:ext cx="10838329" cy="2387600"/>
+          </a:xfrm>
+        </p:spPr>
+        <p:txBody>
+          <a:bodyPr>
+            <a:normAutofit/>
+          </a:bodyPr>
+          <a:lstStyle/>
+          <a:p>
+            <a:pPr algn="l"/>
+            <a:r>
+              <a:rPr lang="en-US" sz="3600" dirty="0"/>
+              <a:t>Research &amp; Data Analysis </a:t>
             </a:r>
           </a:p>
         </p:txBody>
@@ -5592,7 +5594,7 @@
     </p:spTree>
     <p:extLst>
       <p:ext uri="{BB962C8B-B14F-4D97-AF65-F5344CB8AC3E}">
-        <p14:creationId xmlns:p14="http://schemas.microsoft.com/office/powerpoint/2010/main" val="182351577"/>
+        <p14:creationId xmlns:p14="http://schemas.microsoft.com/office/powerpoint/2010/main" val="2442058615"/>
       </p:ext>
     </p:extLst>
   </p:cSld>
@@ -6017,7 +6019,7 @@
         <p:spPr>
           <a:xfrm>
             <a:off x="3582562" y="4992576"/>
-            <a:ext cx="2345392" cy="1200329"/>
+            <a:ext cx="2345392" cy="1384995"/>
           </a:xfrm>
           <a:prstGeom prst="rect">
             <a:avLst/>
@@ -6032,7 +6034,7 @@
           <a:p>
             <a:r>
               <a:rPr lang="en-US" sz="1200" b="1" dirty="0"/>
-              <a:t>Sam LASTNAME </a:t>
+              <a:t>Sam Garcia </a:t>
             </a:r>
           </a:p>
           <a:p>
@@ -6044,7 +6046,15 @@
           <a:p>
             <a:r>
               <a:rPr lang="en-US" sz="1200" dirty="0"/>
-              <a:t>(Part-time - School of Math)</a:t>
+              <a:t>(Part-time - </a:t>
+            </a:r>
+            <a:r>
+              <a:rPr lang="en-US" sz="1200" dirty="0" err="1"/>
+              <a:t>ISyE</a:t>
+            </a:r>
+            <a:r>
+              <a:rPr lang="en-US" sz="1200" dirty="0"/>
+              <a:t>)</a:t>
             </a:r>
             <a:br>
               <a:rPr lang="en-US" sz="1200" dirty="0"/>
@@ -6054,13 +6064,13 @@
           <a:p>
             <a:r>
               <a:rPr lang="en-US" sz="1200" dirty="0"/>
-              <a:t>From Atlanta, GA</a:t>
+              <a:t>From San Juan, PR</a:t>
             </a:r>
           </a:p>
           <a:p>
             <a:r>
               <a:rPr lang="en-US" sz="1200" dirty="0"/>
-              <a:t>Hobbies: Running &amp; Board Games</a:t>
+              <a:t>Hobbies: Software Development and Linux</a:t>
             </a:r>
           </a:p>
         </p:txBody>
@@ -6315,7 +6325,7 @@
           <a:p>
             <a:r>
               <a:rPr lang="en-US" dirty="0"/>
-              <a:t>Impact of Wealth, Country Level Economic Indicators</a:t>
+              <a:t>What Does the Data Tell Us?</a:t>
             </a:r>
           </a:p>
         </p:txBody>
@@ -6343,55 +6353,47 @@
           <a:p>
             <a:r>
               <a:rPr lang="en-US" dirty="0"/>
-              <a:t>Exploratory Analysis - Visual</a:t>
+              <a:t>Sections:</a:t>
             </a:r>
           </a:p>
           <a:p>
             <a:endParaRPr lang="en-US" dirty="0"/>
           </a:p>
           <a:p>
+            <a:pPr lvl="1"/>
             <a:r>
               <a:rPr lang="en-US" dirty="0"/>
-              <a:t>Testing (Hypothesis etc.)</a:t>
-            </a:r>
-          </a:p>
-          <a:p>
+              <a:t>Impact of Economic Indicators (GDP)</a:t>
+            </a:r>
+          </a:p>
+          <a:p>
+            <a:pPr lvl="1"/>
             <a:endParaRPr lang="en-US" dirty="0"/>
           </a:p>
           <a:p>
-            <a:r>
-              <a:rPr lang="en-US" dirty="0" err="1"/>
-              <a:t>Elasiticity</a:t>
-            </a:r>
+            <a:pPr lvl="1"/>
             <a:r>
               <a:rPr lang="en-US" dirty="0"/>
-              <a:t>/impact on our outcome</a:t>
-            </a:r>
-          </a:p>
-          <a:p>
+              <a:t>Impact of Substance Abuse Indications (Alcohol Abuse)</a:t>
+            </a:r>
+          </a:p>
+          <a:p>
+            <a:pPr lvl="1"/>
             <a:endParaRPr lang="en-US" dirty="0"/>
           </a:p>
           <a:p>
+            <a:pPr lvl="1"/>
             <a:r>
               <a:rPr lang="en-US" dirty="0"/>
-              <a:t>What policy makers should know</a:t>
-            </a:r>
-          </a:p>
-          <a:p>
-            <a:endParaRPr lang="en-US" dirty="0"/>
-          </a:p>
-          <a:p>
-            <a:endParaRPr lang="en-US" dirty="0"/>
-          </a:p>
-          <a:p>
-            <a:endParaRPr lang="en-US" dirty="0"/>
+              <a:t>Impact of Mental Health Resources</a:t>
+            </a:r>
           </a:p>
         </p:txBody>
       </p:sp>
     </p:spTree>
     <p:extLst>
       <p:ext uri="{BB962C8B-B14F-4D97-AF65-F5344CB8AC3E}">
-        <p14:creationId xmlns:p14="http://schemas.microsoft.com/office/powerpoint/2010/main" val="1808011340"/>
+        <p14:creationId xmlns:p14="http://schemas.microsoft.com/office/powerpoint/2010/main" val="182351577"/>
       </p:ext>
     </p:extLst>
   </p:cSld>
@@ -6441,7 +6443,7 @@
           <a:p>
             <a:r>
               <a:rPr lang="en-US" dirty="0"/>
-              <a:t>Impact Alcohol Abuse</a:t>
+              <a:t>Impact of Wealth, Country Level Economic Indicators</a:t>
             </a:r>
           </a:p>
         </p:txBody>
@@ -6500,7 +6502,7 @@
           <a:p>
             <a:r>
               <a:rPr lang="en-US" dirty="0"/>
-              <a:t>What policy makers should know and do</a:t>
+              <a:t>What policy makers should know</a:t>
             </a:r>
           </a:p>
           <a:p>
@@ -6517,7 +6519,7 @@
     </p:spTree>
     <p:extLst>
       <p:ext uri="{BB962C8B-B14F-4D97-AF65-F5344CB8AC3E}">
-        <p14:creationId xmlns:p14="http://schemas.microsoft.com/office/powerpoint/2010/main" val="2733299390"/>
+        <p14:creationId xmlns:p14="http://schemas.microsoft.com/office/powerpoint/2010/main" val="1808011340"/>
       </p:ext>
     </p:extLst>
   </p:cSld>
@@ -6567,7 +6569,7 @@
           <a:p>
             <a:r>
               <a:rPr lang="en-US" dirty="0"/>
-              <a:t>Impact of Availability of Mental Health Resources</a:t>
+              <a:t>Impact Alcohol Abuse</a:t>
             </a:r>
           </a:p>
         </p:txBody>
@@ -6590,12 +6592,21 @@
         </p:nvSpPr>
         <p:spPr/>
         <p:txBody>
-          <a:bodyPr/>
+          <a:bodyPr>
+            <a:normAutofit fontScale="77500" lnSpcReduction="20000"/>
+          </a:bodyPr>
           <a:lstStyle/>
           <a:p>
             <a:r>
               <a:rPr lang="en-US" dirty="0"/>
-              <a:t>Exploratory Analysis - Visual</a:t>
+              <a:t>Exploratory Analysis – Visual</a:t>
+            </a:r>
+          </a:p>
+          <a:p>
+            <a:pPr lvl="1"/>
+            <a:r>
+              <a:rPr lang="en-US" dirty="0"/>
+              <a:t>An association exists between alcohol consumption and the rate of suicide.</a:t>
             </a:r>
           </a:p>
           <a:p>
@@ -6608,6 +6619,13 @@
             </a:r>
           </a:p>
           <a:p>
+            <a:pPr lvl="1"/>
+            <a:r>
+              <a:rPr lang="en-US" dirty="0"/>
+              <a:t>Countries with higher rates of alcohol consumption tend to have higher suicide rates. By reducing the amount of alcohol consumed, suicides will be reduced. </a:t>
+            </a:r>
+          </a:p>
+          <a:p>
             <a:endParaRPr lang="en-US" dirty="0"/>
           </a:p>
           <a:p>
@@ -6621,12 +6639,26 @@
             </a:r>
           </a:p>
           <a:p>
+            <a:pPr lvl="1"/>
+            <a:r>
+              <a:rPr lang="en-US" dirty="0"/>
+              <a:t>Each X-unit increase/decrease in liters of alcohol consumed per capita resulted in Y-unit increase/decrease in the rate of suicide per capita.</a:t>
+            </a:r>
+          </a:p>
+          <a:p>
             <a:endParaRPr lang="en-US" dirty="0"/>
           </a:p>
           <a:p>
             <a:r>
               <a:rPr lang="en-US" dirty="0"/>
-              <a:t>What policy makers should know</a:t>
+              <a:t>What policy makers should know and do</a:t>
+            </a:r>
+          </a:p>
+          <a:p>
+            <a:pPr lvl="1"/>
+            <a:r>
+              <a:rPr lang="en-US" dirty="0"/>
+              <a:t>Policy makers should consider implementing measures designed to mitigate the harmful use of alcohol as a means of reducing the rate of suicide.</a:t>
             </a:r>
           </a:p>
           <a:p>
@@ -6643,7 +6675,7 @@
     </p:spTree>
     <p:extLst>
       <p:ext uri="{BB962C8B-B14F-4D97-AF65-F5344CB8AC3E}">
-        <p14:creationId xmlns:p14="http://schemas.microsoft.com/office/powerpoint/2010/main" val="3553279853"/>
+        <p14:creationId xmlns:p14="http://schemas.microsoft.com/office/powerpoint/2010/main" val="2733299390"/>
       </p:ext>
     </p:extLst>
   </p:cSld>
@@ -6769,7 +6801,7 @@
     </p:spTree>
     <p:extLst>
       <p:ext uri="{BB962C8B-B14F-4D97-AF65-F5344CB8AC3E}">
-        <p14:creationId xmlns:p14="http://schemas.microsoft.com/office/powerpoint/2010/main" val="2745908012"/>
+        <p14:creationId xmlns:p14="http://schemas.microsoft.com/office/powerpoint/2010/main" val="3553279853"/>
       </p:ext>
     </p:extLst>
   </p:cSld>
@@ -6798,44 +6830,104 @@
       </p:grpSpPr>
       <p:sp>
         <p:nvSpPr>
-          <p:cNvPr id="4" name="Title 3">
-            <a:extLst>
-              <a:ext uri="{FF2B5EF4-FFF2-40B4-BE49-F238E27FC236}">
-                <a16:creationId xmlns:a16="http://schemas.microsoft.com/office/drawing/2014/main" id="{B9E80BC2-4589-4F4D-8C68-24FFC67D1426}"/>
-              </a:ext>
-            </a:extLst>
-          </p:cNvPr>
-          <p:cNvSpPr>
-            <a:spLocks noGrp="1"/>
-          </p:cNvSpPr>
-          <p:nvPr>
-            <p:ph type="ctrTitle"/>
-          </p:nvPr>
-        </p:nvSpPr>
-        <p:spPr>
-          <a:xfrm>
-            <a:off x="416859" y="1122363"/>
-            <a:ext cx="10838329" cy="2387600"/>
-          </a:xfrm>
-        </p:spPr>
-        <p:txBody>
-          <a:bodyPr>
-            <a:normAutofit/>
-          </a:bodyPr>
-          <a:lstStyle/>
-          <a:p>
-            <a:pPr algn="l"/>
-            <a:r>
-              <a:rPr lang="en-US" sz="3600" dirty="0"/>
-              <a:t>Recommendations &amp; Decision Making Support for Policy Makers (Prescriptive)</a:t>
-            </a:r>
+          <p:cNvPr id="2" name="Title 1">
+            <a:extLst>
+              <a:ext uri="{FF2B5EF4-FFF2-40B4-BE49-F238E27FC236}">
+                <a16:creationId xmlns:a16="http://schemas.microsoft.com/office/drawing/2014/main" id="{624DC2CB-8BD0-C849-B52E-0F91A40C741E}"/>
+              </a:ext>
+            </a:extLst>
+          </p:cNvPr>
+          <p:cNvSpPr>
+            <a:spLocks noGrp="1"/>
+          </p:cNvSpPr>
+          <p:nvPr>
+            <p:ph type="title"/>
+          </p:nvPr>
+        </p:nvSpPr>
+        <p:spPr/>
+        <p:txBody>
+          <a:bodyPr/>
+          <a:lstStyle/>
+          <a:p>
+            <a:r>
+              <a:rPr lang="en-US" dirty="0"/>
+              <a:t>Impact of Availability of Mental Health Resources</a:t>
+            </a:r>
+          </a:p>
+        </p:txBody>
+      </p:sp>
+      <p:sp>
+        <p:nvSpPr>
+          <p:cNvPr id="3" name="Content Placeholder 2">
+            <a:extLst>
+              <a:ext uri="{FF2B5EF4-FFF2-40B4-BE49-F238E27FC236}">
+                <a16:creationId xmlns:a16="http://schemas.microsoft.com/office/drawing/2014/main" id="{399E939B-CD29-D445-B69B-5A724813DF0B}"/>
+              </a:ext>
+            </a:extLst>
+          </p:cNvPr>
+          <p:cNvSpPr>
+            <a:spLocks noGrp="1"/>
+          </p:cNvSpPr>
+          <p:nvPr>
+            <p:ph idx="1"/>
+          </p:nvPr>
+        </p:nvSpPr>
+        <p:spPr/>
+        <p:txBody>
+          <a:bodyPr/>
+          <a:lstStyle/>
+          <a:p>
+            <a:r>
+              <a:rPr lang="en-US" dirty="0"/>
+              <a:t>Exploratory Analysis - Visual</a:t>
+            </a:r>
+          </a:p>
+          <a:p>
+            <a:endParaRPr lang="en-US" dirty="0"/>
+          </a:p>
+          <a:p>
+            <a:r>
+              <a:rPr lang="en-US" dirty="0"/>
+              <a:t>Testing (Hypothesis etc.)</a:t>
+            </a:r>
+          </a:p>
+          <a:p>
+            <a:endParaRPr lang="en-US" dirty="0"/>
+          </a:p>
+          <a:p>
+            <a:r>
+              <a:rPr lang="en-US" dirty="0" err="1"/>
+              <a:t>Elasiticity</a:t>
+            </a:r>
+            <a:r>
+              <a:rPr lang="en-US" dirty="0"/>
+              <a:t>/impact on our outcome</a:t>
+            </a:r>
+          </a:p>
+          <a:p>
+            <a:endParaRPr lang="en-US" dirty="0"/>
+          </a:p>
+          <a:p>
+            <a:r>
+              <a:rPr lang="en-US" dirty="0"/>
+              <a:t>What policy makers should know</a:t>
+            </a:r>
+          </a:p>
+          <a:p>
+            <a:endParaRPr lang="en-US" dirty="0"/>
+          </a:p>
+          <a:p>
+            <a:endParaRPr lang="en-US" dirty="0"/>
+          </a:p>
+          <a:p>
+            <a:endParaRPr lang="en-US" dirty="0"/>
           </a:p>
         </p:txBody>
       </p:sp>
     </p:spTree>
     <p:extLst>
       <p:ext uri="{BB962C8B-B14F-4D97-AF65-F5344CB8AC3E}">
-        <p14:creationId xmlns:p14="http://schemas.microsoft.com/office/powerpoint/2010/main" val="3276250105"/>
+        <p14:creationId xmlns:p14="http://schemas.microsoft.com/office/powerpoint/2010/main" val="2745908012"/>
       </p:ext>
     </p:extLst>
   </p:cSld>
@@ -6864,100 +6956,44 @@
       </p:grpSpPr>
       <p:sp>
         <p:nvSpPr>
-          <p:cNvPr id="2" name="Title 1">
-            <a:extLst>
-              <a:ext uri="{FF2B5EF4-FFF2-40B4-BE49-F238E27FC236}">
-                <a16:creationId xmlns:a16="http://schemas.microsoft.com/office/drawing/2014/main" id="{624DC2CB-8BD0-C849-B52E-0F91A40C741E}"/>
-              </a:ext>
-            </a:extLst>
-          </p:cNvPr>
-          <p:cNvSpPr>
-            <a:spLocks noGrp="1"/>
-          </p:cNvSpPr>
-          <p:nvPr>
-            <p:ph type="title"/>
-          </p:nvPr>
-        </p:nvSpPr>
-        <p:spPr/>
-        <p:txBody>
-          <a:bodyPr/>
-          <a:lstStyle/>
-          <a:p>
-            <a:r>
-              <a:rPr lang="en-US" dirty="0"/>
-              <a:t>What kind of Country Level Decision Making Support This Analysis Provides</a:t>
-            </a:r>
-          </a:p>
-        </p:txBody>
-      </p:sp>
-      <p:sp>
-        <p:nvSpPr>
-          <p:cNvPr id="3" name="Content Placeholder 2">
-            <a:extLst>
-              <a:ext uri="{FF2B5EF4-FFF2-40B4-BE49-F238E27FC236}">
-                <a16:creationId xmlns:a16="http://schemas.microsoft.com/office/drawing/2014/main" id="{399E939B-CD29-D445-B69B-5A724813DF0B}"/>
-              </a:ext>
-            </a:extLst>
-          </p:cNvPr>
-          <p:cNvSpPr>
-            <a:spLocks noGrp="1"/>
-          </p:cNvSpPr>
-          <p:nvPr>
-            <p:ph idx="1"/>
-          </p:nvPr>
-        </p:nvSpPr>
-        <p:spPr/>
-        <p:txBody>
-          <a:bodyPr/>
-          <a:lstStyle/>
-          <a:p>
-            <a:r>
-              <a:rPr lang="en-US" dirty="0"/>
-              <a:t>Justify investment and potential impact of decision making</a:t>
-            </a:r>
-          </a:p>
-          <a:p>
-            <a:endParaRPr lang="en-US" dirty="0"/>
-          </a:p>
-          <a:p>
-            <a:r>
-              <a:rPr lang="en-US" dirty="0"/>
-              <a:t>Bringing up statistics that would motivate decision makers</a:t>
-            </a:r>
-          </a:p>
-          <a:p>
-            <a:endParaRPr lang="en-US" dirty="0"/>
-          </a:p>
-          <a:p>
-            <a:r>
-              <a:rPr lang="en-US" dirty="0"/>
-              <a:t>Outlining a high-level strategy a country could take</a:t>
-            </a:r>
-          </a:p>
-          <a:p>
-            <a:endParaRPr lang="en-US" dirty="0"/>
-          </a:p>
-          <a:p>
-            <a:r>
-              <a:rPr lang="en-US" dirty="0"/>
-              <a:t>Highlighting where policy makers could invest in additional research to better understand the problem</a:t>
-            </a:r>
-          </a:p>
-          <a:p>
-            <a:endParaRPr lang="en-US" dirty="0"/>
-          </a:p>
-          <a:p>
-            <a:endParaRPr lang="en-US" dirty="0"/>
-          </a:p>
-          <a:p>
-            <a:endParaRPr lang="en-US" dirty="0"/>
+          <p:cNvPr id="4" name="Title 3">
+            <a:extLst>
+              <a:ext uri="{FF2B5EF4-FFF2-40B4-BE49-F238E27FC236}">
+                <a16:creationId xmlns:a16="http://schemas.microsoft.com/office/drawing/2014/main" id="{B9E80BC2-4589-4F4D-8C68-24FFC67D1426}"/>
+              </a:ext>
+            </a:extLst>
+          </p:cNvPr>
+          <p:cNvSpPr>
+            <a:spLocks noGrp="1"/>
+          </p:cNvSpPr>
+          <p:nvPr>
+            <p:ph type="ctrTitle"/>
+          </p:nvPr>
+        </p:nvSpPr>
+        <p:spPr>
+          <a:xfrm>
+            <a:off x="416859" y="1122363"/>
+            <a:ext cx="10838329" cy="2387600"/>
+          </a:xfrm>
+        </p:spPr>
+        <p:txBody>
+          <a:bodyPr>
+            <a:normAutofit/>
+          </a:bodyPr>
+          <a:lstStyle/>
+          <a:p>
+            <a:pPr algn="l"/>
+            <a:r>
+              <a:rPr lang="en-US" sz="3600" dirty="0"/>
+              <a:t>Recommendations &amp; Decision Making Support for Policy Makers (Prescriptive)</a:t>
+            </a:r>
           </a:p>
         </p:txBody>
       </p:sp>
     </p:spTree>
     <p:extLst>
       <p:ext uri="{BB962C8B-B14F-4D97-AF65-F5344CB8AC3E}">
-        <p14:creationId xmlns:p14="http://schemas.microsoft.com/office/powerpoint/2010/main" val="19698530"/>
+        <p14:creationId xmlns:p14="http://schemas.microsoft.com/office/powerpoint/2010/main" val="3276250105"/>
       </p:ext>
     </p:extLst>
   </p:cSld>
@@ -6986,6 +7022,128 @@
       </p:grpSpPr>
       <p:sp>
         <p:nvSpPr>
+          <p:cNvPr id="2" name="Title 1">
+            <a:extLst>
+              <a:ext uri="{FF2B5EF4-FFF2-40B4-BE49-F238E27FC236}">
+                <a16:creationId xmlns:a16="http://schemas.microsoft.com/office/drawing/2014/main" id="{624DC2CB-8BD0-C849-B52E-0F91A40C741E}"/>
+              </a:ext>
+            </a:extLst>
+          </p:cNvPr>
+          <p:cNvSpPr>
+            <a:spLocks noGrp="1"/>
+          </p:cNvSpPr>
+          <p:nvPr>
+            <p:ph type="title"/>
+          </p:nvPr>
+        </p:nvSpPr>
+        <p:spPr/>
+        <p:txBody>
+          <a:bodyPr/>
+          <a:lstStyle/>
+          <a:p>
+            <a:r>
+              <a:rPr lang="en-US" dirty="0"/>
+              <a:t>What kind of Country Level Decision Making Support This Analysis Provides</a:t>
+            </a:r>
+          </a:p>
+        </p:txBody>
+      </p:sp>
+      <p:sp>
+        <p:nvSpPr>
+          <p:cNvPr id="3" name="Content Placeholder 2">
+            <a:extLst>
+              <a:ext uri="{FF2B5EF4-FFF2-40B4-BE49-F238E27FC236}">
+                <a16:creationId xmlns:a16="http://schemas.microsoft.com/office/drawing/2014/main" id="{399E939B-CD29-D445-B69B-5A724813DF0B}"/>
+              </a:ext>
+            </a:extLst>
+          </p:cNvPr>
+          <p:cNvSpPr>
+            <a:spLocks noGrp="1"/>
+          </p:cNvSpPr>
+          <p:nvPr>
+            <p:ph idx="1"/>
+          </p:nvPr>
+        </p:nvSpPr>
+        <p:spPr/>
+        <p:txBody>
+          <a:bodyPr/>
+          <a:lstStyle/>
+          <a:p>
+            <a:r>
+              <a:rPr lang="en-US" dirty="0"/>
+              <a:t>Justify investment and potential impact of decision making</a:t>
+            </a:r>
+          </a:p>
+          <a:p>
+            <a:endParaRPr lang="en-US" dirty="0"/>
+          </a:p>
+          <a:p>
+            <a:r>
+              <a:rPr lang="en-US" dirty="0"/>
+              <a:t>Bringing up statistics that would motivate decision makers</a:t>
+            </a:r>
+          </a:p>
+          <a:p>
+            <a:endParaRPr lang="en-US" dirty="0"/>
+          </a:p>
+          <a:p>
+            <a:r>
+              <a:rPr lang="en-US" dirty="0"/>
+              <a:t>Outlining a high-level strategy a country could take</a:t>
+            </a:r>
+          </a:p>
+          <a:p>
+            <a:endParaRPr lang="en-US" dirty="0"/>
+          </a:p>
+          <a:p>
+            <a:r>
+              <a:rPr lang="en-US" dirty="0"/>
+              <a:t>Highlighting where policy makers could invest in additional research to better understand the problem</a:t>
+            </a:r>
+          </a:p>
+          <a:p>
+            <a:endParaRPr lang="en-US" dirty="0"/>
+          </a:p>
+          <a:p>
+            <a:endParaRPr lang="en-US" dirty="0"/>
+          </a:p>
+          <a:p>
+            <a:endParaRPr lang="en-US" dirty="0"/>
+          </a:p>
+        </p:txBody>
+      </p:sp>
+    </p:spTree>
+    <p:extLst>
+      <p:ext uri="{BB962C8B-B14F-4D97-AF65-F5344CB8AC3E}">
+        <p14:creationId xmlns:p14="http://schemas.microsoft.com/office/powerpoint/2010/main" val="19698530"/>
+      </p:ext>
+    </p:extLst>
+  </p:cSld>
+  <p:clrMapOvr>
+    <a:masterClrMapping/>
+  </p:clrMapOvr>
+</p:sld>
+</file>
+
+<file path=ppt/slides/slide27.xml><?xml version="1.0" encoding="utf-8"?>
+<p:sld xmlns:a="http://schemas.openxmlformats.org/drawingml/2006/main" xmlns:r="http://schemas.openxmlformats.org/officeDocument/2006/relationships" xmlns:p="http://schemas.openxmlformats.org/presentationml/2006/main">
+  <p:cSld>
+    <p:spTree>
+      <p:nvGrpSpPr>
+        <p:cNvPr id="1" name=""/>
+        <p:cNvGrpSpPr/>
+        <p:nvPr/>
+      </p:nvGrpSpPr>
+      <p:grpSpPr>
+        <a:xfrm>
+          <a:off x="0" y="0"/>
+          <a:ext cx="0" cy="0"/>
+          <a:chOff x="0" y="0"/>
+          <a:chExt cx="0" cy="0"/>
+        </a:xfrm>
+      </p:grpSpPr>
+      <p:sp>
+        <p:nvSpPr>
           <p:cNvPr id="4" name="Title 3">
             <a:extLst>
               <a:ext uri="{FF2B5EF4-FFF2-40B4-BE49-F238E27FC236}">
@@ -7033,7 +7191,7 @@
 </p:sld>
 </file>
 
-<file path=ppt/slides/slide27.xml><?xml version="1.0" encoding="utf-8"?>
+<file path=ppt/slides/slide28.xml><?xml version="1.0" encoding="utf-8"?>
 <p:sld xmlns:a="http://schemas.openxmlformats.org/drawingml/2006/main" xmlns:r="http://schemas.openxmlformats.org/officeDocument/2006/relationships" xmlns:p="http://schemas.openxmlformats.org/presentationml/2006/main">
   <p:cSld>
     <p:spTree>
@@ -7178,7 +7336,7 @@
           <a:p>
             <a:r>
               <a:rPr lang="en-US" dirty="0"/>
-              <a:t>The possibility of prevention and the scale of the problem highlight the need for policy makers, at the national level, to understand the factors that contribute to suicide not only in their </a:t>
+              <a:t>The possibility of prevention and the scale of the problem highlight the need for policy makers, at the national level, to understand the factors that contribute to suicide not only in their respective countries but also in neighboring countries</a:t>
             </a:r>
           </a:p>
           <a:p>
@@ -7625,14 +7783,14 @@
           <p:nvPr>
             <p:extLst>
               <p:ext uri="{D42A27DB-BD31-4B8C-83A1-F6EECF244321}">
-                <p14:modId xmlns:p14="http://schemas.microsoft.com/office/powerpoint/2010/main" val="673239336"/>
+                <p14:modId xmlns:p14="http://schemas.microsoft.com/office/powerpoint/2010/main" val="2009046471"/>
               </p:ext>
             </p:extLst>
           </p:nvPr>
         </p:nvGraphicFramePr>
         <p:xfrm>
           <a:off x="828336" y="1429879"/>
-          <a:ext cx="10525463" cy="4997555"/>
+          <a:ext cx="10525463" cy="5561221"/>
         </p:xfrm>
         <a:graphic>
           <a:graphicData uri="http://schemas.openxmlformats.org/drawingml/2006/table">
@@ -7900,10 +8058,9 @@
                     <a:lstStyle/>
                     <a:p>
                       <a:r>
-                        <a:rPr lang="en-US" sz="1400" dirty="0" err="1"/>
-                        <a:t>qqSam</a:t>
+                        <a:rPr lang="en-US" sz="1400" dirty="0"/>
+                        <a:t>Alcohol per capita consumption per year in liters of pure alcohol. Countries with higher rates of alcohol consumption tend to have higher suicide rates. By reducing the amount of alcohol consumed, suicides will be reduced.</a:t>
                       </a:r>
-                      <a:endParaRPr lang="en-US" sz="1400" dirty="0"/>
                     </a:p>
                   </a:txBody>
                   <a:tcPr/>
@@ -7913,7 +8070,7 @@
                     <a:bodyPr/>
                     <a:lstStyle/>
                     <a:p>
-                      <a:endParaRPr lang="en-US"/>
+                      <a:endParaRPr lang="en-US" dirty="0"/>
                     </a:p>
                   </a:txBody>
                   <a:tcPr/>

--- a/presentation/Team-25.pptx
+++ b/presentation/Team-25.pptx
@@ -224,7 +224,7 @@
           <a:p>
             <a:fld id="{5D44D6BF-B9BD-4338-90A3-91B6768E1A15}" type="datetimeFigureOut">
               <a:rPr lang="en-US" smtClean="0"/>
-              <a:t>4/7/2020</a:t>
+              <a:t>4/8/2020</a:t>
             </a:fld>
             <a:endParaRPr lang="en-US"/>
           </a:p>
@@ -1103,7 +1103,7 @@
             <a:fld id="{8AECDF24-0F62-6442-A2C0-578570B09936}" type="datetimeFigureOut">
               <a:rPr lang="en-US" smtClean="0"/>
               <a:pPr/>
-              <a:t>4/7/2020</a:t>
+              <a:t>4/8/2020</a:t>
             </a:fld>
             <a:endParaRPr lang="en-US"/>
           </a:p>
@@ -1320,7 +1320,7 @@
           <a:p>
             <a:fld id="{8AECDF24-0F62-6442-A2C0-578570B09936}" type="datetimeFigureOut">
               <a:rPr lang="en-US" smtClean="0"/>
-              <a:t>4/7/2020</a:t>
+              <a:t>4/8/2020</a:t>
             </a:fld>
             <a:endParaRPr lang="en-US"/>
           </a:p>
@@ -1528,7 +1528,7 @@
           <a:p>
             <a:fld id="{8AECDF24-0F62-6442-A2C0-578570B09936}" type="datetimeFigureOut">
               <a:rPr lang="en-US" smtClean="0"/>
-              <a:t>4/7/2020</a:t>
+              <a:t>4/8/2020</a:t>
             </a:fld>
             <a:endParaRPr lang="en-US"/>
           </a:p>
@@ -1765,7 +1765,7 @@
             <a:fld id="{8AECDF24-0F62-6442-A2C0-578570B09936}" type="datetimeFigureOut">
               <a:rPr lang="en-US" smtClean="0"/>
               <a:pPr/>
-              <a:t>4/7/2020</a:t>
+              <a:t>4/8/2020</a:t>
             </a:fld>
             <a:endParaRPr lang="en-US"/>
           </a:p>
@@ -2165,7 +2165,7 @@
             <a:fld id="{8AECDF24-0F62-6442-A2C0-578570B09936}" type="datetimeFigureOut">
               <a:rPr lang="en-US" smtClean="0"/>
               <a:pPr/>
-              <a:t>4/7/2020</a:t>
+              <a:t>4/8/2020</a:t>
             </a:fld>
             <a:endParaRPr lang="en-US"/>
           </a:p>
@@ -2443,7 +2443,7 @@
           <a:p>
             <a:fld id="{8AECDF24-0F62-6442-A2C0-578570B09936}" type="datetimeFigureOut">
               <a:rPr lang="en-US" smtClean="0"/>
-              <a:t>4/7/2020</a:t>
+              <a:t>4/8/2020</a:t>
             </a:fld>
             <a:endParaRPr lang="en-US"/>
           </a:p>
@@ -2957,7 +2957,7 @@
           <a:p>
             <a:fld id="{8AECDF24-0F62-6442-A2C0-578570B09936}" type="datetimeFigureOut">
               <a:rPr lang="en-US" smtClean="0"/>
-              <a:t>4/7/2020</a:t>
+              <a:t>4/8/2020</a:t>
             </a:fld>
             <a:endParaRPr lang="en-US"/>
           </a:p>
@@ -3098,7 +3098,7 @@
           <a:p>
             <a:fld id="{8AECDF24-0F62-6442-A2C0-578570B09936}" type="datetimeFigureOut">
               <a:rPr lang="en-US" smtClean="0"/>
-              <a:t>4/7/2020</a:t>
+              <a:t>4/8/2020</a:t>
             </a:fld>
             <a:endParaRPr lang="en-US"/>
           </a:p>
@@ -3211,7 +3211,7 @@
           <a:p>
             <a:fld id="{8AECDF24-0F62-6442-A2C0-578570B09936}" type="datetimeFigureOut">
               <a:rPr lang="en-US" smtClean="0"/>
-              <a:t>4/7/2020</a:t>
+              <a:t>4/8/2020</a:t>
             </a:fld>
             <a:endParaRPr lang="en-US"/>
           </a:p>
@@ -3522,7 +3522,7 @@
           <a:p>
             <a:fld id="{8AECDF24-0F62-6442-A2C0-578570B09936}" type="datetimeFigureOut">
               <a:rPr lang="en-US" smtClean="0"/>
-              <a:t>4/7/2020</a:t>
+              <a:t>4/8/2020</a:t>
             </a:fld>
             <a:endParaRPr lang="en-US"/>
           </a:p>
@@ -3810,7 +3810,7 @@
           <a:p>
             <a:fld id="{8AECDF24-0F62-6442-A2C0-578570B09936}" type="datetimeFigureOut">
               <a:rPr lang="en-US" smtClean="0"/>
-              <a:t>4/7/2020</a:t>
+              <a:t>4/8/2020</a:t>
             </a:fld>
             <a:endParaRPr lang="en-US"/>
           </a:p>
@@ -4051,7 +4051,7 @@
           <a:p>
             <a:fld id="{8AECDF24-0F62-6442-A2C0-578570B09936}" type="datetimeFigureOut">
               <a:rPr lang="en-US" smtClean="0"/>
-              <a:t>4/7/2020</a:t>
+              <a:t>4/8/2020</a:t>
             </a:fld>
             <a:endParaRPr lang="en-US"/>
           </a:p>
@@ -6198,14 +6198,15 @@
           <a:p>
             <a:r>
               <a:rPr lang="en-US" sz="1200" dirty="0"/>
-              <a:t>MS in __ </a:t>
-            </a:r>
-          </a:p>
-          <a:p>
-            <a:r>
-              <a:rPr lang="en-US" sz="1200" dirty="0"/>
-              <a:t>Aerospace Systems Design Lab</a:t>
-            </a:r>
+              <a:t>BS in </a:t>
+            </a:r>
+            <a:r>
+              <a:rPr lang="en-US" sz="1200" dirty="0" err="1"/>
+              <a:t>ISyE</a:t>
+            </a:r>
+            <a:endParaRPr lang="en-US" sz="1200" dirty="0"/>
+          </a:p>
+          <a:p>
             <a:br>
               <a:rPr lang="en-US" sz="1200" dirty="0"/>
             </a:br>
@@ -6214,13 +6215,13 @@
           <a:p>
             <a:r>
               <a:rPr lang="en-US" sz="1200" dirty="0"/>
-              <a:t>From Austin, TX</a:t>
+              <a:t>From Columbia, SC</a:t>
             </a:r>
           </a:p>
           <a:p>
             <a:r>
               <a:rPr lang="en-US" sz="1200" dirty="0"/>
-              <a:t>Hobbies: Running &amp; Mtn Biking</a:t>
+              <a:t>Hobbies: Fitness &amp; Podcasts</a:t>
             </a:r>
           </a:p>
         </p:txBody>
@@ -8317,67 +8318,269 @@
           </a:p>
         </p:txBody>
       </p:sp>
-      <p:sp>
-        <p:nvSpPr>
-          <p:cNvPr id="3" name="Content Placeholder 2">
-            <a:extLst>
-              <a:ext uri="{FF2B5EF4-FFF2-40B4-BE49-F238E27FC236}">
-                <a16:creationId xmlns:a16="http://schemas.microsoft.com/office/drawing/2014/main" id="{D0032FB9-CD46-4003-B3D0-BA96497A9FF6}"/>
-              </a:ext>
-            </a:extLst>
-          </p:cNvPr>
-          <p:cNvSpPr>
-            <a:spLocks noGrp="1"/>
-          </p:cNvSpPr>
-          <p:nvPr>
-            <p:ph idx="1"/>
-          </p:nvPr>
-        </p:nvSpPr>
-        <p:spPr/>
-        <p:txBody>
-          <a:bodyPr/>
-          <a:lstStyle/>
-          <a:p>
-            <a:r>
-              <a:rPr lang="en-US" dirty="0" err="1"/>
-              <a:t>qqOsman</a:t>
-            </a:r>
-            <a:endParaRPr lang="en-US" dirty="0"/>
-          </a:p>
-          <a:p>
-            <a:r>
-              <a:rPr lang="en-US" dirty="0"/>
-              <a:t>Show the model</a:t>
-            </a:r>
-          </a:p>
-          <a:p>
-            <a:pPr lvl="1"/>
-            <a:r>
-              <a:rPr lang="en-US" dirty="0"/>
-              <a:t>Very brief</a:t>
-            </a:r>
-          </a:p>
-          <a:p>
-            <a:pPr lvl="1"/>
-            <a:r>
-              <a:rPr lang="en-US" dirty="0"/>
-              <a:t>Show data transformations</a:t>
-            </a:r>
-          </a:p>
-          <a:p>
-            <a:r>
-              <a:rPr lang="en-US" dirty="0"/>
-              <a:t>Which Inputs were dropped</a:t>
-            </a:r>
-          </a:p>
-          <a:p>
-            <a:r>
-              <a:rPr lang="en-US" dirty="0"/>
-              <a:t>Model Explanation in later sections</a:t>
-            </a:r>
-          </a:p>
-        </p:txBody>
-      </p:sp>
+      <mc:AlternateContent xmlns:mc="http://schemas.openxmlformats.org/markup-compatibility/2006">
+        <mc:Choice xmlns:a14="http://schemas.microsoft.com/office/drawing/2010/main" Requires="a14">
+          <p:sp>
+            <p:nvSpPr>
+              <p:cNvPr id="3" name="Content Placeholder 2">
+                <a:extLst>
+                  <a:ext uri="{FF2B5EF4-FFF2-40B4-BE49-F238E27FC236}">
+                    <a16:creationId xmlns:a16="http://schemas.microsoft.com/office/drawing/2014/main" id="{D0032FB9-CD46-4003-B3D0-BA96497A9FF6}"/>
+                  </a:ext>
+                </a:extLst>
+              </p:cNvPr>
+              <p:cNvSpPr>
+                <a:spLocks noGrp="1"/>
+              </p:cNvSpPr>
+              <p:nvPr>
+                <p:ph idx="1"/>
+              </p:nvPr>
+            </p:nvSpPr>
+            <p:spPr/>
+            <p:txBody>
+              <a:bodyPr/>
+              <a:lstStyle/>
+              <a:p>
+                <a:r>
+                  <a:rPr lang="en-US" dirty="0"/>
+                  <a:t>qqOsman</a:t>
+                </a:r>
+              </a:p>
+              <a:p>
+                <a14:m>
+                  <m:oMath xmlns:m="http://schemas.openxmlformats.org/officeDocument/2006/math">
+                    <m:f>
+                      <m:fPr>
+                        <m:ctrlPr>
+                          <a:rPr lang="en-US" b="0" i="1" smtClean="0">
+                            <a:latin typeface="Cambria Math" panose="02040503050406030204" pitchFamily="18" charset="0"/>
+                          </a:rPr>
+                        </m:ctrlPr>
+                      </m:fPr>
+                      <m:num>
+                        <m:sSubSup>
+                          <m:sSubSupPr>
+                            <m:ctrlPr>
+                              <a:rPr lang="en-US" i="1">
+                                <a:latin typeface="Cambria Math" panose="02040503050406030204" pitchFamily="18" charset="0"/>
+                              </a:rPr>
+                            </m:ctrlPr>
+                          </m:sSubSupPr>
+                          <m:e>
+                            <m:r>
+                              <a:rPr lang="en-US" i="1">
+                                <a:latin typeface="Cambria Math" panose="02040503050406030204" pitchFamily="18" charset="0"/>
+                              </a:rPr>
+                              <m:t>𝑌</m:t>
+                            </m:r>
+                          </m:e>
+                          <m:sub>
+                            <m:r>
+                              <a:rPr lang="en-US" i="1">
+                                <a:latin typeface="Cambria Math" panose="02040503050406030204" pitchFamily="18" charset="0"/>
+                              </a:rPr>
+                              <m:t>1</m:t>
+                            </m:r>
+                          </m:sub>
+                          <m:sup>
+                            <m:r>
+                              <a:rPr lang="en-US" i="1">
+                                <a:latin typeface="Cambria Math" panose="02040503050406030204" pitchFamily="18" charset="0"/>
+                              </a:rPr>
+                              <m:t>.4</m:t>
+                            </m:r>
+                          </m:sup>
+                        </m:sSubSup>
+                        <m:r>
+                          <a:rPr lang="en-US" i="1">
+                            <a:latin typeface="Cambria Math" panose="02040503050406030204" pitchFamily="18" charset="0"/>
+                          </a:rPr>
+                          <m:t>−1</m:t>
+                        </m:r>
+                      </m:num>
+                      <m:den>
+                        <m:r>
+                          <a:rPr lang="en-US" b="0" i="1" smtClean="0">
+                            <a:latin typeface="Cambria Math" panose="02040503050406030204" pitchFamily="18" charset="0"/>
+                          </a:rPr>
+                          <m:t>.4</m:t>
+                        </m:r>
+                      </m:den>
+                    </m:f>
+                    <m:r>
+                      <a:rPr lang="en-US" b="0" i="1" smtClean="0">
+                        <a:latin typeface="Cambria Math" panose="02040503050406030204" pitchFamily="18" charset="0"/>
+                      </a:rPr>
+                      <m:t>= </m:t>
+                    </m:r>
+                    <m:sSub>
+                      <m:sSubPr>
+                        <m:ctrlPr>
+                          <a:rPr lang="en-US" b="0" i="1" smtClean="0">
+                            <a:latin typeface="Cambria Math" panose="02040503050406030204" pitchFamily="18" charset="0"/>
+                          </a:rPr>
+                        </m:ctrlPr>
+                      </m:sSubPr>
+                      <m:e>
+                        <m:r>
+                          <a:rPr lang="en-US" b="0" i="1" smtClean="0">
+                            <a:latin typeface="Cambria Math" panose="02040503050406030204" pitchFamily="18" charset="0"/>
+                          </a:rPr>
+                          <m:t>𝑋</m:t>
+                        </m:r>
+                      </m:e>
+                      <m:sub>
+                        <m:r>
+                          <a:rPr lang="en-US" b="0" i="1" smtClean="0">
+                            <a:latin typeface="Cambria Math" panose="02040503050406030204" pitchFamily="18" charset="0"/>
+                          </a:rPr>
+                          <m:t>3</m:t>
+                        </m:r>
+                      </m:sub>
+                    </m:sSub>
+                    <m:r>
+                      <a:rPr lang="en-US" b="0" i="1" smtClean="0">
+                        <a:latin typeface="Cambria Math" panose="02040503050406030204" pitchFamily="18" charset="0"/>
+                      </a:rPr>
+                      <m:t>+</m:t>
+                    </m:r>
+                    <m:sSub>
+                      <m:sSubPr>
+                        <m:ctrlPr>
+                          <a:rPr lang="en-US" i="1">
+                            <a:latin typeface="Cambria Math" panose="02040503050406030204" pitchFamily="18" charset="0"/>
+                          </a:rPr>
+                        </m:ctrlPr>
+                      </m:sSubPr>
+                      <m:e>
+                        <m:r>
+                          <a:rPr lang="en-US" i="1">
+                            <a:latin typeface="Cambria Math" panose="02040503050406030204" pitchFamily="18" charset="0"/>
+                          </a:rPr>
+                          <m:t>𝑋</m:t>
+                        </m:r>
+                      </m:e>
+                      <m:sub>
+                        <m:r>
+                          <a:rPr lang="en-US" b="0" i="1" smtClean="0">
+                            <a:latin typeface="Cambria Math" panose="02040503050406030204" pitchFamily="18" charset="0"/>
+                          </a:rPr>
+                          <m:t>4</m:t>
+                        </m:r>
+                      </m:sub>
+                    </m:sSub>
+                  </m:oMath>
+                </a14:m>
+                <a:r>
+                  <a:rPr lang="en-US" dirty="0"/>
+                  <a:t>+ </a:t>
+                </a:r>
+                <a14:m>
+                  <m:oMath xmlns:m="http://schemas.openxmlformats.org/officeDocument/2006/math">
+                    <m:sSub>
+                      <m:sSubPr>
+                        <m:ctrlPr>
+                          <a:rPr lang="en-US" i="1">
+                            <a:latin typeface="Cambria Math" panose="02040503050406030204" pitchFamily="18" charset="0"/>
+                          </a:rPr>
+                        </m:ctrlPr>
+                      </m:sSubPr>
+                      <m:e>
+                        <m:r>
+                          <a:rPr lang="en-US" i="1">
+                            <a:latin typeface="Cambria Math" panose="02040503050406030204" pitchFamily="18" charset="0"/>
+                          </a:rPr>
+                          <m:t>𝑋</m:t>
+                        </m:r>
+                      </m:e>
+                      <m:sub>
+                        <m:r>
+                          <a:rPr lang="en-US" b="0" i="1" smtClean="0">
+                            <a:latin typeface="Cambria Math" panose="02040503050406030204" pitchFamily="18" charset="0"/>
+                          </a:rPr>
+                          <m:t>5</m:t>
+                        </m:r>
+                      </m:sub>
+                    </m:sSub>
+                    <m:r>
+                      <a:rPr lang="en-US" i="1">
+                        <a:latin typeface="Cambria Math" panose="02040503050406030204" pitchFamily="18" charset="0"/>
+                      </a:rPr>
+                      <m:t> </m:t>
+                    </m:r>
+                  </m:oMath>
+                </a14:m>
+                <a:endParaRPr lang="en-US" dirty="0"/>
+              </a:p>
+              <a:p>
+                <a:pPr lvl="1"/>
+                <a:r>
+                  <a:rPr lang="en-US" dirty="0"/>
+                  <a:t>Very brief</a:t>
+                </a:r>
+              </a:p>
+              <a:p>
+                <a:pPr lvl="1"/>
+                <a:r>
+                  <a:rPr lang="en-US" dirty="0"/>
+                  <a:t>Show data transformations</a:t>
+                </a:r>
+              </a:p>
+              <a:p>
+                <a:r>
+                  <a:rPr lang="en-US" dirty="0"/>
+                  <a:t>Which Inputs were dropped</a:t>
+                </a:r>
+              </a:p>
+              <a:p>
+                <a:r>
+                  <a:rPr lang="en-US" dirty="0"/>
+                  <a:t>Model Explanation in later sections</a:t>
+                </a:r>
+              </a:p>
+            </p:txBody>
+          </p:sp>
+        </mc:Choice>
+        <mc:Fallback>
+          <p:sp>
+            <p:nvSpPr>
+              <p:cNvPr id="3" name="Content Placeholder 2">
+                <a:extLst>
+                  <a:ext uri="{FF2B5EF4-FFF2-40B4-BE49-F238E27FC236}">
+                    <a16:creationId xmlns:a16="http://schemas.microsoft.com/office/drawing/2014/main" id="{D0032FB9-CD46-4003-B3D0-BA96497A9FF6}"/>
+                  </a:ext>
+                </a:extLst>
+              </p:cNvPr>
+              <p:cNvSpPr>
+                <a:spLocks noGrp="1" noRot="1" noChangeAspect="1" noMove="1" noResize="1" noEditPoints="1" noAdjustHandles="1" noChangeArrowheads="1" noChangeShapeType="1" noTextEdit="1"/>
+              </p:cNvSpPr>
+              <p:nvPr>
+                <p:ph idx="1"/>
+              </p:nvPr>
+            </p:nvSpPr>
+            <p:spPr>
+              <a:blipFill>
+                <a:blip r:embed="rId2"/>
+                <a:stretch>
+                  <a:fillRect l="-1043" t="-2381"/>
+                </a:stretch>
+              </a:blipFill>
+            </p:spPr>
+            <p:txBody>
+              <a:bodyPr/>
+              <a:lstStyle/>
+              <a:p>
+                <a:r>
+                  <a:rPr lang="en-US">
+                    <a:noFill/>
+                  </a:rPr>
+                  <a:t> </a:t>
+                </a:r>
+              </a:p>
+            </p:txBody>
+          </p:sp>
+        </mc:Fallback>
+      </mc:AlternateContent>
     </p:spTree>
     <p:extLst>
       <p:ext uri="{BB962C8B-B14F-4D97-AF65-F5344CB8AC3E}">

--- a/presentation/Team-25.pptx
+++ b/presentation/Team-25.pptx
@@ -5,7 +5,7 @@
     <p:sldMasterId id="2147483950" r:id="rId1"/>
   </p:sldMasterIdLst>
   <p:notesMasterIdLst>
-    <p:notesMasterId r:id="rId30"/>
+    <p:notesMasterId r:id="rId35"/>
   </p:notesMasterIdLst>
   <p:sldIdLst>
     <p:sldId id="257" r:id="rId2"/>
@@ -36,6 +36,11 @@
     <p:sldId id="279" r:id="rId27"/>
     <p:sldId id="278" r:id="rId28"/>
     <p:sldId id="281" r:id="rId29"/>
+    <p:sldId id="296" r:id="rId30"/>
+    <p:sldId id="298" r:id="rId31"/>
+    <p:sldId id="297" r:id="rId32"/>
+    <p:sldId id="299" r:id="rId33"/>
+    <p:sldId id="300" r:id="rId34"/>
   </p:sldIdLst>
   <p:sldSz cx="12192000" cy="6858000"/>
   <p:notesSz cx="6858000" cy="9144000"/>
@@ -224,7 +229,7 @@
           <a:p>
             <a:fld id="{5D44D6BF-B9BD-4338-90A3-91B6768E1A15}" type="datetimeFigureOut">
               <a:rPr lang="en-US" smtClean="0"/>
-              <a:t>4/8/2020</a:t>
+              <a:t>4/10/2020</a:t>
             </a:fld>
             <a:endParaRPr lang="en-US"/>
           </a:p>
@@ -1103,7 +1108,7 @@
             <a:fld id="{8AECDF24-0F62-6442-A2C0-578570B09936}" type="datetimeFigureOut">
               <a:rPr lang="en-US" smtClean="0"/>
               <a:pPr/>
-              <a:t>4/8/2020</a:t>
+              <a:t>4/10/2020</a:t>
             </a:fld>
             <a:endParaRPr lang="en-US"/>
           </a:p>
@@ -1320,7 +1325,7 @@
           <a:p>
             <a:fld id="{8AECDF24-0F62-6442-A2C0-578570B09936}" type="datetimeFigureOut">
               <a:rPr lang="en-US" smtClean="0"/>
-              <a:t>4/8/2020</a:t>
+              <a:t>4/10/2020</a:t>
             </a:fld>
             <a:endParaRPr lang="en-US"/>
           </a:p>
@@ -1528,7 +1533,7 @@
           <a:p>
             <a:fld id="{8AECDF24-0F62-6442-A2C0-578570B09936}" type="datetimeFigureOut">
               <a:rPr lang="en-US" smtClean="0"/>
-              <a:t>4/8/2020</a:t>
+              <a:t>4/10/2020</a:t>
             </a:fld>
             <a:endParaRPr lang="en-US"/>
           </a:p>
@@ -1765,7 +1770,7 @@
             <a:fld id="{8AECDF24-0F62-6442-A2C0-578570B09936}" type="datetimeFigureOut">
               <a:rPr lang="en-US" smtClean="0"/>
               <a:pPr/>
-              <a:t>4/8/2020</a:t>
+              <a:t>4/10/2020</a:t>
             </a:fld>
             <a:endParaRPr lang="en-US"/>
           </a:p>
@@ -2165,7 +2170,7 @@
             <a:fld id="{8AECDF24-0F62-6442-A2C0-578570B09936}" type="datetimeFigureOut">
               <a:rPr lang="en-US" smtClean="0"/>
               <a:pPr/>
-              <a:t>4/8/2020</a:t>
+              <a:t>4/10/2020</a:t>
             </a:fld>
             <a:endParaRPr lang="en-US"/>
           </a:p>
@@ -2443,7 +2448,7 @@
           <a:p>
             <a:fld id="{8AECDF24-0F62-6442-A2C0-578570B09936}" type="datetimeFigureOut">
               <a:rPr lang="en-US" smtClean="0"/>
-              <a:t>4/8/2020</a:t>
+              <a:t>4/10/2020</a:t>
             </a:fld>
             <a:endParaRPr lang="en-US"/>
           </a:p>
@@ -2957,7 +2962,7 @@
           <a:p>
             <a:fld id="{8AECDF24-0F62-6442-A2C0-578570B09936}" type="datetimeFigureOut">
               <a:rPr lang="en-US" smtClean="0"/>
-              <a:t>4/8/2020</a:t>
+              <a:t>4/10/2020</a:t>
             </a:fld>
             <a:endParaRPr lang="en-US"/>
           </a:p>
@@ -3098,7 +3103,7 @@
           <a:p>
             <a:fld id="{8AECDF24-0F62-6442-A2C0-578570B09936}" type="datetimeFigureOut">
               <a:rPr lang="en-US" smtClean="0"/>
-              <a:t>4/8/2020</a:t>
+              <a:t>4/10/2020</a:t>
             </a:fld>
             <a:endParaRPr lang="en-US"/>
           </a:p>
@@ -3211,7 +3216,7 @@
           <a:p>
             <a:fld id="{8AECDF24-0F62-6442-A2C0-578570B09936}" type="datetimeFigureOut">
               <a:rPr lang="en-US" smtClean="0"/>
-              <a:t>4/8/2020</a:t>
+              <a:t>4/10/2020</a:t>
             </a:fld>
             <a:endParaRPr lang="en-US"/>
           </a:p>
@@ -3522,7 +3527,7 @@
           <a:p>
             <a:fld id="{8AECDF24-0F62-6442-A2C0-578570B09936}" type="datetimeFigureOut">
               <a:rPr lang="en-US" smtClean="0"/>
-              <a:t>4/8/2020</a:t>
+              <a:t>4/10/2020</a:t>
             </a:fld>
             <a:endParaRPr lang="en-US"/>
           </a:p>
@@ -3810,7 +3815,7 @@
           <a:p>
             <a:fld id="{8AECDF24-0F62-6442-A2C0-578570B09936}" type="datetimeFigureOut">
               <a:rPr lang="en-US" smtClean="0"/>
-              <a:t>4/8/2020</a:t>
+              <a:t>4/10/2020</a:t>
             </a:fld>
             <a:endParaRPr lang="en-US"/>
           </a:p>
@@ -4051,7 +4056,7 @@
           <a:p>
             <a:fld id="{8AECDF24-0F62-6442-A2C0-578570B09936}" type="datetimeFigureOut">
               <a:rPr lang="en-US" smtClean="0"/>
-              <a:t>4/8/2020</a:t>
+              <a:t>4/10/2020</a:t>
             </a:fld>
             <a:endParaRPr lang="en-US"/>
           </a:p>
@@ -7258,6 +7263,453 @@
 </p:sld>
 </file>
 
+<file path=ppt/slides/slide29.xml><?xml version="1.0" encoding="utf-8"?>
+<p:sld xmlns:a="http://schemas.openxmlformats.org/drawingml/2006/main" xmlns:r="http://schemas.openxmlformats.org/officeDocument/2006/relationships" xmlns:p="http://schemas.openxmlformats.org/presentationml/2006/main">
+  <p:cSld>
+    <p:spTree>
+      <p:nvGrpSpPr>
+        <p:cNvPr id="1" name=""/>
+        <p:cNvGrpSpPr/>
+        <p:nvPr/>
+      </p:nvGrpSpPr>
+      <p:grpSpPr>
+        <a:xfrm>
+          <a:off x="0" y="0"/>
+          <a:ext cx="0" cy="0"/>
+          <a:chOff x="0" y="0"/>
+          <a:chExt cx="0" cy="0"/>
+        </a:xfrm>
+      </p:grpSpPr>
+      <p:sp>
+        <p:nvSpPr>
+          <p:cNvPr id="2" name="Title 1">
+            <a:extLst>
+              <a:ext uri="{FF2B5EF4-FFF2-40B4-BE49-F238E27FC236}">
+                <a16:creationId xmlns:a16="http://schemas.microsoft.com/office/drawing/2014/main" id="{12AD50CE-1696-4F8F-9805-1D32740E91D0}"/>
+              </a:ext>
+            </a:extLst>
+          </p:cNvPr>
+          <p:cNvSpPr>
+            <a:spLocks noGrp="1"/>
+          </p:cNvSpPr>
+          <p:nvPr>
+            <p:ph type="title"/>
+          </p:nvPr>
+        </p:nvSpPr>
+        <p:spPr/>
+        <p:txBody>
+          <a:bodyPr/>
+          <a:lstStyle/>
+          <a:p>
+            <a:r>
+              <a:rPr lang="en-US" dirty="0"/>
+              <a:t>Model Development – Initial Model </a:t>
+            </a:r>
+          </a:p>
+        </p:txBody>
+      </p:sp>
+      <mc:AlternateContent xmlns:mc="http://schemas.openxmlformats.org/markup-compatibility/2006">
+        <mc:Choice xmlns:a14="http://schemas.microsoft.com/office/drawing/2010/main" Requires="a14">
+          <p:sp>
+            <p:nvSpPr>
+              <p:cNvPr id="3" name="Content Placeholder 2">
+                <a:extLst>
+                  <a:ext uri="{FF2B5EF4-FFF2-40B4-BE49-F238E27FC236}">
+                    <a16:creationId xmlns:a16="http://schemas.microsoft.com/office/drawing/2014/main" id="{7631E236-E9E9-4DE6-9C4D-CD7A25E8A387}"/>
+                  </a:ext>
+                </a:extLst>
+              </p:cNvPr>
+              <p:cNvSpPr>
+                <a:spLocks noGrp="1"/>
+              </p:cNvSpPr>
+              <p:nvPr>
+                <p:ph idx="1"/>
+              </p:nvPr>
+            </p:nvSpPr>
+            <p:spPr>
+              <a:xfrm>
+                <a:off x="838200" y="1677239"/>
+                <a:ext cx="9127733" cy="809107"/>
+              </a:xfrm>
+            </p:spPr>
+            <p:txBody>
+              <a:bodyPr/>
+              <a:lstStyle/>
+              <a:p>
+                <a14:m>
+                  <m:oMath xmlns:m="http://schemas.openxmlformats.org/officeDocument/2006/math">
+                    <m:r>
+                      <m:rPr>
+                        <m:sty m:val="p"/>
+                      </m:rPr>
+                      <a:rPr lang="en-US" b="0" i="0" smtClean="0">
+                        <a:latin typeface="Cambria Math" panose="02040503050406030204" pitchFamily="18" charset="0"/>
+                      </a:rPr>
+                      <m:t>Y</m:t>
+                    </m:r>
+                    <m:r>
+                      <a:rPr lang="en-US" i="1">
+                        <a:latin typeface="Cambria Math" panose="02040503050406030204" pitchFamily="18" charset="0"/>
+                      </a:rPr>
+                      <m:t>=</m:t>
+                    </m:r>
+                    <m:sSub>
+                      <m:sSubPr>
+                        <m:ctrlPr>
+                          <a:rPr lang="en-US" i="1">
+                            <a:latin typeface="Cambria Math" panose="02040503050406030204" pitchFamily="18" charset="0"/>
+                          </a:rPr>
+                        </m:ctrlPr>
+                      </m:sSubPr>
+                      <m:e>
+                        <m:r>
+                          <a:rPr lang="en-US" i="1">
+                            <a:latin typeface="Cambria Math" panose="02040503050406030204" pitchFamily="18" charset="0"/>
+                          </a:rPr>
+                          <m:t>𝑋</m:t>
+                        </m:r>
+                      </m:e>
+                      <m:sub>
+                        <m:r>
+                          <a:rPr lang="en-US" b="0" i="1" smtClean="0">
+                            <a:latin typeface="Cambria Math" panose="02040503050406030204" pitchFamily="18" charset="0"/>
+                          </a:rPr>
+                          <m:t>1</m:t>
+                        </m:r>
+                      </m:sub>
+                    </m:sSub>
+                    <m:r>
+                      <a:rPr lang="en-US" i="1">
+                        <a:latin typeface="Cambria Math" panose="02040503050406030204" pitchFamily="18" charset="0"/>
+                      </a:rPr>
+                      <m:t>+</m:t>
+                    </m:r>
+                    <m:sSub>
+                      <m:sSubPr>
+                        <m:ctrlPr>
+                          <a:rPr lang="en-US" i="1">
+                            <a:latin typeface="Cambria Math" panose="02040503050406030204" pitchFamily="18" charset="0"/>
+                          </a:rPr>
+                        </m:ctrlPr>
+                      </m:sSubPr>
+                      <m:e>
+                        <m:r>
+                          <a:rPr lang="en-US" i="1">
+                            <a:latin typeface="Cambria Math" panose="02040503050406030204" pitchFamily="18" charset="0"/>
+                          </a:rPr>
+                          <m:t>𝑋</m:t>
+                        </m:r>
+                      </m:e>
+                      <m:sub>
+                        <m:r>
+                          <a:rPr lang="en-US" b="0" i="1" smtClean="0">
+                            <a:latin typeface="Cambria Math" panose="02040503050406030204" pitchFamily="18" charset="0"/>
+                          </a:rPr>
+                          <m:t>2</m:t>
+                        </m:r>
+                      </m:sub>
+                    </m:sSub>
+                    <m:r>
+                      <a:rPr lang="en-US" b="0" i="1" smtClean="0">
+                        <a:latin typeface="Cambria Math" panose="02040503050406030204" pitchFamily="18" charset="0"/>
+                      </a:rPr>
+                      <m:t>+</m:t>
+                    </m:r>
+                    <m:sSub>
+                      <m:sSubPr>
+                        <m:ctrlPr>
+                          <a:rPr lang="en-US" i="1">
+                            <a:latin typeface="Cambria Math" panose="02040503050406030204" pitchFamily="18" charset="0"/>
+                          </a:rPr>
+                        </m:ctrlPr>
+                      </m:sSubPr>
+                      <m:e>
+                        <m:r>
+                          <a:rPr lang="en-US" i="1">
+                            <a:latin typeface="Cambria Math" panose="02040503050406030204" pitchFamily="18" charset="0"/>
+                          </a:rPr>
+                          <m:t>𝑋</m:t>
+                        </m:r>
+                      </m:e>
+                      <m:sub>
+                        <m:r>
+                          <a:rPr lang="en-US" i="1">
+                            <a:latin typeface="Cambria Math" panose="02040503050406030204" pitchFamily="18" charset="0"/>
+                          </a:rPr>
+                          <m:t>3</m:t>
+                        </m:r>
+                      </m:sub>
+                    </m:sSub>
+                    <m:r>
+                      <a:rPr lang="en-US" i="1">
+                        <a:latin typeface="Cambria Math" panose="02040503050406030204" pitchFamily="18" charset="0"/>
+                      </a:rPr>
+                      <m:t>+</m:t>
+                    </m:r>
+                    <m:sSub>
+                      <m:sSubPr>
+                        <m:ctrlPr>
+                          <a:rPr lang="en-US" i="1">
+                            <a:latin typeface="Cambria Math" panose="02040503050406030204" pitchFamily="18" charset="0"/>
+                          </a:rPr>
+                        </m:ctrlPr>
+                      </m:sSubPr>
+                      <m:e>
+                        <m:r>
+                          <a:rPr lang="en-US" i="1">
+                            <a:latin typeface="Cambria Math" panose="02040503050406030204" pitchFamily="18" charset="0"/>
+                          </a:rPr>
+                          <m:t>𝑋</m:t>
+                        </m:r>
+                      </m:e>
+                      <m:sub>
+                        <m:r>
+                          <a:rPr lang="en-US" i="1">
+                            <a:latin typeface="Cambria Math" panose="02040503050406030204" pitchFamily="18" charset="0"/>
+                          </a:rPr>
+                          <m:t>4</m:t>
+                        </m:r>
+                      </m:sub>
+                    </m:sSub>
+                  </m:oMath>
+                </a14:m>
+                <a:r>
+                  <a:rPr lang="en-US" dirty="0"/>
+                  <a:t>+ </a:t>
+                </a:r>
+                <a14:m>
+                  <m:oMath xmlns:m="http://schemas.openxmlformats.org/officeDocument/2006/math">
+                    <m:sSub>
+                      <m:sSubPr>
+                        <m:ctrlPr>
+                          <a:rPr lang="en-US" i="1">
+                            <a:latin typeface="Cambria Math" panose="02040503050406030204" pitchFamily="18" charset="0"/>
+                          </a:rPr>
+                        </m:ctrlPr>
+                      </m:sSubPr>
+                      <m:e>
+                        <m:r>
+                          <a:rPr lang="en-US" i="1">
+                            <a:latin typeface="Cambria Math" panose="02040503050406030204" pitchFamily="18" charset="0"/>
+                          </a:rPr>
+                          <m:t>𝑋</m:t>
+                        </m:r>
+                      </m:e>
+                      <m:sub>
+                        <m:r>
+                          <a:rPr lang="en-US" i="1">
+                            <a:latin typeface="Cambria Math" panose="02040503050406030204" pitchFamily="18" charset="0"/>
+                          </a:rPr>
+                          <m:t>5</m:t>
+                        </m:r>
+                      </m:sub>
+                    </m:sSub>
+                    <m:r>
+                      <a:rPr lang="en-US" i="1">
+                        <a:latin typeface="Cambria Math" panose="02040503050406030204" pitchFamily="18" charset="0"/>
+                      </a:rPr>
+                      <m:t> </m:t>
+                    </m:r>
+                    <m:sSub>
+                      <m:sSubPr>
+                        <m:ctrlPr>
+                          <a:rPr lang="en-US" i="1">
+                            <a:latin typeface="Cambria Math" panose="02040503050406030204" pitchFamily="18" charset="0"/>
+                          </a:rPr>
+                        </m:ctrlPr>
+                      </m:sSubPr>
+                      <m:e>
+                        <m:r>
+                          <a:rPr lang="en-US" b="0" i="1" smtClean="0">
+                            <a:latin typeface="Cambria Math" panose="02040503050406030204" pitchFamily="18" charset="0"/>
+                          </a:rPr>
+                          <m:t>+ </m:t>
+                        </m:r>
+                        <m:r>
+                          <a:rPr lang="en-US" i="1">
+                            <a:latin typeface="Cambria Math" panose="02040503050406030204" pitchFamily="18" charset="0"/>
+                          </a:rPr>
+                          <m:t>𝑋</m:t>
+                        </m:r>
+                      </m:e>
+                      <m:sub>
+                        <m:r>
+                          <a:rPr lang="en-US" b="0" i="1" smtClean="0">
+                            <a:latin typeface="Cambria Math" panose="02040503050406030204" pitchFamily="18" charset="0"/>
+                          </a:rPr>
+                          <m:t>6</m:t>
+                        </m:r>
+                      </m:sub>
+                    </m:sSub>
+                    <m:r>
+                      <a:rPr lang="en-US" i="1">
+                        <a:latin typeface="Cambria Math" panose="02040503050406030204" pitchFamily="18" charset="0"/>
+                      </a:rPr>
+                      <m:t>+</m:t>
+                    </m:r>
+                    <m:sSub>
+                      <m:sSubPr>
+                        <m:ctrlPr>
+                          <a:rPr lang="en-US" i="1">
+                            <a:latin typeface="Cambria Math" panose="02040503050406030204" pitchFamily="18" charset="0"/>
+                          </a:rPr>
+                        </m:ctrlPr>
+                      </m:sSubPr>
+                      <m:e>
+                        <m:r>
+                          <a:rPr lang="en-US" i="1">
+                            <a:latin typeface="Cambria Math" panose="02040503050406030204" pitchFamily="18" charset="0"/>
+                          </a:rPr>
+                          <m:t>𝑋</m:t>
+                        </m:r>
+                      </m:e>
+                      <m:sub>
+                        <m:r>
+                          <a:rPr lang="en-US" b="0" i="1" smtClean="0">
+                            <a:latin typeface="Cambria Math" panose="02040503050406030204" pitchFamily="18" charset="0"/>
+                          </a:rPr>
+                          <m:t>7</m:t>
+                        </m:r>
+                      </m:sub>
+                    </m:sSub>
+                  </m:oMath>
+                </a14:m>
+                <a:endParaRPr lang="en-US" dirty="0"/>
+              </a:p>
+            </p:txBody>
+          </p:sp>
+        </mc:Choice>
+        <mc:Fallback>
+          <p:sp>
+            <p:nvSpPr>
+              <p:cNvPr id="3" name="Content Placeholder 2">
+                <a:extLst>
+                  <a:ext uri="{FF2B5EF4-FFF2-40B4-BE49-F238E27FC236}">
+                    <a16:creationId xmlns:a16="http://schemas.microsoft.com/office/drawing/2014/main" id="{7631E236-E9E9-4DE6-9C4D-CD7A25E8A387}"/>
+                  </a:ext>
+                </a:extLst>
+              </p:cNvPr>
+              <p:cNvSpPr>
+                <a:spLocks noGrp="1" noRot="1" noChangeAspect="1" noMove="1" noResize="1" noEditPoints="1" noAdjustHandles="1" noChangeArrowheads="1" noChangeShapeType="1" noTextEdit="1"/>
+              </p:cNvSpPr>
+              <p:nvPr>
+                <p:ph idx="1"/>
+              </p:nvPr>
+            </p:nvSpPr>
+            <p:spPr>
+              <a:xfrm>
+                <a:off x="838200" y="1677239"/>
+                <a:ext cx="9127733" cy="809107"/>
+              </a:xfrm>
+              <a:blipFill>
+                <a:blip r:embed="rId2"/>
+                <a:stretch>
+                  <a:fillRect t="-12782"/>
+                </a:stretch>
+              </a:blipFill>
+            </p:spPr>
+            <p:txBody>
+              <a:bodyPr/>
+              <a:lstStyle/>
+              <a:p>
+                <a:r>
+                  <a:rPr lang="en-US">
+                    <a:noFill/>
+                  </a:rPr>
+                  <a:t> </a:t>
+                </a:r>
+              </a:p>
+            </p:txBody>
+          </p:sp>
+        </mc:Fallback>
+      </mc:AlternateContent>
+      <p:pic>
+        <p:nvPicPr>
+          <p:cNvPr id="5" name="Picture 4">
+            <a:extLst>
+              <a:ext uri="{FF2B5EF4-FFF2-40B4-BE49-F238E27FC236}">
+                <a16:creationId xmlns:a16="http://schemas.microsoft.com/office/drawing/2014/main" id="{92B99BBA-0D81-46EA-A6B6-D3CB56682BDD}"/>
+              </a:ext>
+            </a:extLst>
+          </p:cNvPr>
+          <p:cNvPicPr>
+            <a:picLocks noChangeAspect="1"/>
+          </p:cNvPicPr>
+          <p:nvPr/>
+        </p:nvPicPr>
+        <p:blipFill>
+          <a:blip r:embed="rId3"/>
+          <a:stretch>
+            <a:fillRect/>
+          </a:stretch>
+        </p:blipFill>
+        <p:spPr>
+          <a:xfrm>
+            <a:off x="5402066" y="2545422"/>
+            <a:ext cx="4037744" cy="3568525"/>
+          </a:xfrm>
+          <a:prstGeom prst="rect">
+            <a:avLst/>
+          </a:prstGeom>
+        </p:spPr>
+      </p:pic>
+      <p:sp>
+        <p:nvSpPr>
+          <p:cNvPr id="6" name="TextBox 5">
+            <a:extLst>
+              <a:ext uri="{FF2B5EF4-FFF2-40B4-BE49-F238E27FC236}">
+                <a16:creationId xmlns:a16="http://schemas.microsoft.com/office/drawing/2014/main" id="{7C9DF7B2-12D7-4183-BC1F-53FFE987E9D3}"/>
+              </a:ext>
+            </a:extLst>
+          </p:cNvPr>
+          <p:cNvSpPr txBox="1"/>
+          <p:nvPr/>
+        </p:nvSpPr>
+        <p:spPr>
+          <a:xfrm>
+            <a:off x="838199" y="2512031"/>
+            <a:ext cx="3939283" cy="3816429"/>
+          </a:xfrm>
+          <a:prstGeom prst="rect">
+            <a:avLst/>
+          </a:prstGeom>
+          <a:noFill/>
+        </p:spPr>
+        <p:txBody>
+          <a:bodyPr wrap="square" rtlCol="0">
+            <a:spAutoFit/>
+          </a:bodyPr>
+          <a:lstStyle/>
+          <a:p>
+            <a:pPr marL="285750" indent="-285750">
+              <a:buFont typeface="Arial" panose="020B0604020202020204" pitchFamily="34" charset="0"/>
+              <a:buChar char="•"/>
+            </a:pPr>
+            <a:r>
+              <a:rPr lang="en-US" sz="2800" dirty="0">
+                <a:latin typeface="Avenir Book" panose="02000503020000020003"/>
+              </a:rPr>
+              <a:t>Normal Q-Q plot shows that the points deviate from the reference line at the higher quintiles. In order to correct for this, our next step was to try a Box Cox transformation on Y. </a:t>
+            </a:r>
+          </a:p>
+          <a:p>
+            <a:endParaRPr lang="en-US" dirty="0"/>
+          </a:p>
+        </p:txBody>
+      </p:sp>
+    </p:spTree>
+    <p:extLst>
+      <p:ext uri="{BB962C8B-B14F-4D97-AF65-F5344CB8AC3E}">
+        <p14:creationId xmlns:p14="http://schemas.microsoft.com/office/powerpoint/2010/main" val="3543918827"/>
+      </p:ext>
+    </p:extLst>
+  </p:cSld>
+  <p:clrMapOvr>
+    <a:masterClrMapping/>
+  </p:clrMapOvr>
+</p:sld>
+</file>
+
 <file path=ppt/slides/slide3.xml><?xml version="1.0" encoding="utf-8"?>
 <p:sld xmlns:a="http://schemas.openxmlformats.org/drawingml/2006/main" xmlns:r="http://schemas.openxmlformats.org/officeDocument/2006/relationships" xmlns:p="http://schemas.openxmlformats.org/presentationml/2006/main">
   <p:cSld>
@@ -7361,6 +7813,959 @@
     <p:extLst>
       <p:ext uri="{BB962C8B-B14F-4D97-AF65-F5344CB8AC3E}">
         <p14:creationId xmlns:p14="http://schemas.microsoft.com/office/powerpoint/2010/main" val="189507073"/>
+      </p:ext>
+    </p:extLst>
+  </p:cSld>
+  <p:clrMapOvr>
+    <a:masterClrMapping/>
+  </p:clrMapOvr>
+</p:sld>
+</file>
+
+<file path=ppt/slides/slide30.xml><?xml version="1.0" encoding="utf-8"?>
+<p:sld xmlns:a="http://schemas.openxmlformats.org/drawingml/2006/main" xmlns:r="http://schemas.openxmlformats.org/officeDocument/2006/relationships" xmlns:p="http://schemas.openxmlformats.org/presentationml/2006/main">
+  <p:cSld>
+    <p:spTree>
+      <p:nvGrpSpPr>
+        <p:cNvPr id="1" name=""/>
+        <p:cNvGrpSpPr/>
+        <p:nvPr/>
+      </p:nvGrpSpPr>
+      <p:grpSpPr>
+        <a:xfrm>
+          <a:off x="0" y="0"/>
+          <a:ext cx="0" cy="0"/>
+          <a:chOff x="0" y="0"/>
+          <a:chExt cx="0" cy="0"/>
+        </a:xfrm>
+      </p:grpSpPr>
+      <p:sp>
+        <p:nvSpPr>
+          <p:cNvPr id="2" name="Title 1">
+            <a:extLst>
+              <a:ext uri="{FF2B5EF4-FFF2-40B4-BE49-F238E27FC236}">
+                <a16:creationId xmlns:a16="http://schemas.microsoft.com/office/drawing/2014/main" id="{12AD50CE-1696-4F8F-9805-1D32740E91D0}"/>
+              </a:ext>
+            </a:extLst>
+          </p:cNvPr>
+          <p:cNvSpPr>
+            <a:spLocks noGrp="1"/>
+          </p:cNvSpPr>
+          <p:nvPr>
+            <p:ph type="title"/>
+          </p:nvPr>
+        </p:nvSpPr>
+        <p:spPr/>
+        <p:txBody>
+          <a:bodyPr/>
+          <a:lstStyle/>
+          <a:p>
+            <a:r>
+              <a:rPr lang="en-US" dirty="0"/>
+              <a:t>Model Development – Box Cox Transformation </a:t>
+            </a:r>
+          </a:p>
+        </p:txBody>
+      </p:sp>
+      <mc:AlternateContent xmlns:mc="http://schemas.openxmlformats.org/markup-compatibility/2006">
+        <mc:Choice xmlns:a14="http://schemas.microsoft.com/office/drawing/2010/main" Requires="a14">
+          <p:sp>
+            <p:nvSpPr>
+              <p:cNvPr id="3" name="Content Placeholder 2">
+                <a:extLst>
+                  <a:ext uri="{FF2B5EF4-FFF2-40B4-BE49-F238E27FC236}">
+                    <a16:creationId xmlns:a16="http://schemas.microsoft.com/office/drawing/2014/main" id="{7631E236-E9E9-4DE6-9C4D-CD7A25E8A387}"/>
+                  </a:ext>
+                </a:extLst>
+              </p:cNvPr>
+              <p:cNvSpPr>
+                <a:spLocks noGrp="1"/>
+              </p:cNvSpPr>
+              <p:nvPr>
+                <p:ph idx="1"/>
+              </p:nvPr>
+            </p:nvSpPr>
+            <p:spPr>
+              <a:xfrm>
+                <a:off x="838200" y="1461416"/>
+                <a:ext cx="9127733" cy="809107"/>
+              </a:xfrm>
+            </p:spPr>
+            <p:txBody>
+              <a:bodyPr/>
+              <a:lstStyle/>
+              <a:p>
+                <a14:m>
+                  <m:oMath xmlns:m="http://schemas.openxmlformats.org/officeDocument/2006/math">
+                    <m:f>
+                      <m:fPr>
+                        <m:ctrlPr>
+                          <a:rPr lang="en-US" i="1" smtClean="0">
+                            <a:latin typeface="Cambria Math" panose="02040503050406030204" pitchFamily="18" charset="0"/>
+                          </a:rPr>
+                        </m:ctrlPr>
+                      </m:fPr>
+                      <m:num>
+                        <m:sSup>
+                          <m:sSupPr>
+                            <m:ctrlPr>
+                              <a:rPr lang="en-US" i="1" smtClean="0">
+                                <a:latin typeface="Cambria Math" panose="02040503050406030204" pitchFamily="18" charset="0"/>
+                              </a:rPr>
+                            </m:ctrlPr>
+                          </m:sSupPr>
+                          <m:e>
+                            <m:r>
+                              <a:rPr lang="en-US" b="0" i="1" smtClean="0">
+                                <a:latin typeface="Cambria Math" panose="02040503050406030204" pitchFamily="18" charset="0"/>
+                              </a:rPr>
+                              <m:t>𝑌</m:t>
+                            </m:r>
+                          </m:e>
+                          <m:sup>
+                            <m:r>
+                              <a:rPr lang="en-US" b="0" i="1" smtClean="0">
+                                <a:latin typeface="Cambria Math" panose="02040503050406030204" pitchFamily="18" charset="0"/>
+                              </a:rPr>
+                              <m:t>.4</m:t>
+                            </m:r>
+                          </m:sup>
+                        </m:sSup>
+                        <m:r>
+                          <a:rPr lang="en-US" i="1">
+                            <a:latin typeface="Cambria Math" panose="02040503050406030204" pitchFamily="18" charset="0"/>
+                          </a:rPr>
+                          <m:t>−1</m:t>
+                        </m:r>
+                      </m:num>
+                      <m:den>
+                        <m:r>
+                          <a:rPr lang="en-US" i="1">
+                            <a:latin typeface="Cambria Math" panose="02040503050406030204" pitchFamily="18" charset="0"/>
+                          </a:rPr>
+                          <m:t>.4</m:t>
+                        </m:r>
+                      </m:den>
+                    </m:f>
+                    <m:r>
+                      <a:rPr lang="en-US" i="1">
+                        <a:latin typeface="Cambria Math" panose="02040503050406030204" pitchFamily="18" charset="0"/>
+                      </a:rPr>
+                      <m:t> =</m:t>
+                    </m:r>
+                    <m:sSub>
+                      <m:sSubPr>
+                        <m:ctrlPr>
+                          <a:rPr lang="en-US" i="1">
+                            <a:latin typeface="Cambria Math" panose="02040503050406030204" pitchFamily="18" charset="0"/>
+                          </a:rPr>
+                        </m:ctrlPr>
+                      </m:sSubPr>
+                      <m:e>
+                        <m:r>
+                          <a:rPr lang="en-US" i="1">
+                            <a:latin typeface="Cambria Math" panose="02040503050406030204" pitchFamily="18" charset="0"/>
+                          </a:rPr>
+                          <m:t>𝑋</m:t>
+                        </m:r>
+                      </m:e>
+                      <m:sub>
+                        <m:r>
+                          <a:rPr lang="en-US" b="0" i="1" smtClean="0">
+                            <a:latin typeface="Cambria Math" panose="02040503050406030204" pitchFamily="18" charset="0"/>
+                          </a:rPr>
+                          <m:t>1</m:t>
+                        </m:r>
+                      </m:sub>
+                    </m:sSub>
+                    <m:r>
+                      <a:rPr lang="en-US" i="1">
+                        <a:latin typeface="Cambria Math" panose="02040503050406030204" pitchFamily="18" charset="0"/>
+                      </a:rPr>
+                      <m:t>+</m:t>
+                    </m:r>
+                    <m:sSub>
+                      <m:sSubPr>
+                        <m:ctrlPr>
+                          <a:rPr lang="en-US" i="1">
+                            <a:latin typeface="Cambria Math" panose="02040503050406030204" pitchFamily="18" charset="0"/>
+                          </a:rPr>
+                        </m:ctrlPr>
+                      </m:sSubPr>
+                      <m:e>
+                        <m:r>
+                          <a:rPr lang="en-US" i="1">
+                            <a:latin typeface="Cambria Math" panose="02040503050406030204" pitchFamily="18" charset="0"/>
+                          </a:rPr>
+                          <m:t>𝑋</m:t>
+                        </m:r>
+                      </m:e>
+                      <m:sub>
+                        <m:r>
+                          <a:rPr lang="en-US" b="0" i="1" smtClean="0">
+                            <a:latin typeface="Cambria Math" panose="02040503050406030204" pitchFamily="18" charset="0"/>
+                          </a:rPr>
+                          <m:t>2</m:t>
+                        </m:r>
+                      </m:sub>
+                    </m:sSub>
+                    <m:r>
+                      <a:rPr lang="en-US" b="0" i="1" smtClean="0">
+                        <a:latin typeface="Cambria Math" panose="02040503050406030204" pitchFamily="18" charset="0"/>
+                      </a:rPr>
+                      <m:t>+</m:t>
+                    </m:r>
+                    <m:sSub>
+                      <m:sSubPr>
+                        <m:ctrlPr>
+                          <a:rPr lang="en-US" i="1">
+                            <a:latin typeface="Cambria Math" panose="02040503050406030204" pitchFamily="18" charset="0"/>
+                          </a:rPr>
+                        </m:ctrlPr>
+                      </m:sSubPr>
+                      <m:e>
+                        <m:r>
+                          <a:rPr lang="en-US" i="1">
+                            <a:latin typeface="Cambria Math" panose="02040503050406030204" pitchFamily="18" charset="0"/>
+                          </a:rPr>
+                          <m:t>𝑋</m:t>
+                        </m:r>
+                      </m:e>
+                      <m:sub>
+                        <m:r>
+                          <a:rPr lang="en-US" i="1">
+                            <a:latin typeface="Cambria Math" panose="02040503050406030204" pitchFamily="18" charset="0"/>
+                          </a:rPr>
+                          <m:t>3</m:t>
+                        </m:r>
+                      </m:sub>
+                    </m:sSub>
+                    <m:r>
+                      <a:rPr lang="en-US" i="1">
+                        <a:latin typeface="Cambria Math" panose="02040503050406030204" pitchFamily="18" charset="0"/>
+                      </a:rPr>
+                      <m:t>+</m:t>
+                    </m:r>
+                    <m:sSub>
+                      <m:sSubPr>
+                        <m:ctrlPr>
+                          <a:rPr lang="en-US" i="1">
+                            <a:latin typeface="Cambria Math" panose="02040503050406030204" pitchFamily="18" charset="0"/>
+                          </a:rPr>
+                        </m:ctrlPr>
+                      </m:sSubPr>
+                      <m:e>
+                        <m:r>
+                          <a:rPr lang="en-US" i="1">
+                            <a:latin typeface="Cambria Math" panose="02040503050406030204" pitchFamily="18" charset="0"/>
+                          </a:rPr>
+                          <m:t>𝑋</m:t>
+                        </m:r>
+                      </m:e>
+                      <m:sub>
+                        <m:r>
+                          <a:rPr lang="en-US" i="1">
+                            <a:latin typeface="Cambria Math" panose="02040503050406030204" pitchFamily="18" charset="0"/>
+                          </a:rPr>
+                          <m:t>4</m:t>
+                        </m:r>
+                      </m:sub>
+                    </m:sSub>
+                  </m:oMath>
+                </a14:m>
+                <a:r>
+                  <a:rPr lang="en-US" dirty="0"/>
+                  <a:t>+ </a:t>
+                </a:r>
+                <a14:m>
+                  <m:oMath xmlns:m="http://schemas.openxmlformats.org/officeDocument/2006/math">
+                    <m:sSub>
+                      <m:sSubPr>
+                        <m:ctrlPr>
+                          <a:rPr lang="en-US" i="1">
+                            <a:latin typeface="Cambria Math" panose="02040503050406030204" pitchFamily="18" charset="0"/>
+                          </a:rPr>
+                        </m:ctrlPr>
+                      </m:sSubPr>
+                      <m:e>
+                        <m:r>
+                          <a:rPr lang="en-US" i="1">
+                            <a:latin typeface="Cambria Math" panose="02040503050406030204" pitchFamily="18" charset="0"/>
+                          </a:rPr>
+                          <m:t>𝑋</m:t>
+                        </m:r>
+                      </m:e>
+                      <m:sub>
+                        <m:r>
+                          <a:rPr lang="en-US" i="1">
+                            <a:latin typeface="Cambria Math" panose="02040503050406030204" pitchFamily="18" charset="0"/>
+                          </a:rPr>
+                          <m:t>5</m:t>
+                        </m:r>
+                      </m:sub>
+                    </m:sSub>
+                    <m:r>
+                      <a:rPr lang="en-US" i="1">
+                        <a:latin typeface="Cambria Math" panose="02040503050406030204" pitchFamily="18" charset="0"/>
+                      </a:rPr>
+                      <m:t> </m:t>
+                    </m:r>
+                    <m:sSub>
+                      <m:sSubPr>
+                        <m:ctrlPr>
+                          <a:rPr lang="en-US" i="1">
+                            <a:latin typeface="Cambria Math" panose="02040503050406030204" pitchFamily="18" charset="0"/>
+                          </a:rPr>
+                        </m:ctrlPr>
+                      </m:sSubPr>
+                      <m:e>
+                        <m:r>
+                          <a:rPr lang="en-US" b="0" i="1" smtClean="0">
+                            <a:latin typeface="Cambria Math" panose="02040503050406030204" pitchFamily="18" charset="0"/>
+                          </a:rPr>
+                          <m:t>+ </m:t>
+                        </m:r>
+                        <m:r>
+                          <a:rPr lang="en-US" i="1">
+                            <a:latin typeface="Cambria Math" panose="02040503050406030204" pitchFamily="18" charset="0"/>
+                          </a:rPr>
+                          <m:t>𝑋</m:t>
+                        </m:r>
+                      </m:e>
+                      <m:sub>
+                        <m:r>
+                          <a:rPr lang="en-US" b="0" i="1" smtClean="0">
+                            <a:latin typeface="Cambria Math" panose="02040503050406030204" pitchFamily="18" charset="0"/>
+                          </a:rPr>
+                          <m:t>6</m:t>
+                        </m:r>
+                      </m:sub>
+                    </m:sSub>
+                    <m:r>
+                      <a:rPr lang="en-US" i="1">
+                        <a:latin typeface="Cambria Math" panose="02040503050406030204" pitchFamily="18" charset="0"/>
+                      </a:rPr>
+                      <m:t>+</m:t>
+                    </m:r>
+                    <m:sSub>
+                      <m:sSubPr>
+                        <m:ctrlPr>
+                          <a:rPr lang="en-US" i="1">
+                            <a:latin typeface="Cambria Math" panose="02040503050406030204" pitchFamily="18" charset="0"/>
+                          </a:rPr>
+                        </m:ctrlPr>
+                      </m:sSubPr>
+                      <m:e>
+                        <m:r>
+                          <a:rPr lang="en-US" i="1">
+                            <a:latin typeface="Cambria Math" panose="02040503050406030204" pitchFamily="18" charset="0"/>
+                          </a:rPr>
+                          <m:t>𝑋</m:t>
+                        </m:r>
+                      </m:e>
+                      <m:sub>
+                        <m:r>
+                          <a:rPr lang="en-US" b="0" i="1" smtClean="0">
+                            <a:latin typeface="Cambria Math" panose="02040503050406030204" pitchFamily="18" charset="0"/>
+                          </a:rPr>
+                          <m:t>7</m:t>
+                        </m:r>
+                      </m:sub>
+                    </m:sSub>
+                  </m:oMath>
+                </a14:m>
+                <a:endParaRPr lang="en-US" dirty="0"/>
+              </a:p>
+            </p:txBody>
+          </p:sp>
+        </mc:Choice>
+        <mc:Fallback>
+          <p:sp>
+            <p:nvSpPr>
+              <p:cNvPr id="3" name="Content Placeholder 2">
+                <a:extLst>
+                  <a:ext uri="{FF2B5EF4-FFF2-40B4-BE49-F238E27FC236}">
+                    <a16:creationId xmlns:a16="http://schemas.microsoft.com/office/drawing/2014/main" id="{7631E236-E9E9-4DE6-9C4D-CD7A25E8A387}"/>
+                  </a:ext>
+                </a:extLst>
+              </p:cNvPr>
+              <p:cNvSpPr>
+                <a:spLocks noGrp="1" noRot="1" noChangeAspect="1" noMove="1" noResize="1" noEditPoints="1" noAdjustHandles="1" noChangeArrowheads="1" noChangeShapeType="1" noTextEdit="1"/>
+              </p:cNvSpPr>
+              <p:nvPr>
+                <p:ph idx="1"/>
+              </p:nvPr>
+            </p:nvSpPr>
+            <p:spPr>
+              <a:xfrm>
+                <a:off x="838200" y="1461416"/>
+                <a:ext cx="9127733" cy="809107"/>
+              </a:xfrm>
+              <a:blipFill>
+                <a:blip r:embed="rId2"/>
+                <a:stretch>
+                  <a:fillRect/>
+                </a:stretch>
+              </a:blipFill>
+            </p:spPr>
+            <p:txBody>
+              <a:bodyPr/>
+              <a:lstStyle/>
+              <a:p>
+                <a:r>
+                  <a:rPr lang="en-US">
+                    <a:noFill/>
+                  </a:rPr>
+                  <a:t> </a:t>
+                </a:r>
+              </a:p>
+            </p:txBody>
+          </p:sp>
+        </mc:Fallback>
+      </mc:AlternateContent>
+      <p:sp>
+        <p:nvSpPr>
+          <p:cNvPr id="6" name="TextBox 5">
+            <a:extLst>
+              <a:ext uri="{FF2B5EF4-FFF2-40B4-BE49-F238E27FC236}">
+                <a16:creationId xmlns:a16="http://schemas.microsoft.com/office/drawing/2014/main" id="{7C9DF7B2-12D7-4183-BC1F-53FFE987E9D3}"/>
+              </a:ext>
+            </a:extLst>
+          </p:cNvPr>
+          <p:cNvSpPr txBox="1"/>
+          <p:nvPr/>
+        </p:nvSpPr>
+        <p:spPr>
+          <a:xfrm>
+            <a:off x="5695307" y="2288144"/>
+            <a:ext cx="5472702" cy="1231106"/>
+          </a:xfrm>
+          <a:prstGeom prst="rect">
+            <a:avLst/>
+          </a:prstGeom>
+          <a:noFill/>
+        </p:spPr>
+        <p:txBody>
+          <a:bodyPr wrap="square" rtlCol="0">
+            <a:spAutoFit/>
+          </a:bodyPr>
+          <a:lstStyle/>
+          <a:p>
+            <a:pPr marL="285750" indent="-285750">
+              <a:buFont typeface="Arial" panose="020B0604020202020204" pitchFamily="34" charset="0"/>
+              <a:buChar char="•"/>
+            </a:pPr>
+            <a:r>
+              <a:rPr lang="en-US" sz="2800" dirty="0">
+                <a:latin typeface="Avenir Book" panose="02000503020000020003"/>
+              </a:rPr>
+              <a:t>Box Cox transformation on </a:t>
+            </a:r>
+            <a:r>
+              <a:rPr lang="el-GR" sz="2800" dirty="0">
+                <a:latin typeface="Times New Roman" panose="02020603050405020304" pitchFamily="18" charset="0"/>
+                <a:cs typeface="Times New Roman" panose="02020603050405020304" pitchFamily="18" charset="0"/>
+              </a:rPr>
+              <a:t>λ</a:t>
+            </a:r>
+            <a:r>
+              <a:rPr lang="en-US" sz="2800" dirty="0">
+                <a:latin typeface="Avenir Book" panose="02000503020000020003"/>
+              </a:rPr>
+              <a:t> = 0.4 seems to be appropriate</a:t>
+            </a:r>
+          </a:p>
+          <a:p>
+            <a:endParaRPr lang="en-US" dirty="0"/>
+          </a:p>
+        </p:txBody>
+      </p:sp>
+      <p:pic>
+        <p:nvPicPr>
+          <p:cNvPr id="4" name="Picture 3">
+            <a:extLst>
+              <a:ext uri="{FF2B5EF4-FFF2-40B4-BE49-F238E27FC236}">
+                <a16:creationId xmlns:a16="http://schemas.microsoft.com/office/drawing/2014/main" id="{19509D4D-1C3F-45D6-A251-DDBAB5BFADFA}"/>
+              </a:ext>
+            </a:extLst>
+          </p:cNvPr>
+          <p:cNvPicPr>
+            <a:picLocks noChangeAspect="1"/>
+          </p:cNvPicPr>
+          <p:nvPr/>
+        </p:nvPicPr>
+        <p:blipFill>
+          <a:blip r:embed="rId3"/>
+          <a:stretch>
+            <a:fillRect/>
+          </a:stretch>
+        </p:blipFill>
+        <p:spPr>
+          <a:xfrm>
+            <a:off x="1938961" y="2140107"/>
+            <a:ext cx="2769171" cy="2447371"/>
+          </a:xfrm>
+          <a:prstGeom prst="rect">
+            <a:avLst/>
+          </a:prstGeom>
+        </p:spPr>
+      </p:pic>
+      <p:sp>
+        <p:nvSpPr>
+          <p:cNvPr id="7" name="TextBox 6">
+            <a:extLst>
+              <a:ext uri="{FF2B5EF4-FFF2-40B4-BE49-F238E27FC236}">
+                <a16:creationId xmlns:a16="http://schemas.microsoft.com/office/drawing/2014/main" id="{2C402839-ACD4-450A-922F-583DF9F5ECD5}"/>
+              </a:ext>
+            </a:extLst>
+          </p:cNvPr>
+          <p:cNvSpPr txBox="1"/>
+          <p:nvPr/>
+        </p:nvSpPr>
+        <p:spPr>
+          <a:xfrm>
+            <a:off x="1037690" y="4767978"/>
+            <a:ext cx="4771203" cy="2092881"/>
+          </a:xfrm>
+          <a:prstGeom prst="rect">
+            <a:avLst/>
+          </a:prstGeom>
+          <a:noFill/>
+        </p:spPr>
+        <p:txBody>
+          <a:bodyPr wrap="square" rtlCol="0">
+            <a:spAutoFit/>
+          </a:bodyPr>
+          <a:lstStyle/>
+          <a:p>
+            <a:pPr marL="285750" indent="-285750">
+              <a:buFont typeface="Arial" panose="020B0604020202020204" pitchFamily="34" charset="0"/>
+              <a:buChar char="•"/>
+            </a:pPr>
+            <a:r>
+              <a:rPr lang="en-US" sz="2800" dirty="0">
+                <a:latin typeface="Avenir Book" panose="02000503020000020003"/>
+              </a:rPr>
+              <a:t>After transformation, the points in the Normal Q-Q plot are much closer to the reference line</a:t>
+            </a:r>
+          </a:p>
+          <a:p>
+            <a:endParaRPr lang="en-US" dirty="0"/>
+          </a:p>
+        </p:txBody>
+      </p:sp>
+      <p:pic>
+        <p:nvPicPr>
+          <p:cNvPr id="8" name="Picture 7">
+            <a:extLst>
+              <a:ext uri="{FF2B5EF4-FFF2-40B4-BE49-F238E27FC236}">
+                <a16:creationId xmlns:a16="http://schemas.microsoft.com/office/drawing/2014/main" id="{1354C3E9-A441-472F-95D3-B5B37E91750A}"/>
+              </a:ext>
+            </a:extLst>
+          </p:cNvPr>
+          <p:cNvPicPr>
+            <a:picLocks noChangeAspect="1"/>
+          </p:cNvPicPr>
+          <p:nvPr/>
+        </p:nvPicPr>
+        <p:blipFill>
+          <a:blip r:embed="rId4"/>
+          <a:stretch>
+            <a:fillRect/>
+          </a:stretch>
+        </p:blipFill>
+        <p:spPr>
+          <a:xfrm>
+            <a:off x="5917915" y="3223752"/>
+            <a:ext cx="3965825" cy="3504963"/>
+          </a:xfrm>
+          <a:prstGeom prst="rect">
+            <a:avLst/>
+          </a:prstGeom>
+        </p:spPr>
+      </p:pic>
+    </p:spTree>
+    <p:extLst>
+      <p:ext uri="{BB962C8B-B14F-4D97-AF65-F5344CB8AC3E}">
+        <p14:creationId xmlns:p14="http://schemas.microsoft.com/office/powerpoint/2010/main" val="693503596"/>
+      </p:ext>
+    </p:extLst>
+  </p:cSld>
+  <p:clrMapOvr>
+    <a:masterClrMapping/>
+  </p:clrMapOvr>
+</p:sld>
+</file>
+
+<file path=ppt/slides/slide31.xml><?xml version="1.0" encoding="utf-8"?>
+<p:sld xmlns:a="http://schemas.openxmlformats.org/drawingml/2006/main" xmlns:r="http://schemas.openxmlformats.org/officeDocument/2006/relationships" xmlns:p="http://schemas.openxmlformats.org/presentationml/2006/main">
+  <p:cSld>
+    <p:spTree>
+      <p:nvGrpSpPr>
+        <p:cNvPr id="1" name=""/>
+        <p:cNvGrpSpPr/>
+        <p:nvPr/>
+      </p:nvGrpSpPr>
+      <p:grpSpPr>
+        <a:xfrm>
+          <a:off x="0" y="0"/>
+          <a:ext cx="0" cy="0"/>
+          <a:chOff x="0" y="0"/>
+          <a:chExt cx="0" cy="0"/>
+        </a:xfrm>
+      </p:grpSpPr>
+      <p:sp>
+        <p:nvSpPr>
+          <p:cNvPr id="2" name="Title 1">
+            <a:extLst>
+              <a:ext uri="{FF2B5EF4-FFF2-40B4-BE49-F238E27FC236}">
+                <a16:creationId xmlns:a16="http://schemas.microsoft.com/office/drawing/2014/main" id="{454EA746-C296-49C9-9757-0EC5A8684024}"/>
+              </a:ext>
+            </a:extLst>
+          </p:cNvPr>
+          <p:cNvSpPr>
+            <a:spLocks noGrp="1"/>
+          </p:cNvSpPr>
+          <p:nvPr>
+            <p:ph type="title"/>
+          </p:nvPr>
+        </p:nvSpPr>
+        <p:spPr/>
+        <p:txBody>
+          <a:bodyPr/>
+          <a:lstStyle/>
+          <a:p>
+            <a:r>
+              <a:rPr lang="en-US" dirty="0"/>
+              <a:t>Model Development – Remove Outliers</a:t>
+            </a:r>
+          </a:p>
+        </p:txBody>
+      </p:sp>
+      <p:sp>
+        <p:nvSpPr>
+          <p:cNvPr id="3" name="Content Placeholder 2">
+            <a:extLst>
+              <a:ext uri="{FF2B5EF4-FFF2-40B4-BE49-F238E27FC236}">
+                <a16:creationId xmlns:a16="http://schemas.microsoft.com/office/drawing/2014/main" id="{4488D2A7-97C3-478F-9B2E-C6293A55AA24}"/>
+              </a:ext>
+            </a:extLst>
+          </p:cNvPr>
+          <p:cNvSpPr>
+            <a:spLocks noGrp="1"/>
+          </p:cNvSpPr>
+          <p:nvPr>
+            <p:ph idx="1"/>
+          </p:nvPr>
+        </p:nvSpPr>
+        <p:spPr>
+          <a:xfrm>
+            <a:off x="838200" y="1825625"/>
+            <a:ext cx="10515600" cy="825108"/>
+          </a:xfrm>
+        </p:spPr>
+        <p:txBody>
+          <a:bodyPr>
+            <a:normAutofit lnSpcReduction="10000"/>
+          </a:bodyPr>
+          <a:lstStyle/>
+          <a:p>
+            <a:r>
+              <a:rPr lang="en-US" dirty="0"/>
+              <a:t>Points 12, 65, and 88 were identified as outliers on the Residuals vs Fitted, Scale-Location, and Normal Q-Q plots (refer to previous slide)  </a:t>
+            </a:r>
+          </a:p>
+        </p:txBody>
+      </p:sp>
+      <p:pic>
+        <p:nvPicPr>
+          <p:cNvPr id="4" name="Picture 3">
+            <a:extLst>
+              <a:ext uri="{FF2B5EF4-FFF2-40B4-BE49-F238E27FC236}">
+                <a16:creationId xmlns:a16="http://schemas.microsoft.com/office/drawing/2014/main" id="{B0FAC7E1-4E5F-4EA5-8682-7AF2FA26C96B}"/>
+              </a:ext>
+            </a:extLst>
+          </p:cNvPr>
+          <p:cNvPicPr>
+            <a:picLocks noChangeAspect="1"/>
+          </p:cNvPicPr>
+          <p:nvPr/>
+        </p:nvPicPr>
+        <p:blipFill>
+          <a:blip r:embed="rId2"/>
+          <a:stretch>
+            <a:fillRect/>
+          </a:stretch>
+        </p:blipFill>
+        <p:spPr>
+          <a:xfrm>
+            <a:off x="838200" y="2785670"/>
+            <a:ext cx="4499746" cy="3976839"/>
+          </a:xfrm>
+          <a:prstGeom prst="rect">
+            <a:avLst/>
+          </a:prstGeom>
+        </p:spPr>
+      </p:pic>
+      <p:pic>
+        <p:nvPicPr>
+          <p:cNvPr id="5" name="Picture 4">
+            <a:extLst>
+              <a:ext uri="{FF2B5EF4-FFF2-40B4-BE49-F238E27FC236}">
+                <a16:creationId xmlns:a16="http://schemas.microsoft.com/office/drawing/2014/main" id="{0924DFE8-7659-4167-AC33-4E25E0DB30C6}"/>
+              </a:ext>
+            </a:extLst>
+          </p:cNvPr>
+          <p:cNvPicPr>
+            <a:picLocks noChangeAspect="1"/>
+          </p:cNvPicPr>
+          <p:nvPr/>
+        </p:nvPicPr>
+        <p:blipFill>
+          <a:blip r:embed="rId3"/>
+          <a:stretch>
+            <a:fillRect/>
+          </a:stretch>
+        </p:blipFill>
+        <p:spPr>
+          <a:xfrm>
+            <a:off x="6431623" y="2785670"/>
+            <a:ext cx="4499746" cy="3976839"/>
+          </a:xfrm>
+          <a:prstGeom prst="rect">
+            <a:avLst/>
+          </a:prstGeom>
+        </p:spPr>
+      </p:pic>
+    </p:spTree>
+    <p:extLst>
+      <p:ext uri="{BB962C8B-B14F-4D97-AF65-F5344CB8AC3E}">
+        <p14:creationId xmlns:p14="http://schemas.microsoft.com/office/powerpoint/2010/main" val="4226417677"/>
+      </p:ext>
+    </p:extLst>
+  </p:cSld>
+  <p:clrMapOvr>
+    <a:masterClrMapping/>
+  </p:clrMapOvr>
+</p:sld>
+</file>
+
+<file path=ppt/slides/slide32.xml><?xml version="1.0" encoding="utf-8"?>
+<p:sld xmlns:a="http://schemas.openxmlformats.org/drawingml/2006/main" xmlns:r="http://schemas.openxmlformats.org/officeDocument/2006/relationships" xmlns:p="http://schemas.openxmlformats.org/presentationml/2006/main">
+  <p:cSld>
+    <p:spTree>
+      <p:nvGrpSpPr>
+        <p:cNvPr id="1" name=""/>
+        <p:cNvGrpSpPr/>
+        <p:nvPr/>
+      </p:nvGrpSpPr>
+      <p:grpSpPr>
+        <a:xfrm>
+          <a:off x="0" y="0"/>
+          <a:ext cx="0" cy="0"/>
+          <a:chOff x="0" y="0"/>
+          <a:chExt cx="0" cy="0"/>
+        </a:xfrm>
+      </p:grpSpPr>
+      <p:sp>
+        <p:nvSpPr>
+          <p:cNvPr id="2" name="Title 1">
+            <a:extLst>
+              <a:ext uri="{FF2B5EF4-FFF2-40B4-BE49-F238E27FC236}">
+                <a16:creationId xmlns:a16="http://schemas.microsoft.com/office/drawing/2014/main" id="{454EA746-C296-49C9-9757-0EC5A8684024}"/>
+              </a:ext>
+            </a:extLst>
+          </p:cNvPr>
+          <p:cNvSpPr>
+            <a:spLocks noGrp="1"/>
+          </p:cNvSpPr>
+          <p:nvPr>
+            <p:ph type="title"/>
+          </p:nvPr>
+        </p:nvSpPr>
+        <p:spPr/>
+        <p:txBody>
+          <a:bodyPr/>
+          <a:lstStyle/>
+          <a:p>
+            <a:r>
+              <a:rPr lang="en-US" dirty="0"/>
+              <a:t>Model Development – Remove Outliers</a:t>
+            </a:r>
+          </a:p>
+        </p:txBody>
+      </p:sp>
+      <p:sp>
+        <p:nvSpPr>
+          <p:cNvPr id="3" name="Content Placeholder 2">
+            <a:extLst>
+              <a:ext uri="{FF2B5EF4-FFF2-40B4-BE49-F238E27FC236}">
+                <a16:creationId xmlns:a16="http://schemas.microsoft.com/office/drawing/2014/main" id="{4488D2A7-97C3-478F-9B2E-C6293A55AA24}"/>
+              </a:ext>
+            </a:extLst>
+          </p:cNvPr>
+          <p:cNvSpPr>
+            <a:spLocks noGrp="1"/>
+          </p:cNvSpPr>
+          <p:nvPr>
+            <p:ph idx="1"/>
+          </p:nvPr>
+        </p:nvSpPr>
+        <p:spPr>
+          <a:xfrm>
+            <a:off x="838200" y="1825625"/>
+            <a:ext cx="10515600" cy="825108"/>
+          </a:xfrm>
+        </p:spPr>
+        <p:txBody>
+          <a:bodyPr>
+            <a:normAutofit lnSpcReduction="10000"/>
+          </a:bodyPr>
+          <a:lstStyle/>
+          <a:p>
+            <a:r>
+              <a:rPr lang="en-US" dirty="0"/>
+              <a:t>In addition, point 79 was identified as an outlier that should be removed, as it had very high leverage in the model</a:t>
+            </a:r>
+          </a:p>
+        </p:txBody>
+      </p:sp>
+      <p:pic>
+        <p:nvPicPr>
+          <p:cNvPr id="6" name="Picture 5">
+            <a:extLst>
+              <a:ext uri="{FF2B5EF4-FFF2-40B4-BE49-F238E27FC236}">
+                <a16:creationId xmlns:a16="http://schemas.microsoft.com/office/drawing/2014/main" id="{B708620C-83A3-4CBD-B943-DF4AAC344111}"/>
+              </a:ext>
+            </a:extLst>
+          </p:cNvPr>
+          <p:cNvPicPr>
+            <a:picLocks noChangeAspect="1"/>
+          </p:cNvPicPr>
+          <p:nvPr/>
+        </p:nvPicPr>
+        <p:blipFill>
+          <a:blip r:embed="rId2"/>
+          <a:stretch>
+            <a:fillRect/>
+          </a:stretch>
+        </p:blipFill>
+        <p:spPr>
+          <a:xfrm>
+            <a:off x="3326129" y="2785670"/>
+            <a:ext cx="4400094" cy="3888768"/>
+          </a:xfrm>
+          <a:prstGeom prst="rect">
+            <a:avLst/>
+          </a:prstGeom>
+        </p:spPr>
+      </p:pic>
+    </p:spTree>
+    <p:extLst>
+      <p:ext uri="{BB962C8B-B14F-4D97-AF65-F5344CB8AC3E}">
+        <p14:creationId xmlns:p14="http://schemas.microsoft.com/office/powerpoint/2010/main" val="4205935730"/>
+      </p:ext>
+    </p:extLst>
+  </p:cSld>
+  <p:clrMapOvr>
+    <a:masterClrMapping/>
+  </p:clrMapOvr>
+</p:sld>
+</file>
+
+<file path=ppt/slides/slide33.xml><?xml version="1.0" encoding="utf-8"?>
+<p:sld xmlns:a="http://schemas.openxmlformats.org/drawingml/2006/main" xmlns:r="http://schemas.openxmlformats.org/officeDocument/2006/relationships" xmlns:p="http://schemas.openxmlformats.org/presentationml/2006/main">
+  <p:cSld>
+    <p:spTree>
+      <p:nvGrpSpPr>
+        <p:cNvPr id="1" name=""/>
+        <p:cNvGrpSpPr/>
+        <p:nvPr/>
+      </p:nvGrpSpPr>
+      <p:grpSpPr>
+        <a:xfrm>
+          <a:off x="0" y="0"/>
+          <a:ext cx="0" cy="0"/>
+          <a:chOff x="0" y="0"/>
+          <a:chExt cx="0" cy="0"/>
+        </a:xfrm>
+      </p:grpSpPr>
+      <p:sp>
+        <p:nvSpPr>
+          <p:cNvPr id="2" name="Title 1">
+            <a:extLst>
+              <a:ext uri="{FF2B5EF4-FFF2-40B4-BE49-F238E27FC236}">
+                <a16:creationId xmlns:a16="http://schemas.microsoft.com/office/drawing/2014/main" id="{970F0530-F960-44B4-B6A6-9665E584336A}"/>
+              </a:ext>
+            </a:extLst>
+          </p:cNvPr>
+          <p:cNvSpPr>
+            <a:spLocks noGrp="1"/>
+          </p:cNvSpPr>
+          <p:nvPr>
+            <p:ph type="title"/>
+          </p:nvPr>
+        </p:nvSpPr>
+        <p:spPr/>
+        <p:txBody>
+          <a:bodyPr/>
+          <a:lstStyle/>
+          <a:p>
+            <a:r>
+              <a:rPr lang="en-US" dirty="0"/>
+              <a:t>Model Development – Remove Outliers</a:t>
+            </a:r>
+          </a:p>
+        </p:txBody>
+      </p:sp>
+      <p:sp>
+        <p:nvSpPr>
+          <p:cNvPr id="3" name="Content Placeholder 2">
+            <a:extLst>
+              <a:ext uri="{FF2B5EF4-FFF2-40B4-BE49-F238E27FC236}">
+                <a16:creationId xmlns:a16="http://schemas.microsoft.com/office/drawing/2014/main" id="{DFC3F2D1-924B-437D-BE9B-9C332EBCF026}"/>
+              </a:ext>
+            </a:extLst>
+          </p:cNvPr>
+          <p:cNvSpPr>
+            <a:spLocks noGrp="1"/>
+          </p:cNvSpPr>
+          <p:nvPr>
+            <p:ph idx="1"/>
+          </p:nvPr>
+        </p:nvSpPr>
+        <p:spPr>
+          <a:xfrm>
+            <a:off x="838200" y="1825624"/>
+            <a:ext cx="10515600" cy="5032375"/>
+          </a:xfrm>
+        </p:spPr>
+        <p:txBody>
+          <a:bodyPr>
+            <a:normAutofit/>
+          </a:bodyPr>
+          <a:lstStyle/>
+          <a:p>
+            <a:r>
+              <a:rPr lang="en-US" dirty="0"/>
+              <a:t>Points 12, 65, 79, and 88 also had qualitative reasons for being removed from the data set </a:t>
+            </a:r>
+          </a:p>
+          <a:p>
+            <a:endParaRPr lang="en-US" dirty="0"/>
+          </a:p>
+          <a:p>
+            <a:r>
+              <a:rPr lang="en-US" dirty="0"/>
+              <a:t>12 - </a:t>
+            </a:r>
+          </a:p>
+        </p:txBody>
+      </p:sp>
+    </p:spTree>
+    <p:extLst>
+      <p:ext uri="{BB962C8B-B14F-4D97-AF65-F5344CB8AC3E}">
+        <p14:creationId xmlns:p14="http://schemas.microsoft.com/office/powerpoint/2010/main" val="2563061270"/>
       </p:ext>
     </p:extLst>
   </p:cSld>
@@ -8318,8 +9723,8 @@
           </a:p>
         </p:txBody>
       </p:sp>
-      <mc:AlternateContent xmlns:mc="http://schemas.openxmlformats.org/markup-compatibility/2006">
-        <mc:Choice xmlns:a14="http://schemas.microsoft.com/office/drawing/2010/main" Requires="a14">
+      <mc:AlternateContent xmlns:mc="http://schemas.openxmlformats.org/markup-compatibility/2006" xmlns:a14="http://schemas.microsoft.com/office/drawing/2010/main">
+        <mc:Choice Requires="a14">
           <p:sp>
             <p:nvSpPr>
               <p:cNvPr id="3" name="Content Placeholder 2">
@@ -8541,7 +9946,7 @@
             </p:txBody>
           </p:sp>
         </mc:Choice>
-        <mc:Fallback>
+        <mc:Fallback xmlns="">
           <p:sp>
             <p:nvSpPr>
               <p:cNvPr id="3" name="Content Placeholder 2">

--- a/presentation/Team-25.pptx
+++ b/presentation/Team-25.pptx
@@ -5,7 +5,7 @@
     <p:sldMasterId id="2147483950" r:id="rId1"/>
   </p:sldMasterIdLst>
   <p:notesMasterIdLst>
-    <p:notesMasterId r:id="rId35"/>
+    <p:notesMasterId r:id="rId36"/>
   </p:notesMasterIdLst>
   <p:sldIdLst>
     <p:sldId id="257" r:id="rId2"/>
@@ -41,6 +41,7 @@
     <p:sldId id="297" r:id="rId32"/>
     <p:sldId id="299" r:id="rId33"/>
     <p:sldId id="300" r:id="rId34"/>
+    <p:sldId id="301" r:id="rId35"/>
   </p:sldIdLst>
   <p:sldSz cx="12192000" cy="6858000"/>
   <p:notesSz cx="6858000" cy="9144000"/>
@@ -8736,19 +8737,19 @@
         </p:nvSpPr>
         <p:spPr>
           <a:xfrm>
-            <a:off x="838200" y="1825624"/>
-            <a:ext cx="10515600" cy="5032375"/>
+            <a:off x="750013" y="1561672"/>
+            <a:ext cx="10798140" cy="5296327"/>
           </a:xfrm>
         </p:spPr>
         <p:txBody>
           <a:bodyPr>
-            <a:normAutofit/>
+            <a:normAutofit fontScale="62500" lnSpcReduction="20000"/>
           </a:bodyPr>
           <a:lstStyle/>
           <a:p>
             <a:r>
               <a:rPr lang="en-US" dirty="0"/>
-              <a:t>Points 12, 65, 79, and 88 also had qualitative reasons for being removed from the data set </a:t>
+              <a:t>Points 12, 65, 79, and 88 also had country specific reasons for being removed from the data set </a:t>
             </a:r>
           </a:p>
           <a:p>
@@ -8757,7 +8758,116 @@
           <a:p>
             <a:r>
               <a:rPr lang="en-US" dirty="0"/>
-              <a:t>12 - </a:t>
+              <a:t>12 – Barbados:</a:t>
+            </a:r>
+          </a:p>
+          <a:p>
+            <a:pPr lvl="1"/>
+            <a:r>
+              <a:rPr lang="en-US" dirty="0"/>
+              <a:t> Caribbean's leading tourism island, transitioned from agricultural to service based economy very successfully </a:t>
+            </a:r>
+          </a:p>
+          <a:p>
+            <a:pPr lvl="1"/>
+            <a:r>
+              <a:rPr lang="en-US" dirty="0"/>
+              <a:t> “very high human development‟ status in terms of the UNDP’s human development index</a:t>
+            </a:r>
+          </a:p>
+          <a:p>
+            <a:pPr lvl="1"/>
+            <a:r>
+              <a:rPr lang="en-US" dirty="0"/>
+              <a:t>Extremely low suicide rate</a:t>
+            </a:r>
+          </a:p>
+          <a:p>
+            <a:r>
+              <a:rPr lang="en-US" dirty="0"/>
+              <a:t>65 – Guyana: </a:t>
+            </a:r>
+          </a:p>
+          <a:p>
+            <a:pPr lvl="1"/>
+            <a:r>
+              <a:rPr lang="en-US" dirty="0"/>
+              <a:t>Extremely poor island country largely made up of agricultural villages.</a:t>
+            </a:r>
+          </a:p>
+          <a:p>
+            <a:pPr lvl="1"/>
+            <a:r>
+              <a:rPr lang="en-US" dirty="0"/>
+              <a:t>Very high alcohol and suicide statistics</a:t>
+            </a:r>
+          </a:p>
+          <a:p>
+            <a:pPr lvl="1"/>
+            <a:r>
+              <a:rPr lang="en-US" dirty="0"/>
+              <a:t>Ministry of health identified poverty, pervasive stigma about mental illness, access to lethal chemicals, alcohol misuse, interpersonal violence, family dysfunction and insufficient mental health resources as key factors causing one of the highest suicide rates in the world.</a:t>
+            </a:r>
+          </a:p>
+          <a:p>
+            <a:r>
+              <a:rPr lang="en-US" dirty="0"/>
+              <a:t>79 – Japan:</a:t>
+            </a:r>
+          </a:p>
+          <a:p>
+            <a:pPr lvl="1"/>
+            <a:r>
+              <a:rPr lang="en-US" dirty="0"/>
+              <a:t>Notoriously overworked and over stressed population, although the country is very wealthy</a:t>
+            </a:r>
+          </a:p>
+          <a:p>
+            <a:pPr lvl="1"/>
+            <a:r>
+              <a:rPr lang="en-US" dirty="0"/>
+              <a:t>Long cultural history of considering certain types of suicides honorable, relatively high cultural tolerance for suicide</a:t>
+            </a:r>
+          </a:p>
+          <a:p>
+            <a:pPr lvl="1"/>
+            <a:r>
+              <a:rPr lang="en-US" dirty="0"/>
+              <a:t>Very high suicide rate when compared to other rich nations</a:t>
+            </a:r>
+          </a:p>
+          <a:p>
+            <a:r>
+              <a:rPr lang="en-US" dirty="0"/>
+              <a:t>88 – Lesotho:</a:t>
+            </a:r>
+          </a:p>
+          <a:p>
+            <a:pPr lvl="1"/>
+            <a:r>
+              <a:rPr lang="en-US" dirty="0"/>
+              <a:t>Small, landlocked, mountainous country in Africa</a:t>
+            </a:r>
+          </a:p>
+          <a:p>
+            <a:pPr lvl="1"/>
+            <a:r>
+              <a:rPr lang="en-US" dirty="0"/>
+              <a:t>Highest suicide rate in Africa</a:t>
+            </a:r>
+          </a:p>
+          <a:p>
+            <a:pPr lvl="1"/>
+            <a:r>
+              <a:rPr lang="en-US" dirty="0"/>
+              <a:t>High levels of child labor</a:t>
+            </a:r>
+          </a:p>
+          <a:p>
+            <a:pPr lvl="1"/>
+            <a:r>
+              <a:rPr lang="en-US" dirty="0"/>
+              <a:t>Very poor general health outcomes, ex. second highest instances of tuberculosis and HIV/AIDS in the world </a:t>
             </a:r>
           </a:p>
         </p:txBody>
@@ -8766,6 +8876,453 @@
     <p:extLst>
       <p:ext uri="{BB962C8B-B14F-4D97-AF65-F5344CB8AC3E}">
         <p14:creationId xmlns:p14="http://schemas.microsoft.com/office/powerpoint/2010/main" val="2563061270"/>
+      </p:ext>
+    </p:extLst>
+  </p:cSld>
+  <p:clrMapOvr>
+    <a:masterClrMapping/>
+  </p:clrMapOvr>
+</p:sld>
+</file>
+
+<file path=ppt/slides/slide34.xml><?xml version="1.0" encoding="utf-8"?>
+<p:sld xmlns:a="http://schemas.openxmlformats.org/drawingml/2006/main" xmlns:r="http://schemas.openxmlformats.org/officeDocument/2006/relationships" xmlns:p="http://schemas.openxmlformats.org/presentationml/2006/main">
+  <p:cSld>
+    <p:spTree>
+      <p:nvGrpSpPr>
+        <p:cNvPr id="1" name=""/>
+        <p:cNvGrpSpPr/>
+        <p:nvPr/>
+      </p:nvGrpSpPr>
+      <p:grpSpPr>
+        <a:xfrm>
+          <a:off x="0" y="0"/>
+          <a:ext cx="0" cy="0"/>
+          <a:chOff x="0" y="0"/>
+          <a:chExt cx="0" cy="0"/>
+        </a:xfrm>
+      </p:grpSpPr>
+      <p:sp>
+        <p:nvSpPr>
+          <p:cNvPr id="2" name="Title 1">
+            <a:extLst>
+              <a:ext uri="{FF2B5EF4-FFF2-40B4-BE49-F238E27FC236}">
+                <a16:creationId xmlns:a16="http://schemas.microsoft.com/office/drawing/2014/main" id="{12AD50CE-1696-4F8F-9805-1D32740E91D0}"/>
+              </a:ext>
+            </a:extLst>
+          </p:cNvPr>
+          <p:cNvSpPr>
+            <a:spLocks noGrp="1"/>
+          </p:cNvSpPr>
+          <p:nvPr>
+            <p:ph type="title"/>
+          </p:nvPr>
+        </p:nvSpPr>
+        <p:spPr/>
+        <p:txBody>
+          <a:bodyPr/>
+          <a:lstStyle/>
+          <a:p>
+            <a:r>
+              <a:rPr lang="en-US" dirty="0"/>
+              <a:t>Model Development – </a:t>
+            </a:r>
+          </a:p>
+        </p:txBody>
+      </p:sp>
+      <mc:AlternateContent xmlns:mc="http://schemas.openxmlformats.org/markup-compatibility/2006">
+        <mc:Choice xmlns:a14="http://schemas.microsoft.com/office/drawing/2010/main" Requires="a14">
+          <p:sp>
+            <p:nvSpPr>
+              <p:cNvPr id="3" name="Content Placeholder 2">
+                <a:extLst>
+                  <a:ext uri="{FF2B5EF4-FFF2-40B4-BE49-F238E27FC236}">
+                    <a16:creationId xmlns:a16="http://schemas.microsoft.com/office/drawing/2014/main" id="{7631E236-E9E9-4DE6-9C4D-CD7A25E8A387}"/>
+                  </a:ext>
+                </a:extLst>
+              </p:cNvPr>
+              <p:cNvSpPr>
+                <a:spLocks noGrp="1"/>
+              </p:cNvSpPr>
+              <p:nvPr>
+                <p:ph idx="1"/>
+              </p:nvPr>
+            </p:nvSpPr>
+            <p:spPr>
+              <a:xfrm>
+                <a:off x="838200" y="1677239"/>
+                <a:ext cx="9127733" cy="809107"/>
+              </a:xfrm>
+            </p:spPr>
+            <p:txBody>
+              <a:bodyPr/>
+              <a:lstStyle/>
+              <a:p>
+                <a14:m>
+                  <m:oMath xmlns:m="http://schemas.openxmlformats.org/officeDocument/2006/math">
+                    <m:r>
+                      <m:rPr>
+                        <m:sty m:val="p"/>
+                      </m:rPr>
+                      <a:rPr lang="en-US" b="0" i="0" smtClean="0">
+                        <a:latin typeface="Cambria Math" panose="02040503050406030204" pitchFamily="18" charset="0"/>
+                      </a:rPr>
+                      <m:t>Y</m:t>
+                    </m:r>
+                    <m:r>
+                      <a:rPr lang="en-US" i="1">
+                        <a:latin typeface="Cambria Math" panose="02040503050406030204" pitchFamily="18" charset="0"/>
+                      </a:rPr>
+                      <m:t>=</m:t>
+                    </m:r>
+                    <m:sSub>
+                      <m:sSubPr>
+                        <m:ctrlPr>
+                          <a:rPr lang="en-US" i="1">
+                            <a:latin typeface="Cambria Math" panose="02040503050406030204" pitchFamily="18" charset="0"/>
+                          </a:rPr>
+                        </m:ctrlPr>
+                      </m:sSubPr>
+                      <m:e>
+                        <m:r>
+                          <a:rPr lang="en-US" i="1">
+                            <a:latin typeface="Cambria Math" panose="02040503050406030204" pitchFamily="18" charset="0"/>
+                          </a:rPr>
+                          <m:t>𝑋</m:t>
+                        </m:r>
+                      </m:e>
+                      <m:sub>
+                        <m:r>
+                          <a:rPr lang="en-US" b="0" i="1" smtClean="0">
+                            <a:latin typeface="Cambria Math" panose="02040503050406030204" pitchFamily="18" charset="0"/>
+                          </a:rPr>
+                          <m:t>1</m:t>
+                        </m:r>
+                      </m:sub>
+                    </m:sSub>
+                    <m:r>
+                      <a:rPr lang="en-US" i="1">
+                        <a:latin typeface="Cambria Math" panose="02040503050406030204" pitchFamily="18" charset="0"/>
+                      </a:rPr>
+                      <m:t>+</m:t>
+                    </m:r>
+                    <m:sSub>
+                      <m:sSubPr>
+                        <m:ctrlPr>
+                          <a:rPr lang="en-US" i="1">
+                            <a:latin typeface="Cambria Math" panose="02040503050406030204" pitchFamily="18" charset="0"/>
+                          </a:rPr>
+                        </m:ctrlPr>
+                      </m:sSubPr>
+                      <m:e>
+                        <m:r>
+                          <a:rPr lang="en-US" i="1">
+                            <a:latin typeface="Cambria Math" panose="02040503050406030204" pitchFamily="18" charset="0"/>
+                          </a:rPr>
+                          <m:t>𝑋</m:t>
+                        </m:r>
+                      </m:e>
+                      <m:sub>
+                        <m:r>
+                          <a:rPr lang="en-US" b="0" i="1" smtClean="0">
+                            <a:latin typeface="Cambria Math" panose="02040503050406030204" pitchFamily="18" charset="0"/>
+                          </a:rPr>
+                          <m:t>2</m:t>
+                        </m:r>
+                      </m:sub>
+                    </m:sSub>
+                    <m:r>
+                      <a:rPr lang="en-US" b="0" i="1" smtClean="0">
+                        <a:latin typeface="Cambria Math" panose="02040503050406030204" pitchFamily="18" charset="0"/>
+                      </a:rPr>
+                      <m:t>+</m:t>
+                    </m:r>
+                    <m:sSub>
+                      <m:sSubPr>
+                        <m:ctrlPr>
+                          <a:rPr lang="en-US" i="1">
+                            <a:latin typeface="Cambria Math" panose="02040503050406030204" pitchFamily="18" charset="0"/>
+                          </a:rPr>
+                        </m:ctrlPr>
+                      </m:sSubPr>
+                      <m:e>
+                        <m:r>
+                          <a:rPr lang="en-US" i="1">
+                            <a:latin typeface="Cambria Math" panose="02040503050406030204" pitchFamily="18" charset="0"/>
+                          </a:rPr>
+                          <m:t>𝑋</m:t>
+                        </m:r>
+                      </m:e>
+                      <m:sub>
+                        <m:r>
+                          <a:rPr lang="en-US" i="1">
+                            <a:latin typeface="Cambria Math" panose="02040503050406030204" pitchFamily="18" charset="0"/>
+                          </a:rPr>
+                          <m:t>3</m:t>
+                        </m:r>
+                      </m:sub>
+                    </m:sSub>
+                    <m:r>
+                      <a:rPr lang="en-US" i="1">
+                        <a:latin typeface="Cambria Math" panose="02040503050406030204" pitchFamily="18" charset="0"/>
+                      </a:rPr>
+                      <m:t>+</m:t>
+                    </m:r>
+                    <m:sSub>
+                      <m:sSubPr>
+                        <m:ctrlPr>
+                          <a:rPr lang="en-US" i="1">
+                            <a:latin typeface="Cambria Math" panose="02040503050406030204" pitchFamily="18" charset="0"/>
+                          </a:rPr>
+                        </m:ctrlPr>
+                      </m:sSubPr>
+                      <m:e>
+                        <m:r>
+                          <a:rPr lang="en-US" i="1">
+                            <a:latin typeface="Cambria Math" panose="02040503050406030204" pitchFamily="18" charset="0"/>
+                          </a:rPr>
+                          <m:t>𝑋</m:t>
+                        </m:r>
+                      </m:e>
+                      <m:sub>
+                        <m:r>
+                          <a:rPr lang="en-US" i="1">
+                            <a:latin typeface="Cambria Math" panose="02040503050406030204" pitchFamily="18" charset="0"/>
+                          </a:rPr>
+                          <m:t>4</m:t>
+                        </m:r>
+                      </m:sub>
+                    </m:sSub>
+                  </m:oMath>
+                </a14:m>
+                <a:r>
+                  <a:rPr lang="en-US" dirty="0"/>
+                  <a:t>+ </a:t>
+                </a:r>
+                <a14:m>
+                  <m:oMath xmlns:m="http://schemas.openxmlformats.org/officeDocument/2006/math">
+                    <m:sSub>
+                      <m:sSubPr>
+                        <m:ctrlPr>
+                          <a:rPr lang="en-US" i="1">
+                            <a:latin typeface="Cambria Math" panose="02040503050406030204" pitchFamily="18" charset="0"/>
+                          </a:rPr>
+                        </m:ctrlPr>
+                      </m:sSubPr>
+                      <m:e>
+                        <m:r>
+                          <a:rPr lang="en-US" i="1">
+                            <a:latin typeface="Cambria Math" panose="02040503050406030204" pitchFamily="18" charset="0"/>
+                          </a:rPr>
+                          <m:t>𝑋</m:t>
+                        </m:r>
+                      </m:e>
+                      <m:sub>
+                        <m:r>
+                          <a:rPr lang="en-US" i="1">
+                            <a:latin typeface="Cambria Math" panose="02040503050406030204" pitchFamily="18" charset="0"/>
+                          </a:rPr>
+                          <m:t>5</m:t>
+                        </m:r>
+                      </m:sub>
+                    </m:sSub>
+                    <m:r>
+                      <a:rPr lang="en-US" i="1">
+                        <a:latin typeface="Cambria Math" panose="02040503050406030204" pitchFamily="18" charset="0"/>
+                      </a:rPr>
+                      <m:t> </m:t>
+                    </m:r>
+                    <m:sSub>
+                      <m:sSubPr>
+                        <m:ctrlPr>
+                          <a:rPr lang="en-US" i="1">
+                            <a:latin typeface="Cambria Math" panose="02040503050406030204" pitchFamily="18" charset="0"/>
+                          </a:rPr>
+                        </m:ctrlPr>
+                      </m:sSubPr>
+                      <m:e>
+                        <m:r>
+                          <a:rPr lang="en-US" b="0" i="1" smtClean="0">
+                            <a:latin typeface="Cambria Math" panose="02040503050406030204" pitchFamily="18" charset="0"/>
+                          </a:rPr>
+                          <m:t>+ </m:t>
+                        </m:r>
+                        <m:r>
+                          <a:rPr lang="en-US" i="1">
+                            <a:latin typeface="Cambria Math" panose="02040503050406030204" pitchFamily="18" charset="0"/>
+                          </a:rPr>
+                          <m:t>𝑋</m:t>
+                        </m:r>
+                      </m:e>
+                      <m:sub>
+                        <m:r>
+                          <a:rPr lang="en-US" b="0" i="1" smtClean="0">
+                            <a:latin typeface="Cambria Math" panose="02040503050406030204" pitchFamily="18" charset="0"/>
+                          </a:rPr>
+                          <m:t>6</m:t>
+                        </m:r>
+                      </m:sub>
+                    </m:sSub>
+                    <m:r>
+                      <a:rPr lang="en-US" i="1">
+                        <a:latin typeface="Cambria Math" panose="02040503050406030204" pitchFamily="18" charset="0"/>
+                      </a:rPr>
+                      <m:t>+</m:t>
+                    </m:r>
+                    <m:sSub>
+                      <m:sSubPr>
+                        <m:ctrlPr>
+                          <a:rPr lang="en-US" i="1">
+                            <a:latin typeface="Cambria Math" panose="02040503050406030204" pitchFamily="18" charset="0"/>
+                          </a:rPr>
+                        </m:ctrlPr>
+                      </m:sSubPr>
+                      <m:e>
+                        <m:r>
+                          <a:rPr lang="en-US" i="1">
+                            <a:latin typeface="Cambria Math" panose="02040503050406030204" pitchFamily="18" charset="0"/>
+                          </a:rPr>
+                          <m:t>𝑋</m:t>
+                        </m:r>
+                      </m:e>
+                      <m:sub>
+                        <m:r>
+                          <a:rPr lang="en-US" b="0" i="1" smtClean="0">
+                            <a:latin typeface="Cambria Math" panose="02040503050406030204" pitchFamily="18" charset="0"/>
+                          </a:rPr>
+                          <m:t>7</m:t>
+                        </m:r>
+                      </m:sub>
+                    </m:sSub>
+                  </m:oMath>
+                </a14:m>
+                <a:endParaRPr lang="en-US" dirty="0"/>
+              </a:p>
+            </p:txBody>
+          </p:sp>
+        </mc:Choice>
+        <mc:Fallback>
+          <p:sp>
+            <p:nvSpPr>
+              <p:cNvPr id="3" name="Content Placeholder 2">
+                <a:extLst>
+                  <a:ext uri="{FF2B5EF4-FFF2-40B4-BE49-F238E27FC236}">
+                    <a16:creationId xmlns:a16="http://schemas.microsoft.com/office/drawing/2014/main" id="{7631E236-E9E9-4DE6-9C4D-CD7A25E8A387}"/>
+                  </a:ext>
+                </a:extLst>
+              </p:cNvPr>
+              <p:cNvSpPr>
+                <a:spLocks noGrp="1" noRot="1" noChangeAspect="1" noMove="1" noResize="1" noEditPoints="1" noAdjustHandles="1" noChangeArrowheads="1" noChangeShapeType="1" noTextEdit="1"/>
+              </p:cNvSpPr>
+              <p:nvPr>
+                <p:ph idx="1"/>
+              </p:nvPr>
+            </p:nvSpPr>
+            <p:spPr>
+              <a:xfrm>
+                <a:off x="838200" y="1677239"/>
+                <a:ext cx="9127733" cy="809107"/>
+              </a:xfrm>
+              <a:blipFill>
+                <a:blip r:embed="rId2"/>
+                <a:stretch>
+                  <a:fillRect t="-12782"/>
+                </a:stretch>
+              </a:blipFill>
+            </p:spPr>
+            <p:txBody>
+              <a:bodyPr/>
+              <a:lstStyle/>
+              <a:p>
+                <a:r>
+                  <a:rPr lang="en-US">
+                    <a:noFill/>
+                  </a:rPr>
+                  <a:t> </a:t>
+                </a:r>
+              </a:p>
+            </p:txBody>
+          </p:sp>
+        </mc:Fallback>
+      </mc:AlternateContent>
+      <p:pic>
+        <p:nvPicPr>
+          <p:cNvPr id="5" name="Picture 4">
+            <a:extLst>
+              <a:ext uri="{FF2B5EF4-FFF2-40B4-BE49-F238E27FC236}">
+                <a16:creationId xmlns:a16="http://schemas.microsoft.com/office/drawing/2014/main" id="{92B99BBA-0D81-46EA-A6B6-D3CB56682BDD}"/>
+              </a:ext>
+            </a:extLst>
+          </p:cNvPr>
+          <p:cNvPicPr>
+            <a:picLocks noChangeAspect="1"/>
+          </p:cNvPicPr>
+          <p:nvPr/>
+        </p:nvPicPr>
+        <p:blipFill>
+          <a:blip r:embed="rId3"/>
+          <a:stretch>
+            <a:fillRect/>
+          </a:stretch>
+        </p:blipFill>
+        <p:spPr>
+          <a:xfrm>
+            <a:off x="5402066" y="2545422"/>
+            <a:ext cx="4037744" cy="3568525"/>
+          </a:xfrm>
+          <a:prstGeom prst="rect">
+            <a:avLst/>
+          </a:prstGeom>
+        </p:spPr>
+      </p:pic>
+      <p:sp>
+        <p:nvSpPr>
+          <p:cNvPr id="6" name="TextBox 5">
+            <a:extLst>
+              <a:ext uri="{FF2B5EF4-FFF2-40B4-BE49-F238E27FC236}">
+                <a16:creationId xmlns:a16="http://schemas.microsoft.com/office/drawing/2014/main" id="{7C9DF7B2-12D7-4183-BC1F-53FFE987E9D3}"/>
+              </a:ext>
+            </a:extLst>
+          </p:cNvPr>
+          <p:cNvSpPr txBox="1"/>
+          <p:nvPr/>
+        </p:nvSpPr>
+        <p:spPr>
+          <a:xfrm>
+            <a:off x="838199" y="2512031"/>
+            <a:ext cx="3939283" cy="3816429"/>
+          </a:xfrm>
+          <a:prstGeom prst="rect">
+            <a:avLst/>
+          </a:prstGeom>
+          <a:noFill/>
+        </p:spPr>
+        <p:txBody>
+          <a:bodyPr wrap="square" rtlCol="0">
+            <a:spAutoFit/>
+          </a:bodyPr>
+          <a:lstStyle/>
+          <a:p>
+            <a:pPr marL="285750" indent="-285750">
+              <a:buFont typeface="Arial" panose="020B0604020202020204" pitchFamily="34" charset="0"/>
+              <a:buChar char="•"/>
+            </a:pPr>
+            <a:r>
+              <a:rPr lang="en-US" sz="2800" dirty="0">
+                <a:latin typeface="Avenir Book" panose="02000503020000020003"/>
+              </a:rPr>
+              <a:t>Normal Q-Q plot shows that the points deviate from the reference line at the higher quintiles. In order to correct for this, our next step was to try a Box Cox transformation on Y. </a:t>
+            </a:r>
+          </a:p>
+          <a:p>
+            <a:endParaRPr lang="en-US" dirty="0"/>
+          </a:p>
+        </p:txBody>
+      </p:sp>
+    </p:spTree>
+    <p:extLst>
+      <p:ext uri="{BB962C8B-B14F-4D97-AF65-F5344CB8AC3E}">
+        <p14:creationId xmlns:p14="http://schemas.microsoft.com/office/powerpoint/2010/main" val="260780868"/>
       </p:ext>
     </p:extLst>
   </p:cSld>

--- a/presentation/Team-25.pptx
+++ b/presentation/Team-25.pptx
@@ -5,7 +5,7 @@
     <p:sldMasterId id="2147483950" r:id="rId1"/>
   </p:sldMasterIdLst>
   <p:notesMasterIdLst>
-    <p:notesMasterId r:id="rId36"/>
+    <p:notesMasterId r:id="rId37"/>
   </p:notesMasterIdLst>
   <p:sldIdLst>
     <p:sldId id="257" r:id="rId2"/>
@@ -42,6 +42,7 @@
     <p:sldId id="299" r:id="rId33"/>
     <p:sldId id="300" r:id="rId34"/>
     <p:sldId id="301" r:id="rId35"/>
+    <p:sldId id="302" r:id="rId36"/>
   </p:sldIdLst>
   <p:sldSz cx="12192000" cy="6858000"/>
   <p:notesSz cx="6858000" cy="9144000"/>
@@ -7297,14 +7298,30 @@
             <p:ph type="title"/>
           </p:nvPr>
         </p:nvSpPr>
-        <p:spPr/>
+        <p:spPr>
+          <a:xfrm>
+            <a:off x="647272" y="365125"/>
+            <a:ext cx="10706528" cy="1325563"/>
+          </a:xfrm>
+        </p:spPr>
         <p:txBody>
           <a:bodyPr/>
           <a:lstStyle/>
           <a:p>
             <a:r>
               <a:rPr lang="en-US" dirty="0"/>
-              <a:t>Model Development – Initial Model </a:t>
+              <a:t>Model Development </a:t>
+            </a:r>
+            <a:br>
+              <a:rPr lang="en-US" dirty="0"/>
+            </a:br>
+            <a:r>
+              <a:rPr lang="en-US" dirty="0"/>
+              <a:t>Initial Model: </a:t>
+            </a:r>
+            <a:r>
+              <a:rPr lang="en-US" u="sng" dirty="0"/>
+              <a:t>Multiple Linear Regression</a:t>
             </a:r>
           </a:p>
         </p:txBody>
@@ -7329,7 +7346,7 @@
             </p:nvSpPr>
             <p:spPr>
               <a:xfrm>
-                <a:off x="838200" y="1677239"/>
+                <a:off x="838200" y="1982474"/>
                 <a:ext cx="9127733" cy="809107"/>
               </a:xfrm>
             </p:spPr>
@@ -7599,7 +7616,7 @@
             </p:nvSpPr>
             <p:spPr>
               <a:xfrm>
-                <a:off x="838200" y="1677239"/>
+                <a:off x="838200" y="1982474"/>
                 <a:ext cx="9127733" cy="809107"/>
               </a:xfrm>
               <a:blipFill>
@@ -7646,7 +7663,7 @@
         </p:blipFill>
         <p:spPr>
           <a:xfrm>
-            <a:off x="5402066" y="2545422"/>
+            <a:off x="5402066" y="2791581"/>
             <a:ext cx="4037744" cy="3568525"/>
           </a:xfrm>
           <a:prstGeom prst="rect">
@@ -7668,7 +7685,7 @@
         </p:nvSpPr>
         <p:spPr>
           <a:xfrm>
-            <a:off x="838199" y="2512031"/>
+            <a:off x="838200" y="2730339"/>
             <a:ext cx="3939283" cy="3816429"/>
           </a:xfrm>
           <a:prstGeom prst="rect">
@@ -8257,20 +8274,20 @@
               <a:buChar char="•"/>
             </a:pPr>
             <a:r>
-              <a:rPr lang="en-US" sz="2800" dirty="0">
+              <a:rPr lang="en-US" sz="2800">
                 <a:latin typeface="Avenir Book" panose="02000503020000020003"/>
               </a:rPr>
               <a:t>Box Cox transformation on </a:t>
             </a:r>
             <a:r>
-              <a:rPr lang="el-GR" sz="2800" dirty="0">
+              <a:rPr lang="el-GR" sz="2800">
                 <a:latin typeface="Times New Roman" panose="02020603050405020304" pitchFamily="18" charset="0"/>
                 <a:cs typeface="Times New Roman" panose="02020603050405020304" pitchFamily="18" charset="0"/>
               </a:rPr>
               <a:t>λ</a:t>
             </a:r>
             <a:r>
-              <a:rPr lang="en-US" sz="2800" dirty="0">
+              <a:rPr lang="en-US" sz="2800">
                 <a:latin typeface="Avenir Book" panose="02000503020000020003"/>
               </a:rPr>
               <a:t> = 0.4 seems to be appropriate</a:t>
@@ -8344,7 +8361,7 @@
               <a:buChar char="•"/>
             </a:pPr>
             <a:r>
-              <a:rPr lang="en-US" sz="2800" dirty="0">
+              <a:rPr lang="en-US" sz="2800">
                 <a:latin typeface="Avenir Book" panose="02000503020000020003"/>
               </a:rPr>
               <a:t>After transformation, the points in the Normal Q-Q plot are much closer to the reference line</a:t>
@@ -8437,9 +8454,10 @@
           <a:lstStyle/>
           <a:p>
             <a:r>
-              <a:rPr lang="en-US" dirty="0"/>
+              <a:rPr lang="en-US"/>
               <a:t>Model Development – Remove Outliers</a:t>
             </a:r>
+            <a:endParaRPr lang="en-US" dirty="0"/>
           </a:p>
         </p:txBody>
       </p:sp>
@@ -8472,9 +8490,10 @@
           <a:lstStyle/>
           <a:p>
             <a:r>
-              <a:rPr lang="en-US" dirty="0"/>
+              <a:rPr lang="en-US"/>
               <a:t>Points 12, 65, and 88 were identified as outliers on the Residuals vs Fitted, Scale-Location, and Normal Q-Q plots (refer to previous slide)  </a:t>
             </a:r>
+            <a:endParaRPr lang="en-US" dirty="0"/>
           </a:p>
         </p:txBody>
       </p:sp>
@@ -8925,8 +8944,113 @@
           <a:p>
             <a:r>
               <a:rPr lang="en-US" dirty="0"/>
-              <a:t>Model Development – </a:t>
-            </a:r>
+              <a:t>Model Development – Variable Reduction </a:t>
+            </a:r>
+          </a:p>
+        </p:txBody>
+      </p:sp>
+      <p:sp>
+        <p:nvSpPr>
+          <p:cNvPr id="6" name="TextBox 5">
+            <a:extLst>
+              <a:ext uri="{FF2B5EF4-FFF2-40B4-BE49-F238E27FC236}">
+                <a16:creationId xmlns:a16="http://schemas.microsoft.com/office/drawing/2014/main" id="{7C9DF7B2-12D7-4183-BC1F-53FFE987E9D3}"/>
+              </a:ext>
+            </a:extLst>
+          </p:cNvPr>
+          <p:cNvSpPr txBox="1"/>
+          <p:nvPr/>
+        </p:nvSpPr>
+        <p:spPr>
+          <a:xfrm>
+            <a:off x="725183" y="1998324"/>
+            <a:ext cx="9384588" cy="3354765"/>
+          </a:xfrm>
+          <a:prstGeom prst="rect">
+            <a:avLst/>
+          </a:prstGeom>
+          <a:noFill/>
+        </p:spPr>
+        <p:txBody>
+          <a:bodyPr wrap="square" rtlCol="0">
+            <a:spAutoFit/>
+          </a:bodyPr>
+          <a:lstStyle/>
+          <a:p>
+            <a:pPr marL="285750" indent="-285750">
+              <a:buFont typeface="Arial" panose="020B0604020202020204" pitchFamily="34" charset="0"/>
+              <a:buChar char="•"/>
+            </a:pPr>
+            <a:r>
+              <a:rPr lang="en-US" sz="2800" dirty="0">
+                <a:latin typeface="Avenir Book" panose="02000503020000020003"/>
+              </a:rPr>
+              <a:t>Next step was to remove the variables that were redundant or unnecessary in our model. We used the step function which removes variables based on AIC.</a:t>
+            </a:r>
+          </a:p>
+          <a:p>
+            <a:pPr marL="285750" indent="-285750">
+              <a:buFont typeface="Arial" panose="020B0604020202020204" pitchFamily="34" charset="0"/>
+              <a:buChar char="•"/>
+            </a:pPr>
+            <a:endParaRPr lang="en-US" sz="2800" dirty="0">
+              <a:latin typeface="Avenir Book" panose="02000503020000020003"/>
+            </a:endParaRPr>
+          </a:p>
+          <a:p>
+            <a:pPr marL="285750" indent="-285750">
+              <a:buFont typeface="Arial" panose="020B0604020202020204" pitchFamily="34" charset="0"/>
+              <a:buChar char="•"/>
+            </a:pPr>
+            <a:r>
+              <a:rPr lang="en-US" sz="2800" dirty="0">
+                <a:latin typeface="Avenir Book" panose="02000503020000020003"/>
+              </a:rPr>
+              <a:t>Removed Variables:</a:t>
+            </a:r>
+          </a:p>
+          <a:p>
+            <a:pPr marL="742950" lvl="1" indent="-285750">
+              <a:buFont typeface="Arial" panose="020B0604020202020204" pitchFamily="34" charset="0"/>
+              <a:buChar char="•"/>
+            </a:pPr>
+            <a:r>
+              <a:rPr lang="en-US" dirty="0">
+                <a:latin typeface="Avenir Book" panose="02000503020000020003"/>
+              </a:rPr>
+              <a:t>X1 –  Health Expenditure as a percentage of GDP</a:t>
+            </a:r>
+          </a:p>
+          <a:p>
+            <a:pPr marL="742950" lvl="1" indent="-285750">
+              <a:buFont typeface="Arial" panose="020B0604020202020204" pitchFamily="34" charset="0"/>
+              <a:buChar char="•"/>
+            </a:pPr>
+            <a:r>
+              <a:rPr lang="en-US" dirty="0">
+                <a:latin typeface="Avenir Book" panose="02000503020000020003"/>
+              </a:rPr>
+              <a:t>X6 – Psychiatrists working in mental health sector (per 100 000 population)</a:t>
+            </a:r>
+          </a:p>
+          <a:p>
+            <a:pPr marL="742950" lvl="1" indent="-285750">
+              <a:buFont typeface="Arial" panose="020B0604020202020204" pitchFamily="34" charset="0"/>
+              <a:buChar char="•"/>
+            </a:pPr>
+            <a:r>
+              <a:rPr lang="en-US" dirty="0">
+                <a:latin typeface="Avenir Book" panose="02000503020000020003"/>
+              </a:rPr>
+              <a:t>X7 – Mental hospitals (per 100 000 population)</a:t>
+            </a:r>
+          </a:p>
+          <a:p>
+            <a:pPr marL="742950" lvl="1" indent="-285750">
+              <a:buFont typeface="Arial" panose="020B0604020202020204" pitchFamily="34" charset="0"/>
+              <a:buChar char="•"/>
+            </a:pPr>
+            <a:endParaRPr lang="en-US" dirty="0"/>
           </a:p>
         </p:txBody>
       </p:sp>
@@ -8934,46 +9058,257 @@
         <mc:Choice xmlns:a14="http://schemas.microsoft.com/office/drawing/2010/main" Requires="a14">
           <p:sp>
             <p:nvSpPr>
-              <p:cNvPr id="3" name="Content Placeholder 2">
+              <p:cNvPr id="7" name="Content Placeholder 2">
                 <a:extLst>
                   <a:ext uri="{FF2B5EF4-FFF2-40B4-BE49-F238E27FC236}">
-                    <a16:creationId xmlns:a16="http://schemas.microsoft.com/office/drawing/2014/main" id="{7631E236-E9E9-4DE6-9C4D-CD7A25E8A387}"/>
+                    <a16:creationId xmlns:a16="http://schemas.microsoft.com/office/drawing/2014/main" id="{29901B9A-A1AC-42F4-BAC3-F0CF50CD5E8D}"/>
                   </a:ext>
                 </a:extLst>
               </p:cNvPr>
-              <p:cNvSpPr>
-                <a:spLocks noGrp="1"/>
+              <p:cNvSpPr txBox="1">
+                <a:spLocks/>
               </p:cNvSpPr>
-              <p:nvPr>
-                <p:ph idx="1"/>
-              </p:nvPr>
+              <p:nvPr/>
             </p:nvSpPr>
             <p:spPr>
               <a:xfrm>
-                <a:off x="838200" y="1677239"/>
-                <a:ext cx="9127733" cy="809107"/>
+                <a:off x="838200" y="5456025"/>
+                <a:ext cx="10515600" cy="809107"/>
               </a:xfrm>
+              <a:prstGeom prst="rect">
+                <a:avLst/>
+              </a:prstGeom>
             </p:spPr>
             <p:txBody>
-              <a:bodyPr/>
-              <a:lstStyle/>
+              <a:bodyPr vert="horz" lIns="91440" tIns="45720" rIns="91440" bIns="45720" rtlCol="0">
+                <a:normAutofit/>
+              </a:bodyPr>
+              <a:lstStyle>
+                <a:lvl1pPr marL="228600" indent="-228600" algn="l" defTabSz="914400" rtl="0" eaLnBrk="1" latinLnBrk="0" hangingPunct="1">
+                  <a:lnSpc>
+                    <a:spcPct val="90000"/>
+                  </a:lnSpc>
+                  <a:spcBef>
+                    <a:spcPts val="1000"/>
+                  </a:spcBef>
+                  <a:buFont typeface="Arial" panose="020B0604020202020204" pitchFamily="34" charset="0"/>
+                  <a:buChar char="•"/>
+                  <a:defRPr sz="2800" kern="1200">
+                    <a:solidFill>
+                      <a:schemeClr val="tx1"/>
+                    </a:solidFill>
+                    <a:latin typeface="Avenir Book" panose="02000503020000020003" pitchFamily="2" charset="0"/>
+                    <a:ea typeface="+mn-ea"/>
+                    <a:cs typeface="+mn-cs"/>
+                  </a:defRPr>
+                </a:lvl1pPr>
+                <a:lvl2pPr marL="685800" indent="-228600" algn="l" defTabSz="914400" rtl="0" eaLnBrk="1" latinLnBrk="0" hangingPunct="1">
+                  <a:lnSpc>
+                    <a:spcPct val="90000"/>
+                  </a:lnSpc>
+                  <a:spcBef>
+                    <a:spcPts val="500"/>
+                  </a:spcBef>
+                  <a:buFont typeface="Arial" panose="020B0604020202020204" pitchFamily="34" charset="0"/>
+                  <a:buChar char="•"/>
+                  <a:defRPr sz="2400" kern="1200">
+                    <a:solidFill>
+                      <a:schemeClr val="tx1"/>
+                    </a:solidFill>
+                    <a:latin typeface="Avenir Book" panose="02000503020000020003" pitchFamily="2" charset="0"/>
+                    <a:ea typeface="+mn-ea"/>
+                    <a:cs typeface="+mn-cs"/>
+                  </a:defRPr>
+                </a:lvl2pPr>
+                <a:lvl3pPr marL="1143000" indent="-228600" algn="l" defTabSz="914400" rtl="0" eaLnBrk="1" latinLnBrk="0" hangingPunct="1">
+                  <a:lnSpc>
+                    <a:spcPct val="90000"/>
+                  </a:lnSpc>
+                  <a:spcBef>
+                    <a:spcPts val="500"/>
+                  </a:spcBef>
+                  <a:buFont typeface="Arial" panose="020B0604020202020204" pitchFamily="34" charset="0"/>
+                  <a:buChar char="•"/>
+                  <a:defRPr sz="2000" kern="1200">
+                    <a:solidFill>
+                      <a:schemeClr val="tx1"/>
+                    </a:solidFill>
+                    <a:latin typeface="Avenir Book" panose="02000503020000020003" pitchFamily="2" charset="0"/>
+                    <a:ea typeface="+mn-ea"/>
+                    <a:cs typeface="+mn-cs"/>
+                  </a:defRPr>
+                </a:lvl3pPr>
+                <a:lvl4pPr marL="1600200" indent="-228600" algn="l" defTabSz="914400" rtl="0" eaLnBrk="1" latinLnBrk="0" hangingPunct="1">
+                  <a:lnSpc>
+                    <a:spcPct val="90000"/>
+                  </a:lnSpc>
+                  <a:spcBef>
+                    <a:spcPts val="500"/>
+                  </a:spcBef>
+                  <a:buFont typeface="Arial" panose="020B0604020202020204" pitchFamily="34" charset="0"/>
+                  <a:buChar char="•"/>
+                  <a:defRPr sz="1800" kern="1200">
+                    <a:solidFill>
+                      <a:schemeClr val="tx1"/>
+                    </a:solidFill>
+                    <a:latin typeface="Avenir Book" panose="02000503020000020003" pitchFamily="2" charset="0"/>
+                    <a:ea typeface="+mn-ea"/>
+                    <a:cs typeface="+mn-cs"/>
+                  </a:defRPr>
+                </a:lvl4pPr>
+                <a:lvl5pPr marL="2057400" indent="-228600" algn="l" defTabSz="914400" rtl="0" eaLnBrk="1" latinLnBrk="0" hangingPunct="1">
+                  <a:lnSpc>
+                    <a:spcPct val="90000"/>
+                  </a:lnSpc>
+                  <a:spcBef>
+                    <a:spcPts val="500"/>
+                  </a:spcBef>
+                  <a:buFont typeface="Arial" panose="020B0604020202020204" pitchFamily="34" charset="0"/>
+                  <a:buChar char="•"/>
+                  <a:defRPr sz="1800" kern="1200">
+                    <a:solidFill>
+                      <a:schemeClr val="tx1"/>
+                    </a:solidFill>
+                    <a:latin typeface="Avenir Book" panose="02000503020000020003" pitchFamily="2" charset="0"/>
+                    <a:ea typeface="+mn-ea"/>
+                    <a:cs typeface="+mn-cs"/>
+                  </a:defRPr>
+                </a:lvl5pPr>
+                <a:lvl6pPr marL="2514600" indent="-228600" algn="l" defTabSz="914400" rtl="0" eaLnBrk="1" latinLnBrk="0" hangingPunct="1">
+                  <a:lnSpc>
+                    <a:spcPct val="90000"/>
+                  </a:lnSpc>
+                  <a:spcBef>
+                    <a:spcPts val="500"/>
+                  </a:spcBef>
+                  <a:buFont typeface="Arial" panose="020B0604020202020204" pitchFamily="34" charset="0"/>
+                  <a:buChar char="•"/>
+                  <a:defRPr sz="1800" kern="1200">
+                    <a:solidFill>
+                      <a:schemeClr val="tx1"/>
+                    </a:solidFill>
+                    <a:latin typeface="+mn-lt"/>
+                    <a:ea typeface="+mn-ea"/>
+                    <a:cs typeface="+mn-cs"/>
+                  </a:defRPr>
+                </a:lvl6pPr>
+                <a:lvl7pPr marL="2971800" indent="-228600" algn="l" defTabSz="914400" rtl="0" eaLnBrk="1" latinLnBrk="0" hangingPunct="1">
+                  <a:lnSpc>
+                    <a:spcPct val="90000"/>
+                  </a:lnSpc>
+                  <a:spcBef>
+                    <a:spcPts val="500"/>
+                  </a:spcBef>
+                  <a:buFont typeface="Arial" panose="020B0604020202020204" pitchFamily="34" charset="0"/>
+                  <a:buChar char="•"/>
+                  <a:defRPr sz="1800" kern="1200">
+                    <a:solidFill>
+                      <a:schemeClr val="tx1"/>
+                    </a:solidFill>
+                    <a:latin typeface="+mn-lt"/>
+                    <a:ea typeface="+mn-ea"/>
+                    <a:cs typeface="+mn-cs"/>
+                  </a:defRPr>
+                </a:lvl7pPr>
+                <a:lvl8pPr marL="3429000" indent="-228600" algn="l" defTabSz="914400" rtl="0" eaLnBrk="1" latinLnBrk="0" hangingPunct="1">
+                  <a:lnSpc>
+                    <a:spcPct val="90000"/>
+                  </a:lnSpc>
+                  <a:spcBef>
+                    <a:spcPts val="500"/>
+                  </a:spcBef>
+                  <a:buFont typeface="Arial" panose="020B0604020202020204" pitchFamily="34" charset="0"/>
+                  <a:buChar char="•"/>
+                  <a:defRPr sz="1800" kern="1200">
+                    <a:solidFill>
+                      <a:schemeClr val="tx1"/>
+                    </a:solidFill>
+                    <a:latin typeface="+mn-lt"/>
+                    <a:ea typeface="+mn-ea"/>
+                    <a:cs typeface="+mn-cs"/>
+                  </a:defRPr>
+                </a:lvl8pPr>
+                <a:lvl9pPr marL="3886200" indent="-228600" algn="l" defTabSz="914400" rtl="0" eaLnBrk="1" latinLnBrk="0" hangingPunct="1">
+                  <a:lnSpc>
+                    <a:spcPct val="90000"/>
+                  </a:lnSpc>
+                  <a:spcBef>
+                    <a:spcPts val="500"/>
+                  </a:spcBef>
+                  <a:buFont typeface="Arial" panose="020B0604020202020204" pitchFamily="34" charset="0"/>
+                  <a:buChar char="•"/>
+                  <a:defRPr sz="1800" kern="1200">
+                    <a:solidFill>
+                      <a:schemeClr val="tx1"/>
+                    </a:solidFill>
+                    <a:latin typeface="+mn-lt"/>
+                    <a:ea typeface="+mn-ea"/>
+                    <a:cs typeface="+mn-cs"/>
+                  </a:defRPr>
+                </a:lvl9pPr>
+              </a:lstStyle>
               <a:p>
+                <a:r>
+                  <a:rPr lang="en-US" dirty="0"/>
+                  <a:t>Model After Variable Reduction: </a:t>
+                </a:r>
                 <a14:m>
                   <m:oMath xmlns:m="http://schemas.openxmlformats.org/officeDocument/2006/math">
-                    <m:r>
-                      <m:rPr>
-                        <m:sty m:val="p"/>
-                      </m:rPr>
-                      <a:rPr lang="en-US" b="0" i="0" smtClean="0">
-                        <a:latin typeface="Cambria Math" panose="02040503050406030204" pitchFamily="18" charset="0"/>
-                      </a:rPr>
-                      <m:t>Y</m:t>
-                    </m:r>
+                    <m:f>
+                      <m:fPr>
+                        <m:ctrlPr>
+                          <a:rPr lang="en-US" i="1">
+                            <a:latin typeface="Cambria Math" panose="02040503050406030204" pitchFamily="18" charset="0"/>
+                          </a:rPr>
+                        </m:ctrlPr>
+                      </m:fPr>
+                      <m:num>
+                        <m:sSup>
+                          <m:sSupPr>
+                            <m:ctrlPr>
+                              <a:rPr lang="en-US" i="1">
+                                <a:latin typeface="Cambria Math" panose="02040503050406030204" pitchFamily="18" charset="0"/>
+                              </a:rPr>
+                            </m:ctrlPr>
+                          </m:sSupPr>
+                          <m:e>
+                            <m:r>
+                              <a:rPr lang="en-US" i="1">
+                                <a:latin typeface="Cambria Math" panose="02040503050406030204" pitchFamily="18" charset="0"/>
+                              </a:rPr>
+                              <m:t>𝑌</m:t>
+                            </m:r>
+                          </m:e>
+                          <m:sup>
+                            <m:r>
+                              <a:rPr lang="en-US" i="1">
+                                <a:latin typeface="Cambria Math" panose="02040503050406030204" pitchFamily="18" charset="0"/>
+                              </a:rPr>
+                              <m:t>.4</m:t>
+                            </m:r>
+                          </m:sup>
+                        </m:sSup>
+                        <m:r>
+                          <a:rPr lang="en-US" i="1">
+                            <a:latin typeface="Cambria Math" panose="02040503050406030204" pitchFamily="18" charset="0"/>
+                          </a:rPr>
+                          <m:t>−1</m:t>
+                        </m:r>
+                      </m:num>
+                      <m:den>
+                        <m:r>
+                          <a:rPr lang="en-US" i="1">
+                            <a:latin typeface="Cambria Math" panose="02040503050406030204" pitchFamily="18" charset="0"/>
+                          </a:rPr>
+                          <m:t>.4</m:t>
+                        </m:r>
+                      </m:den>
+                    </m:f>
                     <m:r>
                       <a:rPr lang="en-US" i="1">
                         <a:latin typeface="Cambria Math" panose="02040503050406030204" pitchFamily="18" charset="0"/>
                       </a:rPr>
-                      <m:t>=</m:t>
+                      <m:t> =</m:t>
                     </m:r>
                     <m:sSub>
                       <m:sSubPr>
@@ -8993,38 +9328,7 @@
                       </m:e>
                       <m:sub>
                         <m:r>
-                          <a:rPr lang="en-US" b="0" i="1" smtClean="0">
-                            <a:latin typeface="Cambria Math" panose="02040503050406030204" pitchFamily="18" charset="0"/>
-                          </a:rPr>
-                          <m:t>1</m:t>
-                        </m:r>
-                      </m:sub>
-                    </m:sSub>
-                    <m:r>
-                      <a:rPr lang="en-US" i="1">
-                        <a:latin typeface="Cambria Math" panose="02040503050406030204" pitchFamily="18" charset="0"/>
-                      </a:rPr>
-                      <m:t>+</m:t>
-                    </m:r>
-                    <m:sSub>
-                      <m:sSubPr>
-                        <m:ctrlPr>
                           <a:rPr lang="en-US" i="1">
-                            <a:latin typeface="Cambria Math" panose="02040503050406030204" pitchFamily="18" charset="0"/>
-                          </a:rPr>
-                        </m:ctrlPr>
-                      </m:sSubPr>
-                      <m:e>
-                        <m:r>
-                          <a:rPr lang="en-US" i="1">
-                            <a:latin typeface="Cambria Math" panose="02040503050406030204" pitchFamily="18" charset="0"/>
-                          </a:rPr>
-                          <m:t>𝑋</m:t>
-                        </m:r>
-                      </m:e>
-                      <m:sub>
-                        <m:r>
-                          <a:rPr lang="en-US" b="0" i="1" smtClean="0">
                             <a:latin typeface="Cambria Math" panose="02040503050406030204" pitchFamily="18" charset="0"/>
                           </a:rPr>
                           <m:t>2</m:t>
@@ -9032,7 +9336,7 @@
                       </m:sub>
                     </m:sSub>
                     <m:r>
-                      <a:rPr lang="en-US" b="0" i="1" smtClean="0">
+                      <a:rPr lang="en-US" i="1">
                         <a:latin typeface="Cambria Math" panose="02040503050406030204" pitchFamily="18" charset="0"/>
                       </a:rPr>
                       <m:t>+</m:t>
@@ -9132,68 +9436,6 @@
                       </a:rPr>
                       <m:t> </m:t>
                     </m:r>
-                    <m:sSub>
-                      <m:sSubPr>
-                        <m:ctrlPr>
-                          <a:rPr lang="en-US" i="1">
-                            <a:latin typeface="Cambria Math" panose="02040503050406030204" pitchFamily="18" charset="0"/>
-                          </a:rPr>
-                        </m:ctrlPr>
-                      </m:sSubPr>
-                      <m:e>
-                        <m:r>
-                          <a:rPr lang="en-US" b="0" i="1" smtClean="0">
-                            <a:latin typeface="Cambria Math" panose="02040503050406030204" pitchFamily="18" charset="0"/>
-                          </a:rPr>
-                          <m:t>+ </m:t>
-                        </m:r>
-                        <m:r>
-                          <a:rPr lang="en-US" i="1">
-                            <a:latin typeface="Cambria Math" panose="02040503050406030204" pitchFamily="18" charset="0"/>
-                          </a:rPr>
-                          <m:t>𝑋</m:t>
-                        </m:r>
-                      </m:e>
-                      <m:sub>
-                        <m:r>
-                          <a:rPr lang="en-US" b="0" i="1" smtClean="0">
-                            <a:latin typeface="Cambria Math" panose="02040503050406030204" pitchFamily="18" charset="0"/>
-                          </a:rPr>
-                          <m:t>6</m:t>
-                        </m:r>
-                      </m:sub>
-                    </m:sSub>
-                    <m:r>
-                      <a:rPr lang="en-US" i="1">
-                        <a:latin typeface="Cambria Math" panose="02040503050406030204" pitchFamily="18" charset="0"/>
-                      </a:rPr>
-                      <m:t>+</m:t>
-                    </m:r>
-                    <m:sSub>
-                      <m:sSubPr>
-                        <m:ctrlPr>
-                          <a:rPr lang="en-US" i="1">
-                            <a:latin typeface="Cambria Math" panose="02040503050406030204" pitchFamily="18" charset="0"/>
-                          </a:rPr>
-                        </m:ctrlPr>
-                      </m:sSubPr>
-                      <m:e>
-                        <m:r>
-                          <a:rPr lang="en-US" i="1">
-                            <a:latin typeface="Cambria Math" panose="02040503050406030204" pitchFamily="18" charset="0"/>
-                          </a:rPr>
-                          <m:t>𝑋</m:t>
-                        </m:r>
-                      </m:e>
-                      <m:sub>
-                        <m:r>
-                          <a:rPr lang="en-US" b="0" i="1" smtClean="0">
-                            <a:latin typeface="Cambria Math" panose="02040503050406030204" pitchFamily="18" charset="0"/>
-                          </a:rPr>
-                          <m:t>7</m:t>
-                        </m:r>
-                      </m:sub>
-                    </m:sSub>
                   </m:oMath>
                 </a14:m>
                 <a:endParaRPr lang="en-US" dirty="0"/>
@@ -9204,29 +9446,30 @@
         <mc:Fallback>
           <p:sp>
             <p:nvSpPr>
-              <p:cNvPr id="3" name="Content Placeholder 2">
+              <p:cNvPr id="7" name="Content Placeholder 2">
                 <a:extLst>
                   <a:ext uri="{FF2B5EF4-FFF2-40B4-BE49-F238E27FC236}">
-                    <a16:creationId xmlns:a16="http://schemas.microsoft.com/office/drawing/2014/main" id="{7631E236-E9E9-4DE6-9C4D-CD7A25E8A387}"/>
+                    <a16:creationId xmlns:a16="http://schemas.microsoft.com/office/drawing/2014/main" id="{29901B9A-A1AC-42F4-BAC3-F0CF50CD5E8D}"/>
                   </a:ext>
                 </a:extLst>
               </p:cNvPr>
-              <p:cNvSpPr>
-                <a:spLocks noGrp="1" noRot="1" noChangeAspect="1" noMove="1" noResize="1" noEditPoints="1" noAdjustHandles="1" noChangeArrowheads="1" noChangeShapeType="1" noTextEdit="1"/>
+              <p:cNvSpPr txBox="1">
+                <a:spLocks noRot="1" noChangeAspect="1" noMove="1" noResize="1" noEditPoints="1" noAdjustHandles="1" noChangeArrowheads="1" noChangeShapeType="1" noTextEdit="1"/>
               </p:cNvSpPr>
-              <p:nvPr>
-                <p:ph idx="1"/>
-              </p:nvPr>
+              <p:nvPr/>
             </p:nvSpPr>
             <p:spPr>
               <a:xfrm>
-                <a:off x="838200" y="1677239"/>
-                <a:ext cx="9127733" cy="809107"/>
+                <a:off x="838200" y="5456025"/>
+                <a:ext cx="10515600" cy="809107"/>
               </a:xfrm>
+              <a:prstGeom prst="rect">
+                <a:avLst/>
+              </a:prstGeom>
               <a:blipFill>
                 <a:blip r:embed="rId2"/>
                 <a:stretch>
-                  <a:fillRect t="-12782"/>
+                  <a:fillRect l="-1043"/>
                 </a:stretch>
               </a:blipFill>
             </p:spPr>
@@ -9245,80 +9488,6 @@
           </p:sp>
         </mc:Fallback>
       </mc:AlternateContent>
-      <p:pic>
-        <p:nvPicPr>
-          <p:cNvPr id="5" name="Picture 4">
-            <a:extLst>
-              <a:ext uri="{FF2B5EF4-FFF2-40B4-BE49-F238E27FC236}">
-                <a16:creationId xmlns:a16="http://schemas.microsoft.com/office/drawing/2014/main" id="{92B99BBA-0D81-46EA-A6B6-D3CB56682BDD}"/>
-              </a:ext>
-            </a:extLst>
-          </p:cNvPr>
-          <p:cNvPicPr>
-            <a:picLocks noChangeAspect="1"/>
-          </p:cNvPicPr>
-          <p:nvPr/>
-        </p:nvPicPr>
-        <p:blipFill>
-          <a:blip r:embed="rId3"/>
-          <a:stretch>
-            <a:fillRect/>
-          </a:stretch>
-        </p:blipFill>
-        <p:spPr>
-          <a:xfrm>
-            <a:off x="5402066" y="2545422"/>
-            <a:ext cx="4037744" cy="3568525"/>
-          </a:xfrm>
-          <a:prstGeom prst="rect">
-            <a:avLst/>
-          </a:prstGeom>
-        </p:spPr>
-      </p:pic>
-      <p:sp>
-        <p:nvSpPr>
-          <p:cNvPr id="6" name="TextBox 5">
-            <a:extLst>
-              <a:ext uri="{FF2B5EF4-FFF2-40B4-BE49-F238E27FC236}">
-                <a16:creationId xmlns:a16="http://schemas.microsoft.com/office/drawing/2014/main" id="{7C9DF7B2-12D7-4183-BC1F-53FFE987E9D3}"/>
-              </a:ext>
-            </a:extLst>
-          </p:cNvPr>
-          <p:cNvSpPr txBox="1"/>
-          <p:nvPr/>
-        </p:nvSpPr>
-        <p:spPr>
-          <a:xfrm>
-            <a:off x="838199" y="2512031"/>
-            <a:ext cx="3939283" cy="3816429"/>
-          </a:xfrm>
-          <a:prstGeom prst="rect">
-            <a:avLst/>
-          </a:prstGeom>
-          <a:noFill/>
-        </p:spPr>
-        <p:txBody>
-          <a:bodyPr wrap="square" rtlCol="0">
-            <a:spAutoFit/>
-          </a:bodyPr>
-          <a:lstStyle/>
-          <a:p>
-            <a:pPr marL="285750" indent="-285750">
-              <a:buFont typeface="Arial" panose="020B0604020202020204" pitchFamily="34" charset="0"/>
-              <a:buChar char="•"/>
-            </a:pPr>
-            <a:r>
-              <a:rPr lang="en-US" sz="2800" dirty="0">
-                <a:latin typeface="Avenir Book" panose="02000503020000020003"/>
-              </a:rPr>
-              <a:t>Normal Q-Q plot shows that the points deviate from the reference line at the higher quintiles. In order to correct for this, our next step was to try a Box Cox transformation on Y. </a:t>
-            </a:r>
-          </a:p>
-          <a:p>
-            <a:endParaRPr lang="en-US" dirty="0"/>
-          </a:p>
-        </p:txBody>
-      </p:sp>
     </p:spTree>
     <p:extLst>
       <p:ext uri="{BB962C8B-B14F-4D97-AF65-F5344CB8AC3E}">
@@ -9328,6 +9497,224 @@
   </p:cSld>
   <p:clrMapOvr>
     <a:masterClrMapping/>
+  </p:clrMapOvr>
+</p:sld>
+</file>
+
+<file path=ppt/slides/slide35.xml><?xml version="1.0" encoding="utf-8"?>
+<p:sld xmlns:a="http://schemas.openxmlformats.org/drawingml/2006/main" xmlns:r="http://schemas.openxmlformats.org/officeDocument/2006/relationships" xmlns:p="http://schemas.openxmlformats.org/presentationml/2006/main">
+  <p:cSld>
+    <p:bg>
+      <p:bgPr>
+        <a:solidFill>
+          <a:schemeClr val="tx1"/>
+        </a:solidFill>
+        <a:effectLst/>
+      </p:bgPr>
+    </p:bg>
+    <p:spTree>
+      <p:nvGrpSpPr>
+        <p:cNvPr id="1" name=""/>
+        <p:cNvGrpSpPr/>
+        <p:nvPr/>
+      </p:nvGrpSpPr>
+      <p:grpSpPr>
+        <a:xfrm>
+          <a:off x="0" y="0"/>
+          <a:ext cx="0" cy="0"/>
+          <a:chOff x="0" y="0"/>
+          <a:chExt cx="0" cy="0"/>
+        </a:xfrm>
+      </p:grpSpPr>
+      <p:sp>
+        <p:nvSpPr>
+          <p:cNvPr id="9" name="Rectangle 8">
+            <a:extLst>
+              <a:ext uri="{FF2B5EF4-FFF2-40B4-BE49-F238E27FC236}">
+                <a16:creationId xmlns:a16="http://schemas.microsoft.com/office/drawing/2014/main" id="{867D4867-5BA7-4462-B2F6-A23F4A622AA7}"/>
+              </a:ext>
+              <a:ext uri="{C183D7F6-B498-43B3-948B-1728B52AA6E4}">
+                <adec:decorative xmlns:adec="http://schemas.microsoft.com/office/drawing/2017/decorative" val="1"/>
+              </a:ext>
+            </a:extLst>
+          </p:cNvPr>
+          <p:cNvSpPr>
+            <a:spLocks noGrp="1" noRot="1" noChangeAspect="1" noMove="1" noResize="1" noEditPoints="1" noAdjustHandles="1" noChangeArrowheads="1" noChangeShapeType="1" noTextEdit="1"/>
+          </p:cNvSpPr>
+          <p:nvPr>
+            <p:extLst>
+              <p:ext uri="{386F3935-93C4-4BCD-93E2-E3B085C9AB24}">
+                <p16:designElem xmlns:p16="http://schemas.microsoft.com/office/powerpoint/2015/main" val="1"/>
+              </p:ext>
+            </p:extLst>
+          </p:nvPr>
+        </p:nvSpPr>
+        <p:spPr>
+          <a:xfrm>
+            <a:off x="0" y="0"/>
+            <a:ext cx="4654296" cy="6858000"/>
+          </a:xfrm>
+          <a:prstGeom prst="rect">
+            <a:avLst/>
+          </a:prstGeom>
+          <a:solidFill>
+            <a:srgbClr val="3F3F3F"/>
+          </a:solidFill>
+          <a:ln>
+            <a:noFill/>
+          </a:ln>
+        </p:spPr>
+        <p:style>
+          <a:lnRef idx="0">
+            <a:scrgbClr r="0" g="0" b="0"/>
+          </a:lnRef>
+          <a:fillRef idx="0">
+            <a:scrgbClr r="0" g="0" b="0"/>
+          </a:fillRef>
+          <a:effectRef idx="0">
+            <a:scrgbClr r="0" g="0" b="0"/>
+          </a:effectRef>
+          <a:fontRef idx="minor">
+            <a:schemeClr val="lt1"/>
+          </a:fontRef>
+        </p:style>
+        <p:txBody>
+          <a:bodyPr rtlCol="0" anchor="ctr"/>
+          <a:lstStyle/>
+          <a:p>
+            <a:pPr algn="ctr"/>
+            <a:endParaRPr lang="en-US" dirty="0"/>
+          </a:p>
+        </p:txBody>
+      </p:sp>
+      <p:sp>
+        <p:nvSpPr>
+          <p:cNvPr id="2" name="Title 1">
+            <a:extLst>
+              <a:ext uri="{FF2B5EF4-FFF2-40B4-BE49-F238E27FC236}">
+                <a16:creationId xmlns:a16="http://schemas.microsoft.com/office/drawing/2014/main" id="{56DF0A39-7824-4ED3-A10D-DEE276E0A2ED}"/>
+              </a:ext>
+            </a:extLst>
+          </p:cNvPr>
+          <p:cNvSpPr>
+            <a:spLocks noGrp="1"/>
+          </p:cNvSpPr>
+          <p:nvPr>
+            <p:ph type="title"/>
+          </p:nvPr>
+        </p:nvSpPr>
+        <p:spPr>
+          <a:xfrm>
+            <a:off x="643468" y="623392"/>
+            <a:ext cx="3363974" cy="1607060"/>
+          </a:xfrm>
+          <a:noFill/>
+          <a:ln w="19050">
+            <a:solidFill>
+              <a:schemeClr val="tx1"/>
+            </a:solidFill>
+          </a:ln>
+        </p:spPr>
+        <p:txBody>
+          <a:bodyPr wrap="square" anchor="ctr">
+            <a:normAutofit/>
+          </a:bodyPr>
+          <a:lstStyle/>
+          <a:p>
+            <a:pPr algn="ctr"/>
+            <a:r>
+              <a:rPr lang="en-US" sz="2800"/>
+              <a:t>Model Development – IWLS and Final Model</a:t>
+            </a:r>
+          </a:p>
+        </p:txBody>
+      </p:sp>
+      <p:sp>
+        <p:nvSpPr>
+          <p:cNvPr id="3" name="Content Placeholder 2">
+            <a:extLst>
+              <a:ext uri="{FF2B5EF4-FFF2-40B4-BE49-F238E27FC236}">
+                <a16:creationId xmlns:a16="http://schemas.microsoft.com/office/drawing/2014/main" id="{D9A9EDFF-EAD4-41A2-9AAD-27B72D92D85C}"/>
+              </a:ext>
+            </a:extLst>
+          </p:cNvPr>
+          <p:cNvSpPr>
+            <a:spLocks noGrp="1"/>
+          </p:cNvSpPr>
+          <p:nvPr>
+            <p:ph idx="1"/>
+          </p:nvPr>
+        </p:nvSpPr>
+        <p:spPr>
+          <a:xfrm>
+            <a:off x="643468" y="2638043"/>
+            <a:ext cx="3363974" cy="3415623"/>
+          </a:xfrm>
+        </p:spPr>
+        <p:txBody>
+          <a:bodyPr>
+            <a:normAutofit/>
+          </a:bodyPr>
+          <a:lstStyle/>
+          <a:p>
+            <a:r>
+              <a:rPr lang="en-US" sz="2000" dirty="0"/>
+              <a:t>Final step was to implement iteratively weighted least squares</a:t>
+            </a:r>
+          </a:p>
+          <a:p>
+            <a:r>
+              <a:rPr lang="en-US" sz="2000" dirty="0"/>
+              <a:t>Performed 10 iterations</a:t>
+            </a:r>
+          </a:p>
+          <a:p>
+            <a:r>
+              <a:rPr lang="en-US" sz="2000" dirty="0"/>
+              <a:t>To the right is the summary of the final model after IWLS</a:t>
+            </a:r>
+          </a:p>
+        </p:txBody>
+      </p:sp>
+      <p:pic>
+        <p:nvPicPr>
+          <p:cNvPr id="4" name="Picture 3">
+            <a:extLst>
+              <a:ext uri="{FF2B5EF4-FFF2-40B4-BE49-F238E27FC236}">
+                <a16:creationId xmlns:a16="http://schemas.microsoft.com/office/drawing/2014/main" id="{F2AD647C-8C1A-4F8D-9286-AA1A6963A0A7}"/>
+              </a:ext>
+            </a:extLst>
+          </p:cNvPr>
+          <p:cNvPicPr>
+            <a:picLocks noChangeAspect="1"/>
+          </p:cNvPicPr>
+          <p:nvPr/>
+        </p:nvPicPr>
+        <p:blipFill>
+          <a:blip r:embed="rId2"/>
+          <a:stretch>
+            <a:fillRect/>
+          </a:stretch>
+        </p:blipFill>
+        <p:spPr>
+          <a:xfrm>
+            <a:off x="5297763" y="1660859"/>
+            <a:ext cx="6250769" cy="3375414"/>
+          </a:xfrm>
+          <a:prstGeom prst="rect">
+            <a:avLst/>
+          </a:prstGeom>
+        </p:spPr>
+      </p:pic>
+    </p:spTree>
+    <p:extLst>
+      <p:ext uri="{BB962C8B-B14F-4D97-AF65-F5344CB8AC3E}">
+        <p14:creationId xmlns:p14="http://schemas.microsoft.com/office/powerpoint/2010/main" val="1544588687"/>
+      </p:ext>
+    </p:extLst>
+  </p:cSld>
+  <p:clrMapOvr>
+    <a:overrideClrMapping bg1="dk1" tx1="lt1" bg2="dk2" tx2="lt2" accent1="accent1" accent2="accent2" accent3="accent3" accent4="accent4" accent5="accent5" accent6="accent6" hlink="hlink" folHlink="folHlink"/>
   </p:clrMapOvr>
 </p:sld>
 </file>

--- a/presentation/Team-25.pptx
+++ b/presentation/Team-25.pptx
@@ -5,7 +5,7 @@
     <p:sldMasterId id="2147483950" r:id="rId1"/>
   </p:sldMasterIdLst>
   <p:notesMasterIdLst>
-    <p:notesMasterId r:id="rId37"/>
+    <p:notesMasterId r:id="rId38"/>
   </p:notesMasterIdLst>
   <p:sldIdLst>
     <p:sldId id="257" r:id="rId2"/>
@@ -18,31 +18,32 @@
     <p:sldId id="286" r:id="rId9"/>
     <p:sldId id="287" r:id="rId10"/>
     <p:sldId id="288" r:id="rId11"/>
-    <p:sldId id="289" r:id="rId12"/>
-    <p:sldId id="290" r:id="rId13"/>
-    <p:sldId id="295" r:id="rId14"/>
-    <p:sldId id="285" r:id="rId15"/>
-    <p:sldId id="291" r:id="rId16"/>
-    <p:sldId id="292" r:id="rId17"/>
-    <p:sldId id="293" r:id="rId18"/>
-    <p:sldId id="294" r:id="rId19"/>
-    <p:sldId id="284" r:id="rId20"/>
-    <p:sldId id="272" r:id="rId21"/>
-    <p:sldId id="273" r:id="rId22"/>
-    <p:sldId id="275" r:id="rId23"/>
-    <p:sldId id="276" r:id="rId24"/>
-    <p:sldId id="282" r:id="rId25"/>
-    <p:sldId id="277" r:id="rId26"/>
-    <p:sldId id="279" r:id="rId27"/>
-    <p:sldId id="278" r:id="rId28"/>
-    <p:sldId id="281" r:id="rId29"/>
-    <p:sldId id="296" r:id="rId30"/>
-    <p:sldId id="298" r:id="rId31"/>
-    <p:sldId id="297" r:id="rId32"/>
-    <p:sldId id="299" r:id="rId33"/>
-    <p:sldId id="300" r:id="rId34"/>
-    <p:sldId id="301" r:id="rId35"/>
-    <p:sldId id="302" r:id="rId36"/>
+    <p:sldId id="303" r:id="rId12"/>
+    <p:sldId id="289" r:id="rId13"/>
+    <p:sldId id="290" r:id="rId14"/>
+    <p:sldId id="295" r:id="rId15"/>
+    <p:sldId id="285" r:id="rId16"/>
+    <p:sldId id="291" r:id="rId17"/>
+    <p:sldId id="292" r:id="rId18"/>
+    <p:sldId id="293" r:id="rId19"/>
+    <p:sldId id="294" r:id="rId20"/>
+    <p:sldId id="284" r:id="rId21"/>
+    <p:sldId id="272" r:id="rId22"/>
+    <p:sldId id="273" r:id="rId23"/>
+    <p:sldId id="275" r:id="rId24"/>
+    <p:sldId id="276" r:id="rId25"/>
+    <p:sldId id="304" r:id="rId26"/>
+    <p:sldId id="277" r:id="rId27"/>
+    <p:sldId id="279" r:id="rId28"/>
+    <p:sldId id="278" r:id="rId29"/>
+    <p:sldId id="281" r:id="rId30"/>
+    <p:sldId id="296" r:id="rId31"/>
+    <p:sldId id="298" r:id="rId32"/>
+    <p:sldId id="297" r:id="rId33"/>
+    <p:sldId id="299" r:id="rId34"/>
+    <p:sldId id="300" r:id="rId35"/>
+    <p:sldId id="301" r:id="rId36"/>
+    <p:sldId id="302" r:id="rId37"/>
   </p:sldIdLst>
   <p:sldSz cx="12192000" cy="6858000"/>
   <p:notesSz cx="6858000" cy="9144000"/>
@@ -231,7 +232,7 @@
           <a:p>
             <a:fld id="{5D44D6BF-B9BD-4338-90A3-91B6768E1A15}" type="datetimeFigureOut">
               <a:rPr lang="en-US" smtClean="0"/>
-              <a:t>4/10/2020</a:t>
+              <a:t>4/11/2020</a:t>
             </a:fld>
             <a:endParaRPr lang="en-US"/>
           </a:p>
@@ -935,6 +936,132 @@
 </p:notes>
 </file>
 
+<file path=ppt/notesSlides/notesSlide3.xml><?xml version="1.0" encoding="utf-8"?>
+<p:notes xmlns:a="http://schemas.openxmlformats.org/drawingml/2006/main" xmlns:r="http://schemas.openxmlformats.org/officeDocument/2006/relationships" xmlns:p="http://schemas.openxmlformats.org/presentationml/2006/main">
+  <p:cSld>
+    <p:spTree>
+      <p:nvGrpSpPr>
+        <p:cNvPr id="1" name=""/>
+        <p:cNvGrpSpPr/>
+        <p:nvPr/>
+      </p:nvGrpSpPr>
+      <p:grpSpPr>
+        <a:xfrm>
+          <a:off x="0" y="0"/>
+          <a:ext cx="0" cy="0"/>
+          <a:chOff x="0" y="0"/>
+          <a:chExt cx="0" cy="0"/>
+        </a:xfrm>
+      </p:grpSpPr>
+      <p:sp>
+        <p:nvSpPr>
+          <p:cNvPr id="2" name="Slide Image Placeholder 1"/>
+          <p:cNvSpPr>
+            <a:spLocks noGrp="1" noRot="1" noChangeAspect="1"/>
+          </p:cNvSpPr>
+          <p:nvPr>
+            <p:ph type="sldImg"/>
+          </p:nvPr>
+        </p:nvSpPr>
+        <p:spPr/>
+      </p:sp>
+      <p:sp>
+        <p:nvSpPr>
+          <p:cNvPr id="3" name="Notes Placeholder 2"/>
+          <p:cNvSpPr>
+            <a:spLocks noGrp="1"/>
+          </p:cNvSpPr>
+          <p:nvPr>
+            <p:ph type="body" idx="1"/>
+          </p:nvPr>
+        </p:nvSpPr>
+        <p:spPr/>
+        <p:txBody>
+          <a:bodyPr/>
+          <a:lstStyle/>
+          <a:p>
+            <a:pPr marL="0" marR="0" lvl="0" indent="0" algn="l" defTabSz="914400" rtl="0" eaLnBrk="1" fontAlgn="auto" latinLnBrk="0" hangingPunct="1">
+              <a:lnSpc>
+                <a:spcPct val="100000"/>
+              </a:lnSpc>
+              <a:spcBef>
+                <a:spcPts val="0"/>
+              </a:spcBef>
+              <a:spcAft>
+                <a:spcPts val="0"/>
+              </a:spcAft>
+              <a:buClrTx/>
+              <a:buSzTx/>
+              <a:buFontTx/>
+              <a:buNone/>
+              <a:tabLst/>
+              <a:defRPr/>
+            </a:pPr>
+            <a:r>
+              <a:rPr lang="en-US" sz="1200" kern="1200" dirty="0">
+                <a:solidFill>
+                  <a:schemeClr val="tx1"/>
+                </a:solidFill>
+                <a:effectLst/>
+                <a:latin typeface="+mn-lt"/>
+                <a:ea typeface="+mn-ea"/>
+                <a:cs typeface="+mn-cs"/>
+              </a:rPr>
+              <a:t>[1] </a:t>
+            </a:r>
+            <a:r>
+              <a:rPr lang="en-US" sz="1200" u="sng" kern="1200" dirty="0">
+                <a:solidFill>
+                  <a:schemeClr val="tx1"/>
+                </a:solidFill>
+                <a:effectLst/>
+                <a:latin typeface="+mn-lt"/>
+                <a:ea typeface="+mn-ea"/>
+                <a:cs typeface="+mn-cs"/>
+                <a:hlinkClick r:id="rId3"/>
+              </a:rPr>
+              <a:t>https://apps.who.int/iris/rest/bitstreams/1174021/retrieve</a:t>
+            </a:r>
+            <a:endParaRPr lang="en-US" dirty="0"/>
+          </a:p>
+        </p:txBody>
+      </p:sp>
+      <p:sp>
+        <p:nvSpPr>
+          <p:cNvPr id="4" name="Slide Number Placeholder 3"/>
+          <p:cNvSpPr>
+            <a:spLocks noGrp="1"/>
+          </p:cNvSpPr>
+          <p:nvPr>
+            <p:ph type="sldNum" sz="quarter" idx="5"/>
+          </p:nvPr>
+        </p:nvSpPr>
+        <p:spPr/>
+        <p:txBody>
+          <a:bodyPr/>
+          <a:lstStyle/>
+          <a:p>
+            <a:fld id="{56B17D78-F1C7-4592-8843-493934A58F74}" type="slidenum">
+              <a:rPr lang="en-US" smtClean="0"/>
+              <a:t>11</a:t>
+            </a:fld>
+            <a:endParaRPr lang="en-US"/>
+          </a:p>
+        </p:txBody>
+      </p:sp>
+    </p:spTree>
+    <p:extLst>
+      <p:ext uri="{BB962C8B-B14F-4D97-AF65-F5344CB8AC3E}">
+        <p14:creationId xmlns:p14="http://schemas.microsoft.com/office/powerpoint/2010/main" val="2653735793"/>
+      </p:ext>
+    </p:extLst>
+  </p:cSld>
+  <p:clrMapOvr>
+    <a:masterClrMapping/>
+  </p:clrMapOvr>
+</p:notes>
+</file>
+
 <file path=ppt/slideLayouts/slideLayout1.xml><?xml version="1.0" encoding="utf-8"?>
 <p:sldLayout xmlns:a="http://schemas.openxmlformats.org/drawingml/2006/main" xmlns:r="http://schemas.openxmlformats.org/officeDocument/2006/relationships" xmlns:p="http://schemas.openxmlformats.org/presentationml/2006/main" type="title" preserve="1">
   <p:cSld name="Title Slide">
@@ -1110,7 +1237,7 @@
             <a:fld id="{8AECDF24-0F62-6442-A2C0-578570B09936}" type="datetimeFigureOut">
               <a:rPr lang="en-US" smtClean="0"/>
               <a:pPr/>
-              <a:t>4/10/2020</a:t>
+              <a:t>4/11/2020</a:t>
             </a:fld>
             <a:endParaRPr lang="en-US"/>
           </a:p>
@@ -1327,7 +1454,7 @@
           <a:p>
             <a:fld id="{8AECDF24-0F62-6442-A2C0-578570B09936}" type="datetimeFigureOut">
               <a:rPr lang="en-US" smtClean="0"/>
-              <a:t>4/10/2020</a:t>
+              <a:t>4/11/2020</a:t>
             </a:fld>
             <a:endParaRPr lang="en-US"/>
           </a:p>
@@ -1535,7 +1662,7 @@
           <a:p>
             <a:fld id="{8AECDF24-0F62-6442-A2C0-578570B09936}" type="datetimeFigureOut">
               <a:rPr lang="en-US" smtClean="0"/>
-              <a:t>4/10/2020</a:t>
+              <a:t>4/11/2020</a:t>
             </a:fld>
             <a:endParaRPr lang="en-US"/>
           </a:p>
@@ -1772,7 +1899,7 @@
             <a:fld id="{8AECDF24-0F62-6442-A2C0-578570B09936}" type="datetimeFigureOut">
               <a:rPr lang="en-US" smtClean="0"/>
               <a:pPr/>
-              <a:t>4/10/2020</a:t>
+              <a:t>4/11/2020</a:t>
             </a:fld>
             <a:endParaRPr lang="en-US"/>
           </a:p>
@@ -2172,7 +2299,7 @@
             <a:fld id="{8AECDF24-0F62-6442-A2C0-578570B09936}" type="datetimeFigureOut">
               <a:rPr lang="en-US" smtClean="0"/>
               <a:pPr/>
-              <a:t>4/10/2020</a:t>
+              <a:t>4/11/2020</a:t>
             </a:fld>
             <a:endParaRPr lang="en-US"/>
           </a:p>
@@ -2450,7 +2577,7 @@
           <a:p>
             <a:fld id="{8AECDF24-0F62-6442-A2C0-578570B09936}" type="datetimeFigureOut">
               <a:rPr lang="en-US" smtClean="0"/>
-              <a:t>4/10/2020</a:t>
+              <a:t>4/11/2020</a:t>
             </a:fld>
             <a:endParaRPr lang="en-US"/>
           </a:p>
@@ -2964,7 +3091,7 @@
           <a:p>
             <a:fld id="{8AECDF24-0F62-6442-A2C0-578570B09936}" type="datetimeFigureOut">
               <a:rPr lang="en-US" smtClean="0"/>
-              <a:t>4/10/2020</a:t>
+              <a:t>4/11/2020</a:t>
             </a:fld>
             <a:endParaRPr lang="en-US"/>
           </a:p>
@@ -3105,7 +3232,7 @@
           <a:p>
             <a:fld id="{8AECDF24-0F62-6442-A2C0-578570B09936}" type="datetimeFigureOut">
               <a:rPr lang="en-US" smtClean="0"/>
-              <a:t>4/10/2020</a:t>
+              <a:t>4/11/2020</a:t>
             </a:fld>
             <a:endParaRPr lang="en-US"/>
           </a:p>
@@ -3218,7 +3345,7 @@
           <a:p>
             <a:fld id="{8AECDF24-0F62-6442-A2C0-578570B09936}" type="datetimeFigureOut">
               <a:rPr lang="en-US" smtClean="0"/>
-              <a:t>4/10/2020</a:t>
+              <a:t>4/11/2020</a:t>
             </a:fld>
             <a:endParaRPr lang="en-US"/>
           </a:p>
@@ -3529,7 +3656,7 @@
           <a:p>
             <a:fld id="{8AECDF24-0F62-6442-A2C0-578570B09936}" type="datetimeFigureOut">
               <a:rPr lang="en-US" smtClean="0"/>
-              <a:t>4/10/2020</a:t>
+              <a:t>4/11/2020</a:t>
             </a:fld>
             <a:endParaRPr lang="en-US"/>
           </a:p>
@@ -3817,7 +3944,7 @@
           <a:p>
             <a:fld id="{8AECDF24-0F62-6442-A2C0-578570B09936}" type="datetimeFigureOut">
               <a:rPr lang="en-US" smtClean="0"/>
-              <a:t>4/10/2020</a:t>
+              <a:t>4/11/2020</a:t>
             </a:fld>
             <a:endParaRPr lang="en-US"/>
           </a:p>
@@ -4058,7 +4185,7 @@
           <a:p>
             <a:fld id="{8AECDF24-0F62-6442-A2C0-578570B09936}" type="datetimeFigureOut">
               <a:rPr lang="en-US" smtClean="0"/>
-              <a:t>4/10/2020</a:t>
+              <a:t>4/11/2020</a:t>
             </a:fld>
             <a:endParaRPr lang="en-US"/>
           </a:p>
@@ -4752,6 +4879,165 @@
           <a:chExt cx="0" cy="0"/>
         </a:xfrm>
       </p:grpSpPr>
+      <p:pic>
+        <p:nvPicPr>
+          <p:cNvPr id="4" name="Picture 2" descr="Policies - Hill Havurah">
+            <a:extLst>
+              <a:ext uri="{FF2B5EF4-FFF2-40B4-BE49-F238E27FC236}">
+                <a16:creationId xmlns:a16="http://schemas.microsoft.com/office/drawing/2014/main" id="{7322F9A1-8741-4A13-B097-6AA6951FF3C7}"/>
+              </a:ext>
+            </a:extLst>
+          </p:cNvPr>
+          <p:cNvPicPr>
+            <a:picLocks noChangeAspect="1" noChangeArrowheads="1"/>
+          </p:cNvPicPr>
+          <p:nvPr/>
+        </p:nvPicPr>
+        <p:blipFill>
+          <a:blip r:embed="rId3">
+            <a:extLst>
+              <a:ext uri="{28A0092B-C50C-407E-A947-70E740481C1C}">
+                <a14:useLocalDpi xmlns:a14="http://schemas.microsoft.com/office/drawing/2010/main" val="0"/>
+              </a:ext>
+            </a:extLst>
+          </a:blip>
+          <a:srcRect/>
+          <a:stretch>
+            <a:fillRect/>
+          </a:stretch>
+        </p:blipFill>
+        <p:spPr bwMode="auto">
+          <a:xfrm>
+            <a:off x="9237826" y="5532436"/>
+            <a:ext cx="2397376" cy="1325563"/>
+          </a:xfrm>
+          <a:prstGeom prst="rect">
+            <a:avLst/>
+          </a:prstGeom>
+          <a:noFill/>
+          <a:extLst>
+            <a:ext uri="{909E8E84-426E-40DD-AFC4-6F175D3DCCD1}">
+              <a14:hiddenFill xmlns:a14="http://schemas.microsoft.com/office/drawing/2010/main">
+                <a:solidFill>
+                  <a:srgbClr val="FFFFFF"/>
+                </a:solidFill>
+              </a14:hiddenFill>
+            </a:ext>
+          </a:extLst>
+        </p:spPr>
+      </p:pic>
+      <p:sp>
+        <p:nvSpPr>
+          <p:cNvPr id="2" name="Title 1">
+            <a:extLst>
+              <a:ext uri="{FF2B5EF4-FFF2-40B4-BE49-F238E27FC236}">
+                <a16:creationId xmlns:a16="http://schemas.microsoft.com/office/drawing/2014/main" id="{5046D7FF-1F52-4ACD-BCEB-9816F9F94274}"/>
+              </a:ext>
+            </a:extLst>
+          </p:cNvPr>
+          <p:cNvSpPr>
+            <a:spLocks noGrp="1"/>
+          </p:cNvSpPr>
+          <p:nvPr>
+            <p:ph type="title"/>
+          </p:nvPr>
+        </p:nvSpPr>
+        <p:spPr/>
+        <p:txBody>
+          <a:bodyPr/>
+          <a:lstStyle/>
+          <a:p>
+            <a:r>
+              <a:rPr lang="en-US" dirty="0"/>
+              <a:t>Remaining Inputs: NSPS</a:t>
+            </a:r>
+          </a:p>
+        </p:txBody>
+      </p:sp>
+      <p:sp>
+        <p:nvSpPr>
+          <p:cNvPr id="3" name="Content Placeholder 2">
+            <a:extLst>
+              <a:ext uri="{FF2B5EF4-FFF2-40B4-BE49-F238E27FC236}">
+                <a16:creationId xmlns:a16="http://schemas.microsoft.com/office/drawing/2014/main" id="{AA9E6257-DED2-4591-958B-CB13AFD34262}"/>
+              </a:ext>
+            </a:extLst>
+          </p:cNvPr>
+          <p:cNvSpPr>
+            <a:spLocks noGrp="1"/>
+          </p:cNvSpPr>
+          <p:nvPr>
+            <p:ph idx="1"/>
+          </p:nvPr>
+        </p:nvSpPr>
+        <p:spPr/>
+        <p:txBody>
+          <a:bodyPr>
+            <a:normAutofit fontScale="92500"/>
+          </a:bodyPr>
+          <a:lstStyle/>
+          <a:p>
+            <a:r>
+              <a:rPr lang="en-US" dirty="0"/>
+              <a:t>Countries which have a National Suicide Prevention Strategy (NSPS)</a:t>
+            </a:r>
+          </a:p>
+          <a:p>
+            <a:r>
+              <a:rPr lang="en-US" dirty="0"/>
+              <a:t>Data retrieved from the UN report gathered from participating countries [1]</a:t>
+            </a:r>
+          </a:p>
+          <a:p>
+            <a:r>
+              <a:rPr lang="en-US" dirty="0"/>
+              <a:t>An implementation of a NSPS in Scotland called “Choose Live” decreased suicide rates by 20% over 10 years. [1]. </a:t>
+            </a:r>
+          </a:p>
+          <a:p>
+            <a:r>
+              <a:rPr lang="en-US" dirty="0"/>
+              <a:t>Since a WHO report on suicide prevention, the WHO has tracked a growing number of technical requests from countries on how to implement NSPSs. [1] </a:t>
+            </a:r>
+          </a:p>
+          <a:p>
+            <a:r>
+              <a:rPr lang="en-US" dirty="0"/>
+              <a:t>While government implementation of NSPSs may lead to a reduction in suicide, it may also be the cultural recognition of the issue by government, in addition to specific policy actions which decrease overall suicide. </a:t>
+            </a:r>
+          </a:p>
+        </p:txBody>
+      </p:sp>
+    </p:spTree>
+    <p:extLst>
+      <p:ext uri="{BB962C8B-B14F-4D97-AF65-F5344CB8AC3E}">
+        <p14:creationId xmlns:p14="http://schemas.microsoft.com/office/powerpoint/2010/main" val="2474529012"/>
+      </p:ext>
+    </p:extLst>
+  </p:cSld>
+  <p:clrMapOvr>
+    <a:masterClrMapping/>
+  </p:clrMapOvr>
+</p:sld>
+</file>
+
+<file path=ppt/slides/slide12.xml><?xml version="1.0" encoding="utf-8"?>
+<p:sld xmlns:a="http://schemas.openxmlformats.org/drawingml/2006/main" xmlns:r="http://schemas.openxmlformats.org/officeDocument/2006/relationships" xmlns:p="http://schemas.openxmlformats.org/presentationml/2006/main">
+  <p:cSld>
+    <p:spTree>
+      <p:nvGrpSpPr>
+        <p:cNvPr id="1" name=""/>
+        <p:cNvGrpSpPr/>
+        <p:nvPr/>
+      </p:nvGrpSpPr>
+      <p:grpSpPr>
+        <a:xfrm>
+          <a:off x="0" y="0"/>
+          <a:ext cx="0" cy="0"/>
+          <a:chOff x="0" y="0"/>
+          <a:chExt cx="0" cy="0"/>
+        </a:xfrm>
+      </p:grpSpPr>
       <p:sp>
         <p:nvSpPr>
           <p:cNvPr id="2" name="Title 1">
@@ -4915,7 +5201,7 @@
 </p:sld>
 </file>
 
-<file path=ppt/slides/slide12.xml><?xml version="1.0" encoding="utf-8"?>
+<file path=ppt/slides/slide13.xml><?xml version="1.0" encoding="utf-8"?>
 <p:sld xmlns:a="http://schemas.openxmlformats.org/drawingml/2006/main" xmlns:r="http://schemas.openxmlformats.org/officeDocument/2006/relationships" xmlns:p="http://schemas.openxmlformats.org/presentationml/2006/main">
   <p:cSld>
     <p:spTree>
@@ -5035,7 +5321,7 @@
 </p:sld>
 </file>
 
-<file path=ppt/slides/slide13.xml><?xml version="1.0" encoding="utf-8"?>
+<file path=ppt/slides/slide14.xml><?xml version="1.0" encoding="utf-8"?>
 <p:sld xmlns:a="http://schemas.openxmlformats.org/drawingml/2006/main" xmlns:r="http://schemas.openxmlformats.org/officeDocument/2006/relationships" xmlns:p="http://schemas.openxmlformats.org/presentationml/2006/main">
   <p:cSld>
     <p:spTree>
@@ -5127,72 +5413,6 @@
 </p:sld>
 </file>
 
-<file path=ppt/slides/slide14.xml><?xml version="1.0" encoding="utf-8"?>
-<p:sld xmlns:a="http://schemas.openxmlformats.org/drawingml/2006/main" xmlns:r="http://schemas.openxmlformats.org/officeDocument/2006/relationships" xmlns:p="http://schemas.openxmlformats.org/presentationml/2006/main">
-  <p:cSld>
-    <p:spTree>
-      <p:nvGrpSpPr>
-        <p:cNvPr id="1" name=""/>
-        <p:cNvGrpSpPr/>
-        <p:nvPr/>
-      </p:nvGrpSpPr>
-      <p:grpSpPr>
-        <a:xfrm>
-          <a:off x="0" y="0"/>
-          <a:ext cx="0" cy="0"/>
-          <a:chOff x="0" y="0"/>
-          <a:chExt cx="0" cy="0"/>
-        </a:xfrm>
-      </p:grpSpPr>
-      <p:sp>
-        <p:nvSpPr>
-          <p:cNvPr id="4" name="Title 3">
-            <a:extLst>
-              <a:ext uri="{FF2B5EF4-FFF2-40B4-BE49-F238E27FC236}">
-                <a16:creationId xmlns:a16="http://schemas.microsoft.com/office/drawing/2014/main" id="{B9E80BC2-4589-4F4D-8C68-24FFC67D1426}"/>
-              </a:ext>
-            </a:extLst>
-          </p:cNvPr>
-          <p:cNvSpPr>
-            <a:spLocks noGrp="1"/>
-          </p:cNvSpPr>
-          <p:nvPr>
-            <p:ph type="ctrTitle"/>
-          </p:nvPr>
-        </p:nvSpPr>
-        <p:spPr>
-          <a:xfrm>
-            <a:off x="416859" y="1122363"/>
-            <a:ext cx="10838329" cy="2387600"/>
-          </a:xfrm>
-        </p:spPr>
-        <p:txBody>
-          <a:bodyPr>
-            <a:normAutofit/>
-          </a:bodyPr>
-          <a:lstStyle/>
-          <a:p>
-            <a:pPr algn="l"/>
-            <a:r>
-              <a:rPr lang="en-US" sz="3600" dirty="0"/>
-              <a:t>Regression Model</a:t>
-            </a:r>
-          </a:p>
-        </p:txBody>
-      </p:sp>
-    </p:spTree>
-    <p:extLst>
-      <p:ext uri="{BB962C8B-B14F-4D97-AF65-F5344CB8AC3E}">
-        <p14:creationId xmlns:p14="http://schemas.microsoft.com/office/powerpoint/2010/main" val="2366447657"/>
-      </p:ext>
-    </p:extLst>
-  </p:cSld>
-  <p:clrMapOvr>
-    <a:masterClrMapping/>
-  </p:clrMapOvr>
-</p:sld>
-</file>
-
 <file path=ppt/slides/slide15.xml><?xml version="1.0" encoding="utf-8"?>
 <p:sld xmlns:a="http://schemas.openxmlformats.org/drawingml/2006/main" xmlns:r="http://schemas.openxmlformats.org/officeDocument/2006/relationships" xmlns:p="http://schemas.openxmlformats.org/presentationml/2006/main">
   <p:cSld>
@@ -5212,69 +5432,44 @@
       </p:grpSpPr>
       <p:sp>
         <p:nvSpPr>
-          <p:cNvPr id="2" name="Title 1">
-            <a:extLst>
-              <a:ext uri="{FF2B5EF4-FFF2-40B4-BE49-F238E27FC236}">
-                <a16:creationId xmlns:a16="http://schemas.microsoft.com/office/drawing/2014/main" id="{E3D71C4E-63CB-4FE7-B972-B803D7679B03}"/>
-              </a:ext>
-            </a:extLst>
-          </p:cNvPr>
-          <p:cNvSpPr>
-            <a:spLocks noGrp="1"/>
-          </p:cNvSpPr>
-          <p:nvPr>
-            <p:ph type="title"/>
-          </p:nvPr>
-        </p:nvSpPr>
-        <p:spPr/>
-        <p:txBody>
-          <a:bodyPr/>
-          <a:lstStyle/>
-          <a:p>
-            <a:r>
-              <a:rPr lang="en-US" dirty="0"/>
-              <a:t>Model Creation</a:t>
-            </a:r>
-          </a:p>
-        </p:txBody>
-      </p:sp>
-      <p:sp>
-        <p:nvSpPr>
-          <p:cNvPr id="3" name="Content Placeholder 2">
-            <a:extLst>
-              <a:ext uri="{FF2B5EF4-FFF2-40B4-BE49-F238E27FC236}">
-                <a16:creationId xmlns:a16="http://schemas.microsoft.com/office/drawing/2014/main" id="{0E62FB0E-6CF7-48F8-8A90-0CDCAE26F087}"/>
-              </a:ext>
-            </a:extLst>
-          </p:cNvPr>
-          <p:cNvSpPr>
-            <a:spLocks noGrp="1"/>
-          </p:cNvSpPr>
-          <p:nvPr>
-            <p:ph idx="1"/>
-          </p:nvPr>
-        </p:nvSpPr>
-        <p:spPr/>
-        <p:txBody>
-          <a:bodyPr/>
-          <a:lstStyle/>
-          <a:p>
-            <a:pPr fontAlgn="base"/>
-            <a:r>
-              <a:rPr lang="en-US" dirty="0" err="1"/>
-              <a:t>qqOsman</a:t>
-            </a:r>
-            <a:endParaRPr lang="en-US" dirty="0"/>
-          </a:p>
-          <a:p>
-            <a:endParaRPr lang="en-US" dirty="0"/>
+          <p:cNvPr id="4" name="Title 3">
+            <a:extLst>
+              <a:ext uri="{FF2B5EF4-FFF2-40B4-BE49-F238E27FC236}">
+                <a16:creationId xmlns:a16="http://schemas.microsoft.com/office/drawing/2014/main" id="{B9E80BC2-4589-4F4D-8C68-24FFC67D1426}"/>
+              </a:ext>
+            </a:extLst>
+          </p:cNvPr>
+          <p:cNvSpPr>
+            <a:spLocks noGrp="1"/>
+          </p:cNvSpPr>
+          <p:nvPr>
+            <p:ph type="ctrTitle"/>
+          </p:nvPr>
+        </p:nvSpPr>
+        <p:spPr>
+          <a:xfrm>
+            <a:off x="416859" y="1122363"/>
+            <a:ext cx="10838329" cy="2387600"/>
+          </a:xfrm>
+        </p:spPr>
+        <p:txBody>
+          <a:bodyPr>
+            <a:normAutofit/>
+          </a:bodyPr>
+          <a:lstStyle/>
+          <a:p>
+            <a:pPr algn="l"/>
+            <a:r>
+              <a:rPr lang="en-US" sz="3600" dirty="0"/>
+              <a:t>Regression Model</a:t>
+            </a:r>
           </a:p>
         </p:txBody>
       </p:sp>
     </p:spTree>
     <p:extLst>
       <p:ext uri="{BB962C8B-B14F-4D97-AF65-F5344CB8AC3E}">
-        <p14:creationId xmlns:p14="http://schemas.microsoft.com/office/powerpoint/2010/main" val="1998129388"/>
+        <p14:creationId xmlns:p14="http://schemas.microsoft.com/office/powerpoint/2010/main" val="2366447657"/>
       </p:ext>
     </p:extLst>
   </p:cSld>
@@ -5306,7 +5501,7 @@
           <p:cNvPr id="2" name="Title 1">
             <a:extLst>
               <a:ext uri="{FF2B5EF4-FFF2-40B4-BE49-F238E27FC236}">
-                <a16:creationId xmlns:a16="http://schemas.microsoft.com/office/drawing/2014/main" id="{797AEA03-72AA-4A62-9C5E-93A1D60018B1}"/>
+                <a16:creationId xmlns:a16="http://schemas.microsoft.com/office/drawing/2014/main" id="{E3D71C4E-63CB-4FE7-B972-B803D7679B03}"/>
               </a:ext>
             </a:extLst>
           </p:cNvPr>
@@ -5324,7 +5519,7 @@
           <a:p>
             <a:r>
               <a:rPr lang="en-US" dirty="0"/>
-              <a:t>Model Refinement</a:t>
+              <a:t>Model Creation</a:t>
             </a:r>
           </a:p>
         </p:txBody>
@@ -5334,7 +5529,7 @@
           <p:cNvPr id="3" name="Content Placeholder 2">
             <a:extLst>
               <a:ext uri="{FF2B5EF4-FFF2-40B4-BE49-F238E27FC236}">
-                <a16:creationId xmlns:a16="http://schemas.microsoft.com/office/drawing/2014/main" id="{0872993A-5D50-4F30-BA62-56A008497EB7}"/>
+                <a16:creationId xmlns:a16="http://schemas.microsoft.com/office/drawing/2014/main" id="{0E62FB0E-6CF7-48F8-8A90-0CDCAE26F087}"/>
               </a:ext>
             </a:extLst>
           </p:cNvPr>
@@ -5350,10 +5545,14 @@
           <a:bodyPr/>
           <a:lstStyle/>
           <a:p>
+            <a:pPr fontAlgn="base"/>
             <a:r>
               <a:rPr lang="en-US" dirty="0" err="1"/>
               <a:t>qqOsman</a:t>
             </a:r>
+            <a:endParaRPr lang="en-US" dirty="0"/>
+          </a:p>
+          <a:p>
             <a:endParaRPr lang="en-US" dirty="0"/>
           </a:p>
         </p:txBody>
@@ -5361,7 +5560,7 @@
     </p:spTree>
     <p:extLst>
       <p:ext uri="{BB962C8B-B14F-4D97-AF65-F5344CB8AC3E}">
-        <p14:creationId xmlns:p14="http://schemas.microsoft.com/office/powerpoint/2010/main" val="3407115648"/>
+        <p14:creationId xmlns:p14="http://schemas.microsoft.com/office/powerpoint/2010/main" val="1998129388"/>
       </p:ext>
     </p:extLst>
   </p:cSld>
@@ -5393,7 +5592,7 @@
           <p:cNvPr id="2" name="Title 1">
             <a:extLst>
               <a:ext uri="{FF2B5EF4-FFF2-40B4-BE49-F238E27FC236}">
-                <a16:creationId xmlns:a16="http://schemas.microsoft.com/office/drawing/2014/main" id="{1180966A-6DCE-45CB-B2B4-A4CB78B27016}"/>
+                <a16:creationId xmlns:a16="http://schemas.microsoft.com/office/drawing/2014/main" id="{797AEA03-72AA-4A62-9C5E-93A1D60018B1}"/>
               </a:ext>
             </a:extLst>
           </p:cNvPr>
@@ -5411,7 +5610,7 @@
           <a:p>
             <a:r>
               <a:rPr lang="en-US" dirty="0"/>
-              <a:t>Model Limitations</a:t>
+              <a:t>Model Refinement</a:t>
             </a:r>
           </a:p>
         </p:txBody>
@@ -5421,7 +5620,7 @@
           <p:cNvPr id="3" name="Content Placeholder 2">
             <a:extLst>
               <a:ext uri="{FF2B5EF4-FFF2-40B4-BE49-F238E27FC236}">
-                <a16:creationId xmlns:a16="http://schemas.microsoft.com/office/drawing/2014/main" id="{57574260-73D6-4C2F-B05F-DA8EA9C8CA88}"/>
+                <a16:creationId xmlns:a16="http://schemas.microsoft.com/office/drawing/2014/main" id="{0872993A-5D50-4F30-BA62-56A008497EB7}"/>
               </a:ext>
             </a:extLst>
           </p:cNvPr>
@@ -5448,7 +5647,7 @@
     </p:spTree>
     <p:extLst>
       <p:ext uri="{BB962C8B-B14F-4D97-AF65-F5344CB8AC3E}">
-        <p14:creationId xmlns:p14="http://schemas.microsoft.com/office/powerpoint/2010/main" val="1698259041"/>
+        <p14:creationId xmlns:p14="http://schemas.microsoft.com/office/powerpoint/2010/main" val="3407115648"/>
       </p:ext>
     </p:extLst>
   </p:cSld>
@@ -5480,7 +5679,7 @@
           <p:cNvPr id="2" name="Title 1">
             <a:extLst>
               <a:ext uri="{FF2B5EF4-FFF2-40B4-BE49-F238E27FC236}">
-                <a16:creationId xmlns:a16="http://schemas.microsoft.com/office/drawing/2014/main" id="{A58B4A80-B4DD-4EFB-80F6-CE4AED5F00B1}"/>
+                <a16:creationId xmlns:a16="http://schemas.microsoft.com/office/drawing/2014/main" id="{1180966A-6DCE-45CB-B2B4-A4CB78B27016}"/>
               </a:ext>
             </a:extLst>
           </p:cNvPr>
@@ -5498,7 +5697,7 @@
           <a:p>
             <a:r>
               <a:rPr lang="en-US" dirty="0"/>
-              <a:t>Model Outcomes</a:t>
+              <a:t>Model Limitations</a:t>
             </a:r>
           </a:p>
         </p:txBody>
@@ -5508,7 +5707,7 @@
           <p:cNvPr id="3" name="Content Placeholder 2">
             <a:extLst>
               <a:ext uri="{FF2B5EF4-FFF2-40B4-BE49-F238E27FC236}">
-                <a16:creationId xmlns:a16="http://schemas.microsoft.com/office/drawing/2014/main" id="{43DD36A2-8495-431F-83BA-B5F0C4C38CFB}"/>
+                <a16:creationId xmlns:a16="http://schemas.microsoft.com/office/drawing/2014/main" id="{57574260-73D6-4C2F-B05F-DA8EA9C8CA88}"/>
               </a:ext>
             </a:extLst>
           </p:cNvPr>
@@ -5535,7 +5734,7 @@
     </p:spTree>
     <p:extLst>
       <p:ext uri="{BB962C8B-B14F-4D97-AF65-F5344CB8AC3E}">
-        <p14:creationId xmlns:p14="http://schemas.microsoft.com/office/powerpoint/2010/main" val="202907545"/>
+        <p14:creationId xmlns:p14="http://schemas.microsoft.com/office/powerpoint/2010/main" val="1698259041"/>
       </p:ext>
     </p:extLst>
   </p:cSld>
@@ -5564,44 +5763,65 @@
       </p:grpSpPr>
       <p:sp>
         <p:nvSpPr>
-          <p:cNvPr id="4" name="Title 3">
-            <a:extLst>
-              <a:ext uri="{FF2B5EF4-FFF2-40B4-BE49-F238E27FC236}">
-                <a16:creationId xmlns:a16="http://schemas.microsoft.com/office/drawing/2014/main" id="{B9E80BC2-4589-4F4D-8C68-24FFC67D1426}"/>
-              </a:ext>
-            </a:extLst>
-          </p:cNvPr>
-          <p:cNvSpPr>
-            <a:spLocks noGrp="1"/>
-          </p:cNvSpPr>
-          <p:nvPr>
-            <p:ph type="ctrTitle"/>
-          </p:nvPr>
-        </p:nvSpPr>
-        <p:spPr>
-          <a:xfrm>
-            <a:off x="416859" y="1122363"/>
-            <a:ext cx="10838329" cy="2387600"/>
-          </a:xfrm>
-        </p:spPr>
-        <p:txBody>
-          <a:bodyPr>
-            <a:normAutofit/>
-          </a:bodyPr>
-          <a:lstStyle/>
-          <a:p>
-            <a:pPr algn="l"/>
-            <a:r>
-              <a:rPr lang="en-US" sz="3600" dirty="0"/>
-              <a:t>Research &amp; Data Analysis </a:t>
-            </a:r>
+          <p:cNvPr id="2" name="Title 1">
+            <a:extLst>
+              <a:ext uri="{FF2B5EF4-FFF2-40B4-BE49-F238E27FC236}">
+                <a16:creationId xmlns:a16="http://schemas.microsoft.com/office/drawing/2014/main" id="{A58B4A80-B4DD-4EFB-80F6-CE4AED5F00B1}"/>
+              </a:ext>
+            </a:extLst>
+          </p:cNvPr>
+          <p:cNvSpPr>
+            <a:spLocks noGrp="1"/>
+          </p:cNvSpPr>
+          <p:nvPr>
+            <p:ph type="title"/>
+          </p:nvPr>
+        </p:nvSpPr>
+        <p:spPr/>
+        <p:txBody>
+          <a:bodyPr/>
+          <a:lstStyle/>
+          <a:p>
+            <a:r>
+              <a:rPr lang="en-US" dirty="0"/>
+              <a:t>Model Outcomes</a:t>
+            </a:r>
+          </a:p>
+        </p:txBody>
+      </p:sp>
+      <p:sp>
+        <p:nvSpPr>
+          <p:cNvPr id="3" name="Content Placeholder 2">
+            <a:extLst>
+              <a:ext uri="{FF2B5EF4-FFF2-40B4-BE49-F238E27FC236}">
+                <a16:creationId xmlns:a16="http://schemas.microsoft.com/office/drawing/2014/main" id="{43DD36A2-8495-431F-83BA-B5F0C4C38CFB}"/>
+              </a:ext>
+            </a:extLst>
+          </p:cNvPr>
+          <p:cNvSpPr>
+            <a:spLocks noGrp="1"/>
+          </p:cNvSpPr>
+          <p:nvPr>
+            <p:ph idx="1"/>
+          </p:nvPr>
+        </p:nvSpPr>
+        <p:spPr/>
+        <p:txBody>
+          <a:bodyPr/>
+          <a:lstStyle/>
+          <a:p>
+            <a:r>
+              <a:rPr lang="en-US" dirty="0" err="1"/>
+              <a:t>qqOsman</a:t>
+            </a:r>
+            <a:endParaRPr lang="en-US" dirty="0"/>
           </a:p>
         </p:txBody>
       </p:sp>
     </p:spTree>
     <p:extLst>
       <p:ext uri="{BB962C8B-B14F-4D97-AF65-F5344CB8AC3E}">
-        <p14:creationId xmlns:p14="http://schemas.microsoft.com/office/powerpoint/2010/main" val="2442058615"/>
+        <p14:creationId xmlns:p14="http://schemas.microsoft.com/office/powerpoint/2010/main" val="202907545"/>
       </p:ext>
     </p:extLst>
   </p:cSld>
@@ -6312,88 +6532,36 @@
       </p:grpSpPr>
       <p:sp>
         <p:nvSpPr>
-          <p:cNvPr id="2" name="Title 1">
-            <a:extLst>
-              <a:ext uri="{FF2B5EF4-FFF2-40B4-BE49-F238E27FC236}">
-                <a16:creationId xmlns:a16="http://schemas.microsoft.com/office/drawing/2014/main" id="{624DC2CB-8BD0-C849-B52E-0F91A40C741E}"/>
-              </a:ext>
-            </a:extLst>
-          </p:cNvPr>
-          <p:cNvSpPr>
-            <a:spLocks noGrp="1"/>
-          </p:cNvSpPr>
-          <p:nvPr>
-            <p:ph type="title"/>
-          </p:nvPr>
-        </p:nvSpPr>
-        <p:spPr/>
-        <p:txBody>
-          <a:bodyPr/>
-          <a:lstStyle/>
-          <a:p>
-            <a:r>
-              <a:rPr lang="en-US" dirty="0"/>
-              <a:t>What Does the Data Tell Us?</a:t>
-            </a:r>
-          </a:p>
-        </p:txBody>
-      </p:sp>
-      <p:sp>
-        <p:nvSpPr>
-          <p:cNvPr id="3" name="Content Placeholder 2">
-            <a:extLst>
-              <a:ext uri="{FF2B5EF4-FFF2-40B4-BE49-F238E27FC236}">
-                <a16:creationId xmlns:a16="http://schemas.microsoft.com/office/drawing/2014/main" id="{399E939B-CD29-D445-B69B-5A724813DF0B}"/>
-              </a:ext>
-            </a:extLst>
-          </p:cNvPr>
-          <p:cNvSpPr>
-            <a:spLocks noGrp="1"/>
-          </p:cNvSpPr>
-          <p:nvPr>
-            <p:ph idx="1"/>
-          </p:nvPr>
-        </p:nvSpPr>
-        <p:spPr/>
-        <p:txBody>
-          <a:bodyPr/>
-          <a:lstStyle/>
-          <a:p>
-            <a:r>
-              <a:rPr lang="en-US" dirty="0"/>
-              <a:t>Sections:</a:t>
-            </a:r>
-          </a:p>
-          <a:p>
-            <a:endParaRPr lang="en-US" dirty="0"/>
-          </a:p>
-          <a:p>
-            <a:pPr lvl="1"/>
-            <a:r>
-              <a:rPr lang="en-US" dirty="0"/>
-              <a:t>Impact of Economic Indicators (GDP)</a:t>
-            </a:r>
-          </a:p>
-          <a:p>
-            <a:pPr lvl="1"/>
-            <a:endParaRPr lang="en-US" dirty="0"/>
-          </a:p>
-          <a:p>
-            <a:pPr lvl="1"/>
-            <a:r>
-              <a:rPr lang="en-US" dirty="0"/>
-              <a:t>Impact of Substance Abuse Indications (Alcohol Abuse)</a:t>
-            </a:r>
-          </a:p>
-          <a:p>
-            <a:pPr lvl="1"/>
-            <a:endParaRPr lang="en-US" dirty="0"/>
-          </a:p>
-          <a:p>
-            <a:pPr lvl="1"/>
-            <a:r>
-              <a:rPr lang="en-US" dirty="0"/>
-              <a:t>Impact of Mental Health Resources</a:t>
+          <p:cNvPr id="4" name="Title 3">
+            <a:extLst>
+              <a:ext uri="{FF2B5EF4-FFF2-40B4-BE49-F238E27FC236}">
+                <a16:creationId xmlns:a16="http://schemas.microsoft.com/office/drawing/2014/main" id="{B9E80BC2-4589-4F4D-8C68-24FFC67D1426}"/>
+              </a:ext>
+            </a:extLst>
+          </p:cNvPr>
+          <p:cNvSpPr>
+            <a:spLocks noGrp="1"/>
+          </p:cNvSpPr>
+          <p:nvPr>
+            <p:ph type="ctrTitle"/>
+          </p:nvPr>
+        </p:nvSpPr>
+        <p:spPr>
+          <a:xfrm>
+            <a:off x="416859" y="1122363"/>
+            <a:ext cx="10838329" cy="2387600"/>
+          </a:xfrm>
+        </p:spPr>
+        <p:txBody>
+          <a:bodyPr>
+            <a:normAutofit/>
+          </a:bodyPr>
+          <a:lstStyle/>
+          <a:p>
+            <a:pPr algn="l"/>
+            <a:r>
+              <a:rPr lang="en-US" sz="3600" dirty="0"/>
+              <a:t>Research &amp; Data Analysis </a:t>
             </a:r>
           </a:p>
         </p:txBody>
@@ -6401,7 +6569,7 @@
     </p:spTree>
     <p:extLst>
       <p:ext uri="{BB962C8B-B14F-4D97-AF65-F5344CB8AC3E}">
-        <p14:creationId xmlns:p14="http://schemas.microsoft.com/office/powerpoint/2010/main" val="182351577"/>
+        <p14:creationId xmlns:p14="http://schemas.microsoft.com/office/powerpoint/2010/main" val="2442058615"/>
       </p:ext>
     </p:extLst>
   </p:cSld>
@@ -6451,7 +6619,7 @@
           <a:p>
             <a:r>
               <a:rPr lang="en-US" dirty="0"/>
-              <a:t>Impact of Wealth, Country Level Economic Indicators</a:t>
+              <a:t>What Does the Data Tell Us?</a:t>
             </a:r>
           </a:p>
         </p:txBody>
@@ -6479,55 +6647,58 @@
           <a:p>
             <a:r>
               <a:rPr lang="en-US" dirty="0"/>
-              <a:t>Exploratory Analysis - Visual</a:t>
+              <a:t>Sections:</a:t>
             </a:r>
           </a:p>
           <a:p>
             <a:endParaRPr lang="en-US" dirty="0"/>
           </a:p>
           <a:p>
+            <a:pPr lvl="1"/>
             <a:r>
               <a:rPr lang="en-US" dirty="0"/>
-              <a:t>Testing (Hypothesis etc.)</a:t>
-            </a:r>
-          </a:p>
-          <a:p>
+              <a:t>Impact of Current Health Expenditure as % GDP</a:t>
+            </a:r>
+          </a:p>
+          <a:p>
+            <a:pPr lvl="1"/>
             <a:endParaRPr lang="en-US" dirty="0"/>
           </a:p>
           <a:p>
-            <a:r>
-              <a:rPr lang="en-US" dirty="0" err="1"/>
-              <a:t>Elasiticity</a:t>
-            </a:r>
+            <a:pPr lvl="1"/>
             <a:r>
               <a:rPr lang="en-US" dirty="0"/>
-              <a:t>/impact on our outcome</a:t>
-            </a:r>
-          </a:p>
-          <a:p>
+              <a:t>Impact of Substance Abuse Indications (Alcohol Abuse)</a:t>
+            </a:r>
+          </a:p>
+          <a:p>
+            <a:pPr lvl="1"/>
             <a:endParaRPr lang="en-US" dirty="0"/>
           </a:p>
           <a:p>
+            <a:pPr lvl="1"/>
             <a:r>
               <a:rPr lang="en-US" dirty="0"/>
-              <a:t>What policy makers should know</a:t>
-            </a:r>
-          </a:p>
-          <a:p>
+              <a:t>Impact of Mental Health Resources (Psychiatrists working in mental health sector (per 100000 population) )</a:t>
+            </a:r>
+          </a:p>
+          <a:p>
+            <a:pPr lvl="1"/>
             <a:endParaRPr lang="en-US" dirty="0"/>
           </a:p>
           <a:p>
-            <a:endParaRPr lang="en-US" dirty="0"/>
-          </a:p>
-          <a:p>
-            <a:endParaRPr lang="en-US" dirty="0"/>
+            <a:pPr lvl="1"/>
+            <a:r>
+              <a:rPr lang="en-US" dirty="0"/>
+              <a:t>Impact of National Suicide Prevention Strategies (NSPS)</a:t>
+            </a:r>
           </a:p>
         </p:txBody>
       </p:sp>
     </p:spTree>
     <p:extLst>
       <p:ext uri="{BB962C8B-B14F-4D97-AF65-F5344CB8AC3E}">
-        <p14:creationId xmlns:p14="http://schemas.microsoft.com/office/powerpoint/2010/main" val="1808011340"/>
+        <p14:creationId xmlns:p14="http://schemas.microsoft.com/office/powerpoint/2010/main" val="182351577"/>
       </p:ext>
     </p:extLst>
   </p:cSld>
@@ -6577,7 +6748,7 @@
           <a:p>
             <a:r>
               <a:rPr lang="en-US" dirty="0"/>
-              <a:t>Impact Alcohol Abuse</a:t>
+              <a:t>Impact of Current Health Expenditure as % GDP </a:t>
             </a:r>
           </a:p>
         </p:txBody>
@@ -6600,21 +6771,12 @@
         </p:nvSpPr>
         <p:spPr/>
         <p:txBody>
-          <a:bodyPr>
-            <a:normAutofit fontScale="77500" lnSpcReduction="20000"/>
-          </a:bodyPr>
+          <a:bodyPr/>
           <a:lstStyle/>
           <a:p>
             <a:r>
               <a:rPr lang="en-US" dirty="0"/>
-              <a:t>Exploratory Analysis – Visual</a:t>
-            </a:r>
-          </a:p>
-          <a:p>
-            <a:pPr lvl="1"/>
-            <a:r>
-              <a:rPr lang="en-US" dirty="0"/>
-              <a:t>An association exists between alcohol consumption and the rate of suicide.</a:t>
+              <a:t>Exploratory Analysis - Visual</a:t>
             </a:r>
           </a:p>
           <a:p>
@@ -6627,13 +6789,6 @@
             </a:r>
           </a:p>
           <a:p>
-            <a:pPr lvl="1"/>
-            <a:r>
-              <a:rPr lang="en-US" dirty="0"/>
-              <a:t>Countries with higher rates of alcohol consumption tend to have higher suicide rates. By reducing the amount of alcohol consumed, suicides will be reduced. </a:t>
-            </a:r>
-          </a:p>
-          <a:p>
             <a:endParaRPr lang="en-US" dirty="0"/>
           </a:p>
           <a:p>
@@ -6647,43 +6802,82 @@
             </a:r>
           </a:p>
           <a:p>
-            <a:pPr lvl="1"/>
+            <a:endParaRPr lang="en-US" dirty="0"/>
+          </a:p>
+          <a:p>
             <a:r>
               <a:rPr lang="en-US" dirty="0"/>
-              <a:t>Each X-unit increase/decrease in liters of alcohol consumed per capita resulted in Y-unit increase/decrease in the rate of suicide per capita.</a:t>
+              <a:t>What policy makers should know</a:t>
             </a:r>
           </a:p>
           <a:p>
             <a:endParaRPr lang="en-US" dirty="0"/>
           </a:p>
           <a:p>
-            <a:r>
-              <a:rPr lang="en-US" dirty="0"/>
-              <a:t>What policy makers should know and do</a:t>
-            </a:r>
-          </a:p>
-          <a:p>
-            <a:pPr lvl="1"/>
-            <a:r>
-              <a:rPr lang="en-US" dirty="0"/>
-              <a:t>Policy makers should consider implementing measures designed to mitigate the harmful use of alcohol as a means of reducing the rate of suicide.</a:t>
-            </a:r>
-          </a:p>
-          <a:p>
             <a:endParaRPr lang="en-US" dirty="0"/>
           </a:p>
           <a:p>
             <a:endParaRPr lang="en-US" dirty="0"/>
           </a:p>
-          <a:p>
-            <a:endParaRPr lang="en-US" dirty="0"/>
+        </p:txBody>
+      </p:sp>
+      <p:sp>
+        <p:nvSpPr>
+          <p:cNvPr id="4" name="Rectangle 3">
+            <a:extLst>
+              <a:ext uri="{FF2B5EF4-FFF2-40B4-BE49-F238E27FC236}">
+                <a16:creationId xmlns:a16="http://schemas.microsoft.com/office/drawing/2014/main" id="{316A1E26-2C9F-4953-A41D-EDE351B31FAB}"/>
+              </a:ext>
+            </a:extLst>
+          </p:cNvPr>
+          <p:cNvSpPr/>
+          <p:nvPr/>
+        </p:nvSpPr>
+        <p:spPr>
+          <a:xfrm rot="1919411">
+            <a:off x="5893905" y="1627570"/>
+            <a:ext cx="5367131" cy="2097156"/>
+          </a:xfrm>
+          <a:prstGeom prst="rect">
+            <a:avLst/>
+          </a:prstGeom>
+          <a:solidFill>
+            <a:srgbClr val="FF0000"/>
+          </a:solidFill>
+        </p:spPr>
+        <p:style>
+          <a:lnRef idx="2">
+            <a:schemeClr val="accent2">
+              <a:shade val="50000"/>
+            </a:schemeClr>
+          </a:lnRef>
+          <a:fillRef idx="1">
+            <a:schemeClr val="accent2"/>
+          </a:fillRef>
+          <a:effectRef idx="0">
+            <a:schemeClr val="accent2"/>
+          </a:effectRef>
+          <a:fontRef idx="minor">
+            <a:schemeClr val="lt1"/>
+          </a:fontRef>
+        </p:style>
+        <p:txBody>
+          <a:bodyPr rtlCol="0" anchor="ctr"/>
+          <a:lstStyle/>
+          <a:p>
+            <a:pPr algn="ctr"/>
+            <a:r>
+              <a:rPr lang="en-US" sz="6000" dirty="0" err="1"/>
+              <a:t>qqMichael</a:t>
+            </a:r>
+            <a:endParaRPr lang="en-US" sz="6000" dirty="0"/>
           </a:p>
         </p:txBody>
       </p:sp>
     </p:spTree>
     <p:extLst>
       <p:ext uri="{BB962C8B-B14F-4D97-AF65-F5344CB8AC3E}">
-        <p14:creationId xmlns:p14="http://schemas.microsoft.com/office/powerpoint/2010/main" val="2733299390"/>
+        <p14:creationId xmlns:p14="http://schemas.microsoft.com/office/powerpoint/2010/main" val="1808011340"/>
       </p:ext>
     </p:extLst>
   </p:cSld>
@@ -6733,7 +6927,7 @@
           <a:p>
             <a:r>
               <a:rPr lang="en-US" dirty="0"/>
-              <a:t>Impact of Availability of Mental Health Resources</a:t>
+              <a:t>Impact Alcohol Abuse</a:t>
             </a:r>
           </a:p>
         </p:txBody>
@@ -6756,12 +6950,21 @@
         </p:nvSpPr>
         <p:spPr/>
         <p:txBody>
-          <a:bodyPr/>
+          <a:bodyPr>
+            <a:normAutofit fontScale="77500" lnSpcReduction="20000"/>
+          </a:bodyPr>
           <a:lstStyle/>
           <a:p>
             <a:r>
               <a:rPr lang="en-US" dirty="0"/>
-              <a:t>Exploratory Analysis - Visual</a:t>
+              <a:t>Exploratory Analysis – Visual</a:t>
+            </a:r>
+          </a:p>
+          <a:p>
+            <a:pPr lvl="1"/>
+            <a:r>
+              <a:rPr lang="en-US" dirty="0"/>
+              <a:t>An association exists between alcohol consumption and the rate of suicide.</a:t>
             </a:r>
           </a:p>
           <a:p>
@@ -6774,6 +6977,13 @@
             </a:r>
           </a:p>
           <a:p>
+            <a:pPr lvl="1"/>
+            <a:r>
+              <a:rPr lang="en-US" dirty="0"/>
+              <a:t>Countries with higher rates of alcohol consumption tend to have higher suicide rates. By reducing the amount of alcohol consumed, suicides will be reduced. </a:t>
+            </a:r>
+          </a:p>
+          <a:p>
             <a:endParaRPr lang="en-US" dirty="0"/>
           </a:p>
           <a:p>
@@ -6787,12 +6997,26 @@
             </a:r>
           </a:p>
           <a:p>
+            <a:pPr lvl="1"/>
+            <a:r>
+              <a:rPr lang="en-US" dirty="0"/>
+              <a:t>Each X-unit increase/decrease in liters of alcohol consumed per capita resulted in Y-unit increase/decrease in the rate of suicide per capita.</a:t>
+            </a:r>
+          </a:p>
+          <a:p>
             <a:endParaRPr lang="en-US" dirty="0"/>
           </a:p>
           <a:p>
             <a:r>
               <a:rPr lang="en-US" dirty="0"/>
-              <a:t>What policy makers should know</a:t>
+              <a:t>What policy makers should know and do</a:t>
+            </a:r>
+          </a:p>
+          <a:p>
+            <a:pPr lvl="1"/>
+            <a:r>
+              <a:rPr lang="en-US" dirty="0"/>
+              <a:t>Policy makers should consider implementing measures designed to mitigate the harmful use of alcohol as a means of reducing the rate of suicide.</a:t>
             </a:r>
           </a:p>
           <a:p>
@@ -6809,7 +7033,7 @@
     </p:spTree>
     <p:extLst>
       <p:ext uri="{BB962C8B-B14F-4D97-AF65-F5344CB8AC3E}">
-        <p14:creationId xmlns:p14="http://schemas.microsoft.com/office/powerpoint/2010/main" val="3553279853"/>
+        <p14:creationId xmlns:p14="http://schemas.microsoft.com/office/powerpoint/2010/main" val="2733299390"/>
       </p:ext>
     </p:extLst>
   </p:cSld>
@@ -6859,7 +7083,7 @@
           <a:p>
             <a:r>
               <a:rPr lang="en-US" dirty="0"/>
-              <a:t>Impact of Availability of Mental Health Resources</a:t>
+              <a:t>Impact of Psychiatrists working in mental health sector (per 100000 population) </a:t>
             </a:r>
           </a:p>
         </p:txBody>
@@ -6929,13 +7153,66 @@
           </a:p>
           <a:p>
             <a:endParaRPr lang="en-US" dirty="0"/>
+          </a:p>
+        </p:txBody>
+      </p:sp>
+      <p:sp>
+        <p:nvSpPr>
+          <p:cNvPr id="4" name="Rectangle 3">
+            <a:extLst>
+              <a:ext uri="{FF2B5EF4-FFF2-40B4-BE49-F238E27FC236}">
+                <a16:creationId xmlns:a16="http://schemas.microsoft.com/office/drawing/2014/main" id="{059A0453-6D5E-4AA1-9847-15F6A6F7C1A2}"/>
+              </a:ext>
+            </a:extLst>
+          </p:cNvPr>
+          <p:cNvSpPr/>
+          <p:nvPr/>
+        </p:nvSpPr>
+        <p:spPr>
+          <a:xfrm rot="1919411">
+            <a:off x="5893905" y="1627570"/>
+            <a:ext cx="5367131" cy="2097156"/>
+          </a:xfrm>
+          <a:prstGeom prst="rect">
+            <a:avLst/>
+          </a:prstGeom>
+          <a:solidFill>
+            <a:srgbClr val="FF0000"/>
+          </a:solidFill>
+        </p:spPr>
+        <p:style>
+          <a:lnRef idx="2">
+            <a:schemeClr val="accent2">
+              <a:shade val="50000"/>
+            </a:schemeClr>
+          </a:lnRef>
+          <a:fillRef idx="1">
+            <a:schemeClr val="accent2"/>
+          </a:fillRef>
+          <a:effectRef idx="0">
+            <a:schemeClr val="accent2"/>
+          </a:effectRef>
+          <a:fontRef idx="minor">
+            <a:schemeClr val="lt1"/>
+          </a:fontRef>
+        </p:style>
+        <p:txBody>
+          <a:bodyPr rtlCol="0" anchor="ctr"/>
+          <a:lstStyle/>
+          <a:p>
+            <a:pPr algn="ctr"/>
+            <a:r>
+              <a:rPr lang="en-US" sz="6000" dirty="0" err="1"/>
+              <a:t>qqMichael</a:t>
+            </a:r>
+            <a:endParaRPr lang="en-US" sz="6000" dirty="0"/>
           </a:p>
         </p:txBody>
       </p:sp>
     </p:spTree>
     <p:extLst>
       <p:ext uri="{BB962C8B-B14F-4D97-AF65-F5344CB8AC3E}">
-        <p14:creationId xmlns:p14="http://schemas.microsoft.com/office/powerpoint/2010/main" val="2745908012"/>
+        <p14:creationId xmlns:p14="http://schemas.microsoft.com/office/powerpoint/2010/main" val="3553279853"/>
       </p:ext>
     </p:extLst>
   </p:cSld>
@@ -6964,44 +7241,157 @@
       </p:grpSpPr>
       <p:sp>
         <p:nvSpPr>
-          <p:cNvPr id="4" name="Title 3">
-            <a:extLst>
-              <a:ext uri="{FF2B5EF4-FFF2-40B4-BE49-F238E27FC236}">
-                <a16:creationId xmlns:a16="http://schemas.microsoft.com/office/drawing/2014/main" id="{B9E80BC2-4589-4F4D-8C68-24FFC67D1426}"/>
-              </a:ext>
-            </a:extLst>
-          </p:cNvPr>
-          <p:cNvSpPr>
-            <a:spLocks noGrp="1"/>
-          </p:cNvSpPr>
-          <p:nvPr>
-            <p:ph type="ctrTitle"/>
-          </p:nvPr>
+          <p:cNvPr id="2" name="Title 1">
+            <a:extLst>
+              <a:ext uri="{FF2B5EF4-FFF2-40B4-BE49-F238E27FC236}">
+                <a16:creationId xmlns:a16="http://schemas.microsoft.com/office/drawing/2014/main" id="{624DC2CB-8BD0-C849-B52E-0F91A40C741E}"/>
+              </a:ext>
+            </a:extLst>
+          </p:cNvPr>
+          <p:cNvSpPr>
+            <a:spLocks noGrp="1"/>
+          </p:cNvSpPr>
+          <p:nvPr>
+            <p:ph type="title"/>
+          </p:nvPr>
+        </p:nvSpPr>
+        <p:spPr/>
+        <p:txBody>
+          <a:bodyPr/>
+          <a:lstStyle/>
+          <a:p>
+            <a:r>
+              <a:rPr lang="en-US" dirty="0"/>
+              <a:t>Impact of NSPS</a:t>
+            </a:r>
+          </a:p>
+        </p:txBody>
+      </p:sp>
+      <p:sp>
+        <p:nvSpPr>
+          <p:cNvPr id="3" name="Content Placeholder 2">
+            <a:extLst>
+              <a:ext uri="{FF2B5EF4-FFF2-40B4-BE49-F238E27FC236}">
+                <a16:creationId xmlns:a16="http://schemas.microsoft.com/office/drawing/2014/main" id="{399E939B-CD29-D445-B69B-5A724813DF0B}"/>
+              </a:ext>
+            </a:extLst>
+          </p:cNvPr>
+          <p:cNvSpPr>
+            <a:spLocks noGrp="1"/>
+          </p:cNvSpPr>
+          <p:nvPr>
+            <p:ph idx="1"/>
+          </p:nvPr>
+        </p:nvSpPr>
+        <p:spPr/>
+        <p:txBody>
+          <a:bodyPr/>
+          <a:lstStyle/>
+          <a:p>
+            <a:r>
+              <a:rPr lang="en-US" dirty="0"/>
+              <a:t>Exploratory Analysis - Visual</a:t>
+            </a:r>
+          </a:p>
+          <a:p>
+            <a:endParaRPr lang="en-US" dirty="0"/>
+          </a:p>
+          <a:p>
+            <a:r>
+              <a:rPr lang="en-US" dirty="0"/>
+              <a:t>Testing (Hypothesis etc.)</a:t>
+            </a:r>
+          </a:p>
+          <a:p>
+            <a:endParaRPr lang="en-US" dirty="0"/>
+          </a:p>
+          <a:p>
+            <a:r>
+              <a:rPr lang="en-US" dirty="0" err="1"/>
+              <a:t>Elasiticity</a:t>
+            </a:r>
+            <a:r>
+              <a:rPr lang="en-US" dirty="0"/>
+              <a:t>/impact on our outcome</a:t>
+            </a:r>
+          </a:p>
+          <a:p>
+            <a:endParaRPr lang="en-US" dirty="0"/>
+          </a:p>
+          <a:p>
+            <a:r>
+              <a:rPr lang="en-US" dirty="0"/>
+              <a:t>What policy makers should know</a:t>
+            </a:r>
+          </a:p>
+          <a:p>
+            <a:endParaRPr lang="en-US" dirty="0"/>
+          </a:p>
+          <a:p>
+            <a:endParaRPr lang="en-US" dirty="0"/>
+          </a:p>
+          <a:p>
+            <a:endParaRPr lang="en-US" dirty="0"/>
+          </a:p>
+        </p:txBody>
+      </p:sp>
+      <p:sp>
+        <p:nvSpPr>
+          <p:cNvPr id="4" name="Rectangle 3">
+            <a:extLst>
+              <a:ext uri="{FF2B5EF4-FFF2-40B4-BE49-F238E27FC236}">
+                <a16:creationId xmlns:a16="http://schemas.microsoft.com/office/drawing/2014/main" id="{A4EB4297-D4D3-42DB-BEFD-747C53900203}"/>
+              </a:ext>
+            </a:extLst>
+          </p:cNvPr>
+          <p:cNvSpPr/>
+          <p:nvPr/>
         </p:nvSpPr>
         <p:spPr>
-          <a:xfrm>
-            <a:off x="416859" y="1122363"/>
-            <a:ext cx="10838329" cy="2387600"/>
+          <a:xfrm rot="1919411">
+            <a:off x="5893905" y="1627570"/>
+            <a:ext cx="5367131" cy="2097156"/>
           </a:xfrm>
+          <a:prstGeom prst="rect">
+            <a:avLst/>
+          </a:prstGeom>
+          <a:solidFill>
+            <a:srgbClr val="FF0000"/>
+          </a:solidFill>
         </p:spPr>
-        <p:txBody>
-          <a:bodyPr>
-            <a:normAutofit/>
-          </a:bodyPr>
-          <a:lstStyle/>
-          <a:p>
-            <a:pPr algn="l"/>
-            <a:r>
-              <a:rPr lang="en-US" sz="3600" dirty="0"/>
-              <a:t>Recommendations &amp; Decision Making Support for Policy Makers (Prescriptive)</a:t>
-            </a:r>
+        <p:style>
+          <a:lnRef idx="2">
+            <a:schemeClr val="accent2">
+              <a:shade val="50000"/>
+            </a:schemeClr>
+          </a:lnRef>
+          <a:fillRef idx="1">
+            <a:schemeClr val="accent2"/>
+          </a:fillRef>
+          <a:effectRef idx="0">
+            <a:schemeClr val="accent2"/>
+          </a:effectRef>
+          <a:fontRef idx="minor">
+            <a:schemeClr val="lt1"/>
+          </a:fontRef>
+        </p:style>
+        <p:txBody>
+          <a:bodyPr rtlCol="0" anchor="ctr"/>
+          <a:lstStyle/>
+          <a:p>
+            <a:pPr algn="ctr"/>
+            <a:r>
+              <a:rPr lang="en-US" sz="6000" dirty="0" err="1"/>
+              <a:t>qqMichael</a:t>
+            </a:r>
+            <a:endParaRPr lang="en-US" sz="6000" dirty="0"/>
           </a:p>
         </p:txBody>
       </p:sp>
     </p:spTree>
     <p:extLst>
       <p:ext uri="{BB962C8B-B14F-4D97-AF65-F5344CB8AC3E}">
-        <p14:creationId xmlns:p14="http://schemas.microsoft.com/office/powerpoint/2010/main" val="3276250105"/>
+        <p14:creationId xmlns:p14="http://schemas.microsoft.com/office/powerpoint/2010/main" val="2540235355"/>
       </p:ext>
     </p:extLst>
   </p:cSld>
@@ -7030,100 +7420,44 @@
       </p:grpSpPr>
       <p:sp>
         <p:nvSpPr>
-          <p:cNvPr id="2" name="Title 1">
-            <a:extLst>
-              <a:ext uri="{FF2B5EF4-FFF2-40B4-BE49-F238E27FC236}">
-                <a16:creationId xmlns:a16="http://schemas.microsoft.com/office/drawing/2014/main" id="{624DC2CB-8BD0-C849-B52E-0F91A40C741E}"/>
-              </a:ext>
-            </a:extLst>
-          </p:cNvPr>
-          <p:cNvSpPr>
-            <a:spLocks noGrp="1"/>
-          </p:cNvSpPr>
-          <p:nvPr>
-            <p:ph type="title"/>
-          </p:nvPr>
-        </p:nvSpPr>
-        <p:spPr/>
-        <p:txBody>
-          <a:bodyPr/>
-          <a:lstStyle/>
-          <a:p>
-            <a:r>
-              <a:rPr lang="en-US" dirty="0"/>
-              <a:t>What kind of Country Level Decision Making Support This Analysis Provides</a:t>
-            </a:r>
-          </a:p>
-        </p:txBody>
-      </p:sp>
-      <p:sp>
-        <p:nvSpPr>
-          <p:cNvPr id="3" name="Content Placeholder 2">
-            <a:extLst>
-              <a:ext uri="{FF2B5EF4-FFF2-40B4-BE49-F238E27FC236}">
-                <a16:creationId xmlns:a16="http://schemas.microsoft.com/office/drawing/2014/main" id="{399E939B-CD29-D445-B69B-5A724813DF0B}"/>
-              </a:ext>
-            </a:extLst>
-          </p:cNvPr>
-          <p:cNvSpPr>
-            <a:spLocks noGrp="1"/>
-          </p:cNvSpPr>
-          <p:nvPr>
-            <p:ph idx="1"/>
-          </p:nvPr>
-        </p:nvSpPr>
-        <p:spPr/>
-        <p:txBody>
-          <a:bodyPr/>
-          <a:lstStyle/>
-          <a:p>
-            <a:r>
-              <a:rPr lang="en-US" dirty="0"/>
-              <a:t>Justify investment and potential impact of decision making</a:t>
-            </a:r>
-          </a:p>
-          <a:p>
-            <a:endParaRPr lang="en-US" dirty="0"/>
-          </a:p>
-          <a:p>
-            <a:r>
-              <a:rPr lang="en-US" dirty="0"/>
-              <a:t>Bringing up statistics that would motivate decision makers</a:t>
-            </a:r>
-          </a:p>
-          <a:p>
-            <a:endParaRPr lang="en-US" dirty="0"/>
-          </a:p>
-          <a:p>
-            <a:r>
-              <a:rPr lang="en-US" dirty="0"/>
-              <a:t>Outlining a high-level strategy a country could take</a:t>
-            </a:r>
-          </a:p>
-          <a:p>
-            <a:endParaRPr lang="en-US" dirty="0"/>
-          </a:p>
-          <a:p>
-            <a:r>
-              <a:rPr lang="en-US" dirty="0"/>
-              <a:t>Highlighting where policy makers could invest in additional research to better understand the problem</a:t>
-            </a:r>
-          </a:p>
-          <a:p>
-            <a:endParaRPr lang="en-US" dirty="0"/>
-          </a:p>
-          <a:p>
-            <a:endParaRPr lang="en-US" dirty="0"/>
-          </a:p>
-          <a:p>
-            <a:endParaRPr lang="en-US" dirty="0"/>
+          <p:cNvPr id="4" name="Title 3">
+            <a:extLst>
+              <a:ext uri="{FF2B5EF4-FFF2-40B4-BE49-F238E27FC236}">
+                <a16:creationId xmlns:a16="http://schemas.microsoft.com/office/drawing/2014/main" id="{B9E80BC2-4589-4F4D-8C68-24FFC67D1426}"/>
+              </a:ext>
+            </a:extLst>
+          </p:cNvPr>
+          <p:cNvSpPr>
+            <a:spLocks noGrp="1"/>
+          </p:cNvSpPr>
+          <p:nvPr>
+            <p:ph type="ctrTitle"/>
+          </p:nvPr>
+        </p:nvSpPr>
+        <p:spPr>
+          <a:xfrm>
+            <a:off x="416859" y="1122363"/>
+            <a:ext cx="10838329" cy="2387600"/>
+          </a:xfrm>
+        </p:spPr>
+        <p:txBody>
+          <a:bodyPr>
+            <a:normAutofit/>
+          </a:bodyPr>
+          <a:lstStyle/>
+          <a:p>
+            <a:pPr algn="l"/>
+            <a:r>
+              <a:rPr lang="en-US" sz="3600" dirty="0"/>
+              <a:t>Recommendations &amp; Decision Making Support for Policy Makers (Prescriptive)</a:t>
+            </a:r>
           </a:p>
         </p:txBody>
       </p:sp>
     </p:spTree>
     <p:extLst>
       <p:ext uri="{BB962C8B-B14F-4D97-AF65-F5344CB8AC3E}">
-        <p14:creationId xmlns:p14="http://schemas.microsoft.com/office/powerpoint/2010/main" val="19698530"/>
+        <p14:creationId xmlns:p14="http://schemas.microsoft.com/office/powerpoint/2010/main" val="3276250105"/>
       </p:ext>
     </p:extLst>
   </p:cSld>
@@ -7152,44 +7486,100 @@
       </p:grpSpPr>
       <p:sp>
         <p:nvSpPr>
-          <p:cNvPr id="4" name="Title 3">
-            <a:extLst>
-              <a:ext uri="{FF2B5EF4-FFF2-40B4-BE49-F238E27FC236}">
-                <a16:creationId xmlns:a16="http://schemas.microsoft.com/office/drawing/2014/main" id="{B9E80BC2-4589-4F4D-8C68-24FFC67D1426}"/>
-              </a:ext>
-            </a:extLst>
-          </p:cNvPr>
-          <p:cNvSpPr>
-            <a:spLocks noGrp="1"/>
-          </p:cNvSpPr>
-          <p:nvPr>
-            <p:ph type="ctrTitle"/>
-          </p:nvPr>
-        </p:nvSpPr>
-        <p:spPr>
-          <a:xfrm>
-            <a:off x="416859" y="1122363"/>
-            <a:ext cx="10838329" cy="2387600"/>
-          </a:xfrm>
-        </p:spPr>
-        <p:txBody>
-          <a:bodyPr>
-            <a:normAutofit/>
-          </a:bodyPr>
-          <a:lstStyle/>
-          <a:p>
-            <a:pPr algn="l"/>
-            <a:r>
-              <a:rPr lang="en-US" sz="3600" dirty="0"/>
-              <a:t>Supporting Future Researchers on This Topic</a:t>
-            </a:r>
+          <p:cNvPr id="2" name="Title 1">
+            <a:extLst>
+              <a:ext uri="{FF2B5EF4-FFF2-40B4-BE49-F238E27FC236}">
+                <a16:creationId xmlns:a16="http://schemas.microsoft.com/office/drawing/2014/main" id="{624DC2CB-8BD0-C849-B52E-0F91A40C741E}"/>
+              </a:ext>
+            </a:extLst>
+          </p:cNvPr>
+          <p:cNvSpPr>
+            <a:spLocks noGrp="1"/>
+          </p:cNvSpPr>
+          <p:nvPr>
+            <p:ph type="title"/>
+          </p:nvPr>
+        </p:nvSpPr>
+        <p:spPr/>
+        <p:txBody>
+          <a:bodyPr/>
+          <a:lstStyle/>
+          <a:p>
+            <a:r>
+              <a:rPr lang="en-US" dirty="0"/>
+              <a:t>What kind of Country Level Decision Making Support This Analysis Provides</a:t>
+            </a:r>
+          </a:p>
+        </p:txBody>
+      </p:sp>
+      <p:sp>
+        <p:nvSpPr>
+          <p:cNvPr id="3" name="Content Placeholder 2">
+            <a:extLst>
+              <a:ext uri="{FF2B5EF4-FFF2-40B4-BE49-F238E27FC236}">
+                <a16:creationId xmlns:a16="http://schemas.microsoft.com/office/drawing/2014/main" id="{399E939B-CD29-D445-B69B-5A724813DF0B}"/>
+              </a:ext>
+            </a:extLst>
+          </p:cNvPr>
+          <p:cNvSpPr>
+            <a:spLocks noGrp="1"/>
+          </p:cNvSpPr>
+          <p:nvPr>
+            <p:ph idx="1"/>
+          </p:nvPr>
+        </p:nvSpPr>
+        <p:spPr/>
+        <p:txBody>
+          <a:bodyPr/>
+          <a:lstStyle/>
+          <a:p>
+            <a:r>
+              <a:rPr lang="en-US" dirty="0"/>
+              <a:t>Justify investment and potential impact of decision making</a:t>
+            </a:r>
+          </a:p>
+          <a:p>
+            <a:endParaRPr lang="en-US" dirty="0"/>
+          </a:p>
+          <a:p>
+            <a:r>
+              <a:rPr lang="en-US" dirty="0"/>
+              <a:t>Bringing up statistics that would motivate decision makers</a:t>
+            </a:r>
+          </a:p>
+          <a:p>
+            <a:endParaRPr lang="en-US" dirty="0"/>
+          </a:p>
+          <a:p>
+            <a:r>
+              <a:rPr lang="en-US" dirty="0"/>
+              <a:t>Outlining a high-level strategy a country could take</a:t>
+            </a:r>
+          </a:p>
+          <a:p>
+            <a:endParaRPr lang="en-US" dirty="0"/>
+          </a:p>
+          <a:p>
+            <a:r>
+              <a:rPr lang="en-US" dirty="0"/>
+              <a:t>Highlighting where policy makers could invest in additional research to better understand the problem</a:t>
+            </a:r>
+          </a:p>
+          <a:p>
+            <a:endParaRPr lang="en-US" dirty="0"/>
+          </a:p>
+          <a:p>
+            <a:endParaRPr lang="en-US" dirty="0"/>
+          </a:p>
+          <a:p>
+            <a:endParaRPr lang="en-US" dirty="0"/>
           </a:p>
         </p:txBody>
       </p:sp>
     </p:spTree>
     <p:extLst>
       <p:ext uri="{BB962C8B-B14F-4D97-AF65-F5344CB8AC3E}">
-        <p14:creationId xmlns:p14="http://schemas.microsoft.com/office/powerpoint/2010/main" val="2993728044"/>
+        <p14:creationId xmlns:p14="http://schemas.microsoft.com/office/powerpoint/2010/main" val="19698530"/>
       </p:ext>
     </p:extLst>
   </p:cSld>
@@ -7247,7 +7637,7 @@
             <a:pPr algn="l"/>
             <a:r>
               <a:rPr lang="en-US" sz="3600" dirty="0"/>
-              <a:t>Conclusions &amp; Appendix</a:t>
+              <a:t>Supporting Future Researchers on This Topic</a:t>
             </a:r>
           </a:p>
         </p:txBody>
@@ -7255,7 +7645,7 @@
     </p:spTree>
     <p:extLst>
       <p:ext uri="{BB962C8B-B14F-4D97-AF65-F5344CB8AC3E}">
-        <p14:creationId xmlns:p14="http://schemas.microsoft.com/office/powerpoint/2010/main" val="1047738926"/>
+        <p14:creationId xmlns:p14="http://schemas.microsoft.com/office/powerpoint/2010/main" val="2993728044"/>
       </p:ext>
     </p:extLst>
   </p:cSld>
@@ -7284,6 +7674,184 @@
       </p:grpSpPr>
       <p:sp>
         <p:nvSpPr>
+          <p:cNvPr id="4" name="Title 3">
+            <a:extLst>
+              <a:ext uri="{FF2B5EF4-FFF2-40B4-BE49-F238E27FC236}">
+                <a16:creationId xmlns:a16="http://schemas.microsoft.com/office/drawing/2014/main" id="{B9E80BC2-4589-4F4D-8C68-24FFC67D1426}"/>
+              </a:ext>
+            </a:extLst>
+          </p:cNvPr>
+          <p:cNvSpPr>
+            <a:spLocks noGrp="1"/>
+          </p:cNvSpPr>
+          <p:nvPr>
+            <p:ph type="ctrTitle"/>
+          </p:nvPr>
+        </p:nvSpPr>
+        <p:spPr>
+          <a:xfrm>
+            <a:off x="416859" y="1122363"/>
+            <a:ext cx="10838329" cy="2387600"/>
+          </a:xfrm>
+        </p:spPr>
+        <p:txBody>
+          <a:bodyPr>
+            <a:normAutofit/>
+          </a:bodyPr>
+          <a:lstStyle/>
+          <a:p>
+            <a:pPr algn="l"/>
+            <a:r>
+              <a:rPr lang="en-US" sz="3600" dirty="0"/>
+              <a:t>Conclusions &amp; Appendix</a:t>
+            </a:r>
+          </a:p>
+        </p:txBody>
+      </p:sp>
+    </p:spTree>
+    <p:extLst>
+      <p:ext uri="{BB962C8B-B14F-4D97-AF65-F5344CB8AC3E}">
+        <p14:creationId xmlns:p14="http://schemas.microsoft.com/office/powerpoint/2010/main" val="1047738926"/>
+      </p:ext>
+    </p:extLst>
+  </p:cSld>
+  <p:clrMapOvr>
+    <a:masterClrMapping/>
+  </p:clrMapOvr>
+</p:sld>
+</file>
+
+<file path=ppt/slides/slide3.xml><?xml version="1.0" encoding="utf-8"?>
+<p:sld xmlns:a="http://schemas.openxmlformats.org/drawingml/2006/main" xmlns:r="http://schemas.openxmlformats.org/officeDocument/2006/relationships" xmlns:p="http://schemas.openxmlformats.org/presentationml/2006/main">
+  <p:cSld>
+    <p:spTree>
+      <p:nvGrpSpPr>
+        <p:cNvPr id="1" name=""/>
+        <p:cNvGrpSpPr/>
+        <p:nvPr/>
+      </p:nvGrpSpPr>
+      <p:grpSpPr>
+        <a:xfrm>
+          <a:off x="0" y="0"/>
+          <a:ext cx="0" cy="0"/>
+          <a:chOff x="0" y="0"/>
+          <a:chExt cx="0" cy="0"/>
+        </a:xfrm>
+      </p:grpSpPr>
+      <p:sp>
+        <p:nvSpPr>
+          <p:cNvPr id="2" name="Title 1">
+            <a:extLst>
+              <a:ext uri="{FF2B5EF4-FFF2-40B4-BE49-F238E27FC236}">
+                <a16:creationId xmlns:a16="http://schemas.microsoft.com/office/drawing/2014/main" id="{C5E747E3-1B5F-D14C-BFD1-F80CCB693482}"/>
+              </a:ext>
+            </a:extLst>
+          </p:cNvPr>
+          <p:cNvSpPr>
+            <a:spLocks noGrp="1"/>
+          </p:cNvSpPr>
+          <p:nvPr>
+            <p:ph type="title"/>
+          </p:nvPr>
+        </p:nvSpPr>
+        <p:spPr/>
+        <p:txBody>
+          <a:bodyPr/>
+          <a:lstStyle/>
+          <a:p>
+            <a:r>
+              <a:rPr lang="en-US" dirty="0"/>
+              <a:t>Research Motivation – Why We Chose This Topic</a:t>
+            </a:r>
+          </a:p>
+        </p:txBody>
+      </p:sp>
+      <p:sp>
+        <p:nvSpPr>
+          <p:cNvPr id="3" name="Content Placeholder 2">
+            <a:extLst>
+              <a:ext uri="{FF2B5EF4-FFF2-40B4-BE49-F238E27FC236}">
+                <a16:creationId xmlns:a16="http://schemas.microsoft.com/office/drawing/2014/main" id="{41D4C6AE-E0B9-C04E-90F8-A885949ABDCF}"/>
+              </a:ext>
+            </a:extLst>
+          </p:cNvPr>
+          <p:cNvSpPr>
+            <a:spLocks noGrp="1"/>
+          </p:cNvSpPr>
+          <p:nvPr>
+            <p:ph idx="1"/>
+          </p:nvPr>
+        </p:nvSpPr>
+        <p:spPr/>
+        <p:txBody>
+          <a:bodyPr>
+            <a:normAutofit/>
+          </a:bodyPr>
+          <a:lstStyle/>
+          <a:p>
+            <a:r>
+              <a:rPr lang="en-US" dirty="0"/>
+              <a:t>Suicide is a national problem, deaths are tragic, also preventable</a:t>
+            </a:r>
+          </a:p>
+          <a:p>
+            <a:endParaRPr lang="en-US" dirty="0"/>
+          </a:p>
+          <a:p>
+            <a:r>
+              <a:rPr lang="en-US" dirty="0"/>
+              <a:t>The possibility of prevention and the scale of the problem highlight the need for policy makers, at the national level, to understand the factors that contribute to suicide not only in their respective countries but also in neighboring countries</a:t>
+            </a:r>
+          </a:p>
+          <a:p>
+            <a:endParaRPr lang="en-US" dirty="0"/>
+          </a:p>
+          <a:p>
+            <a:r>
+              <a:rPr lang="en-US" dirty="0"/>
+              <a:t>Quick Overview of Data Sources (no need to spend a lot of time here)</a:t>
+            </a:r>
+          </a:p>
+          <a:p>
+            <a:endParaRPr lang="en-US" dirty="0"/>
+          </a:p>
+          <a:p>
+            <a:endParaRPr lang="en-US" dirty="0"/>
+          </a:p>
+        </p:txBody>
+      </p:sp>
+    </p:spTree>
+    <p:extLst>
+      <p:ext uri="{BB962C8B-B14F-4D97-AF65-F5344CB8AC3E}">
+        <p14:creationId xmlns:p14="http://schemas.microsoft.com/office/powerpoint/2010/main" val="189507073"/>
+      </p:ext>
+    </p:extLst>
+  </p:cSld>
+  <p:clrMapOvr>
+    <a:masterClrMapping/>
+  </p:clrMapOvr>
+</p:sld>
+</file>
+
+<file path=ppt/slides/slide30.xml><?xml version="1.0" encoding="utf-8"?>
+<p:sld xmlns:a="http://schemas.openxmlformats.org/drawingml/2006/main" xmlns:r="http://schemas.openxmlformats.org/officeDocument/2006/relationships" xmlns:p="http://schemas.openxmlformats.org/presentationml/2006/main">
+  <p:cSld>
+    <p:spTree>
+      <p:nvGrpSpPr>
+        <p:cNvPr id="1" name=""/>
+        <p:cNvGrpSpPr/>
+        <p:nvPr/>
+      </p:nvGrpSpPr>
+      <p:grpSpPr>
+        <a:xfrm>
+          <a:off x="0" y="0"/>
+          <a:ext cx="0" cy="0"/>
+          <a:chOff x="0" y="0"/>
+          <a:chExt cx="0" cy="0"/>
+        </a:xfrm>
+      </p:grpSpPr>
+      <p:sp>
+        <p:nvSpPr>
           <p:cNvPr id="2" name="Title 1">
             <a:extLst>
               <a:ext uri="{FF2B5EF4-FFF2-40B4-BE49-F238E27FC236}">
@@ -7326,8 +7894,8 @@
           </a:p>
         </p:txBody>
       </p:sp>
-      <mc:AlternateContent xmlns:mc="http://schemas.openxmlformats.org/markup-compatibility/2006">
-        <mc:Choice xmlns:a14="http://schemas.microsoft.com/office/drawing/2010/main" Requires="a14">
+      <mc:AlternateContent xmlns:mc="http://schemas.openxmlformats.org/markup-compatibility/2006" xmlns:a14="http://schemas.microsoft.com/office/drawing/2010/main">
+        <mc:Choice Requires="a14">
           <p:sp>
             <p:nvSpPr>
               <p:cNvPr id="3" name="Content Placeholder 2">
@@ -7597,7 +8165,7 @@
             </p:txBody>
           </p:sp>
         </mc:Choice>
-        <mc:Fallback>
+        <mc:Fallback xmlns="">
           <p:sp>
             <p:nvSpPr>
               <p:cNvPr id="3" name="Content Placeholder 2">
@@ -7728,7 +8296,7 @@
 </p:sld>
 </file>
 
-<file path=ppt/slides/slide3.xml><?xml version="1.0" encoding="utf-8"?>
+<file path=ppt/slides/slide31.xml><?xml version="1.0" encoding="utf-8"?>
 <p:sld xmlns:a="http://schemas.openxmlformats.org/drawingml/2006/main" xmlns:r="http://schemas.openxmlformats.org/officeDocument/2006/relationships" xmlns:p="http://schemas.openxmlformats.org/presentationml/2006/main">
   <p:cSld>
     <p:spTree>
@@ -7750,118 +8318,6 @@
           <p:cNvPr id="2" name="Title 1">
             <a:extLst>
               <a:ext uri="{FF2B5EF4-FFF2-40B4-BE49-F238E27FC236}">
-                <a16:creationId xmlns:a16="http://schemas.microsoft.com/office/drawing/2014/main" id="{C5E747E3-1B5F-D14C-BFD1-F80CCB693482}"/>
-              </a:ext>
-            </a:extLst>
-          </p:cNvPr>
-          <p:cNvSpPr>
-            <a:spLocks noGrp="1"/>
-          </p:cNvSpPr>
-          <p:nvPr>
-            <p:ph type="title"/>
-          </p:nvPr>
-        </p:nvSpPr>
-        <p:spPr/>
-        <p:txBody>
-          <a:bodyPr/>
-          <a:lstStyle/>
-          <a:p>
-            <a:r>
-              <a:rPr lang="en-US" dirty="0"/>
-              <a:t>Research Motivation – Why We Chose This Topic</a:t>
-            </a:r>
-          </a:p>
-        </p:txBody>
-      </p:sp>
-      <p:sp>
-        <p:nvSpPr>
-          <p:cNvPr id="3" name="Content Placeholder 2">
-            <a:extLst>
-              <a:ext uri="{FF2B5EF4-FFF2-40B4-BE49-F238E27FC236}">
-                <a16:creationId xmlns:a16="http://schemas.microsoft.com/office/drawing/2014/main" id="{41D4C6AE-E0B9-C04E-90F8-A885949ABDCF}"/>
-              </a:ext>
-            </a:extLst>
-          </p:cNvPr>
-          <p:cNvSpPr>
-            <a:spLocks noGrp="1"/>
-          </p:cNvSpPr>
-          <p:nvPr>
-            <p:ph idx="1"/>
-          </p:nvPr>
-        </p:nvSpPr>
-        <p:spPr/>
-        <p:txBody>
-          <a:bodyPr>
-            <a:normAutofit/>
-          </a:bodyPr>
-          <a:lstStyle/>
-          <a:p>
-            <a:r>
-              <a:rPr lang="en-US" dirty="0"/>
-              <a:t>Suicide is a national problem, deaths are tragic, also preventable</a:t>
-            </a:r>
-          </a:p>
-          <a:p>
-            <a:endParaRPr lang="en-US" dirty="0"/>
-          </a:p>
-          <a:p>
-            <a:r>
-              <a:rPr lang="en-US" dirty="0"/>
-              <a:t>The possibility of prevention and the scale of the problem highlight the need for policy makers, at the national level, to understand the factors that contribute to suicide not only in their respective countries but also in neighboring countries</a:t>
-            </a:r>
-          </a:p>
-          <a:p>
-            <a:endParaRPr lang="en-US" dirty="0"/>
-          </a:p>
-          <a:p>
-            <a:r>
-              <a:rPr lang="en-US" dirty="0"/>
-              <a:t>Quick Overview of Data Sources (no need to spend a lot of time here)</a:t>
-            </a:r>
-          </a:p>
-          <a:p>
-            <a:endParaRPr lang="en-US" dirty="0"/>
-          </a:p>
-          <a:p>
-            <a:endParaRPr lang="en-US" dirty="0"/>
-          </a:p>
-        </p:txBody>
-      </p:sp>
-    </p:spTree>
-    <p:extLst>
-      <p:ext uri="{BB962C8B-B14F-4D97-AF65-F5344CB8AC3E}">
-        <p14:creationId xmlns:p14="http://schemas.microsoft.com/office/powerpoint/2010/main" val="189507073"/>
-      </p:ext>
-    </p:extLst>
-  </p:cSld>
-  <p:clrMapOvr>
-    <a:masterClrMapping/>
-  </p:clrMapOvr>
-</p:sld>
-</file>
-
-<file path=ppt/slides/slide30.xml><?xml version="1.0" encoding="utf-8"?>
-<p:sld xmlns:a="http://schemas.openxmlformats.org/drawingml/2006/main" xmlns:r="http://schemas.openxmlformats.org/officeDocument/2006/relationships" xmlns:p="http://schemas.openxmlformats.org/presentationml/2006/main">
-  <p:cSld>
-    <p:spTree>
-      <p:nvGrpSpPr>
-        <p:cNvPr id="1" name=""/>
-        <p:cNvGrpSpPr/>
-        <p:nvPr/>
-      </p:nvGrpSpPr>
-      <p:grpSpPr>
-        <a:xfrm>
-          <a:off x="0" y="0"/>
-          <a:ext cx="0" cy="0"/>
-          <a:chOff x="0" y="0"/>
-          <a:chExt cx="0" cy="0"/>
-        </a:xfrm>
-      </p:grpSpPr>
-      <p:sp>
-        <p:nvSpPr>
-          <p:cNvPr id="2" name="Title 1">
-            <a:extLst>
-              <a:ext uri="{FF2B5EF4-FFF2-40B4-BE49-F238E27FC236}">
                 <a16:creationId xmlns:a16="http://schemas.microsoft.com/office/drawing/2014/main" id="{12AD50CE-1696-4F8F-9805-1D32740E91D0}"/>
               </a:ext>
             </a:extLst>
@@ -7885,8 +8341,8 @@
           </a:p>
         </p:txBody>
       </p:sp>
-      <mc:AlternateContent xmlns:mc="http://schemas.openxmlformats.org/markup-compatibility/2006">
-        <mc:Choice xmlns:a14="http://schemas.microsoft.com/office/drawing/2010/main" Requires="a14">
+      <mc:AlternateContent xmlns:mc="http://schemas.openxmlformats.org/markup-compatibility/2006" xmlns:a14="http://schemas.microsoft.com/office/drawing/2010/main">
+        <mc:Choice Requires="a14">
           <p:sp>
             <p:nvSpPr>
               <p:cNvPr id="3" name="Content Placeholder 2">
@@ -8197,7 +8653,7 @@
             </p:txBody>
           </p:sp>
         </mc:Choice>
-        <mc:Fallback>
+        <mc:Fallback xmlns="">
           <p:sp>
             <p:nvSpPr>
               <p:cNvPr id="3" name="Content Placeholder 2">
@@ -8415,7 +8871,7 @@
 </p:sld>
 </file>
 
-<file path=ppt/slides/slide31.xml><?xml version="1.0" encoding="utf-8"?>
+<file path=ppt/slides/slide32.xml><?xml version="1.0" encoding="utf-8"?>
 <p:sld xmlns:a="http://schemas.openxmlformats.org/drawingml/2006/main" xmlns:r="http://schemas.openxmlformats.org/officeDocument/2006/relationships" xmlns:p="http://schemas.openxmlformats.org/presentationml/2006/main">
   <p:cSld>
     <p:spTree>
@@ -8570,7 +9026,7 @@
 </p:sld>
 </file>
 
-<file path=ppt/slides/slide32.xml><?xml version="1.0" encoding="utf-8"?>
+<file path=ppt/slides/slide33.xml><?xml version="1.0" encoding="utf-8"?>
 <p:sld xmlns:a="http://schemas.openxmlformats.org/drawingml/2006/main" xmlns:r="http://schemas.openxmlformats.org/officeDocument/2006/relationships" xmlns:p="http://schemas.openxmlformats.org/presentationml/2006/main">
   <p:cSld>
     <p:spTree>
@@ -8693,217 +9149,6 @@
 </p:sld>
 </file>
 
-<file path=ppt/slides/slide33.xml><?xml version="1.0" encoding="utf-8"?>
-<p:sld xmlns:a="http://schemas.openxmlformats.org/drawingml/2006/main" xmlns:r="http://schemas.openxmlformats.org/officeDocument/2006/relationships" xmlns:p="http://schemas.openxmlformats.org/presentationml/2006/main">
-  <p:cSld>
-    <p:spTree>
-      <p:nvGrpSpPr>
-        <p:cNvPr id="1" name=""/>
-        <p:cNvGrpSpPr/>
-        <p:nvPr/>
-      </p:nvGrpSpPr>
-      <p:grpSpPr>
-        <a:xfrm>
-          <a:off x="0" y="0"/>
-          <a:ext cx="0" cy="0"/>
-          <a:chOff x="0" y="0"/>
-          <a:chExt cx="0" cy="0"/>
-        </a:xfrm>
-      </p:grpSpPr>
-      <p:sp>
-        <p:nvSpPr>
-          <p:cNvPr id="2" name="Title 1">
-            <a:extLst>
-              <a:ext uri="{FF2B5EF4-FFF2-40B4-BE49-F238E27FC236}">
-                <a16:creationId xmlns:a16="http://schemas.microsoft.com/office/drawing/2014/main" id="{970F0530-F960-44B4-B6A6-9665E584336A}"/>
-              </a:ext>
-            </a:extLst>
-          </p:cNvPr>
-          <p:cNvSpPr>
-            <a:spLocks noGrp="1"/>
-          </p:cNvSpPr>
-          <p:nvPr>
-            <p:ph type="title"/>
-          </p:nvPr>
-        </p:nvSpPr>
-        <p:spPr/>
-        <p:txBody>
-          <a:bodyPr/>
-          <a:lstStyle/>
-          <a:p>
-            <a:r>
-              <a:rPr lang="en-US" dirty="0"/>
-              <a:t>Model Development – Remove Outliers</a:t>
-            </a:r>
-          </a:p>
-        </p:txBody>
-      </p:sp>
-      <p:sp>
-        <p:nvSpPr>
-          <p:cNvPr id="3" name="Content Placeholder 2">
-            <a:extLst>
-              <a:ext uri="{FF2B5EF4-FFF2-40B4-BE49-F238E27FC236}">
-                <a16:creationId xmlns:a16="http://schemas.microsoft.com/office/drawing/2014/main" id="{DFC3F2D1-924B-437D-BE9B-9C332EBCF026}"/>
-              </a:ext>
-            </a:extLst>
-          </p:cNvPr>
-          <p:cNvSpPr>
-            <a:spLocks noGrp="1"/>
-          </p:cNvSpPr>
-          <p:nvPr>
-            <p:ph idx="1"/>
-          </p:nvPr>
-        </p:nvSpPr>
-        <p:spPr>
-          <a:xfrm>
-            <a:off x="750013" y="1561672"/>
-            <a:ext cx="10798140" cy="5296327"/>
-          </a:xfrm>
-        </p:spPr>
-        <p:txBody>
-          <a:bodyPr>
-            <a:normAutofit fontScale="62500" lnSpcReduction="20000"/>
-          </a:bodyPr>
-          <a:lstStyle/>
-          <a:p>
-            <a:r>
-              <a:rPr lang="en-US" dirty="0"/>
-              <a:t>Points 12, 65, 79, and 88 also had country specific reasons for being removed from the data set </a:t>
-            </a:r>
-          </a:p>
-          <a:p>
-            <a:endParaRPr lang="en-US" dirty="0"/>
-          </a:p>
-          <a:p>
-            <a:r>
-              <a:rPr lang="en-US" dirty="0"/>
-              <a:t>12 – Barbados:</a:t>
-            </a:r>
-          </a:p>
-          <a:p>
-            <a:pPr lvl="1"/>
-            <a:r>
-              <a:rPr lang="en-US" dirty="0"/>
-              <a:t> Caribbean's leading tourism island, transitioned from agricultural to service based economy very successfully </a:t>
-            </a:r>
-          </a:p>
-          <a:p>
-            <a:pPr lvl="1"/>
-            <a:r>
-              <a:rPr lang="en-US" dirty="0"/>
-              <a:t> “very high human development‟ status in terms of the UNDP’s human development index</a:t>
-            </a:r>
-          </a:p>
-          <a:p>
-            <a:pPr lvl="1"/>
-            <a:r>
-              <a:rPr lang="en-US" dirty="0"/>
-              <a:t>Extremely low suicide rate</a:t>
-            </a:r>
-          </a:p>
-          <a:p>
-            <a:r>
-              <a:rPr lang="en-US" dirty="0"/>
-              <a:t>65 – Guyana: </a:t>
-            </a:r>
-          </a:p>
-          <a:p>
-            <a:pPr lvl="1"/>
-            <a:r>
-              <a:rPr lang="en-US" dirty="0"/>
-              <a:t>Extremely poor island country largely made up of agricultural villages.</a:t>
-            </a:r>
-          </a:p>
-          <a:p>
-            <a:pPr lvl="1"/>
-            <a:r>
-              <a:rPr lang="en-US" dirty="0"/>
-              <a:t>Very high alcohol and suicide statistics</a:t>
-            </a:r>
-          </a:p>
-          <a:p>
-            <a:pPr lvl="1"/>
-            <a:r>
-              <a:rPr lang="en-US" dirty="0"/>
-              <a:t>Ministry of health identified poverty, pervasive stigma about mental illness, access to lethal chemicals, alcohol misuse, interpersonal violence, family dysfunction and insufficient mental health resources as key factors causing one of the highest suicide rates in the world.</a:t>
-            </a:r>
-          </a:p>
-          <a:p>
-            <a:r>
-              <a:rPr lang="en-US" dirty="0"/>
-              <a:t>79 – Japan:</a:t>
-            </a:r>
-          </a:p>
-          <a:p>
-            <a:pPr lvl="1"/>
-            <a:r>
-              <a:rPr lang="en-US" dirty="0"/>
-              <a:t>Notoriously overworked and over stressed population, although the country is very wealthy</a:t>
-            </a:r>
-          </a:p>
-          <a:p>
-            <a:pPr lvl="1"/>
-            <a:r>
-              <a:rPr lang="en-US" dirty="0"/>
-              <a:t>Long cultural history of considering certain types of suicides honorable, relatively high cultural tolerance for suicide</a:t>
-            </a:r>
-          </a:p>
-          <a:p>
-            <a:pPr lvl="1"/>
-            <a:r>
-              <a:rPr lang="en-US" dirty="0"/>
-              <a:t>Very high suicide rate when compared to other rich nations</a:t>
-            </a:r>
-          </a:p>
-          <a:p>
-            <a:r>
-              <a:rPr lang="en-US" dirty="0"/>
-              <a:t>88 – Lesotho:</a:t>
-            </a:r>
-          </a:p>
-          <a:p>
-            <a:pPr lvl="1"/>
-            <a:r>
-              <a:rPr lang="en-US" dirty="0"/>
-              <a:t>Small, landlocked, mountainous country in Africa</a:t>
-            </a:r>
-          </a:p>
-          <a:p>
-            <a:pPr lvl="1"/>
-            <a:r>
-              <a:rPr lang="en-US" dirty="0"/>
-              <a:t>Highest suicide rate in Africa</a:t>
-            </a:r>
-          </a:p>
-          <a:p>
-            <a:pPr lvl="1"/>
-            <a:r>
-              <a:rPr lang="en-US" dirty="0"/>
-              <a:t>High levels of child labor</a:t>
-            </a:r>
-          </a:p>
-          <a:p>
-            <a:pPr lvl="1"/>
-            <a:r>
-              <a:rPr lang="en-US" dirty="0"/>
-              <a:t>Very poor general health outcomes, ex. second highest instances of tuberculosis and HIV/AIDS in the world </a:t>
-            </a:r>
-          </a:p>
-        </p:txBody>
-      </p:sp>
-    </p:spTree>
-    <p:extLst>
-      <p:ext uri="{BB962C8B-B14F-4D97-AF65-F5344CB8AC3E}">
-        <p14:creationId xmlns:p14="http://schemas.microsoft.com/office/powerpoint/2010/main" val="2563061270"/>
-      </p:ext>
-    </p:extLst>
-  </p:cSld>
-  <p:clrMapOvr>
-    <a:masterClrMapping/>
-  </p:clrMapOvr>
-</p:sld>
-</file>
-
 <file path=ppt/slides/slide34.xml><?xml version="1.0" encoding="utf-8"?>
 <p:sld xmlns:a="http://schemas.openxmlformats.org/drawingml/2006/main" xmlns:r="http://schemas.openxmlformats.org/officeDocument/2006/relationships" xmlns:p="http://schemas.openxmlformats.org/presentationml/2006/main">
   <p:cSld>
@@ -8926,6 +9171,217 @@
           <p:cNvPr id="2" name="Title 1">
             <a:extLst>
               <a:ext uri="{FF2B5EF4-FFF2-40B4-BE49-F238E27FC236}">
+                <a16:creationId xmlns:a16="http://schemas.microsoft.com/office/drawing/2014/main" id="{970F0530-F960-44B4-B6A6-9665E584336A}"/>
+              </a:ext>
+            </a:extLst>
+          </p:cNvPr>
+          <p:cNvSpPr>
+            <a:spLocks noGrp="1"/>
+          </p:cNvSpPr>
+          <p:nvPr>
+            <p:ph type="title"/>
+          </p:nvPr>
+        </p:nvSpPr>
+        <p:spPr/>
+        <p:txBody>
+          <a:bodyPr/>
+          <a:lstStyle/>
+          <a:p>
+            <a:r>
+              <a:rPr lang="en-US" dirty="0"/>
+              <a:t>Model Development – Remove Outliers</a:t>
+            </a:r>
+          </a:p>
+        </p:txBody>
+      </p:sp>
+      <p:sp>
+        <p:nvSpPr>
+          <p:cNvPr id="3" name="Content Placeholder 2">
+            <a:extLst>
+              <a:ext uri="{FF2B5EF4-FFF2-40B4-BE49-F238E27FC236}">
+                <a16:creationId xmlns:a16="http://schemas.microsoft.com/office/drawing/2014/main" id="{DFC3F2D1-924B-437D-BE9B-9C332EBCF026}"/>
+              </a:ext>
+            </a:extLst>
+          </p:cNvPr>
+          <p:cNvSpPr>
+            <a:spLocks noGrp="1"/>
+          </p:cNvSpPr>
+          <p:nvPr>
+            <p:ph idx="1"/>
+          </p:nvPr>
+        </p:nvSpPr>
+        <p:spPr>
+          <a:xfrm>
+            <a:off x="750013" y="1561672"/>
+            <a:ext cx="10798140" cy="5296327"/>
+          </a:xfrm>
+        </p:spPr>
+        <p:txBody>
+          <a:bodyPr>
+            <a:normAutofit fontScale="62500" lnSpcReduction="20000"/>
+          </a:bodyPr>
+          <a:lstStyle/>
+          <a:p>
+            <a:r>
+              <a:rPr lang="en-US" dirty="0"/>
+              <a:t>Points 12, 65, 79, and 88 also had country specific reasons for being removed from the data set </a:t>
+            </a:r>
+          </a:p>
+          <a:p>
+            <a:endParaRPr lang="en-US" dirty="0"/>
+          </a:p>
+          <a:p>
+            <a:r>
+              <a:rPr lang="en-US" dirty="0"/>
+              <a:t>12 – Barbados:</a:t>
+            </a:r>
+          </a:p>
+          <a:p>
+            <a:pPr lvl="1"/>
+            <a:r>
+              <a:rPr lang="en-US" dirty="0"/>
+              <a:t> Caribbean's leading tourism island, transitioned from agricultural to service based economy very successfully </a:t>
+            </a:r>
+          </a:p>
+          <a:p>
+            <a:pPr lvl="1"/>
+            <a:r>
+              <a:rPr lang="en-US" dirty="0"/>
+              <a:t> “very high human development‟ status in terms of the UNDP’s human development index</a:t>
+            </a:r>
+          </a:p>
+          <a:p>
+            <a:pPr lvl="1"/>
+            <a:r>
+              <a:rPr lang="en-US" dirty="0"/>
+              <a:t>Extremely low suicide rate</a:t>
+            </a:r>
+          </a:p>
+          <a:p>
+            <a:r>
+              <a:rPr lang="en-US" dirty="0"/>
+              <a:t>65 – Guyana: </a:t>
+            </a:r>
+          </a:p>
+          <a:p>
+            <a:pPr lvl="1"/>
+            <a:r>
+              <a:rPr lang="en-US" dirty="0"/>
+              <a:t>Extremely poor island country largely made up of agricultural villages.</a:t>
+            </a:r>
+          </a:p>
+          <a:p>
+            <a:pPr lvl="1"/>
+            <a:r>
+              <a:rPr lang="en-US" dirty="0"/>
+              <a:t>Very high alcohol and suicide statistics</a:t>
+            </a:r>
+          </a:p>
+          <a:p>
+            <a:pPr lvl="1"/>
+            <a:r>
+              <a:rPr lang="en-US" dirty="0"/>
+              <a:t>Ministry of health identified poverty, pervasive stigma about mental illness, access to lethal chemicals, alcohol misuse, interpersonal violence, family dysfunction and insufficient mental health resources as key factors causing one of the highest suicide rates in the world.</a:t>
+            </a:r>
+          </a:p>
+          <a:p>
+            <a:r>
+              <a:rPr lang="en-US" dirty="0"/>
+              <a:t>79 – Japan:</a:t>
+            </a:r>
+          </a:p>
+          <a:p>
+            <a:pPr lvl="1"/>
+            <a:r>
+              <a:rPr lang="en-US" dirty="0"/>
+              <a:t>Notoriously overworked and over stressed population, although the country is very wealthy</a:t>
+            </a:r>
+          </a:p>
+          <a:p>
+            <a:pPr lvl="1"/>
+            <a:r>
+              <a:rPr lang="en-US" dirty="0"/>
+              <a:t>Long cultural history of considering certain types of suicides honorable, relatively high cultural tolerance for suicide</a:t>
+            </a:r>
+          </a:p>
+          <a:p>
+            <a:pPr lvl="1"/>
+            <a:r>
+              <a:rPr lang="en-US" dirty="0"/>
+              <a:t>Very high suicide rate when compared to other rich nations</a:t>
+            </a:r>
+          </a:p>
+          <a:p>
+            <a:r>
+              <a:rPr lang="en-US" dirty="0"/>
+              <a:t>88 – Lesotho:</a:t>
+            </a:r>
+          </a:p>
+          <a:p>
+            <a:pPr lvl="1"/>
+            <a:r>
+              <a:rPr lang="en-US" dirty="0"/>
+              <a:t>Small, landlocked, mountainous country in Africa</a:t>
+            </a:r>
+          </a:p>
+          <a:p>
+            <a:pPr lvl="1"/>
+            <a:r>
+              <a:rPr lang="en-US" dirty="0"/>
+              <a:t>Highest suicide rate in Africa</a:t>
+            </a:r>
+          </a:p>
+          <a:p>
+            <a:pPr lvl="1"/>
+            <a:r>
+              <a:rPr lang="en-US" dirty="0"/>
+              <a:t>High levels of child labor</a:t>
+            </a:r>
+          </a:p>
+          <a:p>
+            <a:pPr lvl="1"/>
+            <a:r>
+              <a:rPr lang="en-US" dirty="0"/>
+              <a:t>Very poor general health outcomes, ex. second highest instances of tuberculosis and HIV/AIDS in the world </a:t>
+            </a:r>
+          </a:p>
+        </p:txBody>
+      </p:sp>
+    </p:spTree>
+    <p:extLst>
+      <p:ext uri="{BB962C8B-B14F-4D97-AF65-F5344CB8AC3E}">
+        <p14:creationId xmlns:p14="http://schemas.microsoft.com/office/powerpoint/2010/main" val="2563061270"/>
+      </p:ext>
+    </p:extLst>
+  </p:cSld>
+  <p:clrMapOvr>
+    <a:masterClrMapping/>
+  </p:clrMapOvr>
+</p:sld>
+</file>
+
+<file path=ppt/slides/slide35.xml><?xml version="1.0" encoding="utf-8"?>
+<p:sld xmlns:a="http://schemas.openxmlformats.org/drawingml/2006/main" xmlns:r="http://schemas.openxmlformats.org/officeDocument/2006/relationships" xmlns:p="http://schemas.openxmlformats.org/presentationml/2006/main">
+  <p:cSld>
+    <p:spTree>
+      <p:nvGrpSpPr>
+        <p:cNvPr id="1" name=""/>
+        <p:cNvGrpSpPr/>
+        <p:nvPr/>
+      </p:nvGrpSpPr>
+      <p:grpSpPr>
+        <a:xfrm>
+          <a:off x="0" y="0"/>
+          <a:ext cx="0" cy="0"/>
+          <a:chOff x="0" y="0"/>
+          <a:chExt cx="0" cy="0"/>
+        </a:xfrm>
+      </p:grpSpPr>
+      <p:sp>
+        <p:nvSpPr>
+          <p:cNvPr id="2" name="Title 1">
+            <a:extLst>
+              <a:ext uri="{FF2B5EF4-FFF2-40B4-BE49-F238E27FC236}">
                 <a16:creationId xmlns:a16="http://schemas.microsoft.com/office/drawing/2014/main" id="{12AD50CE-1696-4F8F-9805-1D32740E91D0}"/>
               </a:ext>
             </a:extLst>
@@ -9054,8 +9510,8 @@
           </a:p>
         </p:txBody>
       </p:sp>
-      <mc:AlternateContent xmlns:mc="http://schemas.openxmlformats.org/markup-compatibility/2006">
-        <mc:Choice xmlns:a14="http://schemas.microsoft.com/office/drawing/2010/main" Requires="a14">
+      <mc:AlternateContent xmlns:mc="http://schemas.openxmlformats.org/markup-compatibility/2006" xmlns:a14="http://schemas.microsoft.com/office/drawing/2010/main">
+        <mc:Choice Requires="a14">
           <p:sp>
             <p:nvSpPr>
               <p:cNvPr id="7" name="Content Placeholder 2">
@@ -9443,7 +9899,7 @@
             </p:txBody>
           </p:sp>
         </mc:Choice>
-        <mc:Fallback>
+        <mc:Fallback xmlns="">
           <p:sp>
             <p:nvSpPr>
               <p:cNvPr id="7" name="Content Placeholder 2">
@@ -9488,6 +9944,62 @@
           </p:sp>
         </mc:Fallback>
       </mc:AlternateContent>
+      <p:sp>
+        <p:nvSpPr>
+          <p:cNvPr id="5" name="Rectangle 4">
+            <a:extLst>
+              <a:ext uri="{FF2B5EF4-FFF2-40B4-BE49-F238E27FC236}">
+                <a16:creationId xmlns:a16="http://schemas.microsoft.com/office/drawing/2014/main" id="{313DD98F-E13F-4181-8C3E-E29D89B916A4}"/>
+              </a:ext>
+            </a:extLst>
+          </p:cNvPr>
+          <p:cNvSpPr/>
+          <p:nvPr/>
+        </p:nvSpPr>
+        <p:spPr>
+          <a:xfrm rot="1919411">
+            <a:off x="5688047" y="1568560"/>
+            <a:ext cx="5367131" cy="2874312"/>
+          </a:xfrm>
+          <a:prstGeom prst="rect">
+            <a:avLst/>
+          </a:prstGeom>
+          <a:solidFill>
+            <a:srgbClr val="FF0000"/>
+          </a:solidFill>
+        </p:spPr>
+        <p:style>
+          <a:lnRef idx="2">
+            <a:schemeClr val="accent2">
+              <a:shade val="50000"/>
+            </a:schemeClr>
+          </a:lnRef>
+          <a:fillRef idx="1">
+            <a:schemeClr val="accent2"/>
+          </a:fillRef>
+          <a:effectRef idx="0">
+            <a:schemeClr val="accent2"/>
+          </a:effectRef>
+          <a:fontRef idx="minor">
+            <a:schemeClr val="lt1"/>
+          </a:fontRef>
+        </p:style>
+        <p:txBody>
+          <a:bodyPr rtlCol="0" anchor="ctr"/>
+          <a:lstStyle/>
+          <a:p>
+            <a:pPr algn="ctr"/>
+            <a:r>
+              <a:rPr lang="en-US" sz="6000" dirty="0" err="1"/>
+              <a:t>qqOsman</a:t>
+            </a:r>
+            <a:r>
+              <a:rPr lang="en-US" sz="6000" dirty="0"/>
+              <a:t>, Removed Vars is wrong</a:t>
+            </a:r>
+          </a:p>
+        </p:txBody>
+      </p:sp>
     </p:spTree>
     <p:extLst>
       <p:ext uri="{BB962C8B-B14F-4D97-AF65-F5344CB8AC3E}">
@@ -9501,7 +10013,7 @@
 </p:sld>
 </file>
 
-<file path=ppt/slides/slide35.xml><?xml version="1.0" encoding="utf-8"?>
+<file path=ppt/slides/slide36.xml><?xml version="1.0" encoding="utf-8"?>
 <p:sld xmlns:a="http://schemas.openxmlformats.org/drawingml/2006/main" xmlns:r="http://schemas.openxmlformats.org/officeDocument/2006/relationships" xmlns:p="http://schemas.openxmlformats.org/presentationml/2006/main">
   <p:cSld>
     <p:bg>
@@ -10133,14 +10645,14 @@
           <p:nvPr>
             <p:extLst>
               <p:ext uri="{D42A27DB-BD31-4B8C-83A1-F6EECF244321}">
-                <p14:modId xmlns:p14="http://schemas.microsoft.com/office/powerpoint/2010/main" val="2009046471"/>
+                <p14:modId xmlns:p14="http://schemas.microsoft.com/office/powerpoint/2010/main" val="3139366197"/>
               </p:ext>
             </p:extLst>
           </p:nvPr>
         </p:nvGraphicFramePr>
         <p:xfrm>
           <a:off x="828336" y="1429879"/>
-          <a:ext cx="10525463" cy="5561221"/>
+          <a:ext cx="10525463" cy="5634756"/>
         </p:xfrm>
         <a:graphic>
           <a:graphicData uri="http://schemas.openxmlformats.org/drawingml/2006/table">
@@ -10456,10 +10968,9 @@
                     <a:lstStyle/>
                     <a:p>
                       <a:r>
-                        <a:rPr lang="en-US" sz="1400" dirty="0" err="1"/>
-                        <a:t>qqPeter</a:t>
+                        <a:rPr lang="en-US" sz="1400" dirty="0"/>
+                        <a:t>Countries which have a “stand-alone” national suicide prevention strategy (NSPSs) are included as 1s, else 0. These NSPSs have implemented policies which combat suicide. </a:t>
                       </a:r>
-                      <a:endParaRPr lang="en-US" sz="1400" dirty="0"/>
                     </a:p>
                   </a:txBody>
                   <a:tcPr/>

--- a/presentation/Team-25.pptx
+++ b/presentation/Team-25.pptx
@@ -11178,269 +11178,60 @@
           </a:p>
         </p:txBody>
       </p:sp>
-      <mc:AlternateContent xmlns:mc="http://schemas.openxmlformats.org/markup-compatibility/2006" xmlns:a14="http://schemas.microsoft.com/office/drawing/2010/main">
-        <mc:Choice Requires="a14">
-          <p:sp>
-            <p:nvSpPr>
-              <p:cNvPr id="3" name="Content Placeholder 2">
-                <a:extLst>
-                  <a:ext uri="{FF2B5EF4-FFF2-40B4-BE49-F238E27FC236}">
-                    <a16:creationId xmlns:a16="http://schemas.microsoft.com/office/drawing/2014/main" id="{D0032FB9-CD46-4003-B3D0-BA96497A9FF6}"/>
-                  </a:ext>
-                </a:extLst>
-              </p:cNvPr>
-              <p:cNvSpPr>
-                <a:spLocks noGrp="1"/>
-              </p:cNvSpPr>
-              <p:nvPr>
-                <p:ph idx="1"/>
-              </p:nvPr>
-            </p:nvSpPr>
-            <p:spPr/>
-            <p:txBody>
-              <a:bodyPr/>
-              <a:lstStyle/>
-              <a:p>
-                <a:r>
-                  <a:rPr lang="en-US" dirty="0"/>
-                  <a:t>qqOsman</a:t>
-                </a:r>
-              </a:p>
-              <a:p>
-                <a14:m>
-                  <m:oMath xmlns:m="http://schemas.openxmlformats.org/officeDocument/2006/math">
-                    <m:f>
-                      <m:fPr>
-                        <m:ctrlPr>
-                          <a:rPr lang="en-US" b="0" i="1" smtClean="0">
-                            <a:latin typeface="Cambria Math" panose="02040503050406030204" pitchFamily="18" charset="0"/>
-                          </a:rPr>
-                        </m:ctrlPr>
-                      </m:fPr>
-                      <m:num>
-                        <m:sSubSup>
-                          <m:sSubSupPr>
-                            <m:ctrlPr>
-                              <a:rPr lang="en-US" i="1">
-                                <a:latin typeface="Cambria Math" panose="02040503050406030204" pitchFamily="18" charset="0"/>
-                              </a:rPr>
-                            </m:ctrlPr>
-                          </m:sSubSupPr>
-                          <m:e>
-                            <m:r>
-                              <a:rPr lang="en-US" i="1">
-                                <a:latin typeface="Cambria Math" panose="02040503050406030204" pitchFamily="18" charset="0"/>
-                              </a:rPr>
-                              <m:t>𝑌</m:t>
-                            </m:r>
-                          </m:e>
-                          <m:sub>
-                            <m:r>
-                              <a:rPr lang="en-US" i="1">
-                                <a:latin typeface="Cambria Math" panose="02040503050406030204" pitchFamily="18" charset="0"/>
-                              </a:rPr>
-                              <m:t>1</m:t>
-                            </m:r>
-                          </m:sub>
-                          <m:sup>
-                            <m:r>
-                              <a:rPr lang="en-US" i="1">
-                                <a:latin typeface="Cambria Math" panose="02040503050406030204" pitchFamily="18" charset="0"/>
-                              </a:rPr>
-                              <m:t>.4</m:t>
-                            </m:r>
-                          </m:sup>
-                        </m:sSubSup>
-                        <m:r>
-                          <a:rPr lang="en-US" i="1">
-                            <a:latin typeface="Cambria Math" panose="02040503050406030204" pitchFamily="18" charset="0"/>
-                          </a:rPr>
-                          <m:t>−1</m:t>
-                        </m:r>
-                      </m:num>
-                      <m:den>
-                        <m:r>
-                          <a:rPr lang="en-US" b="0" i="1" smtClean="0">
-                            <a:latin typeface="Cambria Math" panose="02040503050406030204" pitchFamily="18" charset="0"/>
-                          </a:rPr>
-                          <m:t>.4</m:t>
-                        </m:r>
-                      </m:den>
-                    </m:f>
-                    <m:r>
-                      <a:rPr lang="en-US" b="0" i="1" smtClean="0">
-                        <a:latin typeface="Cambria Math" panose="02040503050406030204" pitchFamily="18" charset="0"/>
-                      </a:rPr>
-                      <m:t>= </m:t>
-                    </m:r>
-                    <m:sSub>
-                      <m:sSubPr>
-                        <m:ctrlPr>
-                          <a:rPr lang="en-US" b="0" i="1" smtClean="0">
-                            <a:latin typeface="Cambria Math" panose="02040503050406030204" pitchFamily="18" charset="0"/>
-                          </a:rPr>
-                        </m:ctrlPr>
-                      </m:sSubPr>
-                      <m:e>
-                        <m:r>
-                          <a:rPr lang="en-US" b="0" i="1" smtClean="0">
-                            <a:latin typeface="Cambria Math" panose="02040503050406030204" pitchFamily="18" charset="0"/>
-                          </a:rPr>
-                          <m:t>𝑋</m:t>
-                        </m:r>
-                      </m:e>
-                      <m:sub>
-                        <m:r>
-                          <a:rPr lang="en-US" b="0" i="1" smtClean="0">
-                            <a:latin typeface="Cambria Math" panose="02040503050406030204" pitchFamily="18" charset="0"/>
-                          </a:rPr>
-                          <m:t>3</m:t>
-                        </m:r>
-                      </m:sub>
-                    </m:sSub>
-                    <m:r>
-                      <a:rPr lang="en-US" b="0" i="1" smtClean="0">
-                        <a:latin typeface="Cambria Math" panose="02040503050406030204" pitchFamily="18" charset="0"/>
-                      </a:rPr>
-                      <m:t>+</m:t>
-                    </m:r>
-                    <m:sSub>
-                      <m:sSubPr>
-                        <m:ctrlPr>
-                          <a:rPr lang="en-US" i="1">
-                            <a:latin typeface="Cambria Math" panose="02040503050406030204" pitchFamily="18" charset="0"/>
-                          </a:rPr>
-                        </m:ctrlPr>
-                      </m:sSubPr>
-                      <m:e>
-                        <m:r>
-                          <a:rPr lang="en-US" i="1">
-                            <a:latin typeface="Cambria Math" panose="02040503050406030204" pitchFamily="18" charset="0"/>
-                          </a:rPr>
-                          <m:t>𝑋</m:t>
-                        </m:r>
-                      </m:e>
-                      <m:sub>
-                        <m:r>
-                          <a:rPr lang="en-US" b="0" i="1" smtClean="0">
-                            <a:latin typeface="Cambria Math" panose="02040503050406030204" pitchFamily="18" charset="0"/>
-                          </a:rPr>
-                          <m:t>4</m:t>
-                        </m:r>
-                      </m:sub>
-                    </m:sSub>
-                  </m:oMath>
-                </a14:m>
-                <a:r>
-                  <a:rPr lang="en-US" dirty="0"/>
-                  <a:t>+ </a:t>
-                </a:r>
-                <a14:m>
-                  <m:oMath xmlns:m="http://schemas.openxmlformats.org/officeDocument/2006/math">
-                    <m:sSub>
-                      <m:sSubPr>
-                        <m:ctrlPr>
-                          <a:rPr lang="en-US" i="1">
-                            <a:latin typeface="Cambria Math" panose="02040503050406030204" pitchFamily="18" charset="0"/>
-                          </a:rPr>
-                        </m:ctrlPr>
-                      </m:sSubPr>
-                      <m:e>
-                        <m:r>
-                          <a:rPr lang="en-US" i="1">
-                            <a:latin typeface="Cambria Math" panose="02040503050406030204" pitchFamily="18" charset="0"/>
-                          </a:rPr>
-                          <m:t>𝑋</m:t>
-                        </m:r>
-                      </m:e>
-                      <m:sub>
-                        <m:r>
-                          <a:rPr lang="en-US" b="0" i="1" smtClean="0">
-                            <a:latin typeface="Cambria Math" panose="02040503050406030204" pitchFamily="18" charset="0"/>
-                          </a:rPr>
-                          <m:t>5</m:t>
-                        </m:r>
-                      </m:sub>
-                    </m:sSub>
-                    <m:r>
-                      <a:rPr lang="en-US" i="1">
-                        <a:latin typeface="Cambria Math" panose="02040503050406030204" pitchFamily="18" charset="0"/>
-                      </a:rPr>
-                      <m:t> </m:t>
-                    </m:r>
-                  </m:oMath>
-                </a14:m>
-                <a:endParaRPr lang="en-US" dirty="0"/>
-              </a:p>
-              <a:p>
-                <a:pPr lvl="1"/>
-                <a:r>
-                  <a:rPr lang="en-US" dirty="0"/>
-                  <a:t>Very brief</a:t>
-                </a:r>
-              </a:p>
-              <a:p>
-                <a:pPr lvl="1"/>
-                <a:r>
-                  <a:rPr lang="en-US" dirty="0"/>
-                  <a:t>Show data transformations</a:t>
-                </a:r>
-              </a:p>
-              <a:p>
-                <a:r>
-                  <a:rPr lang="en-US" dirty="0"/>
-                  <a:t>Which Inputs were dropped</a:t>
-                </a:r>
-              </a:p>
-              <a:p>
-                <a:r>
-                  <a:rPr lang="en-US" dirty="0"/>
-                  <a:t>Model Explanation in later sections</a:t>
-                </a:r>
-              </a:p>
-            </p:txBody>
-          </p:sp>
-        </mc:Choice>
-        <mc:Fallback xmlns="">
-          <p:sp>
-            <p:nvSpPr>
-              <p:cNvPr id="3" name="Content Placeholder 2">
-                <a:extLst>
-                  <a:ext uri="{FF2B5EF4-FFF2-40B4-BE49-F238E27FC236}">
-                    <a16:creationId xmlns:a16="http://schemas.microsoft.com/office/drawing/2014/main" id="{D0032FB9-CD46-4003-B3D0-BA96497A9FF6}"/>
-                  </a:ext>
-                </a:extLst>
-              </p:cNvPr>
-              <p:cNvSpPr>
-                <a:spLocks noGrp="1" noRot="1" noChangeAspect="1" noMove="1" noResize="1" noEditPoints="1" noAdjustHandles="1" noChangeArrowheads="1" noChangeShapeType="1" noTextEdit="1"/>
-              </p:cNvSpPr>
-              <p:nvPr>
-                <p:ph idx="1"/>
-              </p:nvPr>
-            </p:nvSpPr>
-            <p:spPr>
-              <a:blipFill>
-                <a:blip r:embed="rId2"/>
-                <a:stretch>
-                  <a:fillRect l="-1043" t="-2381"/>
-                </a:stretch>
-              </a:blipFill>
-            </p:spPr>
-            <p:txBody>
-              <a:bodyPr/>
-              <a:lstStyle/>
-              <a:p>
-                <a:r>
-                  <a:rPr lang="en-US">
-                    <a:noFill/>
-                  </a:rPr>
-                  <a:t> </a:t>
-                </a:r>
-              </a:p>
-            </p:txBody>
-          </p:sp>
-        </mc:Fallback>
-      </mc:AlternateContent>
+      <p:sp>
+        <p:nvSpPr>
+          <p:cNvPr id="3" name="Content Placeholder 2">
+            <a:extLst>
+              <a:ext uri="{FF2B5EF4-FFF2-40B4-BE49-F238E27FC236}">
+                <a16:creationId xmlns:a16="http://schemas.microsoft.com/office/drawing/2014/main" id="{D0032FB9-CD46-4003-B3D0-BA96497A9FF6}"/>
+              </a:ext>
+            </a:extLst>
+          </p:cNvPr>
+          <p:cNvSpPr>
+            <a:spLocks noGrp="1"/>
+          </p:cNvSpPr>
+          <p:nvPr>
+            <p:ph idx="1"/>
+          </p:nvPr>
+        </p:nvSpPr>
+        <p:spPr/>
+        <p:txBody>
+          <a:bodyPr/>
+          <a:lstStyle/>
+          <a:p>
+            <a:r>
+              <a:rPr lang="en-US" dirty="0"/>
+              <a:t>qqOsman</a:t>
+            </a:r>
+          </a:p>
+          <a:p>
+            <a:pPr lvl="1"/>
+            <a:r>
+              <a:rPr lang="en-US" dirty="0"/>
+              <a:t>Very brief</a:t>
+            </a:r>
+          </a:p>
+          <a:p>
+            <a:pPr lvl="1"/>
+            <a:r>
+              <a:rPr lang="en-US" dirty="0"/>
+              <a:t>Show data transformations</a:t>
+            </a:r>
+          </a:p>
+          <a:p>
+            <a:r>
+              <a:rPr lang="en-US" dirty="0"/>
+              <a:t>Which Inputs were dropped</a:t>
+            </a:r>
+          </a:p>
+          <a:p>
+            <a:r>
+              <a:rPr lang="en-US" dirty="0"/>
+              <a:t>Model Explanation in later sections</a:t>
+            </a:r>
+          </a:p>
+        </p:txBody>
+      </p:sp>
     </p:spTree>
     <p:extLst>
       <p:ext uri="{BB962C8B-B14F-4D97-AF65-F5344CB8AC3E}">

--- a/presentation/Team-25.pptx
+++ b/presentation/Team-25.pptx
@@ -547,7 +547,7 @@
           <a:bodyPr/>
           <a:lstStyle/>
           <a:p>
-            <a:endParaRPr lang="en-US"/>
+            <a:endParaRPr lang="en-US" dirty="0"/>
           </a:p>
         </p:txBody>
       </p:sp>
@@ -8545,19 +8545,40 @@
         <p:spPr/>
         <p:txBody>
           <a:bodyPr numCol="2">
-            <a:normAutofit fontScale="40000" lnSpcReduction="20000"/>
+            <a:normAutofit fontScale="32500" lnSpcReduction="20000"/>
           </a:bodyPr>
           <a:lstStyle/>
           <a:p>
-            <a:r>
-              <a:rPr lang="en-US" dirty="0"/>
-              <a:t>Research Motivation</a:t>
+            <a:pPr marL="514350" indent="-514350">
+              <a:buFont typeface="+mj-lt"/>
+              <a:buAutoNum type="arabicPeriod"/>
+            </a:pPr>
+            <a:r>
+              <a:rPr lang="en-US" dirty="0"/>
+              <a:t>Research Motivation </a:t>
+            </a:r>
+            <a:r>
+              <a:rPr lang="en-US" dirty="0">
+                <a:solidFill>
+                  <a:schemeClr val="accent2">
+                    <a:lumMod val="75000"/>
+                  </a:schemeClr>
+                </a:solidFill>
+              </a:rPr>
+              <a:t>(MS)</a:t>
             </a:r>
           </a:p>
           <a:p>
             <a:pPr lvl="1"/>
             <a:r>
               <a:rPr lang="en-US" dirty="0"/>
+              <a:t>Align to the Proposal</a:t>
+            </a:r>
+          </a:p>
+          <a:p>
+            <a:pPr lvl="1"/>
+            <a:r>
+              <a:rPr lang="en-US" dirty="0"/>
               <a:t>Why this is important</a:t>
             </a:r>
           </a:p>
@@ -8569,9 +8590,23 @@
             </a:r>
           </a:p>
           <a:p>
-            <a:r>
-              <a:rPr lang="en-US" dirty="0"/>
-              <a:t>Descriptive Analysis (working title)</a:t>
+            <a:pPr marL="514350" indent="-514350">
+              <a:buFont typeface="+mj-lt"/>
+              <a:buAutoNum type="arabicPeriod"/>
+            </a:pPr>
+            <a:r>
+              <a:rPr lang="en-US" dirty="0"/>
+              <a:t>Descriptive Analysis (working title) </a:t>
+            </a:r>
+            <a:r>
+              <a:rPr lang="en-US" dirty="0">
+                <a:solidFill>
+                  <a:schemeClr val="accent2">
+                    <a:lumMod val="75000"/>
+                  </a:schemeClr>
+                </a:solidFill>
+              </a:rPr>
+              <a:t>(SG)</a:t>
             </a:r>
           </a:p>
           <a:p>
@@ -8603,9 +8638,23 @@
             </a:r>
           </a:p>
           <a:p>
-            <a:r>
-              <a:rPr lang="en-US" dirty="0"/>
-              <a:t>Considered Data Sources</a:t>
+            <a:pPr marL="514350" indent="-514350">
+              <a:buFont typeface="+mj-lt"/>
+              <a:buAutoNum type="arabicPeriod"/>
+            </a:pPr>
+            <a:r>
+              <a:rPr lang="en-US" dirty="0"/>
+              <a:t>Considered Data Sources </a:t>
+            </a:r>
+            <a:r>
+              <a:rPr lang="en-US" dirty="0">
+                <a:solidFill>
+                  <a:schemeClr val="accent2">
+                    <a:lumMod val="75000"/>
+                  </a:schemeClr>
+                </a:solidFill>
+              </a:rPr>
+              <a:t>(OG)</a:t>
             </a:r>
           </a:p>
           <a:p>
@@ -8630,15 +8679,37 @@
             </a:r>
           </a:p>
           <a:p>
-            <a:r>
-              <a:rPr lang="en-US" dirty="0"/>
-              <a:t>Analysis</a:t>
-            </a:r>
+            <a:pPr marL="514350" indent="-514350">
+              <a:buFont typeface="+mj-lt"/>
+              <a:buAutoNum type="arabicPeriod"/>
+            </a:pPr>
+            <a:r>
+              <a:rPr lang="en-US" dirty="0"/>
+              <a:t>Analysis </a:t>
+            </a:r>
+            <a:r>
+              <a:rPr lang="en-US" dirty="0">
+                <a:solidFill>
+                  <a:schemeClr val="accent2">
+                    <a:lumMod val="75000"/>
+                  </a:schemeClr>
+                </a:solidFill>
+              </a:rPr>
+              <a:t>(OG)</a:t>
+            </a:r>
+            <a:endParaRPr lang="en-US" dirty="0"/>
           </a:p>
           <a:p>
             <a:pPr lvl="1"/>
             <a:r>
               <a:rPr lang="en-US" dirty="0"/>
+              <a:t>Inferential vs Predictive</a:t>
+            </a:r>
+          </a:p>
+          <a:p>
+            <a:pPr lvl="1"/>
+            <a:r>
+              <a:rPr lang="en-US" dirty="0"/>
               <a:t>Model</a:t>
             </a:r>
           </a:p>
@@ -8646,27 +8717,43 @@
             <a:pPr lvl="1"/>
             <a:r>
               <a:rPr lang="en-US" dirty="0"/>
-              <a:t>Hypotheses and testing</a:t>
-            </a:r>
-          </a:p>
-          <a:p>
-            <a:pPr lvl="1"/>
-            <a:r>
-              <a:rPr lang="en-US" dirty="0"/>
-              <a:t>Inferential vs Predictive</a:t>
-            </a:r>
-          </a:p>
-          <a:p>
-            <a:pPr marL="914400" lvl="2" indent="0">
-              <a:buNone/>
+              <a:t>Modeling Assumptions and/or Methodology</a:t>
+            </a:r>
+          </a:p>
+          <a:p>
+            <a:pPr lvl="2"/>
+            <a:r>
+              <a:rPr lang="en-US" dirty="0"/>
+              <a:t>Which variables were used and why</a:t>
+            </a:r>
+          </a:p>
+          <a:p>
+            <a:pPr marL="1371600" lvl="2" indent="-457200">
+              <a:buFont typeface="+mj-lt"/>
+              <a:buAutoNum type="arabicPeriod"/>
             </a:pPr>
             <a:endParaRPr lang="en-US" dirty="0"/>
           </a:p>
           <a:p>
-            <a:r>
-              <a:rPr lang="en-US" dirty="0"/>
-              <a:t>Impact</a:t>
-            </a:r>
+            <a:pPr marL="514350" indent="-514350">
+              <a:buFont typeface="+mj-lt"/>
+              <a:buAutoNum type="arabicPeriod"/>
+            </a:pPr>
+            <a:r>
+              <a:rPr lang="en-US" dirty="0"/>
+              <a:t>Impact </a:t>
+            </a:r>
+            <a:r>
+              <a:rPr lang="en-US" dirty="0">
+                <a:solidFill>
+                  <a:schemeClr val="accent2">
+                    <a:lumMod val="75000"/>
+                  </a:schemeClr>
+                </a:solidFill>
+              </a:rPr>
+              <a:t>(PW)</a:t>
+            </a:r>
+            <a:endParaRPr lang="en-US" dirty="0"/>
           </a:p>
           <a:p>
             <a:pPr lvl="1"/>
@@ -8715,9 +8802,23 @@
             </a:r>
           </a:p>
           <a:p>
-            <a:r>
-              <a:rPr lang="en-US" dirty="0"/>
-              <a:t>Recommendations</a:t>
+            <a:pPr marL="514350" indent="-514350">
+              <a:buFont typeface="+mj-lt"/>
+              <a:buAutoNum type="arabicPeriod"/>
+            </a:pPr>
+            <a:r>
+              <a:rPr lang="en-US" dirty="0"/>
+              <a:t>Recommendations </a:t>
+            </a:r>
+            <a:r>
+              <a:rPr lang="en-US" dirty="0">
+                <a:solidFill>
+                  <a:schemeClr val="accent2">
+                    <a:lumMod val="75000"/>
+                  </a:schemeClr>
+                </a:solidFill>
+              </a:rPr>
+              <a:t>(SG)</a:t>
             </a:r>
           </a:p>
           <a:p>
@@ -8742,10 +8843,25 @@
             </a:r>
           </a:p>
           <a:p>
-            <a:r>
-              <a:rPr lang="en-US" dirty="0"/>
-              <a:t>Limitations and Future Research</a:t>
-            </a:r>
+            <a:pPr marL="514350" indent="-514350">
+              <a:buFont typeface="+mj-lt"/>
+              <a:buAutoNum type="arabicPeriod"/>
+            </a:pPr>
+            <a:r>
+              <a:rPr lang="en-US" dirty="0"/>
+              <a:t>Limitations and Future Research </a:t>
+            </a:r>
+            <a:r>
+              <a:rPr lang="en-US" dirty="0">
+                <a:solidFill>
+                  <a:schemeClr val="accent2">
+                    <a:lumMod val="75000"/>
+                  </a:schemeClr>
+                </a:solidFill>
+              </a:rPr>
+              <a:t>(MS)</a:t>
+            </a:r>
+            <a:endParaRPr lang="en-US" dirty="0"/>
           </a:p>
           <a:p>
             <a:pPr lvl="1"/>
@@ -8769,6 +8885,38 @@
             </a:r>
           </a:p>
           <a:p>
+            <a:pPr lvl="1"/>
+            <a:r>
+              <a:rPr lang="en-US" dirty="0"/>
+              <a:t>Categorize: issues with the data collected</a:t>
+            </a:r>
+          </a:p>
+          <a:p>
+            <a:pPr lvl="1"/>
+            <a:r>
+              <a:rPr lang="en-US" dirty="0"/>
+              <a:t>What didn’t we consider?</a:t>
+            </a:r>
+          </a:p>
+          <a:p>
+            <a:pPr lvl="1"/>
+            <a:r>
+              <a:rPr lang="en-US" dirty="0"/>
+              <a:t>Modeling Methodology</a:t>
+            </a:r>
+          </a:p>
+          <a:p>
+            <a:pPr lvl="1"/>
+            <a:r>
+              <a:rPr lang="en-US" dirty="0"/>
+              <a:t>Can’t make country-specific inferences, this is global</a:t>
+            </a:r>
+          </a:p>
+          <a:p>
+            <a:pPr marL="514350" indent="-514350">
+              <a:buFont typeface="+mj-lt"/>
+              <a:buAutoNum type="arabicPeriod"/>
+            </a:pPr>
             <a:r>
               <a:rPr lang="en-US" dirty="0"/>
               <a:t>Next Steps</a:t>
@@ -8782,10 +8930,25 @@
             </a:r>
           </a:p>
           <a:p>
-            <a:r>
-              <a:rPr lang="en-US" dirty="0"/>
-              <a:t>Appendix</a:t>
-            </a:r>
+            <a:pPr marL="514350" indent="-514350">
+              <a:buFont typeface="+mj-lt"/>
+              <a:buAutoNum type="arabicPeriod"/>
+            </a:pPr>
+            <a:r>
+              <a:rPr lang="en-US" dirty="0"/>
+              <a:t>Appendix </a:t>
+            </a:r>
+            <a:r>
+              <a:rPr lang="en-US" dirty="0">
+                <a:solidFill>
+                  <a:schemeClr val="accent2">
+                    <a:lumMod val="75000"/>
+                  </a:schemeClr>
+                </a:solidFill>
+              </a:rPr>
+              <a:t>(PW)</a:t>
+            </a:r>
+            <a:endParaRPr lang="en-US" dirty="0"/>
           </a:p>
           <a:p>
             <a:pPr lvl="1"/>
